--- a/东大模板.pptx
+++ b/东大模板.pptx
@@ -5,7 +5,7 @@
     <p:sldMasterId id="2147483648" r:id="rId1"/>
   </p:sldMasterIdLst>
   <p:notesMasterIdLst>
-    <p:notesMasterId r:id="rId15"/>
+    <p:notesMasterId r:id="rId31"/>
   </p:notesMasterIdLst>
   <p:sldIdLst>
     <p:sldId id="256" r:id="rId2"/>
@@ -21,6 +21,22 @@
     <p:sldId id="268" r:id="rId12"/>
     <p:sldId id="270" r:id="rId13"/>
     <p:sldId id="271" r:id="rId14"/>
+    <p:sldId id="272" r:id="rId15"/>
+    <p:sldId id="274" r:id="rId16"/>
+    <p:sldId id="273" r:id="rId17"/>
+    <p:sldId id="275" r:id="rId18"/>
+    <p:sldId id="276" r:id="rId19"/>
+    <p:sldId id="277" r:id="rId20"/>
+    <p:sldId id="278" r:id="rId21"/>
+    <p:sldId id="279" r:id="rId22"/>
+    <p:sldId id="280" r:id="rId23"/>
+    <p:sldId id="281" r:id="rId24"/>
+    <p:sldId id="282" r:id="rId25"/>
+    <p:sldId id="283" r:id="rId26"/>
+    <p:sldId id="284" r:id="rId27"/>
+    <p:sldId id="285" r:id="rId28"/>
+    <p:sldId id="286" r:id="rId29"/>
+    <p:sldId id="287" r:id="rId30"/>
   </p:sldIdLst>
   <p:sldSz cx="12192000" cy="6858000"/>
   <p:notesSz cx="6858000" cy="9144000"/>
@@ -130,7 +146,7 @@
 <file path=ppt/revisionInfo.xml><?xml version="1.0" encoding="utf-8"?>
 <p1510:revInfo xmlns:a="http://schemas.openxmlformats.org/drawingml/2006/main" xmlns:r="http://schemas.openxmlformats.org/officeDocument/2006/relationships" xmlns:p1510="http://schemas.microsoft.com/office/powerpoint/2015/10/main">
   <p1510:revLst>
-    <p1510:client id="{8C07FBAE-D992-4F1C-90D5-374E5B5D3891}" v="168" dt="2022-12-15T08:47:59.350"/>
+    <p1510:client id="{8C07FBAE-D992-4F1C-90D5-374E5B5D3891}" v="230" dt="2022-12-28T08:58:20.481"/>
   </p1510:revLst>
 </p1510:revInfo>
 </file>
@@ -140,7 +156,7 @@
   <pc:docChgLst>
     <pc:chgData name="Liu, Anbang/刘 安邦" userId="86bfcafd-62c3-40d1-bcaf-d841d69307ba" providerId="ADAL" clId="{8C07FBAE-D992-4F1C-90D5-374E5B5D3891}"/>
     <pc:docChg chg="undo redo custSel addSld delSld modSld sldOrd">
-      <pc:chgData name="Liu, Anbang/刘 安邦" userId="86bfcafd-62c3-40d1-bcaf-d841d69307ba" providerId="ADAL" clId="{8C07FBAE-D992-4F1C-90D5-374E5B5D3891}" dt="2022-12-15T09:22:28.904" v="5489" actId="1037"/>
+      <pc:chgData name="Liu, Anbang/刘 安邦" userId="86bfcafd-62c3-40d1-bcaf-d841d69307ba" providerId="ADAL" clId="{8C07FBAE-D992-4F1C-90D5-374E5B5D3891}" dt="2022-12-28T09:14:13.513" v="10659" actId="1076"/>
       <pc:docMkLst>
         <pc:docMk/>
       </pc:docMkLst>
@@ -282,7 +298,7 @@
         </pc:graphicFrameChg>
       </pc:sldChg>
       <pc:sldChg chg="addSp delSp modSp add mod modTransition">
-        <pc:chgData name="Liu, Anbang/刘 安邦" userId="86bfcafd-62c3-40d1-bcaf-d841d69307ba" providerId="ADAL" clId="{8C07FBAE-D992-4F1C-90D5-374E5B5D3891}" dt="2022-12-15T08:44:44.485" v="4097"/>
+        <pc:chgData name="Liu, Anbang/刘 安邦" userId="86bfcafd-62c3-40d1-bcaf-d841d69307ba" providerId="ADAL" clId="{8C07FBAE-D992-4F1C-90D5-374E5B5D3891}" dt="2022-12-22T07:55:20.054" v="7587" actId="20577"/>
         <pc:sldMkLst>
           <pc:docMk/>
           <pc:sldMk cId="3835934342" sldId="263"/>
@@ -295,6 +311,14 @@
             <ac:spMk id="2" creationId="{5A030E8A-1A42-5418-C64F-C6AEEF055340}"/>
           </ac:spMkLst>
         </pc:spChg>
+        <pc:spChg chg="add mod">
+          <ac:chgData name="Liu, Anbang/刘 安邦" userId="86bfcafd-62c3-40d1-bcaf-d841d69307ba" providerId="ADAL" clId="{8C07FBAE-D992-4F1C-90D5-374E5B5D3891}" dt="2022-12-22T06:06:36.900" v="7377" actId="113"/>
+          <ac:spMkLst>
+            <pc:docMk/>
+            <pc:sldMk cId="3835934342" sldId="263"/>
+            <ac:spMk id="2" creationId="{E6A1A037-2699-DF72-1CC4-A775DFA05DEE}"/>
+          </ac:spMkLst>
+        </pc:spChg>
         <pc:spChg chg="add del mod">
           <ac:chgData name="Liu, Anbang/刘 安邦" userId="86bfcafd-62c3-40d1-bcaf-d841d69307ba" providerId="ADAL" clId="{8C07FBAE-D992-4F1C-90D5-374E5B5D3891}" dt="2022-12-15T07:22:40.696" v="1217"/>
           <ac:spMkLst>
@@ -336,15 +360,15 @@
           </ac:spMkLst>
         </pc:spChg>
         <pc:spChg chg="add mod">
-          <ac:chgData name="Liu, Anbang/刘 安邦" userId="86bfcafd-62c3-40d1-bcaf-d841d69307ba" providerId="ADAL" clId="{8C07FBAE-D992-4F1C-90D5-374E5B5D3891}" dt="2022-12-15T07:59:20.198" v="2581" actId="1076"/>
+          <ac:chgData name="Liu, Anbang/刘 安邦" userId="86bfcafd-62c3-40d1-bcaf-d841d69307ba" providerId="ADAL" clId="{8C07FBAE-D992-4F1C-90D5-374E5B5D3891}" dt="2022-12-22T07:55:20.054" v="7587" actId="20577"/>
           <ac:spMkLst>
             <pc:docMk/>
             <pc:sldMk cId="3835934342" sldId="263"/>
             <ac:spMk id="32" creationId="{E24898AD-4F98-DA31-1990-B5D86AE59659}"/>
           </ac:spMkLst>
         </pc:spChg>
-        <pc:spChg chg="add mod">
-          <ac:chgData name="Liu, Anbang/刘 安邦" userId="86bfcafd-62c3-40d1-bcaf-d841d69307ba" providerId="ADAL" clId="{8C07FBAE-D992-4F1C-90D5-374E5B5D3891}" dt="2022-12-15T07:57:32.443" v="2535" actId="113"/>
+        <pc:spChg chg="add del mod">
+          <ac:chgData name="Liu, Anbang/刘 安邦" userId="86bfcafd-62c3-40d1-bcaf-d841d69307ba" providerId="ADAL" clId="{8C07FBAE-D992-4F1C-90D5-374E5B5D3891}" dt="2022-12-22T06:06:35.146" v="7375" actId="478"/>
           <ac:spMkLst>
             <pc:docMk/>
             <pc:sldMk cId="3835934342" sldId="263"/>
@@ -449,13 +473,21 @@
         </pc:cxnChg>
       </pc:sldChg>
       <pc:sldChg chg="addSp delSp modSp add mod modTransition">
-        <pc:chgData name="Liu, Anbang/刘 安邦" userId="86bfcafd-62c3-40d1-bcaf-d841d69307ba" providerId="ADAL" clId="{8C07FBAE-D992-4F1C-90D5-374E5B5D3891}" dt="2022-12-15T08:44:44.485" v="4097"/>
+        <pc:chgData name="Liu, Anbang/刘 安邦" userId="86bfcafd-62c3-40d1-bcaf-d841d69307ba" providerId="ADAL" clId="{8C07FBAE-D992-4F1C-90D5-374E5B5D3891}" dt="2022-12-22T06:07:11.503" v="7389"/>
         <pc:sldMkLst>
           <pc:docMk/>
           <pc:sldMk cId="2007935645" sldId="264"/>
         </pc:sldMkLst>
         <pc:spChg chg="add mod">
-          <ac:chgData name="Liu, Anbang/刘 安邦" userId="86bfcafd-62c3-40d1-bcaf-d841d69307ba" providerId="ADAL" clId="{8C07FBAE-D992-4F1C-90D5-374E5B5D3891}" dt="2022-12-15T07:59:38.184" v="2582" actId="947"/>
+          <ac:chgData name="Liu, Anbang/刘 安邦" userId="86bfcafd-62c3-40d1-bcaf-d841d69307ba" providerId="ADAL" clId="{8C07FBAE-D992-4F1C-90D5-374E5B5D3891}" dt="2022-12-22T06:07:11.503" v="7389"/>
+          <ac:spMkLst>
+            <pc:docMk/>
+            <pc:sldMk cId="2007935645" sldId="264"/>
+            <ac:spMk id="2" creationId="{D886C546-AD8E-E806-72F9-9E2ED9DDE5CF}"/>
+          </ac:spMkLst>
+        </pc:spChg>
+        <pc:spChg chg="add mod">
+          <ac:chgData name="Liu, Anbang/刘 安邦" userId="86bfcafd-62c3-40d1-bcaf-d841d69307ba" providerId="ADAL" clId="{8C07FBAE-D992-4F1C-90D5-374E5B5D3891}" dt="2022-12-22T06:04:12.315" v="7362" actId="1076"/>
           <ac:spMkLst>
             <pc:docMk/>
             <pc:sldMk cId="2007935645" sldId="264"/>
@@ -463,7 +495,7 @@
           </ac:spMkLst>
         </pc:spChg>
         <pc:spChg chg="add del mod">
-          <ac:chgData name="Liu, Anbang/刘 安邦" userId="86bfcafd-62c3-40d1-bcaf-d841d69307ba" providerId="ADAL" clId="{8C07FBAE-D992-4F1C-90D5-374E5B5D3891}" dt="2022-12-15T07:52:34.809" v="2313" actId="114"/>
+          <ac:chgData name="Liu, Anbang/刘 安邦" userId="86bfcafd-62c3-40d1-bcaf-d841d69307ba" providerId="ADAL" clId="{8C07FBAE-D992-4F1C-90D5-374E5B5D3891}" dt="2022-12-22T06:06:43.089" v="7378" actId="478"/>
           <ac:spMkLst>
             <pc:docMk/>
             <pc:sldMk cId="2007935645" sldId="264"/>
@@ -503,7 +535,7 @@
           </ac:spMkLst>
         </pc:spChg>
         <pc:picChg chg="add mod">
-          <ac:chgData name="Liu, Anbang/刘 安邦" userId="86bfcafd-62c3-40d1-bcaf-d841d69307ba" providerId="ADAL" clId="{8C07FBAE-D992-4F1C-90D5-374E5B5D3891}" dt="2022-12-15T07:51:10.031" v="2287" actId="1076"/>
+          <ac:chgData name="Liu, Anbang/刘 安邦" userId="86bfcafd-62c3-40d1-bcaf-d841d69307ba" providerId="ADAL" clId="{8C07FBAE-D992-4F1C-90D5-374E5B5D3891}" dt="2022-12-22T06:04:16.301" v="7364" actId="1076"/>
           <ac:picMkLst>
             <pc:docMk/>
             <pc:sldMk cId="2007935645" sldId="264"/>
@@ -511,7 +543,7 @@
           </ac:picMkLst>
         </pc:picChg>
         <pc:picChg chg="add mod">
-          <ac:chgData name="Liu, Anbang/刘 安邦" userId="86bfcafd-62c3-40d1-bcaf-d841d69307ba" providerId="ADAL" clId="{8C07FBAE-D992-4F1C-90D5-374E5B5D3891}" dt="2022-12-15T07:51:13.743" v="2289" actId="14100"/>
+          <ac:chgData name="Liu, Anbang/刘 安邦" userId="86bfcafd-62c3-40d1-bcaf-d841d69307ba" providerId="ADAL" clId="{8C07FBAE-D992-4F1C-90D5-374E5B5D3891}" dt="2022-12-22T06:04:16.301" v="7364" actId="1076"/>
           <ac:picMkLst>
             <pc:docMk/>
             <pc:sldMk cId="2007935645" sldId="264"/>
@@ -520,17 +552,33 @@
         </pc:picChg>
       </pc:sldChg>
       <pc:sldChg chg="addSp delSp modSp add mod modTransition">
-        <pc:chgData name="Liu, Anbang/刘 安邦" userId="86bfcafd-62c3-40d1-bcaf-d841d69307ba" providerId="ADAL" clId="{8C07FBAE-D992-4F1C-90D5-374E5B5D3891}" dt="2022-12-15T08:57:36.469" v="4254" actId="20577"/>
+        <pc:chgData name="Liu, Anbang/刘 安邦" userId="86bfcafd-62c3-40d1-bcaf-d841d69307ba" providerId="ADAL" clId="{8C07FBAE-D992-4F1C-90D5-374E5B5D3891}" dt="2022-12-22T06:07:13.055" v="7390"/>
         <pc:sldMkLst>
           <pc:docMk/>
           <pc:sldMk cId="1439895861" sldId="265"/>
         </pc:sldMkLst>
-        <pc:spChg chg="add mod">
-          <ac:chgData name="Liu, Anbang/刘 安邦" userId="86bfcafd-62c3-40d1-bcaf-d841d69307ba" providerId="ADAL" clId="{8C07FBAE-D992-4F1C-90D5-374E5B5D3891}" dt="2022-12-15T07:52:25.572" v="2311" actId="113"/>
+        <pc:spChg chg="add del mod">
+          <ac:chgData name="Liu, Anbang/刘 安邦" userId="86bfcafd-62c3-40d1-bcaf-d841d69307ba" providerId="ADAL" clId="{8C07FBAE-D992-4F1C-90D5-374E5B5D3891}" dt="2022-12-22T06:06:30.034" v="7371" actId="478"/>
           <ac:spMkLst>
             <pc:docMk/>
             <pc:sldMk cId="1439895861" sldId="265"/>
             <ac:spMk id="2" creationId="{1B855CAE-30EF-FCF1-5C64-EEB3B2EC713E}"/>
+          </ac:spMkLst>
+        </pc:spChg>
+        <pc:spChg chg="add del mod">
+          <ac:chgData name="Liu, Anbang/刘 安邦" userId="86bfcafd-62c3-40d1-bcaf-d841d69307ba" providerId="ADAL" clId="{8C07FBAE-D992-4F1C-90D5-374E5B5D3891}" dt="2022-12-22T06:06:45.010" v="7379" actId="478"/>
+          <ac:spMkLst>
+            <pc:docMk/>
+            <pc:sldMk cId="1439895861" sldId="265"/>
+            <ac:spMk id="3" creationId="{6EC97887-919E-CDD2-DE09-D8A87B52D1C9}"/>
+          </ac:spMkLst>
+        </pc:spChg>
+        <pc:spChg chg="add mod">
+          <ac:chgData name="Liu, Anbang/刘 安邦" userId="86bfcafd-62c3-40d1-bcaf-d841d69307ba" providerId="ADAL" clId="{8C07FBAE-D992-4F1C-90D5-374E5B5D3891}" dt="2022-12-22T06:07:13.055" v="7390"/>
+          <ac:spMkLst>
+            <pc:docMk/>
+            <pc:sldMk cId="1439895861" sldId="265"/>
+            <ac:spMk id="4" creationId="{33C49EAF-EB09-33DF-EB3E-38575B31DEE4}"/>
           </ac:spMkLst>
         </pc:spChg>
         <pc:spChg chg="del mod">
@@ -799,11 +847,27 @@
         </pc:cxnChg>
       </pc:sldChg>
       <pc:sldChg chg="addSp delSp modSp add mod modTransition">
-        <pc:chgData name="Liu, Anbang/刘 安邦" userId="86bfcafd-62c3-40d1-bcaf-d841d69307ba" providerId="ADAL" clId="{8C07FBAE-D992-4F1C-90D5-374E5B5D3891}" dt="2022-12-15T08:44:44.485" v="4097"/>
+        <pc:chgData name="Liu, Anbang/刘 安邦" userId="86bfcafd-62c3-40d1-bcaf-d841d69307ba" providerId="ADAL" clId="{8C07FBAE-D992-4F1C-90D5-374E5B5D3891}" dt="2022-12-22T06:07:15.601" v="7392"/>
         <pc:sldMkLst>
           <pc:docMk/>
           <pc:sldMk cId="744605318" sldId="266"/>
         </pc:sldMkLst>
+        <pc:spChg chg="del">
+          <ac:chgData name="Liu, Anbang/刘 安邦" userId="86bfcafd-62c3-40d1-bcaf-d841d69307ba" providerId="ADAL" clId="{8C07FBAE-D992-4F1C-90D5-374E5B5D3891}" dt="2022-12-22T06:06:48.786" v="7381" actId="478"/>
+          <ac:spMkLst>
+            <pc:docMk/>
+            <pc:sldMk cId="744605318" sldId="266"/>
+            <ac:spMk id="2" creationId="{1B855CAE-30EF-FCF1-5C64-EEB3B2EC713E}"/>
+          </ac:spMkLst>
+        </pc:spChg>
+        <pc:spChg chg="add mod">
+          <ac:chgData name="Liu, Anbang/刘 安邦" userId="86bfcafd-62c3-40d1-bcaf-d841d69307ba" providerId="ADAL" clId="{8C07FBAE-D992-4F1C-90D5-374E5B5D3891}" dt="2022-12-22T06:07:15.601" v="7392"/>
+          <ac:spMkLst>
+            <pc:docMk/>
+            <pc:sldMk cId="744605318" sldId="266"/>
+            <ac:spMk id="3" creationId="{6B8A38FD-DD9C-D562-23B4-76EB21C40E09}"/>
+          </ac:spMkLst>
+        </pc:spChg>
         <pc:spChg chg="mod">
           <ac:chgData name="Liu, Anbang/刘 安邦" userId="86bfcafd-62c3-40d1-bcaf-d841d69307ba" providerId="ADAL" clId="{8C07FBAE-D992-4F1C-90D5-374E5B5D3891}" dt="2022-12-15T08:44:00.982" v="4058" actId="1035"/>
           <ac:spMkLst>
@@ -1358,11 +1422,19 @@
         </pc:cxnChg>
       </pc:sldChg>
       <pc:sldChg chg="addSp delSp modSp add mod modTransition">
-        <pc:chgData name="Liu, Anbang/刘 安邦" userId="86bfcafd-62c3-40d1-bcaf-d841d69307ba" providerId="ADAL" clId="{8C07FBAE-D992-4F1C-90D5-374E5B5D3891}" dt="2022-12-15T08:57:43.078" v="4259" actId="20577"/>
+        <pc:chgData name="Liu, Anbang/刘 安邦" userId="86bfcafd-62c3-40d1-bcaf-d841d69307ba" providerId="ADAL" clId="{8C07FBAE-D992-4F1C-90D5-374E5B5D3891}" dt="2022-12-22T06:07:14.306" v="7391"/>
         <pc:sldMkLst>
           <pc:docMk/>
           <pc:sldMk cId="4153812075" sldId="267"/>
         </pc:sldMkLst>
+        <pc:spChg chg="del">
+          <ac:chgData name="Liu, Anbang/刘 安邦" userId="86bfcafd-62c3-40d1-bcaf-d841d69307ba" providerId="ADAL" clId="{8C07FBAE-D992-4F1C-90D5-374E5B5D3891}" dt="2022-12-22T06:06:32.849" v="7373" actId="478"/>
+          <ac:spMkLst>
+            <pc:docMk/>
+            <pc:sldMk cId="4153812075" sldId="267"/>
+            <ac:spMk id="2" creationId="{1B855CAE-30EF-FCF1-5C64-EEB3B2EC713E}"/>
+          </ac:spMkLst>
+        </pc:spChg>
         <pc:spChg chg="add mod">
           <ac:chgData name="Liu, Anbang/刘 安邦" userId="86bfcafd-62c3-40d1-bcaf-d841d69307ba" providerId="ADAL" clId="{8C07FBAE-D992-4F1C-90D5-374E5B5D3891}" dt="2022-12-15T08:44:11.382" v="4075" actId="1036"/>
           <ac:spMkLst>
@@ -1403,6 +1475,22 @@
             <ac:spMk id="9" creationId="{1E4F7143-F0C7-9D5E-9F38-65038D8ACF55}"/>
           </ac:spMkLst>
         </pc:spChg>
+        <pc:spChg chg="add del mod">
+          <ac:chgData name="Liu, Anbang/刘 安邦" userId="86bfcafd-62c3-40d1-bcaf-d841d69307ba" providerId="ADAL" clId="{8C07FBAE-D992-4F1C-90D5-374E5B5D3891}" dt="2022-12-22T06:06:47.530" v="7380" actId="478"/>
+          <ac:spMkLst>
+            <pc:docMk/>
+            <pc:sldMk cId="4153812075" sldId="267"/>
+            <ac:spMk id="9" creationId="{D8420D96-2D61-7838-97A9-A121D5C090D0}"/>
+          </ac:spMkLst>
+        </pc:spChg>
+        <pc:spChg chg="add mod">
+          <ac:chgData name="Liu, Anbang/刘 安邦" userId="86bfcafd-62c3-40d1-bcaf-d841d69307ba" providerId="ADAL" clId="{8C07FBAE-D992-4F1C-90D5-374E5B5D3891}" dt="2022-12-22T06:07:14.306" v="7391"/>
+          <ac:spMkLst>
+            <pc:docMk/>
+            <pc:sldMk cId="4153812075" sldId="267"/>
+            <ac:spMk id="10" creationId="{478F5D68-D4A2-24EB-0238-E9AFCBD27454}"/>
+          </ac:spMkLst>
+        </pc:spChg>
         <pc:spChg chg="add mod">
           <ac:chgData name="Liu, Anbang/刘 安邦" userId="86bfcafd-62c3-40d1-bcaf-d841d69307ba" providerId="ADAL" clId="{8C07FBAE-D992-4F1C-90D5-374E5B5D3891}" dt="2022-12-15T08:44:11.382" v="4075" actId="1036"/>
           <ac:spMkLst>
@@ -2229,11 +2317,27 @@
         </pc:cxnChg>
       </pc:sldChg>
       <pc:sldChg chg="addSp delSp modSp add mod ord modTransition">
-        <pc:chgData name="Liu, Anbang/刘 安邦" userId="86bfcafd-62c3-40d1-bcaf-d841d69307ba" providerId="ADAL" clId="{8C07FBAE-D992-4F1C-90D5-374E5B5D3891}" dt="2022-12-15T08:44:44.485" v="4097"/>
+        <pc:chgData name="Liu, Anbang/刘 安邦" userId="86bfcafd-62c3-40d1-bcaf-d841d69307ba" providerId="ADAL" clId="{8C07FBAE-D992-4F1C-90D5-374E5B5D3891}" dt="2022-12-22T06:07:18.175" v="7394"/>
         <pc:sldMkLst>
           <pc:docMk/>
           <pc:sldMk cId="2391426349" sldId="268"/>
         </pc:sldMkLst>
+        <pc:spChg chg="del">
+          <ac:chgData name="Liu, Anbang/刘 安邦" userId="86bfcafd-62c3-40d1-bcaf-d841d69307ba" providerId="ADAL" clId="{8C07FBAE-D992-4F1C-90D5-374E5B5D3891}" dt="2022-12-22T06:06:51.450" v="7383" actId="478"/>
+          <ac:spMkLst>
+            <pc:docMk/>
+            <pc:sldMk cId="2391426349" sldId="268"/>
+            <ac:spMk id="2" creationId="{1B855CAE-30EF-FCF1-5C64-EEB3B2EC713E}"/>
+          </ac:spMkLst>
+        </pc:spChg>
+        <pc:spChg chg="add mod">
+          <ac:chgData name="Liu, Anbang/刘 安邦" userId="86bfcafd-62c3-40d1-bcaf-d841d69307ba" providerId="ADAL" clId="{8C07FBAE-D992-4F1C-90D5-374E5B5D3891}" dt="2022-12-22T06:07:18.175" v="7394"/>
+          <ac:spMkLst>
+            <pc:docMk/>
+            <pc:sldMk cId="2391426349" sldId="268"/>
+            <ac:spMk id="3" creationId="{65E34A14-59F5-759B-ACA9-0299FE5C5DFC}"/>
+          </ac:spMkLst>
+        </pc:spChg>
         <pc:spChg chg="add mod">
           <ac:chgData name="Liu, Anbang/刘 安邦" userId="86bfcafd-62c3-40d1-bcaf-d841d69307ba" providerId="ADAL" clId="{8C07FBAE-D992-4F1C-90D5-374E5B5D3891}" dt="2022-12-15T08:43:47.398" v="4028" actId="1035"/>
           <ac:spMkLst>
@@ -2659,11 +2763,27 @@
         </pc:sldMkLst>
       </pc:sldChg>
       <pc:sldChg chg="addSp delSp modSp add mod modTransition">
-        <pc:chgData name="Liu, Anbang/刘 安邦" userId="86bfcafd-62c3-40d1-bcaf-d841d69307ba" providerId="ADAL" clId="{8C07FBAE-D992-4F1C-90D5-374E5B5D3891}" dt="2022-12-15T08:44:44.485" v="4097"/>
+        <pc:chgData name="Liu, Anbang/刘 安邦" userId="86bfcafd-62c3-40d1-bcaf-d841d69307ba" providerId="ADAL" clId="{8C07FBAE-D992-4F1C-90D5-374E5B5D3891}" dt="2022-12-22T06:07:16.952" v="7393"/>
         <pc:sldMkLst>
           <pc:docMk/>
           <pc:sldMk cId="1968285930" sldId="269"/>
         </pc:sldMkLst>
+        <pc:spChg chg="del">
+          <ac:chgData name="Liu, Anbang/刘 安邦" userId="86bfcafd-62c3-40d1-bcaf-d841d69307ba" providerId="ADAL" clId="{8C07FBAE-D992-4F1C-90D5-374E5B5D3891}" dt="2022-12-22T06:06:49.970" v="7382" actId="478"/>
+          <ac:spMkLst>
+            <pc:docMk/>
+            <pc:sldMk cId="1968285930" sldId="269"/>
+            <ac:spMk id="2" creationId="{1B855CAE-30EF-FCF1-5C64-EEB3B2EC713E}"/>
+          </ac:spMkLst>
+        </pc:spChg>
+        <pc:spChg chg="add mod">
+          <ac:chgData name="Liu, Anbang/刘 安邦" userId="86bfcafd-62c3-40d1-bcaf-d841d69307ba" providerId="ADAL" clId="{8C07FBAE-D992-4F1C-90D5-374E5B5D3891}" dt="2022-12-22T06:07:16.952" v="7393"/>
+          <ac:spMkLst>
+            <pc:docMk/>
+            <pc:sldMk cId="1968285930" sldId="269"/>
+            <ac:spMk id="4" creationId="{B3CFB871-F74F-D974-54E8-E4A9A11BFF83}"/>
+          </ac:spMkLst>
+        </pc:spChg>
         <pc:spChg chg="mod">
           <ac:chgData name="Liu, Anbang/刘 安邦" userId="86bfcafd-62c3-40d1-bcaf-d841d69307ba" providerId="ADAL" clId="{8C07FBAE-D992-4F1C-90D5-374E5B5D3891}" dt="2022-12-15T08:43:53.518" v="4043" actId="1035"/>
           <ac:spMkLst>
@@ -2818,11 +2938,27 @@
         </pc:cxnChg>
       </pc:sldChg>
       <pc:sldChg chg="addSp delSp modSp add mod modTransition">
-        <pc:chgData name="Liu, Anbang/刘 安邦" userId="86bfcafd-62c3-40d1-bcaf-d841d69307ba" providerId="ADAL" clId="{8C07FBAE-D992-4F1C-90D5-374E5B5D3891}" dt="2022-12-15T09:01:08.416" v="4502" actId="1076"/>
+        <pc:chgData name="Liu, Anbang/刘 安邦" userId="86bfcafd-62c3-40d1-bcaf-d841d69307ba" providerId="ADAL" clId="{8C07FBAE-D992-4F1C-90D5-374E5B5D3891}" dt="2022-12-22T06:07:19.814" v="7395"/>
         <pc:sldMkLst>
           <pc:docMk/>
           <pc:sldMk cId="1923566402" sldId="270"/>
         </pc:sldMkLst>
+        <pc:spChg chg="del">
+          <ac:chgData name="Liu, Anbang/刘 安邦" userId="86bfcafd-62c3-40d1-bcaf-d841d69307ba" providerId="ADAL" clId="{8C07FBAE-D992-4F1C-90D5-374E5B5D3891}" dt="2022-12-22T06:06:54.520" v="7384" actId="478"/>
+          <ac:spMkLst>
+            <pc:docMk/>
+            <pc:sldMk cId="1923566402" sldId="270"/>
+            <ac:spMk id="2" creationId="{1B855CAE-30EF-FCF1-5C64-EEB3B2EC713E}"/>
+          </ac:spMkLst>
+        </pc:spChg>
+        <pc:spChg chg="add mod">
+          <ac:chgData name="Liu, Anbang/刘 安邦" userId="86bfcafd-62c3-40d1-bcaf-d841d69307ba" providerId="ADAL" clId="{8C07FBAE-D992-4F1C-90D5-374E5B5D3891}" dt="2022-12-22T06:07:19.814" v="7395"/>
+          <ac:spMkLst>
+            <pc:docMk/>
+            <pc:sldMk cId="1923566402" sldId="270"/>
+            <ac:spMk id="3" creationId="{7D8A411A-6996-AF73-D5E8-DB8C36A6EB30}"/>
+          </ac:spMkLst>
+        </pc:spChg>
         <pc:spChg chg="del">
           <ac:chgData name="Liu, Anbang/刘 安邦" userId="86bfcafd-62c3-40d1-bcaf-d841d69307ba" providerId="ADAL" clId="{8C07FBAE-D992-4F1C-90D5-374E5B5D3891}" dt="2022-12-15T08:31:36.195" v="3613" actId="478"/>
           <ac:spMkLst>
@@ -3089,13 +3225,29 @@
         </pc:cxnChg>
       </pc:sldChg>
       <pc:sldChg chg="addSp delSp modSp add mod">
-        <pc:chgData name="Liu, Anbang/刘 安邦" userId="86bfcafd-62c3-40d1-bcaf-d841d69307ba" providerId="ADAL" clId="{8C07FBAE-D992-4F1C-90D5-374E5B5D3891}" dt="2022-12-15T09:22:28.904" v="5489" actId="1037"/>
+        <pc:chgData name="Liu, Anbang/刘 安邦" userId="86bfcafd-62c3-40d1-bcaf-d841d69307ba" providerId="ADAL" clId="{8C07FBAE-D992-4F1C-90D5-374E5B5D3891}" dt="2022-12-22T06:07:21.094" v="7396"/>
         <pc:sldMkLst>
           <pc:docMk/>
           <pc:sldMk cId="52544468" sldId="271"/>
         </pc:sldMkLst>
+        <pc:spChg chg="del">
+          <ac:chgData name="Liu, Anbang/刘 安邦" userId="86bfcafd-62c3-40d1-bcaf-d841d69307ba" providerId="ADAL" clId="{8C07FBAE-D992-4F1C-90D5-374E5B5D3891}" dt="2022-12-22T06:06:55.785" v="7385" actId="478"/>
+          <ac:spMkLst>
+            <pc:docMk/>
+            <pc:sldMk cId="52544468" sldId="271"/>
+            <ac:spMk id="2" creationId="{1B855CAE-30EF-FCF1-5C64-EEB3B2EC713E}"/>
+          </ac:spMkLst>
+        </pc:spChg>
+        <pc:spChg chg="add mod">
+          <ac:chgData name="Liu, Anbang/刘 安邦" userId="86bfcafd-62c3-40d1-bcaf-d841d69307ba" providerId="ADAL" clId="{8C07FBAE-D992-4F1C-90D5-374E5B5D3891}" dt="2022-12-22T06:07:21.094" v="7396"/>
+          <ac:spMkLst>
+            <pc:docMk/>
+            <pc:sldMk cId="52544468" sldId="271"/>
+            <ac:spMk id="3" creationId="{5137F5A3-1F52-4751-A5AF-5A6EF48B27A4}"/>
+          </ac:spMkLst>
+        </pc:spChg>
         <pc:spChg chg="mod">
-          <ac:chgData name="Liu, Anbang/刘 安邦" userId="86bfcafd-62c3-40d1-bcaf-d841d69307ba" providerId="ADAL" clId="{8C07FBAE-D992-4F1C-90D5-374E5B5D3891}" dt="2022-12-15T09:17:21.537" v="5468" actId="20577"/>
+          <ac:chgData name="Liu, Anbang/刘 安邦" userId="86bfcafd-62c3-40d1-bcaf-d841d69307ba" providerId="ADAL" clId="{8C07FBAE-D992-4F1C-90D5-374E5B5D3891}" dt="2022-12-22T03:22:00.104" v="5491" actId="20578"/>
           <ac:spMkLst>
             <pc:docMk/>
             <pc:sldMk cId="52544468" sldId="271"/>
@@ -3103,7 +3255,7 @@
           </ac:spMkLst>
         </pc:spChg>
         <pc:spChg chg="add mod">
-          <ac:chgData name="Liu, Anbang/刘 安邦" userId="86bfcafd-62c3-40d1-bcaf-d841d69307ba" providerId="ADAL" clId="{8C07FBAE-D992-4F1C-90D5-374E5B5D3891}" dt="2022-12-15T09:22:01.302" v="5479" actId="14100"/>
+          <ac:chgData name="Liu, Anbang/刘 安邦" userId="86bfcafd-62c3-40d1-bcaf-d841d69307ba" providerId="ADAL" clId="{8C07FBAE-D992-4F1C-90D5-374E5B5D3891}" dt="2022-12-22T05:42:30.810" v="7360" actId="14100"/>
           <ac:spMkLst>
             <pc:docMk/>
             <pc:sldMk cId="52544468" sldId="271"/>
@@ -3111,7 +3263,7 @@
           </ac:spMkLst>
         </pc:spChg>
         <pc:spChg chg="add mod">
-          <ac:chgData name="Liu, Anbang/刘 安邦" userId="86bfcafd-62c3-40d1-bcaf-d841d69307ba" providerId="ADAL" clId="{8C07FBAE-D992-4F1C-90D5-374E5B5D3891}" dt="2022-12-15T09:22:28.904" v="5489" actId="1037"/>
+          <ac:chgData name="Liu, Anbang/刘 安邦" userId="86bfcafd-62c3-40d1-bcaf-d841d69307ba" providerId="ADAL" clId="{8C07FBAE-D992-4F1C-90D5-374E5B5D3891}" dt="2022-12-22T05:42:30.810" v="7360" actId="14100"/>
           <ac:spMkLst>
             <pc:docMk/>
             <pc:sldMk cId="52544468" sldId="271"/>
@@ -3135,7 +3287,7 @@
           </ac:picMkLst>
         </pc:picChg>
         <pc:picChg chg="add mod">
-          <ac:chgData name="Liu, Anbang/刘 安邦" userId="86bfcafd-62c3-40d1-bcaf-d841d69307ba" providerId="ADAL" clId="{8C07FBAE-D992-4F1C-90D5-374E5B5D3891}" dt="2022-12-15T09:21:53.660" v="5476" actId="1076"/>
+          <ac:chgData name="Liu, Anbang/刘 安邦" userId="86bfcafd-62c3-40d1-bcaf-d841d69307ba" providerId="ADAL" clId="{8C07FBAE-D992-4F1C-90D5-374E5B5D3891}" dt="2022-12-22T05:42:30.810" v="7360" actId="14100"/>
           <ac:picMkLst>
             <pc:docMk/>
             <pc:sldMk cId="52544468" sldId="271"/>
@@ -3148,6 +3300,949 @@
             <pc:docMk/>
             <pc:sldMk cId="52544468" sldId="271"/>
             <ac:picMk id="8" creationId="{EF9CD259-FBC5-B33B-47A6-CE89E7385FCA}"/>
+          </ac:picMkLst>
+        </pc:picChg>
+      </pc:sldChg>
+      <pc:sldChg chg="addSp delSp modSp add mod">
+        <pc:chgData name="Liu, Anbang/刘 安邦" userId="86bfcafd-62c3-40d1-bcaf-d841d69307ba" providerId="ADAL" clId="{8C07FBAE-D992-4F1C-90D5-374E5B5D3891}" dt="2022-12-22T06:07:22.270" v="7397"/>
+        <pc:sldMkLst>
+          <pc:docMk/>
+          <pc:sldMk cId="495465657" sldId="272"/>
+        </pc:sldMkLst>
+        <pc:spChg chg="del">
+          <ac:chgData name="Liu, Anbang/刘 安邦" userId="86bfcafd-62c3-40d1-bcaf-d841d69307ba" providerId="ADAL" clId="{8C07FBAE-D992-4F1C-90D5-374E5B5D3891}" dt="2022-12-22T06:06:58.314" v="7386" actId="478"/>
+          <ac:spMkLst>
+            <pc:docMk/>
+            <pc:sldMk cId="495465657" sldId="272"/>
+            <ac:spMk id="2" creationId="{1B855CAE-30EF-FCF1-5C64-EEB3B2EC713E}"/>
+          </ac:spMkLst>
+        </pc:spChg>
+        <pc:spChg chg="add del">
+          <ac:chgData name="Liu, Anbang/刘 安邦" userId="86bfcafd-62c3-40d1-bcaf-d841d69307ba" providerId="ADAL" clId="{8C07FBAE-D992-4F1C-90D5-374E5B5D3891}" dt="2022-12-22T03:57:08.155" v="6832" actId="11529"/>
+          <ac:spMkLst>
+            <pc:docMk/>
+            <pc:sldMk cId="495465657" sldId="272"/>
+            <ac:spMk id="8" creationId="{AAE712CD-2410-AD94-41FF-33C95103F605}"/>
+          </ac:spMkLst>
+        </pc:spChg>
+        <pc:spChg chg="mod">
+          <ac:chgData name="Liu, Anbang/刘 安邦" userId="86bfcafd-62c3-40d1-bcaf-d841d69307ba" providerId="ADAL" clId="{8C07FBAE-D992-4F1C-90D5-374E5B5D3891}" dt="2022-12-22T04:10:08.839" v="6958" actId="113"/>
+          <ac:spMkLst>
+            <pc:docMk/>
+            <pc:sldMk cId="495465657" sldId="272"/>
+            <ac:spMk id="9" creationId="{1E4F7143-F0C7-9D5E-9F38-65038D8ACF55}"/>
+          </ac:spMkLst>
+        </pc:spChg>
+        <pc:spChg chg="add mod">
+          <ac:chgData name="Liu, Anbang/刘 安邦" userId="86bfcafd-62c3-40d1-bcaf-d841d69307ba" providerId="ADAL" clId="{8C07FBAE-D992-4F1C-90D5-374E5B5D3891}" dt="2022-12-22T03:58:00.668" v="6846" actId="164"/>
+          <ac:spMkLst>
+            <pc:docMk/>
+            <pc:sldMk cId="495465657" sldId="272"/>
+            <ac:spMk id="10" creationId="{22DA0F21-EE84-A1A9-A190-D4EA8AA05371}"/>
+          </ac:spMkLst>
+        </pc:spChg>
+        <pc:spChg chg="del">
+          <ac:chgData name="Liu, Anbang/刘 安邦" userId="86bfcafd-62c3-40d1-bcaf-d841d69307ba" providerId="ADAL" clId="{8C07FBAE-D992-4F1C-90D5-374E5B5D3891}" dt="2022-12-22T03:30:53.143" v="5745" actId="478"/>
+          <ac:spMkLst>
+            <pc:docMk/>
+            <pc:sldMk cId="495465657" sldId="272"/>
+            <ac:spMk id="11" creationId="{CB4B8CCA-03A2-4B01-E5A6-CA706A2D89AF}"/>
+          </ac:spMkLst>
+        </pc:spChg>
+        <pc:spChg chg="del">
+          <ac:chgData name="Liu, Anbang/刘 安邦" userId="86bfcafd-62c3-40d1-bcaf-d841d69307ba" providerId="ADAL" clId="{8C07FBAE-D992-4F1C-90D5-374E5B5D3891}" dt="2022-12-22T03:30:51.590" v="5744" actId="478"/>
+          <ac:spMkLst>
+            <pc:docMk/>
+            <pc:sldMk cId="495465657" sldId="272"/>
+            <ac:spMk id="13" creationId="{AF9EAE40-B857-4B5A-BE0A-2C84176EFFDE}"/>
+          </ac:spMkLst>
+        </pc:spChg>
+        <pc:spChg chg="add del mod">
+          <ac:chgData name="Liu, Anbang/刘 安邦" userId="86bfcafd-62c3-40d1-bcaf-d841d69307ba" providerId="ADAL" clId="{8C07FBAE-D992-4F1C-90D5-374E5B5D3891}" dt="2022-12-22T03:57:27.777" v="6836" actId="478"/>
+          <ac:spMkLst>
+            <pc:docMk/>
+            <pc:sldMk cId="495465657" sldId="272"/>
+            <ac:spMk id="15" creationId="{F404BB64-F15F-BE3C-4801-772906F6F755}"/>
+          </ac:spMkLst>
+        </pc:spChg>
+        <pc:spChg chg="add del mod">
+          <ac:chgData name="Liu, Anbang/刘 安邦" userId="86bfcafd-62c3-40d1-bcaf-d841d69307ba" providerId="ADAL" clId="{8C07FBAE-D992-4F1C-90D5-374E5B5D3891}" dt="2022-12-22T03:58:23.328" v="6850" actId="478"/>
+          <ac:spMkLst>
+            <pc:docMk/>
+            <pc:sldMk cId="495465657" sldId="272"/>
+            <ac:spMk id="16" creationId="{B7A514B1-2511-4827-4655-ACE69A682123}"/>
+          </ac:spMkLst>
+        </pc:spChg>
+        <pc:spChg chg="add del mod">
+          <ac:chgData name="Liu, Anbang/刘 安邦" userId="86bfcafd-62c3-40d1-bcaf-d841d69307ba" providerId="ADAL" clId="{8C07FBAE-D992-4F1C-90D5-374E5B5D3891}" dt="2022-12-22T03:58:09.186" v="6849" actId="478"/>
+          <ac:spMkLst>
+            <pc:docMk/>
+            <pc:sldMk cId="495465657" sldId="272"/>
+            <ac:spMk id="19" creationId="{5ABAAB1C-46CA-3F1C-BB1A-B119C29E3A2F}"/>
+          </ac:spMkLst>
+        </pc:spChg>
+        <pc:spChg chg="add del">
+          <ac:chgData name="Liu, Anbang/刘 安邦" userId="86bfcafd-62c3-40d1-bcaf-d841d69307ba" providerId="ADAL" clId="{8C07FBAE-D992-4F1C-90D5-374E5B5D3891}" dt="2022-12-22T03:58:43.441" v="6852" actId="11529"/>
+          <ac:spMkLst>
+            <pc:docMk/>
+            <pc:sldMk cId="495465657" sldId="272"/>
+            <ac:spMk id="34" creationId="{16F39B9D-2A7C-11A5-B742-CB5B730CB3CE}"/>
+          </ac:spMkLst>
+        </pc:spChg>
+        <pc:spChg chg="add del mod">
+          <ac:chgData name="Liu, Anbang/刘 安邦" userId="86bfcafd-62c3-40d1-bcaf-d841d69307ba" providerId="ADAL" clId="{8C07FBAE-D992-4F1C-90D5-374E5B5D3891}" dt="2022-12-22T03:59:42.481" v="6874" actId="478"/>
+          <ac:spMkLst>
+            <pc:docMk/>
+            <pc:sldMk cId="495465657" sldId="272"/>
+            <ac:spMk id="35" creationId="{5947D4D2-38A6-5232-974A-15AA8062DBAC}"/>
+          </ac:spMkLst>
+        </pc:spChg>
+        <pc:spChg chg="add del">
+          <ac:chgData name="Liu, Anbang/刘 安邦" userId="86bfcafd-62c3-40d1-bcaf-d841d69307ba" providerId="ADAL" clId="{8C07FBAE-D992-4F1C-90D5-374E5B5D3891}" dt="2022-12-22T04:02:29.263" v="6893" actId="478"/>
+          <ac:spMkLst>
+            <pc:docMk/>
+            <pc:sldMk cId="495465657" sldId="272"/>
+            <ac:spMk id="36" creationId="{A6EBD495-3C5C-1850-DBB2-63A55352331B}"/>
+          </ac:spMkLst>
+        </pc:spChg>
+        <pc:spChg chg="add del">
+          <ac:chgData name="Liu, Anbang/刘 安邦" userId="86bfcafd-62c3-40d1-bcaf-d841d69307ba" providerId="ADAL" clId="{8C07FBAE-D992-4F1C-90D5-374E5B5D3891}" dt="2022-12-22T04:00:07.177" v="6877" actId="11529"/>
+          <ac:spMkLst>
+            <pc:docMk/>
+            <pc:sldMk cId="495465657" sldId="272"/>
+            <ac:spMk id="37" creationId="{45E4CF9C-E016-4B24-AF4E-1A185EFD265D}"/>
+          </ac:spMkLst>
+        </pc:spChg>
+        <pc:spChg chg="add del mod">
+          <ac:chgData name="Liu, Anbang/刘 安邦" userId="86bfcafd-62c3-40d1-bcaf-d841d69307ba" providerId="ADAL" clId="{8C07FBAE-D992-4F1C-90D5-374E5B5D3891}" dt="2022-12-22T04:02:29.263" v="6893" actId="478"/>
+          <ac:spMkLst>
+            <pc:docMk/>
+            <pc:sldMk cId="495465657" sldId="272"/>
+            <ac:spMk id="38" creationId="{692BE094-E1BF-C576-A82A-810F90E41118}"/>
+          </ac:spMkLst>
+        </pc:spChg>
+        <pc:spChg chg="add mod">
+          <ac:chgData name="Liu, Anbang/刘 安邦" userId="86bfcafd-62c3-40d1-bcaf-d841d69307ba" providerId="ADAL" clId="{8C07FBAE-D992-4F1C-90D5-374E5B5D3891}" dt="2022-12-22T06:07:22.270" v="7397"/>
+          <ac:spMkLst>
+            <pc:docMk/>
+            <pc:sldMk cId="495465657" sldId="272"/>
+            <ac:spMk id="40" creationId="{2FCCD17B-E4CF-0D84-9A78-542F5E6EB500}"/>
+          </ac:spMkLst>
+        </pc:spChg>
+        <pc:grpChg chg="add del mod">
+          <ac:chgData name="Liu, Anbang/刘 安邦" userId="86bfcafd-62c3-40d1-bcaf-d841d69307ba" providerId="ADAL" clId="{8C07FBAE-D992-4F1C-90D5-374E5B5D3891}" dt="2022-12-22T04:02:29.263" v="6893" actId="478"/>
+          <ac:grpSpMkLst>
+            <pc:docMk/>
+            <pc:sldMk cId="495465657" sldId="272"/>
+            <ac:grpSpMk id="33" creationId="{B6908D4A-F5F4-265A-85ED-6FF08F0A2043}"/>
+          </ac:grpSpMkLst>
+        </pc:grpChg>
+        <pc:picChg chg="del">
+          <ac:chgData name="Liu, Anbang/刘 安邦" userId="86bfcafd-62c3-40d1-bcaf-d841d69307ba" providerId="ADAL" clId="{8C07FBAE-D992-4F1C-90D5-374E5B5D3891}" dt="2022-12-22T03:30:48.727" v="5743" actId="478"/>
+          <ac:picMkLst>
+            <pc:docMk/>
+            <pc:sldMk cId="495465657" sldId="272"/>
+            <ac:picMk id="7" creationId="{33EF3AAE-ECE8-B8EB-70A9-478FE185CC56}"/>
+          </ac:picMkLst>
+        </pc:picChg>
+        <pc:picChg chg="add mod">
+          <ac:chgData name="Liu, Anbang/刘 安邦" userId="86bfcafd-62c3-40d1-bcaf-d841d69307ba" providerId="ADAL" clId="{8C07FBAE-D992-4F1C-90D5-374E5B5D3891}" dt="2022-12-22T04:02:32.373" v="6894"/>
+          <ac:picMkLst>
+            <pc:docMk/>
+            <pc:sldMk cId="495465657" sldId="272"/>
+            <ac:picMk id="39" creationId="{4C59657E-541B-DA88-75CB-AE79A1A409C4}"/>
+          </ac:picMkLst>
+        </pc:picChg>
+        <pc:cxnChg chg="add mod">
+          <ac:chgData name="Liu, Anbang/刘 安邦" userId="86bfcafd-62c3-40d1-bcaf-d841d69307ba" providerId="ADAL" clId="{8C07FBAE-D992-4F1C-90D5-374E5B5D3891}" dt="2022-12-22T03:58:00.668" v="6846" actId="164"/>
+          <ac:cxnSpMkLst>
+            <pc:docMk/>
+            <pc:sldMk cId="495465657" sldId="272"/>
+            <ac:cxnSpMk id="4" creationId="{4D53A85D-127F-B9C5-6DCB-667EAC31F26F}"/>
+          </ac:cxnSpMkLst>
+        </pc:cxnChg>
+        <pc:cxnChg chg="add mod">
+          <ac:chgData name="Liu, Anbang/刘 安邦" userId="86bfcafd-62c3-40d1-bcaf-d841d69307ba" providerId="ADAL" clId="{8C07FBAE-D992-4F1C-90D5-374E5B5D3891}" dt="2022-12-22T03:58:00.668" v="6846" actId="164"/>
+          <ac:cxnSpMkLst>
+            <pc:docMk/>
+            <pc:sldMk cId="495465657" sldId="272"/>
+            <ac:cxnSpMk id="5" creationId="{197E0444-69D7-36C5-09C0-9C15F23189F1}"/>
+          </ac:cxnSpMkLst>
+        </pc:cxnChg>
+        <pc:cxnChg chg="add mod">
+          <ac:chgData name="Liu, Anbang/刘 安邦" userId="86bfcafd-62c3-40d1-bcaf-d841d69307ba" providerId="ADAL" clId="{8C07FBAE-D992-4F1C-90D5-374E5B5D3891}" dt="2022-12-22T03:58:00.668" v="6846" actId="164"/>
+          <ac:cxnSpMkLst>
+            <pc:docMk/>
+            <pc:sldMk cId="495465657" sldId="272"/>
+            <ac:cxnSpMk id="12" creationId="{90652A73-0D5D-FD97-40A7-751239059F6F}"/>
+          </ac:cxnSpMkLst>
+        </pc:cxnChg>
+        <pc:cxnChg chg="add mod">
+          <ac:chgData name="Liu, Anbang/刘 安邦" userId="86bfcafd-62c3-40d1-bcaf-d841d69307ba" providerId="ADAL" clId="{8C07FBAE-D992-4F1C-90D5-374E5B5D3891}" dt="2022-12-22T03:58:00.668" v="6846" actId="164"/>
+          <ac:cxnSpMkLst>
+            <pc:docMk/>
+            <pc:sldMk cId="495465657" sldId="272"/>
+            <ac:cxnSpMk id="14" creationId="{694D06B7-A23F-2822-F085-C15564590BD3}"/>
+          </ac:cxnSpMkLst>
+        </pc:cxnChg>
+        <pc:cxnChg chg="add mod">
+          <ac:chgData name="Liu, Anbang/刘 安邦" userId="86bfcafd-62c3-40d1-bcaf-d841d69307ba" providerId="ADAL" clId="{8C07FBAE-D992-4F1C-90D5-374E5B5D3891}" dt="2022-12-22T03:58:00.668" v="6846" actId="164"/>
+          <ac:cxnSpMkLst>
+            <pc:docMk/>
+            <pc:sldMk cId="495465657" sldId="272"/>
+            <ac:cxnSpMk id="17" creationId="{AD769C05-47CA-F0EA-4C14-8EDFBC3A0CED}"/>
+          </ac:cxnSpMkLst>
+        </pc:cxnChg>
+        <pc:cxnChg chg="add mod">
+          <ac:chgData name="Liu, Anbang/刘 安邦" userId="86bfcafd-62c3-40d1-bcaf-d841d69307ba" providerId="ADAL" clId="{8C07FBAE-D992-4F1C-90D5-374E5B5D3891}" dt="2022-12-22T03:58:00.668" v="6846" actId="164"/>
+          <ac:cxnSpMkLst>
+            <pc:docMk/>
+            <pc:sldMk cId="495465657" sldId="272"/>
+            <ac:cxnSpMk id="18" creationId="{EFE94BA1-1043-D977-45A7-A29E33E688BC}"/>
+          </ac:cxnSpMkLst>
+        </pc:cxnChg>
+      </pc:sldChg>
+      <pc:sldChg chg="addSp delSp modSp add mod ord">
+        <pc:chgData name="Liu, Anbang/刘 安邦" userId="86bfcafd-62c3-40d1-bcaf-d841d69307ba" providerId="ADAL" clId="{8C07FBAE-D992-4F1C-90D5-374E5B5D3891}" dt="2022-12-22T06:07:24.766" v="7399"/>
+        <pc:sldMkLst>
+          <pc:docMk/>
+          <pc:sldMk cId="3210591949" sldId="273"/>
+        </pc:sldMkLst>
+        <pc:spChg chg="del">
+          <ac:chgData name="Liu, Anbang/刘 安邦" userId="86bfcafd-62c3-40d1-bcaf-d841d69307ba" providerId="ADAL" clId="{8C07FBAE-D992-4F1C-90D5-374E5B5D3891}" dt="2022-12-22T06:07:02.140" v="7388" actId="478"/>
+          <ac:spMkLst>
+            <pc:docMk/>
+            <pc:sldMk cId="3210591949" sldId="273"/>
+            <ac:spMk id="2" creationId="{1B855CAE-30EF-FCF1-5C64-EEB3B2EC713E}"/>
+          </ac:spMkLst>
+        </pc:spChg>
+        <pc:spChg chg="add del mod">
+          <ac:chgData name="Liu, Anbang/刘 安邦" userId="86bfcafd-62c3-40d1-bcaf-d841d69307ba" providerId="ADAL" clId="{8C07FBAE-D992-4F1C-90D5-374E5B5D3891}" dt="2022-12-22T05:21:43.001" v="6964" actId="478"/>
+          <ac:spMkLst>
+            <pc:docMk/>
+            <pc:sldMk cId="3210591949" sldId="273"/>
+            <ac:spMk id="7" creationId="{0A8B19FD-FD83-DB30-C2C7-2D8700FD03EF}"/>
+          </ac:spMkLst>
+        </pc:spChg>
+        <pc:spChg chg="add del mod">
+          <ac:chgData name="Liu, Anbang/刘 安邦" userId="86bfcafd-62c3-40d1-bcaf-d841d69307ba" providerId="ADAL" clId="{8C07FBAE-D992-4F1C-90D5-374E5B5D3891}" dt="2022-12-22T04:03:01.817" v="6903"/>
+          <ac:spMkLst>
+            <pc:docMk/>
+            <pc:sldMk cId="3210591949" sldId="273"/>
+            <ac:spMk id="8" creationId="{BD31DB0B-1911-BDC9-0B5C-E1615899A7DD}"/>
+          </ac:spMkLst>
+        </pc:spChg>
+        <pc:spChg chg="mod">
+          <ac:chgData name="Liu, Anbang/刘 安邦" userId="86bfcafd-62c3-40d1-bcaf-d841d69307ba" providerId="ADAL" clId="{8C07FBAE-D992-4F1C-90D5-374E5B5D3891}" dt="2022-12-22T05:42:01.562" v="7356" actId="1076"/>
+          <ac:spMkLst>
+            <pc:docMk/>
+            <pc:sldMk cId="3210591949" sldId="273"/>
+            <ac:spMk id="9" creationId="{1E4F7143-F0C7-9D5E-9F38-65038D8ACF55}"/>
+          </ac:spMkLst>
+        </pc:spChg>
+        <pc:spChg chg="del">
+          <ac:chgData name="Liu, Anbang/刘 安邦" userId="86bfcafd-62c3-40d1-bcaf-d841d69307ba" providerId="ADAL" clId="{8C07FBAE-D992-4F1C-90D5-374E5B5D3891}" dt="2022-12-22T04:00:27.032" v="6881" actId="478"/>
+          <ac:spMkLst>
+            <pc:docMk/>
+            <pc:sldMk cId="3210591949" sldId="273"/>
+            <ac:spMk id="10" creationId="{22DA0F21-EE84-A1A9-A190-D4EA8AA05371}"/>
+          </ac:spMkLst>
+        </pc:spChg>
+        <pc:spChg chg="add del mod">
+          <ac:chgData name="Liu, Anbang/刘 安邦" userId="86bfcafd-62c3-40d1-bcaf-d841d69307ba" providerId="ADAL" clId="{8C07FBAE-D992-4F1C-90D5-374E5B5D3891}" dt="2022-12-22T05:21:43.001" v="6964" actId="478"/>
+          <ac:spMkLst>
+            <pc:docMk/>
+            <pc:sldMk cId="3210591949" sldId="273"/>
+            <ac:spMk id="11" creationId="{79B13161-F9F0-6485-F2B2-CBE08CA17DB8}"/>
+          </ac:spMkLst>
+        </pc:spChg>
+        <pc:spChg chg="add del">
+          <ac:chgData name="Liu, Anbang/刘 安邦" userId="86bfcafd-62c3-40d1-bcaf-d841d69307ba" providerId="ADAL" clId="{8C07FBAE-D992-4F1C-90D5-374E5B5D3891}" dt="2022-12-22T04:04:55.264" v="6916" actId="11529"/>
+          <ac:spMkLst>
+            <pc:docMk/>
+            <pc:sldMk cId="3210591949" sldId="273"/>
+            <ac:spMk id="13" creationId="{17B60ACB-2D9F-E622-F164-FD1DBAD81FFE}"/>
+          </ac:spMkLst>
+        </pc:spChg>
+        <pc:spChg chg="add del mod">
+          <ac:chgData name="Liu, Anbang/刘 安邦" userId="86bfcafd-62c3-40d1-bcaf-d841d69307ba" providerId="ADAL" clId="{8C07FBAE-D992-4F1C-90D5-374E5B5D3891}" dt="2022-12-22T05:21:43.001" v="6964" actId="478"/>
+          <ac:spMkLst>
+            <pc:docMk/>
+            <pc:sldMk cId="3210591949" sldId="273"/>
+            <ac:spMk id="15" creationId="{4C3E41F1-B358-6C8D-E1FE-260DD04F6C3D}"/>
+          </ac:spMkLst>
+        </pc:spChg>
+        <pc:spChg chg="add del mod">
+          <ac:chgData name="Liu, Anbang/刘 安邦" userId="86bfcafd-62c3-40d1-bcaf-d841d69307ba" providerId="ADAL" clId="{8C07FBAE-D992-4F1C-90D5-374E5B5D3891}" dt="2022-12-22T05:21:43.001" v="6964" actId="478"/>
+          <ac:spMkLst>
+            <pc:docMk/>
+            <pc:sldMk cId="3210591949" sldId="273"/>
+            <ac:spMk id="16" creationId="{431D1B23-F8BB-1FFB-1647-825B20B8A9BF}"/>
+          </ac:spMkLst>
+        </pc:spChg>
+        <pc:spChg chg="add mod">
+          <ac:chgData name="Liu, Anbang/刘 安邦" userId="86bfcafd-62c3-40d1-bcaf-d841d69307ba" providerId="ADAL" clId="{8C07FBAE-D992-4F1C-90D5-374E5B5D3891}" dt="2022-12-22T05:42:04.746" v="7357" actId="1076"/>
+          <ac:spMkLst>
+            <pc:docMk/>
+            <pc:sldMk cId="3210591949" sldId="273"/>
+            <ac:spMk id="21" creationId="{6F498448-5A4A-CEA1-F6E1-C796E17E4B9A}"/>
+          </ac:spMkLst>
+        </pc:spChg>
+        <pc:spChg chg="add mod">
+          <ac:chgData name="Liu, Anbang/刘 安邦" userId="86bfcafd-62c3-40d1-bcaf-d841d69307ba" providerId="ADAL" clId="{8C07FBAE-D992-4F1C-90D5-374E5B5D3891}" dt="2022-12-22T06:07:24.766" v="7399"/>
+          <ac:spMkLst>
+            <pc:docMk/>
+            <pc:sldMk cId="3210591949" sldId="273"/>
+            <ac:spMk id="22" creationId="{B280A8EA-6180-9F37-D64C-D44E83D38619}"/>
+          </ac:spMkLst>
+        </pc:spChg>
+        <pc:spChg chg="del">
+          <ac:chgData name="Liu, Anbang/刘 安邦" userId="86bfcafd-62c3-40d1-bcaf-d841d69307ba" providerId="ADAL" clId="{8C07FBAE-D992-4F1C-90D5-374E5B5D3891}" dt="2022-12-22T04:01:42.568" v="6882" actId="478"/>
+          <ac:spMkLst>
+            <pc:docMk/>
+            <pc:sldMk cId="3210591949" sldId="273"/>
+            <ac:spMk id="36" creationId="{A6EBD495-3C5C-1850-DBB2-63A55352331B}"/>
+          </ac:spMkLst>
+        </pc:spChg>
+        <pc:spChg chg="del">
+          <ac:chgData name="Liu, Anbang/刘 安邦" userId="86bfcafd-62c3-40d1-bcaf-d841d69307ba" providerId="ADAL" clId="{8C07FBAE-D992-4F1C-90D5-374E5B5D3891}" dt="2022-12-22T04:01:42.568" v="6882" actId="478"/>
+          <ac:spMkLst>
+            <pc:docMk/>
+            <pc:sldMk cId="3210591949" sldId="273"/>
+            <ac:spMk id="38" creationId="{692BE094-E1BF-C576-A82A-810F90E41118}"/>
+          </ac:spMkLst>
+        </pc:spChg>
+        <pc:grpChg chg="del">
+          <ac:chgData name="Liu, Anbang/刘 安邦" userId="86bfcafd-62c3-40d1-bcaf-d841d69307ba" providerId="ADAL" clId="{8C07FBAE-D992-4F1C-90D5-374E5B5D3891}" dt="2022-12-22T04:01:42.568" v="6882" actId="478"/>
+          <ac:grpSpMkLst>
+            <pc:docMk/>
+            <pc:sldMk cId="3210591949" sldId="273"/>
+            <ac:grpSpMk id="33" creationId="{B6908D4A-F5F4-265A-85ED-6FF08F0A2043}"/>
+          </ac:grpSpMkLst>
+        </pc:grpChg>
+        <pc:picChg chg="add del mod modCrop">
+          <ac:chgData name="Liu, Anbang/刘 安邦" userId="86bfcafd-62c3-40d1-bcaf-d841d69307ba" providerId="ADAL" clId="{8C07FBAE-D992-4F1C-90D5-374E5B5D3891}" dt="2022-12-22T05:21:40.658" v="6962" actId="478"/>
+          <ac:picMkLst>
+            <pc:docMk/>
+            <pc:sldMk cId="3210591949" sldId="273"/>
+            <ac:picMk id="6" creationId="{D67BB892-14B2-486F-A041-670B87230FBE}"/>
+          </ac:picMkLst>
+        </pc:picChg>
+        <pc:picChg chg="add mod modCrop">
+          <ac:chgData name="Liu, Anbang/刘 安邦" userId="86bfcafd-62c3-40d1-bcaf-d841d69307ba" providerId="ADAL" clId="{8C07FBAE-D992-4F1C-90D5-374E5B5D3891}" dt="2022-12-22T05:42:04.746" v="7357" actId="1076"/>
+          <ac:picMkLst>
+            <pc:docMk/>
+            <pc:sldMk cId="3210591949" sldId="273"/>
+            <ac:picMk id="20" creationId="{34679488-7D18-7307-1E72-B9502DA70FAE}"/>
+          </ac:picMkLst>
+        </pc:picChg>
+      </pc:sldChg>
+      <pc:sldChg chg="addSp delSp modSp add mod">
+        <pc:chgData name="Liu, Anbang/刘 安邦" userId="86bfcafd-62c3-40d1-bcaf-d841d69307ba" providerId="ADAL" clId="{8C07FBAE-D992-4F1C-90D5-374E5B5D3891}" dt="2022-12-22T06:07:23.362" v="7398"/>
+        <pc:sldMkLst>
+          <pc:docMk/>
+          <pc:sldMk cId="3605759045" sldId="274"/>
+        </pc:sldMkLst>
+        <pc:spChg chg="del">
+          <ac:chgData name="Liu, Anbang/刘 安邦" userId="86bfcafd-62c3-40d1-bcaf-d841d69307ba" providerId="ADAL" clId="{8C07FBAE-D992-4F1C-90D5-374E5B5D3891}" dt="2022-12-22T06:06:59.755" v="7387" actId="478"/>
+          <ac:spMkLst>
+            <pc:docMk/>
+            <pc:sldMk cId="3605759045" sldId="274"/>
+            <ac:spMk id="2" creationId="{1B855CAE-30EF-FCF1-5C64-EEB3B2EC713E}"/>
+          </ac:spMkLst>
+        </pc:spChg>
+        <pc:spChg chg="add mod">
+          <ac:chgData name="Liu, Anbang/刘 安邦" userId="86bfcafd-62c3-40d1-bcaf-d841d69307ba" providerId="ADAL" clId="{8C07FBAE-D992-4F1C-90D5-374E5B5D3891}" dt="2022-12-22T06:07:23.362" v="7398"/>
+          <ac:spMkLst>
+            <pc:docMk/>
+            <pc:sldMk cId="3605759045" sldId="274"/>
+            <ac:spMk id="3" creationId="{9D06340A-E226-5CE6-E868-E4CA6E9A74F0}"/>
+          </ac:spMkLst>
+        </pc:spChg>
+        <pc:picChg chg="del">
+          <ac:chgData name="Liu, Anbang/刘 安邦" userId="86bfcafd-62c3-40d1-bcaf-d841d69307ba" providerId="ADAL" clId="{8C07FBAE-D992-4F1C-90D5-374E5B5D3891}" dt="2022-12-22T05:21:38.531" v="6961" actId="478"/>
+          <ac:picMkLst>
+            <pc:docMk/>
+            <pc:sldMk cId="3605759045" sldId="274"/>
+            <ac:picMk id="20" creationId="{34679488-7D18-7307-1E72-B9502DA70FAE}"/>
+          </ac:picMkLst>
+        </pc:picChg>
+      </pc:sldChg>
+      <pc:sldChg chg="addSp delSp modSp add mod">
+        <pc:chgData name="Liu, Anbang/刘 安邦" userId="86bfcafd-62c3-40d1-bcaf-d841d69307ba" providerId="ADAL" clId="{8C07FBAE-D992-4F1C-90D5-374E5B5D3891}" dt="2022-12-28T09:14:13.513" v="10659" actId="1076"/>
+        <pc:sldMkLst>
+          <pc:docMk/>
+          <pc:sldMk cId="2799020351" sldId="275"/>
+        </pc:sldMkLst>
+        <pc:spChg chg="add mod">
+          <ac:chgData name="Liu, Anbang/刘 安邦" userId="86bfcafd-62c3-40d1-bcaf-d841d69307ba" providerId="ADAL" clId="{8C07FBAE-D992-4F1C-90D5-374E5B5D3891}" dt="2022-12-28T09:14:12.481" v="10658" actId="1076"/>
+          <ac:spMkLst>
+            <pc:docMk/>
+            <pc:sldMk cId="2799020351" sldId="275"/>
+            <ac:spMk id="2" creationId="{A85029AB-3D7F-5E0B-C244-2B564EBC6BD7}"/>
+          </ac:spMkLst>
+        </pc:spChg>
+        <pc:spChg chg="add del">
+          <ac:chgData name="Liu, Anbang/刘 安邦" userId="86bfcafd-62c3-40d1-bcaf-d841d69307ba" providerId="ADAL" clId="{8C07FBAE-D992-4F1C-90D5-374E5B5D3891}" dt="2022-12-22T08:48:03.504" v="9040" actId="22"/>
+          <ac:spMkLst>
+            <pc:docMk/>
+            <pc:sldMk cId="2799020351" sldId="275"/>
+            <ac:spMk id="5" creationId="{9F24910C-4971-8671-2E43-0315939AACFB}"/>
+          </ac:spMkLst>
+        </pc:spChg>
+        <pc:spChg chg="del">
+          <ac:chgData name="Liu, Anbang/刘 安邦" userId="86bfcafd-62c3-40d1-bcaf-d841d69307ba" providerId="ADAL" clId="{8C07FBAE-D992-4F1C-90D5-374E5B5D3891}" dt="2022-12-22T06:09:32.434" v="7401" actId="478"/>
+          <ac:spMkLst>
+            <pc:docMk/>
+            <pc:sldMk cId="2799020351" sldId="275"/>
+            <ac:spMk id="9" creationId="{1E4F7143-F0C7-9D5E-9F38-65038D8ACF55}"/>
+          </ac:spMkLst>
+        </pc:spChg>
+        <pc:spChg chg="del">
+          <ac:chgData name="Liu, Anbang/刘 安邦" userId="86bfcafd-62c3-40d1-bcaf-d841d69307ba" providerId="ADAL" clId="{8C07FBAE-D992-4F1C-90D5-374E5B5D3891}" dt="2022-12-22T06:09:32.434" v="7401" actId="478"/>
+          <ac:spMkLst>
+            <pc:docMk/>
+            <pc:sldMk cId="2799020351" sldId="275"/>
+            <ac:spMk id="21" creationId="{6F498448-5A4A-CEA1-F6E1-C796E17E4B9A}"/>
+          </ac:spMkLst>
+        </pc:spChg>
+        <pc:picChg chg="add mod">
+          <ac:chgData name="Liu, Anbang/刘 安邦" userId="86bfcafd-62c3-40d1-bcaf-d841d69307ba" providerId="ADAL" clId="{8C07FBAE-D992-4F1C-90D5-374E5B5D3891}" dt="2022-12-28T09:14:13.513" v="10659" actId="1076"/>
+          <ac:picMkLst>
+            <pc:docMk/>
+            <pc:sldMk cId="2799020351" sldId="275"/>
+            <ac:picMk id="3" creationId="{0F808113-F818-25CC-445A-C86DC35D45EE}"/>
+          </ac:picMkLst>
+        </pc:picChg>
+        <pc:picChg chg="del">
+          <ac:chgData name="Liu, Anbang/刘 安邦" userId="86bfcafd-62c3-40d1-bcaf-d841d69307ba" providerId="ADAL" clId="{8C07FBAE-D992-4F1C-90D5-374E5B5D3891}" dt="2022-12-22T06:09:32.434" v="7401" actId="478"/>
+          <ac:picMkLst>
+            <pc:docMk/>
+            <pc:sldMk cId="2799020351" sldId="275"/>
+            <ac:picMk id="20" creationId="{34679488-7D18-7307-1E72-B9502DA70FAE}"/>
+          </ac:picMkLst>
+        </pc:picChg>
+      </pc:sldChg>
+      <pc:sldChg chg="addSp delSp modSp add mod">
+        <pc:chgData name="Liu, Anbang/刘 安邦" userId="86bfcafd-62c3-40d1-bcaf-d841d69307ba" providerId="ADAL" clId="{8C07FBAE-D992-4F1C-90D5-374E5B5D3891}" dt="2022-12-22T08:29:56.322" v="8913" actId="20577"/>
+        <pc:sldMkLst>
+          <pc:docMk/>
+          <pc:sldMk cId="1702862228" sldId="276"/>
+        </pc:sldMkLst>
+        <pc:spChg chg="add del mod">
+          <ac:chgData name="Liu, Anbang/刘 安邦" userId="86bfcafd-62c3-40d1-bcaf-d841d69307ba" providerId="ADAL" clId="{8C07FBAE-D992-4F1C-90D5-374E5B5D3891}" dt="2022-12-22T07:58:18.316" v="7902" actId="20577"/>
+          <ac:spMkLst>
+            <pc:docMk/>
+            <pc:sldMk cId="1702862228" sldId="276"/>
+            <ac:spMk id="2" creationId="{7DD7EA74-0273-07ED-7B99-90939F0C1120}"/>
+          </ac:spMkLst>
+        </pc:spChg>
+        <pc:spChg chg="add mod">
+          <ac:chgData name="Liu, Anbang/刘 安邦" userId="86bfcafd-62c3-40d1-bcaf-d841d69307ba" providerId="ADAL" clId="{8C07FBAE-D992-4F1C-90D5-374E5B5D3891}" dt="2022-12-22T08:29:56.322" v="8913" actId="20577"/>
+          <ac:spMkLst>
+            <pc:docMk/>
+            <pc:sldMk cId="1702862228" sldId="276"/>
+            <ac:spMk id="3" creationId="{8B09A32D-BB1C-866A-AAB3-EAF456780A38}"/>
+          </ac:spMkLst>
+        </pc:spChg>
+        <pc:spChg chg="add del mod">
+          <ac:chgData name="Liu, Anbang/刘 安邦" userId="86bfcafd-62c3-40d1-bcaf-d841d69307ba" providerId="ADAL" clId="{8C07FBAE-D992-4F1C-90D5-374E5B5D3891}" dt="2022-12-22T08:05:11.430" v="8858"/>
+          <ac:spMkLst>
+            <pc:docMk/>
+            <pc:sldMk cId="1702862228" sldId="276"/>
+            <ac:spMk id="4" creationId="{0F99720C-C81B-C0F1-A72B-79A37FD101C1}"/>
+          </ac:spMkLst>
+        </pc:spChg>
+        <pc:spChg chg="mod">
+          <ac:chgData name="Liu, Anbang/刘 安邦" userId="86bfcafd-62c3-40d1-bcaf-d841d69307ba" providerId="ADAL" clId="{8C07FBAE-D992-4F1C-90D5-374E5B5D3891}" dt="2022-12-22T06:12:10.179" v="7425" actId="20577"/>
+          <ac:spMkLst>
+            <pc:docMk/>
+            <pc:sldMk cId="1702862228" sldId="276"/>
+            <ac:spMk id="22" creationId="{B280A8EA-6180-9F37-D64C-D44E83D38619}"/>
+          </ac:spMkLst>
+        </pc:spChg>
+        <pc:picChg chg="del">
+          <ac:chgData name="Liu, Anbang/刘 安邦" userId="86bfcafd-62c3-40d1-bcaf-d841d69307ba" providerId="ADAL" clId="{8C07FBAE-D992-4F1C-90D5-374E5B5D3891}" dt="2022-12-22T06:11:37.305" v="7408" actId="478"/>
+          <ac:picMkLst>
+            <pc:docMk/>
+            <pc:sldMk cId="1702862228" sldId="276"/>
+            <ac:picMk id="3" creationId="{0F808113-F818-25CC-445A-C86DC35D45EE}"/>
+          </ac:picMkLst>
+        </pc:picChg>
+        <pc:picChg chg="add del mod">
+          <ac:chgData name="Liu, Anbang/刘 安邦" userId="86bfcafd-62c3-40d1-bcaf-d841d69307ba" providerId="ADAL" clId="{8C07FBAE-D992-4F1C-90D5-374E5B5D3891}" dt="2022-12-22T08:23:49.220" v="8876" actId="478"/>
+          <ac:picMkLst>
+            <pc:docMk/>
+            <pc:sldMk cId="1702862228" sldId="276"/>
+            <ac:picMk id="6" creationId="{3BDB4C9C-341D-CBAD-E53A-596B9DC21D59}"/>
+          </ac:picMkLst>
+        </pc:picChg>
+      </pc:sldChg>
+      <pc:sldChg chg="addSp delSp modSp add mod ord">
+        <pc:chgData name="Liu, Anbang/刘 安邦" userId="86bfcafd-62c3-40d1-bcaf-d841d69307ba" providerId="ADAL" clId="{8C07FBAE-D992-4F1C-90D5-374E5B5D3891}" dt="2022-12-28T08:26:31.347" v="10122" actId="113"/>
+        <pc:sldMkLst>
+          <pc:docMk/>
+          <pc:sldMk cId="672703815" sldId="277"/>
+        </pc:sldMkLst>
+        <pc:spChg chg="del">
+          <ac:chgData name="Liu, Anbang/刘 安邦" userId="86bfcafd-62c3-40d1-bcaf-d841d69307ba" providerId="ADAL" clId="{8C07FBAE-D992-4F1C-90D5-374E5B5D3891}" dt="2022-12-22T08:20:51.648" v="8866" actId="478"/>
+          <ac:spMkLst>
+            <pc:docMk/>
+            <pc:sldMk cId="672703815" sldId="277"/>
+            <ac:spMk id="2" creationId="{7DD7EA74-0273-07ED-7B99-90939F0C1120}"/>
+          </ac:spMkLst>
+        </pc:spChg>
+        <pc:spChg chg="del">
+          <ac:chgData name="Liu, Anbang/刘 安邦" userId="86bfcafd-62c3-40d1-bcaf-d841d69307ba" providerId="ADAL" clId="{8C07FBAE-D992-4F1C-90D5-374E5B5D3891}" dt="2022-12-22T08:20:51.648" v="8866" actId="478"/>
+          <ac:spMkLst>
+            <pc:docMk/>
+            <pc:sldMk cId="672703815" sldId="277"/>
+            <ac:spMk id="3" creationId="{8B09A32D-BB1C-866A-AAB3-EAF456780A38}"/>
+          </ac:spMkLst>
+        </pc:spChg>
+        <pc:spChg chg="add mod">
+          <ac:chgData name="Liu, Anbang/刘 安邦" userId="86bfcafd-62c3-40d1-bcaf-d841d69307ba" providerId="ADAL" clId="{8C07FBAE-D992-4F1C-90D5-374E5B5D3891}" dt="2022-12-28T08:26:31.347" v="10122" actId="113"/>
+          <ac:spMkLst>
+            <pc:docMk/>
+            <pc:sldMk cId="672703815" sldId="277"/>
+            <ac:spMk id="6" creationId="{26A1510D-38AF-A373-D32A-ABB053959AC8}"/>
+          </ac:spMkLst>
+        </pc:spChg>
+        <pc:picChg chg="add mod">
+          <ac:chgData name="Liu, Anbang/刘 安邦" userId="86bfcafd-62c3-40d1-bcaf-d841d69307ba" providerId="ADAL" clId="{8C07FBAE-D992-4F1C-90D5-374E5B5D3891}" dt="2022-12-22T08:27:27.977" v="8884" actId="1076"/>
+          <ac:picMkLst>
+            <pc:docMk/>
+            <pc:sldMk cId="672703815" sldId="277"/>
+            <ac:picMk id="5" creationId="{81CC0281-DABE-3E43-B660-1D5A39DDED58}"/>
+          </ac:picMkLst>
+        </pc:picChg>
+      </pc:sldChg>
+      <pc:sldChg chg="addSp delSp modSp add mod">
+        <pc:chgData name="Liu, Anbang/刘 安邦" userId="86bfcafd-62c3-40d1-bcaf-d841d69307ba" providerId="ADAL" clId="{8C07FBAE-D992-4F1C-90D5-374E5B5D3891}" dt="2022-12-22T08:51:09.319" v="9097" actId="2711"/>
+        <pc:sldMkLst>
+          <pc:docMk/>
+          <pc:sldMk cId="3694176921" sldId="278"/>
+        </pc:sldMkLst>
+        <pc:spChg chg="del">
+          <ac:chgData name="Liu, Anbang/刘 安邦" userId="86bfcafd-62c3-40d1-bcaf-d841d69307ba" providerId="ADAL" clId="{8C07FBAE-D992-4F1C-90D5-374E5B5D3891}" dt="2022-12-22T08:23:52.596" v="8877" actId="478"/>
+          <ac:spMkLst>
+            <pc:docMk/>
+            <pc:sldMk cId="3694176921" sldId="278"/>
+            <ac:spMk id="2" creationId="{7DD7EA74-0273-07ED-7B99-90939F0C1120}"/>
+          </ac:spMkLst>
+        </pc:spChg>
+        <pc:spChg chg="del">
+          <ac:chgData name="Liu, Anbang/刘 安邦" userId="86bfcafd-62c3-40d1-bcaf-d841d69307ba" providerId="ADAL" clId="{8C07FBAE-D992-4F1C-90D5-374E5B5D3891}" dt="2022-12-22T08:23:52.596" v="8877" actId="478"/>
+          <ac:spMkLst>
+            <pc:docMk/>
+            <pc:sldMk cId="3694176921" sldId="278"/>
+            <ac:spMk id="3" creationId="{8B09A32D-BB1C-866A-AAB3-EAF456780A38}"/>
+          </ac:spMkLst>
+        </pc:spChg>
+        <pc:spChg chg="add mod">
+          <ac:chgData name="Liu, Anbang/刘 安邦" userId="86bfcafd-62c3-40d1-bcaf-d841d69307ba" providerId="ADAL" clId="{8C07FBAE-D992-4F1C-90D5-374E5B5D3891}" dt="2022-12-22T08:51:09.319" v="9097" actId="2711"/>
+          <ac:spMkLst>
+            <pc:docMk/>
+            <pc:sldMk cId="3694176921" sldId="278"/>
+            <ac:spMk id="8" creationId="{920C2CA2-A109-BFE2-E407-C804E219B322}"/>
+          </ac:spMkLst>
+        </pc:spChg>
+        <pc:picChg chg="add del mod">
+          <ac:chgData name="Liu, Anbang/刘 安邦" userId="86bfcafd-62c3-40d1-bcaf-d841d69307ba" providerId="ADAL" clId="{8C07FBAE-D992-4F1C-90D5-374E5B5D3891}" dt="2022-12-22T08:34:24.280" v="8918" actId="21"/>
+          <ac:picMkLst>
+            <pc:docMk/>
+            <pc:sldMk cId="3694176921" sldId="278"/>
+            <ac:picMk id="5" creationId="{657CFDDC-4A39-96C0-E26E-F2D6A6B58DC7}"/>
+          </ac:picMkLst>
+        </pc:picChg>
+        <pc:picChg chg="mod">
+          <ac:chgData name="Liu, Anbang/刘 安邦" userId="86bfcafd-62c3-40d1-bcaf-d841d69307ba" providerId="ADAL" clId="{8C07FBAE-D992-4F1C-90D5-374E5B5D3891}" dt="2022-12-22T08:46:11.757" v="8954" actId="1076"/>
+          <ac:picMkLst>
+            <pc:docMk/>
+            <pc:sldMk cId="3694176921" sldId="278"/>
+            <ac:picMk id="6" creationId="{3BDB4C9C-341D-CBAD-E53A-596B9DC21D59}"/>
+          </ac:picMkLst>
+        </pc:picChg>
+        <pc:picChg chg="add del mod">
+          <ac:chgData name="Liu, Anbang/刘 安邦" userId="86bfcafd-62c3-40d1-bcaf-d841d69307ba" providerId="ADAL" clId="{8C07FBAE-D992-4F1C-90D5-374E5B5D3891}" dt="2022-12-22T08:34:31.899" v="8921" actId="478"/>
+          <ac:picMkLst>
+            <pc:docMk/>
+            <pc:sldMk cId="3694176921" sldId="278"/>
+            <ac:picMk id="7" creationId="{6B335686-C48F-11E9-A7BA-A74D97060EAD}"/>
+          </ac:picMkLst>
+        </pc:picChg>
+      </pc:sldChg>
+      <pc:sldChg chg="addSp delSp modSp add mod">
+        <pc:chgData name="Liu, Anbang/刘 安邦" userId="86bfcafd-62c3-40d1-bcaf-d841d69307ba" providerId="ADAL" clId="{8C07FBAE-D992-4F1C-90D5-374E5B5D3891}" dt="2022-12-28T08:37:23.515" v="10318" actId="1076"/>
+        <pc:sldMkLst>
+          <pc:docMk/>
+          <pc:sldMk cId="1085886403" sldId="279"/>
+        </pc:sldMkLst>
+        <pc:picChg chg="add mod">
+          <ac:chgData name="Liu, Anbang/刘 安邦" userId="86bfcafd-62c3-40d1-bcaf-d841d69307ba" providerId="ADAL" clId="{8C07FBAE-D992-4F1C-90D5-374E5B5D3891}" dt="2022-12-28T08:37:23.515" v="10318" actId="1076"/>
+          <ac:picMkLst>
+            <pc:docMk/>
+            <pc:sldMk cId="1085886403" sldId="279"/>
+            <ac:picMk id="3" creationId="{10AD15A4-DA94-9973-1B78-6C2D43E240C4}"/>
+          </ac:picMkLst>
+        </pc:picChg>
+        <pc:picChg chg="del">
+          <ac:chgData name="Liu, Anbang/刘 安邦" userId="86bfcafd-62c3-40d1-bcaf-d841d69307ba" providerId="ADAL" clId="{8C07FBAE-D992-4F1C-90D5-374E5B5D3891}" dt="2022-12-22T08:34:33.667" v="8922" actId="478"/>
+          <ac:picMkLst>
+            <pc:docMk/>
+            <pc:sldMk cId="1085886403" sldId="279"/>
+            <ac:picMk id="6" creationId="{3BDB4C9C-341D-CBAD-E53A-596B9DC21D59}"/>
+          </ac:picMkLst>
+        </pc:picChg>
+        <pc:picChg chg="mod">
+          <ac:chgData name="Liu, Anbang/刘 安邦" userId="86bfcafd-62c3-40d1-bcaf-d841d69307ba" providerId="ADAL" clId="{8C07FBAE-D992-4F1C-90D5-374E5B5D3891}" dt="2022-12-28T08:37:22.275" v="10317" actId="1076"/>
+          <ac:picMkLst>
+            <pc:docMk/>
+            <pc:sldMk cId="1085886403" sldId="279"/>
+            <ac:picMk id="7" creationId="{6B335686-C48F-11E9-A7BA-A74D97060EAD}"/>
+          </ac:picMkLst>
+        </pc:picChg>
+      </pc:sldChg>
+      <pc:sldChg chg="addSp delSp modSp add mod">
+        <pc:chgData name="Liu, Anbang/刘 安邦" userId="86bfcafd-62c3-40d1-bcaf-d841d69307ba" providerId="ADAL" clId="{8C07FBAE-D992-4F1C-90D5-374E5B5D3891}" dt="2022-12-28T08:25:30.132" v="10121" actId="1076"/>
+        <pc:sldMkLst>
+          <pc:docMk/>
+          <pc:sldMk cId="2004204550" sldId="280"/>
+        </pc:sldMkLst>
+        <pc:spChg chg="mod">
+          <ac:chgData name="Liu, Anbang/刘 安邦" userId="86bfcafd-62c3-40d1-bcaf-d841d69307ba" providerId="ADAL" clId="{8C07FBAE-D992-4F1C-90D5-374E5B5D3891}" dt="2022-12-28T08:22:41.161" v="10014" actId="20577"/>
+          <ac:spMkLst>
+            <pc:docMk/>
+            <pc:sldMk cId="2004204550" sldId="280"/>
+            <ac:spMk id="2" creationId="{7DD7EA74-0273-07ED-7B99-90939F0C1120}"/>
+          </ac:spMkLst>
+        </pc:spChg>
+        <pc:spChg chg="mod">
+          <ac:chgData name="Liu, Anbang/刘 安邦" userId="86bfcafd-62c3-40d1-bcaf-d841d69307ba" providerId="ADAL" clId="{8C07FBAE-D992-4F1C-90D5-374E5B5D3891}" dt="2022-12-28T08:25:26.497" v="10120" actId="20577"/>
+          <ac:spMkLst>
+            <pc:docMk/>
+            <pc:sldMk cId="2004204550" sldId="280"/>
+            <ac:spMk id="3" creationId="{8B09A32D-BB1C-866A-AAB3-EAF456780A38}"/>
+          </ac:spMkLst>
+        </pc:spChg>
+        <pc:spChg chg="add del mod">
+          <ac:chgData name="Liu, Anbang/刘 安邦" userId="86bfcafd-62c3-40d1-bcaf-d841d69307ba" providerId="ADAL" clId="{8C07FBAE-D992-4F1C-90D5-374E5B5D3891}" dt="2022-12-22T08:52:50.775" v="9125" actId="20577"/>
+          <ac:spMkLst>
+            <pc:docMk/>
+            <pc:sldMk cId="2004204550" sldId="280"/>
+            <ac:spMk id="22" creationId="{B280A8EA-6180-9F37-D64C-D44E83D38619}"/>
+          </ac:spMkLst>
+        </pc:spChg>
+        <pc:picChg chg="add mod">
+          <ac:chgData name="Liu, Anbang/刘 安邦" userId="86bfcafd-62c3-40d1-bcaf-d841d69307ba" providerId="ADAL" clId="{8C07FBAE-D992-4F1C-90D5-374E5B5D3891}" dt="2022-12-28T08:25:30.132" v="10121" actId="1076"/>
+          <ac:picMkLst>
+            <pc:docMk/>
+            <pc:sldMk cId="2004204550" sldId="280"/>
+            <ac:picMk id="4" creationId="{B52396A2-2137-3AC1-03AC-E7DA9E3F48F3}"/>
+          </ac:picMkLst>
+        </pc:picChg>
+      </pc:sldChg>
+      <pc:sldChg chg="new del">
+        <pc:chgData name="Liu, Anbang/刘 安邦" userId="86bfcafd-62c3-40d1-bcaf-d841d69307ba" providerId="ADAL" clId="{8C07FBAE-D992-4F1C-90D5-374E5B5D3891}" dt="2022-12-28T08:23:16.766" v="10058" actId="47"/>
+        <pc:sldMkLst>
+          <pc:docMk/>
+          <pc:sldMk cId="2556071418" sldId="281"/>
+        </pc:sldMkLst>
+      </pc:sldChg>
+      <pc:sldChg chg="addSp delSp modSp add mod">
+        <pc:chgData name="Liu, Anbang/刘 安邦" userId="86bfcafd-62c3-40d1-bcaf-d841d69307ba" providerId="ADAL" clId="{8C07FBAE-D992-4F1C-90D5-374E5B5D3891}" dt="2022-12-28T08:28:27.604" v="10136" actId="1076"/>
+        <pc:sldMkLst>
+          <pc:docMk/>
+          <pc:sldMk cId="3490828362" sldId="281"/>
+        </pc:sldMkLst>
+        <pc:spChg chg="del">
+          <ac:chgData name="Liu, Anbang/刘 安邦" userId="86bfcafd-62c3-40d1-bcaf-d841d69307ba" providerId="ADAL" clId="{8C07FBAE-D992-4F1C-90D5-374E5B5D3891}" dt="2022-12-28T08:23:23.914" v="10060" actId="478"/>
+          <ac:spMkLst>
+            <pc:docMk/>
+            <pc:sldMk cId="3490828362" sldId="281"/>
+            <ac:spMk id="2" creationId="{7DD7EA74-0273-07ED-7B99-90939F0C1120}"/>
+          </ac:spMkLst>
+        </pc:spChg>
+        <pc:spChg chg="del">
+          <ac:chgData name="Liu, Anbang/刘 安邦" userId="86bfcafd-62c3-40d1-bcaf-d841d69307ba" providerId="ADAL" clId="{8C07FBAE-D992-4F1C-90D5-374E5B5D3891}" dt="2022-12-28T08:23:24.673" v="10061" actId="478"/>
+          <ac:spMkLst>
+            <pc:docMk/>
+            <pc:sldMk cId="3490828362" sldId="281"/>
+            <ac:spMk id="3" creationId="{8B09A32D-BB1C-866A-AAB3-EAF456780A38}"/>
+          </ac:spMkLst>
+        </pc:spChg>
+        <pc:spChg chg="add del mod">
+          <ac:chgData name="Liu, Anbang/刘 安邦" userId="86bfcafd-62c3-40d1-bcaf-d841d69307ba" providerId="ADAL" clId="{8C07FBAE-D992-4F1C-90D5-374E5B5D3891}" dt="2022-12-28T08:28:00.824" v="10130" actId="478"/>
+          <ac:spMkLst>
+            <pc:docMk/>
+            <pc:sldMk cId="3490828362" sldId="281"/>
+            <ac:spMk id="7" creationId="{43681D22-52B5-9DE4-3F72-4CB4907D1886}"/>
+          </ac:spMkLst>
+        </pc:spChg>
+        <pc:picChg chg="add del mod">
+          <ac:chgData name="Liu, Anbang/刘 安邦" userId="86bfcafd-62c3-40d1-bcaf-d841d69307ba" providerId="ADAL" clId="{8C07FBAE-D992-4F1C-90D5-374E5B5D3891}" dt="2022-12-28T08:23:54.950" v="10065" actId="21"/>
+          <ac:picMkLst>
+            <pc:docMk/>
+            <pc:sldMk cId="3490828362" sldId="281"/>
+            <ac:picMk id="5" creationId="{D09B5A3E-95FC-C42A-31E2-B808260AC161}"/>
+          </ac:picMkLst>
+        </pc:picChg>
+        <pc:picChg chg="add mod">
+          <ac:chgData name="Liu, Anbang/刘 安邦" userId="86bfcafd-62c3-40d1-bcaf-d841d69307ba" providerId="ADAL" clId="{8C07FBAE-D992-4F1C-90D5-374E5B5D3891}" dt="2022-12-28T08:28:27.604" v="10136" actId="1076"/>
+          <ac:picMkLst>
+            <pc:docMk/>
+            <pc:sldMk cId="3490828362" sldId="281"/>
+            <ac:picMk id="9" creationId="{58769AE0-EF29-4EF9-1183-CCCB6E88F565}"/>
+          </ac:picMkLst>
+        </pc:picChg>
+        <pc:picChg chg="add del mod">
+          <ac:chgData name="Liu, Anbang/刘 安邦" userId="86bfcafd-62c3-40d1-bcaf-d841d69307ba" providerId="ADAL" clId="{8C07FBAE-D992-4F1C-90D5-374E5B5D3891}" dt="2022-12-28T08:27:59.448" v="10129" actId="478"/>
+          <ac:picMkLst>
+            <pc:docMk/>
+            <pc:sldMk cId="3490828362" sldId="281"/>
+            <ac:picMk id="11" creationId="{B340D020-9C80-1993-86C1-A5BE58744808}"/>
+          </ac:picMkLst>
+        </pc:picChg>
+      </pc:sldChg>
+      <pc:sldChg chg="delSp modSp add mod">
+        <pc:chgData name="Liu, Anbang/刘 安邦" userId="86bfcafd-62c3-40d1-bcaf-d841d69307ba" providerId="ADAL" clId="{8C07FBAE-D992-4F1C-90D5-374E5B5D3891}" dt="2022-12-28T08:40:03.357" v="10331" actId="404"/>
+        <pc:sldMkLst>
+          <pc:docMk/>
+          <pc:sldMk cId="3124074202" sldId="282"/>
+        </pc:sldMkLst>
+        <pc:spChg chg="mod">
+          <ac:chgData name="Liu, Anbang/刘 安邦" userId="86bfcafd-62c3-40d1-bcaf-d841d69307ba" providerId="ADAL" clId="{8C07FBAE-D992-4F1C-90D5-374E5B5D3891}" dt="2022-12-28T08:40:03.357" v="10331" actId="404"/>
+          <ac:spMkLst>
+            <pc:docMk/>
+            <pc:sldMk cId="3124074202" sldId="282"/>
+            <ac:spMk id="7" creationId="{43681D22-52B5-9DE4-3F72-4CB4907D1886}"/>
+          </ac:spMkLst>
+        </pc:spChg>
+        <pc:picChg chg="del">
+          <ac:chgData name="Liu, Anbang/刘 安邦" userId="86bfcafd-62c3-40d1-bcaf-d841d69307ba" providerId="ADAL" clId="{8C07FBAE-D992-4F1C-90D5-374E5B5D3891}" dt="2022-12-28T08:28:24" v="10135" actId="478"/>
+          <ac:picMkLst>
+            <pc:docMk/>
+            <pc:sldMk cId="3124074202" sldId="282"/>
+            <ac:picMk id="9" creationId="{58769AE0-EF29-4EF9-1183-CCCB6E88F565}"/>
+          </ac:picMkLst>
+        </pc:picChg>
+        <pc:picChg chg="mod">
+          <ac:chgData name="Liu, Anbang/刘 安邦" userId="86bfcafd-62c3-40d1-bcaf-d841d69307ba" providerId="ADAL" clId="{8C07FBAE-D992-4F1C-90D5-374E5B5D3891}" dt="2022-12-28T08:31:03.780" v="10297" actId="1076"/>
+          <ac:picMkLst>
+            <pc:docMk/>
+            <pc:sldMk cId="3124074202" sldId="282"/>
+            <ac:picMk id="11" creationId="{B340D020-9C80-1993-86C1-A5BE58744808}"/>
+          </ac:picMkLst>
+        </pc:picChg>
+      </pc:sldChg>
+      <pc:sldChg chg="addSp delSp modSp add mod">
+        <pc:chgData name="Liu, Anbang/刘 安邦" userId="86bfcafd-62c3-40d1-bcaf-d841d69307ba" providerId="ADAL" clId="{8C07FBAE-D992-4F1C-90D5-374E5B5D3891}" dt="2022-12-28T08:39:58.699" v="10330" actId="404"/>
+        <pc:sldMkLst>
+          <pc:docMk/>
+          <pc:sldMk cId="1587581965" sldId="283"/>
+        </pc:sldMkLst>
+        <pc:spChg chg="mod">
+          <ac:chgData name="Liu, Anbang/刘 安邦" userId="86bfcafd-62c3-40d1-bcaf-d841d69307ba" providerId="ADAL" clId="{8C07FBAE-D992-4F1C-90D5-374E5B5D3891}" dt="2022-12-28T08:39:58.699" v="10330" actId="404"/>
+          <ac:spMkLst>
+            <pc:docMk/>
+            <pc:sldMk cId="1587581965" sldId="283"/>
+            <ac:spMk id="7" creationId="{43681D22-52B5-9DE4-3F72-4CB4907D1886}"/>
+          </ac:spMkLst>
+        </pc:spChg>
+        <pc:picChg chg="add mod">
+          <ac:chgData name="Liu, Anbang/刘 安邦" userId="86bfcafd-62c3-40d1-bcaf-d841d69307ba" providerId="ADAL" clId="{8C07FBAE-D992-4F1C-90D5-374E5B5D3891}" dt="2022-12-28T08:39:53.321" v="10328" actId="1076"/>
+          <ac:picMkLst>
+            <pc:docMk/>
+            <pc:sldMk cId="1587581965" sldId="283"/>
+            <ac:picMk id="3" creationId="{98F736AA-6863-B77F-111D-BF87DAA99D66}"/>
+          </ac:picMkLst>
+        </pc:picChg>
+        <pc:picChg chg="add del mod">
+          <ac:chgData name="Liu, Anbang/刘 安邦" userId="86bfcafd-62c3-40d1-bcaf-d841d69307ba" providerId="ADAL" clId="{8C07FBAE-D992-4F1C-90D5-374E5B5D3891}" dt="2022-12-28T08:36:34.060" v="10300" actId="21"/>
+          <ac:picMkLst>
+            <pc:docMk/>
+            <pc:sldMk cId="1587581965" sldId="283"/>
+            <ac:picMk id="5" creationId="{2EF0D221-C35E-D8A4-FD8B-F1D3FF9D19C0}"/>
+          </ac:picMkLst>
+        </pc:picChg>
+        <pc:picChg chg="add del mod">
+          <ac:chgData name="Liu, Anbang/刘 安邦" userId="86bfcafd-62c3-40d1-bcaf-d841d69307ba" providerId="ADAL" clId="{8C07FBAE-D992-4F1C-90D5-374E5B5D3891}" dt="2022-12-28T08:36:41.086" v="10303" actId="478"/>
+          <ac:picMkLst>
+            <pc:docMk/>
+            <pc:sldMk cId="1587581965" sldId="283"/>
+            <ac:picMk id="6" creationId="{DF6374C1-CCA3-353B-10B8-359DD5245F32}"/>
+          </ac:picMkLst>
+        </pc:picChg>
+        <pc:picChg chg="del">
+          <ac:chgData name="Liu, Anbang/刘 安邦" userId="86bfcafd-62c3-40d1-bcaf-d841d69307ba" providerId="ADAL" clId="{8C07FBAE-D992-4F1C-90D5-374E5B5D3891}" dt="2022-12-28T08:28:46.944" v="10139" actId="478"/>
+          <ac:picMkLst>
+            <pc:docMk/>
+            <pc:sldMk cId="1587581965" sldId="283"/>
+            <ac:picMk id="11" creationId="{B340D020-9C80-1993-86C1-A5BE58744808}"/>
+          </ac:picMkLst>
+        </pc:picChg>
+      </pc:sldChg>
+      <pc:sldChg chg="delSp modSp add mod">
+        <pc:chgData name="Liu, Anbang/刘 安邦" userId="86bfcafd-62c3-40d1-bcaf-d841d69307ba" providerId="ADAL" clId="{8C07FBAE-D992-4F1C-90D5-374E5B5D3891}" dt="2022-12-28T08:37:00.411" v="10309" actId="1076"/>
+        <pc:sldMkLst>
+          <pc:docMk/>
+          <pc:sldMk cId="910193012" sldId="284"/>
+        </pc:sldMkLst>
+        <pc:spChg chg="del">
+          <ac:chgData name="Liu, Anbang/刘 安邦" userId="86bfcafd-62c3-40d1-bcaf-d841d69307ba" providerId="ADAL" clId="{8C07FBAE-D992-4F1C-90D5-374E5B5D3891}" dt="2022-12-28T08:36:43.645" v="10305" actId="478"/>
+          <ac:spMkLst>
+            <pc:docMk/>
+            <pc:sldMk cId="910193012" sldId="284"/>
+            <ac:spMk id="7" creationId="{43681D22-52B5-9DE4-3F72-4CB4907D1886}"/>
+          </ac:spMkLst>
+        </pc:spChg>
+        <pc:picChg chg="del">
+          <ac:chgData name="Liu, Anbang/刘 安邦" userId="86bfcafd-62c3-40d1-bcaf-d841d69307ba" providerId="ADAL" clId="{8C07FBAE-D992-4F1C-90D5-374E5B5D3891}" dt="2022-12-28T08:36:42.654" v="10304" actId="478"/>
+          <ac:picMkLst>
+            <pc:docMk/>
+            <pc:sldMk cId="910193012" sldId="284"/>
+            <ac:picMk id="3" creationId="{98F736AA-6863-B77F-111D-BF87DAA99D66}"/>
+          </ac:picMkLst>
+        </pc:picChg>
+        <pc:picChg chg="mod">
+          <ac:chgData name="Liu, Anbang/刘 安邦" userId="86bfcafd-62c3-40d1-bcaf-d841d69307ba" providerId="ADAL" clId="{8C07FBAE-D992-4F1C-90D5-374E5B5D3891}" dt="2022-12-28T08:37:00.411" v="10309" actId="1076"/>
+          <ac:picMkLst>
+            <pc:docMk/>
+            <pc:sldMk cId="910193012" sldId="284"/>
+            <ac:picMk id="6" creationId="{DF6374C1-CCA3-353B-10B8-359DD5245F32}"/>
+          </ac:picMkLst>
+        </pc:picChg>
+      </pc:sldChg>
+      <pc:sldChg chg="addSp delSp modSp add mod">
+        <pc:chgData name="Liu, Anbang/刘 安邦" userId="86bfcafd-62c3-40d1-bcaf-d841d69307ba" providerId="ADAL" clId="{8C07FBAE-D992-4F1C-90D5-374E5B5D3891}" dt="2022-12-28T08:52:51.018" v="10334" actId="21"/>
+        <pc:sldMkLst>
+          <pc:docMk/>
+          <pc:sldMk cId="1579332194" sldId="285"/>
+        </pc:sldMkLst>
+        <pc:picChg chg="add mod">
+          <ac:chgData name="Liu, Anbang/刘 安邦" userId="86bfcafd-62c3-40d1-bcaf-d841d69307ba" providerId="ADAL" clId="{8C07FBAE-D992-4F1C-90D5-374E5B5D3891}" dt="2022-12-28T08:39:36.193" v="10326" actId="1076"/>
+          <ac:picMkLst>
+            <pc:docMk/>
+            <pc:sldMk cId="1579332194" sldId="285"/>
+            <ac:picMk id="3" creationId="{7637CB34-FF22-AE40-2DB1-E3DA2590D1EB}"/>
+          </ac:picMkLst>
+        </pc:picChg>
+        <pc:picChg chg="add del mod">
+          <ac:chgData name="Liu, Anbang/刘 安邦" userId="86bfcafd-62c3-40d1-bcaf-d841d69307ba" providerId="ADAL" clId="{8C07FBAE-D992-4F1C-90D5-374E5B5D3891}" dt="2022-12-28T08:39:34.692" v="10325" actId="478"/>
+          <ac:picMkLst>
+            <pc:docMk/>
+            <pc:sldMk cId="1579332194" sldId="285"/>
+            <ac:picMk id="4" creationId="{6ABA71F0-916C-569D-BD7B-337ACA1757CB}"/>
+          </ac:picMkLst>
+        </pc:picChg>
+        <pc:picChg chg="del">
+          <ac:chgData name="Liu, Anbang/刘 安邦" userId="86bfcafd-62c3-40d1-bcaf-d841d69307ba" providerId="ADAL" clId="{8C07FBAE-D992-4F1C-90D5-374E5B5D3891}" dt="2022-12-28T08:37:12.462" v="10311" actId="478"/>
+          <ac:picMkLst>
+            <pc:docMk/>
+            <pc:sldMk cId="1579332194" sldId="285"/>
+            <ac:picMk id="6" creationId="{DF6374C1-CCA3-353B-10B8-359DD5245F32}"/>
+          </ac:picMkLst>
+        </pc:picChg>
+        <pc:picChg chg="add del">
+          <ac:chgData name="Liu, Anbang/刘 安邦" userId="86bfcafd-62c3-40d1-bcaf-d841d69307ba" providerId="ADAL" clId="{8C07FBAE-D992-4F1C-90D5-374E5B5D3891}" dt="2022-12-28T08:52:51.018" v="10334" actId="21"/>
+          <ac:picMkLst>
+            <pc:docMk/>
+            <pc:sldMk cId="1579332194" sldId="285"/>
+            <ac:picMk id="7" creationId="{C430C4CF-F96F-069D-034B-93484CA3BF33}"/>
+          </ac:picMkLst>
+        </pc:picChg>
+      </pc:sldChg>
+      <pc:sldChg chg="addSp delSp modSp add mod">
+        <pc:chgData name="Liu, Anbang/刘 安邦" userId="86bfcafd-62c3-40d1-bcaf-d841d69307ba" providerId="ADAL" clId="{8C07FBAE-D992-4F1C-90D5-374E5B5D3891}" dt="2022-12-28T09:07:14.444" v="10647" actId="1035"/>
+        <pc:sldMkLst>
+          <pc:docMk/>
+          <pc:sldMk cId="3751550131" sldId="286"/>
+        </pc:sldMkLst>
+        <pc:spChg chg="add del mod">
+          <ac:chgData name="Liu, Anbang/刘 安邦" userId="86bfcafd-62c3-40d1-bcaf-d841d69307ba" providerId="ADAL" clId="{8C07FBAE-D992-4F1C-90D5-374E5B5D3891}" dt="2022-12-28T09:07:14.444" v="10647" actId="1035"/>
+          <ac:spMkLst>
+            <pc:docMk/>
+            <pc:sldMk cId="3751550131" sldId="286"/>
+            <ac:spMk id="2" creationId="{7DD7EA74-0273-07ED-7B99-90939F0C1120}"/>
+          </ac:spMkLst>
+        </pc:spChg>
+        <pc:spChg chg="add del mod">
+          <ac:chgData name="Liu, Anbang/刘 安邦" userId="86bfcafd-62c3-40d1-bcaf-d841d69307ba" providerId="ADAL" clId="{8C07FBAE-D992-4F1C-90D5-374E5B5D3891}" dt="2022-12-28T09:07:14.444" v="10647" actId="1035"/>
+          <ac:spMkLst>
+            <pc:docMk/>
+            <pc:sldMk cId="3751550131" sldId="286"/>
+            <ac:spMk id="3" creationId="{8B09A32D-BB1C-866A-AAB3-EAF456780A38}"/>
+          </ac:spMkLst>
+        </pc:spChg>
+        <pc:spChg chg="mod">
+          <ac:chgData name="Liu, Anbang/刘 安邦" userId="86bfcafd-62c3-40d1-bcaf-d841d69307ba" providerId="ADAL" clId="{8C07FBAE-D992-4F1C-90D5-374E5B5D3891}" dt="2022-12-28T08:54:56.916" v="10494" actId="20577"/>
+          <ac:spMkLst>
+            <pc:docMk/>
+            <pc:sldMk cId="3751550131" sldId="286"/>
+            <ac:spMk id="22" creationId="{B280A8EA-6180-9F37-D64C-D44E83D38619}"/>
+          </ac:spMkLst>
+        </pc:spChg>
+        <pc:picChg chg="add del">
+          <ac:chgData name="Liu, Anbang/刘 安邦" userId="86bfcafd-62c3-40d1-bcaf-d841d69307ba" providerId="ADAL" clId="{8C07FBAE-D992-4F1C-90D5-374E5B5D3891}" dt="2022-12-28T08:53:21.968" v="10353" actId="478"/>
+          <ac:picMkLst>
+            <pc:docMk/>
+            <pc:sldMk cId="3751550131" sldId="286"/>
+            <ac:picMk id="4" creationId="{B52396A2-2137-3AC1-03AC-E7DA9E3F48F3}"/>
+          </ac:picMkLst>
+        </pc:picChg>
+        <pc:picChg chg="add del mod">
+          <ac:chgData name="Liu, Anbang/刘 安邦" userId="86bfcafd-62c3-40d1-bcaf-d841d69307ba" providerId="ADAL" clId="{8C07FBAE-D992-4F1C-90D5-374E5B5D3891}" dt="2022-12-28T08:53:04.674" v="10349"/>
+          <ac:picMkLst>
+            <pc:docMk/>
+            <pc:sldMk cId="3751550131" sldId="286"/>
+            <ac:picMk id="5" creationId="{C5529325-2551-3F8C-0CC0-F8B5C5514083}"/>
+          </ac:picMkLst>
+        </pc:picChg>
+        <pc:picChg chg="add del mod">
+          <ac:chgData name="Liu, Anbang/刘 安邦" userId="86bfcafd-62c3-40d1-bcaf-d841d69307ba" providerId="ADAL" clId="{8C07FBAE-D992-4F1C-90D5-374E5B5D3891}" dt="2022-12-28T08:53:11.722" v="10352" actId="478"/>
+          <ac:picMkLst>
+            <pc:docMk/>
+            <pc:sldMk cId="3751550131" sldId="286"/>
+            <ac:picMk id="6" creationId="{6C642B79-DC52-82D9-E943-D357C236041C}"/>
+          </ac:picMkLst>
+        </pc:picChg>
+      </pc:sldChg>
+      <pc:sldChg chg="addSp delSp modSp add mod">
+        <pc:chgData name="Liu, Anbang/刘 安邦" userId="86bfcafd-62c3-40d1-bcaf-d841d69307ba" providerId="ADAL" clId="{8C07FBAE-D992-4F1C-90D5-374E5B5D3891}" dt="2022-12-28T09:10:46.420" v="10655" actId="1037"/>
+        <pc:sldMkLst>
+          <pc:docMk/>
+          <pc:sldMk cId="1856499581" sldId="287"/>
+        </pc:sldMkLst>
+        <pc:spChg chg="del">
+          <ac:chgData name="Liu, Anbang/刘 安邦" userId="86bfcafd-62c3-40d1-bcaf-d841d69307ba" providerId="ADAL" clId="{8C07FBAE-D992-4F1C-90D5-374E5B5D3891}" dt="2022-12-28T08:58:22.991" v="10623" actId="478"/>
+          <ac:spMkLst>
+            <pc:docMk/>
+            <pc:sldMk cId="1856499581" sldId="287"/>
+            <ac:spMk id="2" creationId="{7DD7EA74-0273-07ED-7B99-90939F0C1120}"/>
+          </ac:spMkLst>
+        </pc:spChg>
+        <pc:spChg chg="del">
+          <ac:chgData name="Liu, Anbang/刘 安邦" userId="86bfcafd-62c3-40d1-bcaf-d841d69307ba" providerId="ADAL" clId="{8C07FBAE-D992-4F1C-90D5-374E5B5D3891}" dt="2022-12-28T08:58:22.991" v="10623" actId="478"/>
+          <ac:spMkLst>
+            <pc:docMk/>
+            <pc:sldMk cId="1856499581" sldId="287"/>
+            <ac:spMk id="3" creationId="{8B09A32D-BB1C-866A-AAB3-EAF456780A38}"/>
+          </ac:spMkLst>
+        </pc:spChg>
+        <pc:spChg chg="add mod">
+          <ac:chgData name="Liu, Anbang/刘 安邦" userId="86bfcafd-62c3-40d1-bcaf-d841d69307ba" providerId="ADAL" clId="{8C07FBAE-D992-4F1C-90D5-374E5B5D3891}" dt="2022-12-28T09:10:46.420" v="10655" actId="1037"/>
+          <ac:spMkLst>
+            <pc:docMk/>
+            <pc:sldMk cId="1856499581" sldId="287"/>
+            <ac:spMk id="6" creationId="{2911D217-291C-CDB3-B282-BBF524F52312}"/>
+          </ac:spMkLst>
+        </pc:spChg>
+        <pc:picChg chg="add mod">
+          <ac:chgData name="Liu, Anbang/刘 安邦" userId="86bfcafd-62c3-40d1-bcaf-d841d69307ba" providerId="ADAL" clId="{8C07FBAE-D992-4F1C-90D5-374E5B5D3891}" dt="2022-12-28T09:10:05.329" v="10648" actId="1076"/>
+          <ac:picMkLst>
+            <pc:docMk/>
+            <pc:sldMk cId="1856499581" sldId="287"/>
+            <ac:picMk id="5" creationId="{418BAD6A-E6B2-260B-DF8B-7BDA046D4E82}"/>
           </ac:picMkLst>
         </pc:picChg>
       </pc:sldChg>
@@ -3322,7 +4417,7 @@
           <a:p>
             <a:fld id="{B3E6C259-73C2-4ACE-977F-08AEC49D6244}" type="datetimeFigureOut">
               <a:rPr lang="zh-CN" altLang="en-US" smtClean="0"/>
-              <a:t>2022/12/15</a:t>
+              <a:t>2022/12/28</a:t>
             </a:fld>
             <a:endParaRPr lang="zh-CN" altLang="en-US"/>
           </a:p>
@@ -3673,6 +4768,846 @@
 </p:notes>
 </file>
 
+<file path=ppt/notesSlides/notesSlide10.xml><?xml version="1.0" encoding="utf-8"?>
+<p:notes xmlns:a="http://schemas.openxmlformats.org/drawingml/2006/main" xmlns:r="http://schemas.openxmlformats.org/officeDocument/2006/relationships" xmlns:p="http://schemas.openxmlformats.org/presentationml/2006/main">
+  <p:cSld>
+    <p:spTree>
+      <p:nvGrpSpPr>
+        <p:cNvPr id="1" name=""/>
+        <p:cNvGrpSpPr/>
+        <p:nvPr/>
+      </p:nvGrpSpPr>
+      <p:grpSpPr>
+        <a:xfrm>
+          <a:off x="0" y="0"/>
+          <a:ext cx="0" cy="0"/>
+          <a:chOff x="0" y="0"/>
+          <a:chExt cx="0" cy="0"/>
+        </a:xfrm>
+      </p:grpSpPr>
+      <p:sp>
+        <p:nvSpPr>
+          <p:cNvPr id="2" name="幻灯片图像占位符 1"/>
+          <p:cNvSpPr>
+            <a:spLocks noGrp="1" noRot="1" noChangeAspect="1"/>
+          </p:cNvSpPr>
+          <p:nvPr>
+            <p:ph type="sldImg"/>
+          </p:nvPr>
+        </p:nvSpPr>
+        <p:spPr/>
+      </p:sp>
+      <p:sp>
+        <p:nvSpPr>
+          <p:cNvPr id="3" name="备注占位符 2"/>
+          <p:cNvSpPr>
+            <a:spLocks noGrp="1"/>
+          </p:cNvSpPr>
+          <p:nvPr>
+            <p:ph type="body" idx="1"/>
+          </p:nvPr>
+        </p:nvSpPr>
+        <p:spPr/>
+        <p:txBody>
+          <a:bodyPr/>
+          <a:lstStyle/>
+          <a:p>
+            <a:endParaRPr lang="zh-CN" altLang="en-US" dirty="0"/>
+          </a:p>
+        </p:txBody>
+      </p:sp>
+      <p:sp>
+        <p:nvSpPr>
+          <p:cNvPr id="4" name="灯片编号占位符 3"/>
+          <p:cNvSpPr>
+            <a:spLocks noGrp="1"/>
+          </p:cNvSpPr>
+          <p:nvPr>
+            <p:ph type="sldNum" sz="quarter" idx="5"/>
+          </p:nvPr>
+        </p:nvSpPr>
+        <p:spPr/>
+        <p:txBody>
+          <a:bodyPr/>
+          <a:lstStyle/>
+          <a:p>
+            <a:fld id="{B6C087DE-5C1C-4328-899D-3A2B3AEC1468}" type="slidenum">
+              <a:rPr lang="zh-CN" altLang="en-US" smtClean="0"/>
+              <a:t>14</a:t>
+            </a:fld>
+            <a:endParaRPr lang="zh-CN" altLang="en-US"/>
+          </a:p>
+        </p:txBody>
+      </p:sp>
+    </p:spTree>
+    <p:extLst>
+      <p:ext uri="{BB962C8B-B14F-4D97-AF65-F5344CB8AC3E}">
+        <p14:creationId xmlns:p14="http://schemas.microsoft.com/office/powerpoint/2010/main" val="3376210639"/>
+      </p:ext>
+    </p:extLst>
+  </p:cSld>
+  <p:clrMapOvr>
+    <a:masterClrMapping/>
+  </p:clrMapOvr>
+</p:notes>
+</file>
+
+<file path=ppt/notesSlides/notesSlide11.xml><?xml version="1.0" encoding="utf-8"?>
+<p:notes xmlns:a="http://schemas.openxmlformats.org/drawingml/2006/main" xmlns:r="http://schemas.openxmlformats.org/officeDocument/2006/relationships" xmlns:p="http://schemas.openxmlformats.org/presentationml/2006/main">
+  <p:cSld>
+    <p:spTree>
+      <p:nvGrpSpPr>
+        <p:cNvPr id="1" name=""/>
+        <p:cNvGrpSpPr/>
+        <p:nvPr/>
+      </p:nvGrpSpPr>
+      <p:grpSpPr>
+        <a:xfrm>
+          <a:off x="0" y="0"/>
+          <a:ext cx="0" cy="0"/>
+          <a:chOff x="0" y="0"/>
+          <a:chExt cx="0" cy="0"/>
+        </a:xfrm>
+      </p:grpSpPr>
+      <p:sp>
+        <p:nvSpPr>
+          <p:cNvPr id="2" name="幻灯片图像占位符 1"/>
+          <p:cNvSpPr>
+            <a:spLocks noGrp="1" noRot="1" noChangeAspect="1"/>
+          </p:cNvSpPr>
+          <p:nvPr>
+            <p:ph type="sldImg"/>
+          </p:nvPr>
+        </p:nvSpPr>
+        <p:spPr/>
+      </p:sp>
+      <p:sp>
+        <p:nvSpPr>
+          <p:cNvPr id="3" name="备注占位符 2"/>
+          <p:cNvSpPr>
+            <a:spLocks noGrp="1"/>
+          </p:cNvSpPr>
+          <p:nvPr>
+            <p:ph type="body" idx="1"/>
+          </p:nvPr>
+        </p:nvSpPr>
+        <p:spPr/>
+        <p:txBody>
+          <a:bodyPr/>
+          <a:lstStyle/>
+          <a:p>
+            <a:endParaRPr lang="zh-CN" altLang="en-US" dirty="0"/>
+          </a:p>
+        </p:txBody>
+      </p:sp>
+      <p:sp>
+        <p:nvSpPr>
+          <p:cNvPr id="4" name="灯片编号占位符 3"/>
+          <p:cNvSpPr>
+            <a:spLocks noGrp="1"/>
+          </p:cNvSpPr>
+          <p:nvPr>
+            <p:ph type="sldNum" sz="quarter" idx="5"/>
+          </p:nvPr>
+        </p:nvSpPr>
+        <p:spPr/>
+        <p:txBody>
+          <a:bodyPr/>
+          <a:lstStyle/>
+          <a:p>
+            <a:fld id="{B6C087DE-5C1C-4328-899D-3A2B3AEC1468}" type="slidenum">
+              <a:rPr lang="zh-CN" altLang="en-US" smtClean="0"/>
+              <a:t>15</a:t>
+            </a:fld>
+            <a:endParaRPr lang="zh-CN" altLang="en-US"/>
+          </a:p>
+        </p:txBody>
+      </p:sp>
+    </p:spTree>
+    <p:extLst>
+      <p:ext uri="{BB962C8B-B14F-4D97-AF65-F5344CB8AC3E}">
+        <p14:creationId xmlns:p14="http://schemas.microsoft.com/office/powerpoint/2010/main" val="3393177116"/>
+      </p:ext>
+    </p:extLst>
+  </p:cSld>
+  <p:clrMapOvr>
+    <a:masterClrMapping/>
+  </p:clrMapOvr>
+</p:notes>
+</file>
+
+<file path=ppt/notesSlides/notesSlide12.xml><?xml version="1.0" encoding="utf-8"?>
+<p:notes xmlns:a="http://schemas.openxmlformats.org/drawingml/2006/main" xmlns:r="http://schemas.openxmlformats.org/officeDocument/2006/relationships" xmlns:p="http://schemas.openxmlformats.org/presentationml/2006/main">
+  <p:cSld>
+    <p:spTree>
+      <p:nvGrpSpPr>
+        <p:cNvPr id="1" name=""/>
+        <p:cNvGrpSpPr/>
+        <p:nvPr/>
+      </p:nvGrpSpPr>
+      <p:grpSpPr>
+        <a:xfrm>
+          <a:off x="0" y="0"/>
+          <a:ext cx="0" cy="0"/>
+          <a:chOff x="0" y="0"/>
+          <a:chExt cx="0" cy="0"/>
+        </a:xfrm>
+      </p:grpSpPr>
+      <p:sp>
+        <p:nvSpPr>
+          <p:cNvPr id="2" name="幻灯片图像占位符 1"/>
+          <p:cNvSpPr>
+            <a:spLocks noGrp="1" noRot="1" noChangeAspect="1"/>
+          </p:cNvSpPr>
+          <p:nvPr>
+            <p:ph type="sldImg"/>
+          </p:nvPr>
+        </p:nvSpPr>
+        <p:spPr/>
+      </p:sp>
+      <p:sp>
+        <p:nvSpPr>
+          <p:cNvPr id="3" name="备注占位符 2"/>
+          <p:cNvSpPr>
+            <a:spLocks noGrp="1"/>
+          </p:cNvSpPr>
+          <p:nvPr>
+            <p:ph type="body" idx="1"/>
+          </p:nvPr>
+        </p:nvSpPr>
+        <p:spPr/>
+        <p:txBody>
+          <a:bodyPr/>
+          <a:lstStyle/>
+          <a:p>
+            <a:endParaRPr lang="zh-CN" altLang="en-US" dirty="0"/>
+          </a:p>
+        </p:txBody>
+      </p:sp>
+      <p:sp>
+        <p:nvSpPr>
+          <p:cNvPr id="4" name="灯片编号占位符 3"/>
+          <p:cNvSpPr>
+            <a:spLocks noGrp="1"/>
+          </p:cNvSpPr>
+          <p:nvPr>
+            <p:ph type="sldNum" sz="quarter" idx="5"/>
+          </p:nvPr>
+        </p:nvSpPr>
+        <p:spPr/>
+        <p:txBody>
+          <a:bodyPr/>
+          <a:lstStyle/>
+          <a:p>
+            <a:fld id="{B6C087DE-5C1C-4328-899D-3A2B3AEC1468}" type="slidenum">
+              <a:rPr lang="zh-CN" altLang="en-US" smtClean="0"/>
+              <a:t>16</a:t>
+            </a:fld>
+            <a:endParaRPr lang="zh-CN" altLang="en-US"/>
+          </a:p>
+        </p:txBody>
+      </p:sp>
+    </p:spTree>
+    <p:extLst>
+      <p:ext uri="{BB962C8B-B14F-4D97-AF65-F5344CB8AC3E}">
+        <p14:creationId xmlns:p14="http://schemas.microsoft.com/office/powerpoint/2010/main" val="2177518305"/>
+      </p:ext>
+    </p:extLst>
+  </p:cSld>
+  <p:clrMapOvr>
+    <a:masterClrMapping/>
+  </p:clrMapOvr>
+</p:notes>
+</file>
+
+<file path=ppt/notesSlides/notesSlide13.xml><?xml version="1.0" encoding="utf-8"?>
+<p:notes xmlns:a="http://schemas.openxmlformats.org/drawingml/2006/main" xmlns:r="http://schemas.openxmlformats.org/officeDocument/2006/relationships" xmlns:p="http://schemas.openxmlformats.org/presentationml/2006/main">
+  <p:cSld>
+    <p:spTree>
+      <p:nvGrpSpPr>
+        <p:cNvPr id="1" name=""/>
+        <p:cNvGrpSpPr/>
+        <p:nvPr/>
+      </p:nvGrpSpPr>
+      <p:grpSpPr>
+        <a:xfrm>
+          <a:off x="0" y="0"/>
+          <a:ext cx="0" cy="0"/>
+          <a:chOff x="0" y="0"/>
+          <a:chExt cx="0" cy="0"/>
+        </a:xfrm>
+      </p:grpSpPr>
+      <p:sp>
+        <p:nvSpPr>
+          <p:cNvPr id="2" name="幻灯片图像占位符 1"/>
+          <p:cNvSpPr>
+            <a:spLocks noGrp="1" noRot="1" noChangeAspect="1"/>
+          </p:cNvSpPr>
+          <p:nvPr>
+            <p:ph type="sldImg"/>
+          </p:nvPr>
+        </p:nvSpPr>
+        <p:spPr/>
+      </p:sp>
+      <p:sp>
+        <p:nvSpPr>
+          <p:cNvPr id="3" name="备注占位符 2"/>
+          <p:cNvSpPr>
+            <a:spLocks noGrp="1"/>
+          </p:cNvSpPr>
+          <p:nvPr>
+            <p:ph type="body" idx="1"/>
+          </p:nvPr>
+        </p:nvSpPr>
+        <p:spPr/>
+        <p:txBody>
+          <a:bodyPr/>
+          <a:lstStyle/>
+          <a:p>
+            <a:endParaRPr lang="zh-CN" altLang="en-US" dirty="0"/>
+          </a:p>
+        </p:txBody>
+      </p:sp>
+      <p:sp>
+        <p:nvSpPr>
+          <p:cNvPr id="4" name="灯片编号占位符 3"/>
+          <p:cNvSpPr>
+            <a:spLocks noGrp="1"/>
+          </p:cNvSpPr>
+          <p:nvPr>
+            <p:ph type="sldNum" sz="quarter" idx="5"/>
+          </p:nvPr>
+        </p:nvSpPr>
+        <p:spPr/>
+        <p:txBody>
+          <a:bodyPr/>
+          <a:lstStyle/>
+          <a:p>
+            <a:fld id="{B6C087DE-5C1C-4328-899D-3A2B3AEC1468}" type="slidenum">
+              <a:rPr lang="zh-CN" altLang="en-US" smtClean="0"/>
+              <a:t>17</a:t>
+            </a:fld>
+            <a:endParaRPr lang="zh-CN" altLang="en-US"/>
+          </a:p>
+        </p:txBody>
+      </p:sp>
+    </p:spTree>
+    <p:extLst>
+      <p:ext uri="{BB962C8B-B14F-4D97-AF65-F5344CB8AC3E}">
+        <p14:creationId xmlns:p14="http://schemas.microsoft.com/office/powerpoint/2010/main" val="969441327"/>
+      </p:ext>
+    </p:extLst>
+  </p:cSld>
+  <p:clrMapOvr>
+    <a:masterClrMapping/>
+  </p:clrMapOvr>
+</p:notes>
+</file>
+
+<file path=ppt/notesSlides/notesSlide14.xml><?xml version="1.0" encoding="utf-8"?>
+<p:notes xmlns:a="http://schemas.openxmlformats.org/drawingml/2006/main" xmlns:r="http://schemas.openxmlformats.org/officeDocument/2006/relationships" xmlns:p="http://schemas.openxmlformats.org/presentationml/2006/main">
+  <p:cSld>
+    <p:spTree>
+      <p:nvGrpSpPr>
+        <p:cNvPr id="1" name=""/>
+        <p:cNvGrpSpPr/>
+        <p:nvPr/>
+      </p:nvGrpSpPr>
+      <p:grpSpPr>
+        <a:xfrm>
+          <a:off x="0" y="0"/>
+          <a:ext cx="0" cy="0"/>
+          <a:chOff x="0" y="0"/>
+          <a:chExt cx="0" cy="0"/>
+        </a:xfrm>
+      </p:grpSpPr>
+      <p:sp>
+        <p:nvSpPr>
+          <p:cNvPr id="2" name="幻灯片图像占位符 1"/>
+          <p:cNvSpPr>
+            <a:spLocks noGrp="1" noRot="1" noChangeAspect="1"/>
+          </p:cNvSpPr>
+          <p:nvPr>
+            <p:ph type="sldImg"/>
+          </p:nvPr>
+        </p:nvSpPr>
+        <p:spPr/>
+      </p:sp>
+      <p:sp>
+        <p:nvSpPr>
+          <p:cNvPr id="3" name="备注占位符 2"/>
+          <p:cNvSpPr>
+            <a:spLocks noGrp="1"/>
+          </p:cNvSpPr>
+          <p:nvPr>
+            <p:ph type="body" idx="1"/>
+          </p:nvPr>
+        </p:nvSpPr>
+        <p:spPr/>
+        <p:txBody>
+          <a:bodyPr/>
+          <a:lstStyle/>
+          <a:p>
+            <a:endParaRPr lang="zh-CN" altLang="en-US" dirty="0"/>
+          </a:p>
+        </p:txBody>
+      </p:sp>
+      <p:sp>
+        <p:nvSpPr>
+          <p:cNvPr id="4" name="灯片编号占位符 3"/>
+          <p:cNvSpPr>
+            <a:spLocks noGrp="1"/>
+          </p:cNvSpPr>
+          <p:nvPr>
+            <p:ph type="sldNum" sz="quarter" idx="5"/>
+          </p:nvPr>
+        </p:nvSpPr>
+        <p:spPr/>
+        <p:txBody>
+          <a:bodyPr/>
+          <a:lstStyle/>
+          <a:p>
+            <a:fld id="{B6C087DE-5C1C-4328-899D-3A2B3AEC1468}" type="slidenum">
+              <a:rPr lang="zh-CN" altLang="en-US" smtClean="0"/>
+              <a:t>18</a:t>
+            </a:fld>
+            <a:endParaRPr lang="zh-CN" altLang="en-US"/>
+          </a:p>
+        </p:txBody>
+      </p:sp>
+    </p:spTree>
+    <p:extLst>
+      <p:ext uri="{BB962C8B-B14F-4D97-AF65-F5344CB8AC3E}">
+        <p14:creationId xmlns:p14="http://schemas.microsoft.com/office/powerpoint/2010/main" val="3066888130"/>
+      </p:ext>
+    </p:extLst>
+  </p:cSld>
+  <p:clrMapOvr>
+    <a:masterClrMapping/>
+  </p:clrMapOvr>
+</p:notes>
+</file>
+
+<file path=ppt/notesSlides/notesSlide15.xml><?xml version="1.0" encoding="utf-8"?>
+<p:notes xmlns:a="http://schemas.openxmlformats.org/drawingml/2006/main" xmlns:r="http://schemas.openxmlformats.org/officeDocument/2006/relationships" xmlns:p="http://schemas.openxmlformats.org/presentationml/2006/main">
+  <p:cSld>
+    <p:spTree>
+      <p:nvGrpSpPr>
+        <p:cNvPr id="1" name=""/>
+        <p:cNvGrpSpPr/>
+        <p:nvPr/>
+      </p:nvGrpSpPr>
+      <p:grpSpPr>
+        <a:xfrm>
+          <a:off x="0" y="0"/>
+          <a:ext cx="0" cy="0"/>
+          <a:chOff x="0" y="0"/>
+          <a:chExt cx="0" cy="0"/>
+        </a:xfrm>
+      </p:grpSpPr>
+      <p:sp>
+        <p:nvSpPr>
+          <p:cNvPr id="2" name="幻灯片图像占位符 1"/>
+          <p:cNvSpPr>
+            <a:spLocks noGrp="1" noRot="1" noChangeAspect="1"/>
+          </p:cNvSpPr>
+          <p:nvPr>
+            <p:ph type="sldImg"/>
+          </p:nvPr>
+        </p:nvSpPr>
+        <p:spPr/>
+      </p:sp>
+      <p:sp>
+        <p:nvSpPr>
+          <p:cNvPr id="3" name="备注占位符 2"/>
+          <p:cNvSpPr>
+            <a:spLocks noGrp="1"/>
+          </p:cNvSpPr>
+          <p:nvPr>
+            <p:ph type="body" idx="1"/>
+          </p:nvPr>
+        </p:nvSpPr>
+        <p:spPr/>
+        <p:txBody>
+          <a:bodyPr/>
+          <a:lstStyle/>
+          <a:p>
+            <a:endParaRPr lang="zh-CN" altLang="en-US" dirty="0"/>
+          </a:p>
+        </p:txBody>
+      </p:sp>
+      <p:sp>
+        <p:nvSpPr>
+          <p:cNvPr id="4" name="灯片编号占位符 3"/>
+          <p:cNvSpPr>
+            <a:spLocks noGrp="1"/>
+          </p:cNvSpPr>
+          <p:nvPr>
+            <p:ph type="sldNum" sz="quarter" idx="5"/>
+          </p:nvPr>
+        </p:nvSpPr>
+        <p:spPr/>
+        <p:txBody>
+          <a:bodyPr/>
+          <a:lstStyle/>
+          <a:p>
+            <a:fld id="{B6C087DE-5C1C-4328-899D-3A2B3AEC1468}" type="slidenum">
+              <a:rPr lang="zh-CN" altLang="en-US" smtClean="0"/>
+              <a:t>19</a:t>
+            </a:fld>
+            <a:endParaRPr lang="zh-CN" altLang="en-US"/>
+          </a:p>
+        </p:txBody>
+      </p:sp>
+    </p:spTree>
+    <p:extLst>
+      <p:ext uri="{BB962C8B-B14F-4D97-AF65-F5344CB8AC3E}">
+        <p14:creationId xmlns:p14="http://schemas.microsoft.com/office/powerpoint/2010/main" val="4253866112"/>
+      </p:ext>
+    </p:extLst>
+  </p:cSld>
+  <p:clrMapOvr>
+    <a:masterClrMapping/>
+  </p:clrMapOvr>
+</p:notes>
+</file>
+
+<file path=ppt/notesSlides/notesSlide16.xml><?xml version="1.0" encoding="utf-8"?>
+<p:notes xmlns:a="http://schemas.openxmlformats.org/drawingml/2006/main" xmlns:r="http://schemas.openxmlformats.org/officeDocument/2006/relationships" xmlns:p="http://schemas.openxmlformats.org/presentationml/2006/main">
+  <p:cSld>
+    <p:spTree>
+      <p:nvGrpSpPr>
+        <p:cNvPr id="1" name=""/>
+        <p:cNvGrpSpPr/>
+        <p:nvPr/>
+      </p:nvGrpSpPr>
+      <p:grpSpPr>
+        <a:xfrm>
+          <a:off x="0" y="0"/>
+          <a:ext cx="0" cy="0"/>
+          <a:chOff x="0" y="0"/>
+          <a:chExt cx="0" cy="0"/>
+        </a:xfrm>
+      </p:grpSpPr>
+      <p:sp>
+        <p:nvSpPr>
+          <p:cNvPr id="2" name="幻灯片图像占位符 1"/>
+          <p:cNvSpPr>
+            <a:spLocks noGrp="1" noRot="1" noChangeAspect="1"/>
+          </p:cNvSpPr>
+          <p:nvPr>
+            <p:ph type="sldImg"/>
+          </p:nvPr>
+        </p:nvSpPr>
+        <p:spPr/>
+      </p:sp>
+      <p:sp>
+        <p:nvSpPr>
+          <p:cNvPr id="3" name="备注占位符 2"/>
+          <p:cNvSpPr>
+            <a:spLocks noGrp="1"/>
+          </p:cNvSpPr>
+          <p:nvPr>
+            <p:ph type="body" idx="1"/>
+          </p:nvPr>
+        </p:nvSpPr>
+        <p:spPr/>
+        <p:txBody>
+          <a:bodyPr/>
+          <a:lstStyle/>
+          <a:p>
+            <a:endParaRPr lang="zh-CN" altLang="en-US" dirty="0"/>
+          </a:p>
+        </p:txBody>
+      </p:sp>
+      <p:sp>
+        <p:nvSpPr>
+          <p:cNvPr id="4" name="灯片编号占位符 3"/>
+          <p:cNvSpPr>
+            <a:spLocks noGrp="1"/>
+          </p:cNvSpPr>
+          <p:nvPr>
+            <p:ph type="sldNum" sz="quarter" idx="5"/>
+          </p:nvPr>
+        </p:nvSpPr>
+        <p:spPr/>
+        <p:txBody>
+          <a:bodyPr/>
+          <a:lstStyle/>
+          <a:p>
+            <a:fld id="{B6C087DE-5C1C-4328-899D-3A2B3AEC1468}" type="slidenum">
+              <a:rPr lang="zh-CN" altLang="en-US" smtClean="0"/>
+              <a:t>20</a:t>
+            </a:fld>
+            <a:endParaRPr lang="zh-CN" altLang="en-US"/>
+          </a:p>
+        </p:txBody>
+      </p:sp>
+    </p:spTree>
+    <p:extLst>
+      <p:ext uri="{BB962C8B-B14F-4D97-AF65-F5344CB8AC3E}">
+        <p14:creationId xmlns:p14="http://schemas.microsoft.com/office/powerpoint/2010/main" val="2865007176"/>
+      </p:ext>
+    </p:extLst>
+  </p:cSld>
+  <p:clrMapOvr>
+    <a:masterClrMapping/>
+  </p:clrMapOvr>
+</p:notes>
+</file>
+
+<file path=ppt/notesSlides/notesSlide17.xml><?xml version="1.0" encoding="utf-8"?>
+<p:notes xmlns:a="http://schemas.openxmlformats.org/drawingml/2006/main" xmlns:r="http://schemas.openxmlformats.org/officeDocument/2006/relationships" xmlns:p="http://schemas.openxmlformats.org/presentationml/2006/main">
+  <p:cSld>
+    <p:spTree>
+      <p:nvGrpSpPr>
+        <p:cNvPr id="1" name=""/>
+        <p:cNvGrpSpPr/>
+        <p:nvPr/>
+      </p:nvGrpSpPr>
+      <p:grpSpPr>
+        <a:xfrm>
+          <a:off x="0" y="0"/>
+          <a:ext cx="0" cy="0"/>
+          <a:chOff x="0" y="0"/>
+          <a:chExt cx="0" cy="0"/>
+        </a:xfrm>
+      </p:grpSpPr>
+      <p:sp>
+        <p:nvSpPr>
+          <p:cNvPr id="2" name="幻灯片图像占位符 1"/>
+          <p:cNvSpPr>
+            <a:spLocks noGrp="1" noRot="1" noChangeAspect="1"/>
+          </p:cNvSpPr>
+          <p:nvPr>
+            <p:ph type="sldImg"/>
+          </p:nvPr>
+        </p:nvSpPr>
+        <p:spPr/>
+      </p:sp>
+      <p:sp>
+        <p:nvSpPr>
+          <p:cNvPr id="3" name="备注占位符 2"/>
+          <p:cNvSpPr>
+            <a:spLocks noGrp="1"/>
+          </p:cNvSpPr>
+          <p:nvPr>
+            <p:ph type="body" idx="1"/>
+          </p:nvPr>
+        </p:nvSpPr>
+        <p:spPr/>
+        <p:txBody>
+          <a:bodyPr/>
+          <a:lstStyle/>
+          <a:p>
+            <a:endParaRPr lang="zh-CN" altLang="en-US" dirty="0"/>
+          </a:p>
+        </p:txBody>
+      </p:sp>
+      <p:sp>
+        <p:nvSpPr>
+          <p:cNvPr id="4" name="灯片编号占位符 3"/>
+          <p:cNvSpPr>
+            <a:spLocks noGrp="1"/>
+          </p:cNvSpPr>
+          <p:nvPr>
+            <p:ph type="sldNum" sz="quarter" idx="5"/>
+          </p:nvPr>
+        </p:nvSpPr>
+        <p:spPr/>
+        <p:txBody>
+          <a:bodyPr/>
+          <a:lstStyle/>
+          <a:p>
+            <a:fld id="{B6C087DE-5C1C-4328-899D-3A2B3AEC1468}" type="slidenum">
+              <a:rPr lang="zh-CN" altLang="en-US" smtClean="0"/>
+              <a:t>21</a:t>
+            </a:fld>
+            <a:endParaRPr lang="zh-CN" altLang="en-US"/>
+          </a:p>
+        </p:txBody>
+      </p:sp>
+    </p:spTree>
+    <p:extLst>
+      <p:ext uri="{BB962C8B-B14F-4D97-AF65-F5344CB8AC3E}">
+        <p14:creationId xmlns:p14="http://schemas.microsoft.com/office/powerpoint/2010/main" val="2046477831"/>
+      </p:ext>
+    </p:extLst>
+  </p:cSld>
+  <p:clrMapOvr>
+    <a:masterClrMapping/>
+  </p:clrMapOvr>
+</p:notes>
+</file>
+
+<file path=ppt/notesSlides/notesSlide18.xml><?xml version="1.0" encoding="utf-8"?>
+<p:notes xmlns:a="http://schemas.openxmlformats.org/drawingml/2006/main" xmlns:r="http://schemas.openxmlformats.org/officeDocument/2006/relationships" xmlns:p="http://schemas.openxmlformats.org/presentationml/2006/main">
+  <p:cSld>
+    <p:spTree>
+      <p:nvGrpSpPr>
+        <p:cNvPr id="1" name=""/>
+        <p:cNvGrpSpPr/>
+        <p:nvPr/>
+      </p:nvGrpSpPr>
+      <p:grpSpPr>
+        <a:xfrm>
+          <a:off x="0" y="0"/>
+          <a:ext cx="0" cy="0"/>
+          <a:chOff x="0" y="0"/>
+          <a:chExt cx="0" cy="0"/>
+        </a:xfrm>
+      </p:grpSpPr>
+      <p:sp>
+        <p:nvSpPr>
+          <p:cNvPr id="2" name="幻灯片图像占位符 1"/>
+          <p:cNvSpPr>
+            <a:spLocks noGrp="1" noRot="1" noChangeAspect="1"/>
+          </p:cNvSpPr>
+          <p:nvPr>
+            <p:ph type="sldImg"/>
+          </p:nvPr>
+        </p:nvSpPr>
+        <p:spPr/>
+      </p:sp>
+      <p:sp>
+        <p:nvSpPr>
+          <p:cNvPr id="3" name="备注占位符 2"/>
+          <p:cNvSpPr>
+            <a:spLocks noGrp="1"/>
+          </p:cNvSpPr>
+          <p:nvPr>
+            <p:ph type="body" idx="1"/>
+          </p:nvPr>
+        </p:nvSpPr>
+        <p:spPr/>
+        <p:txBody>
+          <a:bodyPr/>
+          <a:lstStyle/>
+          <a:p>
+            <a:endParaRPr lang="zh-CN" altLang="en-US" dirty="0"/>
+          </a:p>
+        </p:txBody>
+      </p:sp>
+      <p:sp>
+        <p:nvSpPr>
+          <p:cNvPr id="4" name="灯片编号占位符 3"/>
+          <p:cNvSpPr>
+            <a:spLocks noGrp="1"/>
+          </p:cNvSpPr>
+          <p:nvPr>
+            <p:ph type="sldNum" sz="quarter" idx="5"/>
+          </p:nvPr>
+        </p:nvSpPr>
+        <p:spPr/>
+        <p:txBody>
+          <a:bodyPr/>
+          <a:lstStyle/>
+          <a:p>
+            <a:fld id="{B6C087DE-5C1C-4328-899D-3A2B3AEC1468}" type="slidenum">
+              <a:rPr lang="zh-CN" altLang="en-US" smtClean="0"/>
+              <a:t>22</a:t>
+            </a:fld>
+            <a:endParaRPr lang="zh-CN" altLang="en-US"/>
+          </a:p>
+        </p:txBody>
+      </p:sp>
+    </p:spTree>
+    <p:extLst>
+      <p:ext uri="{BB962C8B-B14F-4D97-AF65-F5344CB8AC3E}">
+        <p14:creationId xmlns:p14="http://schemas.microsoft.com/office/powerpoint/2010/main" val="992909521"/>
+      </p:ext>
+    </p:extLst>
+  </p:cSld>
+  <p:clrMapOvr>
+    <a:masterClrMapping/>
+  </p:clrMapOvr>
+</p:notes>
+</file>
+
+<file path=ppt/notesSlides/notesSlide19.xml><?xml version="1.0" encoding="utf-8"?>
+<p:notes xmlns:a="http://schemas.openxmlformats.org/drawingml/2006/main" xmlns:r="http://schemas.openxmlformats.org/officeDocument/2006/relationships" xmlns:p="http://schemas.openxmlformats.org/presentationml/2006/main">
+  <p:cSld>
+    <p:spTree>
+      <p:nvGrpSpPr>
+        <p:cNvPr id="1" name=""/>
+        <p:cNvGrpSpPr/>
+        <p:nvPr/>
+      </p:nvGrpSpPr>
+      <p:grpSpPr>
+        <a:xfrm>
+          <a:off x="0" y="0"/>
+          <a:ext cx="0" cy="0"/>
+          <a:chOff x="0" y="0"/>
+          <a:chExt cx="0" cy="0"/>
+        </a:xfrm>
+      </p:grpSpPr>
+      <p:sp>
+        <p:nvSpPr>
+          <p:cNvPr id="2" name="幻灯片图像占位符 1"/>
+          <p:cNvSpPr>
+            <a:spLocks noGrp="1" noRot="1" noChangeAspect="1"/>
+          </p:cNvSpPr>
+          <p:nvPr>
+            <p:ph type="sldImg"/>
+          </p:nvPr>
+        </p:nvSpPr>
+        <p:spPr/>
+      </p:sp>
+      <p:sp>
+        <p:nvSpPr>
+          <p:cNvPr id="3" name="备注占位符 2"/>
+          <p:cNvSpPr>
+            <a:spLocks noGrp="1"/>
+          </p:cNvSpPr>
+          <p:nvPr>
+            <p:ph type="body" idx="1"/>
+          </p:nvPr>
+        </p:nvSpPr>
+        <p:spPr/>
+        <p:txBody>
+          <a:bodyPr/>
+          <a:lstStyle/>
+          <a:p>
+            <a:endParaRPr lang="zh-CN" altLang="en-US" dirty="0"/>
+          </a:p>
+        </p:txBody>
+      </p:sp>
+      <p:sp>
+        <p:nvSpPr>
+          <p:cNvPr id="4" name="灯片编号占位符 3"/>
+          <p:cNvSpPr>
+            <a:spLocks noGrp="1"/>
+          </p:cNvSpPr>
+          <p:nvPr>
+            <p:ph type="sldNum" sz="quarter" idx="5"/>
+          </p:nvPr>
+        </p:nvSpPr>
+        <p:spPr/>
+        <p:txBody>
+          <a:bodyPr/>
+          <a:lstStyle/>
+          <a:p>
+            <a:fld id="{B6C087DE-5C1C-4328-899D-3A2B3AEC1468}" type="slidenum">
+              <a:rPr lang="zh-CN" altLang="en-US" smtClean="0"/>
+              <a:t>23</a:t>
+            </a:fld>
+            <a:endParaRPr lang="zh-CN" altLang="en-US"/>
+          </a:p>
+        </p:txBody>
+      </p:sp>
+    </p:spTree>
+    <p:extLst>
+      <p:ext uri="{BB962C8B-B14F-4D97-AF65-F5344CB8AC3E}">
+        <p14:creationId xmlns:p14="http://schemas.microsoft.com/office/powerpoint/2010/main" val="912756620"/>
+      </p:ext>
+    </p:extLst>
+  </p:cSld>
+  <p:clrMapOvr>
+    <a:masterClrMapping/>
+  </p:clrMapOvr>
+</p:notes>
+</file>
+
 <file path=ppt/notesSlides/notesSlide2.xml><?xml version="1.0" encoding="utf-8"?>
 <p:notes xmlns:a="http://schemas.openxmlformats.org/drawingml/2006/main" xmlns:r="http://schemas.openxmlformats.org/officeDocument/2006/relationships" xmlns:p="http://schemas.openxmlformats.org/presentationml/2006/main">
   <p:cSld>
@@ -3748,6 +5683,510 @@
     <p:extLst>
       <p:ext uri="{BB962C8B-B14F-4D97-AF65-F5344CB8AC3E}">
         <p14:creationId xmlns:p14="http://schemas.microsoft.com/office/powerpoint/2010/main" val="2964920236"/>
+      </p:ext>
+    </p:extLst>
+  </p:cSld>
+  <p:clrMapOvr>
+    <a:masterClrMapping/>
+  </p:clrMapOvr>
+</p:notes>
+</file>
+
+<file path=ppt/notesSlides/notesSlide20.xml><?xml version="1.0" encoding="utf-8"?>
+<p:notes xmlns:a="http://schemas.openxmlformats.org/drawingml/2006/main" xmlns:r="http://schemas.openxmlformats.org/officeDocument/2006/relationships" xmlns:p="http://schemas.openxmlformats.org/presentationml/2006/main">
+  <p:cSld>
+    <p:spTree>
+      <p:nvGrpSpPr>
+        <p:cNvPr id="1" name=""/>
+        <p:cNvGrpSpPr/>
+        <p:nvPr/>
+      </p:nvGrpSpPr>
+      <p:grpSpPr>
+        <a:xfrm>
+          <a:off x="0" y="0"/>
+          <a:ext cx="0" cy="0"/>
+          <a:chOff x="0" y="0"/>
+          <a:chExt cx="0" cy="0"/>
+        </a:xfrm>
+      </p:grpSpPr>
+      <p:sp>
+        <p:nvSpPr>
+          <p:cNvPr id="2" name="幻灯片图像占位符 1"/>
+          <p:cNvSpPr>
+            <a:spLocks noGrp="1" noRot="1" noChangeAspect="1"/>
+          </p:cNvSpPr>
+          <p:nvPr>
+            <p:ph type="sldImg"/>
+          </p:nvPr>
+        </p:nvSpPr>
+        <p:spPr/>
+      </p:sp>
+      <p:sp>
+        <p:nvSpPr>
+          <p:cNvPr id="3" name="备注占位符 2"/>
+          <p:cNvSpPr>
+            <a:spLocks noGrp="1"/>
+          </p:cNvSpPr>
+          <p:nvPr>
+            <p:ph type="body" idx="1"/>
+          </p:nvPr>
+        </p:nvSpPr>
+        <p:spPr/>
+        <p:txBody>
+          <a:bodyPr/>
+          <a:lstStyle/>
+          <a:p>
+            <a:endParaRPr lang="zh-CN" altLang="en-US" dirty="0"/>
+          </a:p>
+        </p:txBody>
+      </p:sp>
+      <p:sp>
+        <p:nvSpPr>
+          <p:cNvPr id="4" name="灯片编号占位符 3"/>
+          <p:cNvSpPr>
+            <a:spLocks noGrp="1"/>
+          </p:cNvSpPr>
+          <p:nvPr>
+            <p:ph type="sldNum" sz="quarter" idx="5"/>
+          </p:nvPr>
+        </p:nvSpPr>
+        <p:spPr/>
+        <p:txBody>
+          <a:bodyPr/>
+          <a:lstStyle/>
+          <a:p>
+            <a:fld id="{B6C087DE-5C1C-4328-899D-3A2B3AEC1468}" type="slidenum">
+              <a:rPr lang="zh-CN" altLang="en-US" smtClean="0"/>
+              <a:t>24</a:t>
+            </a:fld>
+            <a:endParaRPr lang="zh-CN" altLang="en-US"/>
+          </a:p>
+        </p:txBody>
+      </p:sp>
+    </p:spTree>
+    <p:extLst>
+      <p:ext uri="{BB962C8B-B14F-4D97-AF65-F5344CB8AC3E}">
+        <p14:creationId xmlns:p14="http://schemas.microsoft.com/office/powerpoint/2010/main" val="3391165186"/>
+      </p:ext>
+    </p:extLst>
+  </p:cSld>
+  <p:clrMapOvr>
+    <a:masterClrMapping/>
+  </p:clrMapOvr>
+</p:notes>
+</file>
+
+<file path=ppt/notesSlides/notesSlide21.xml><?xml version="1.0" encoding="utf-8"?>
+<p:notes xmlns:a="http://schemas.openxmlformats.org/drawingml/2006/main" xmlns:r="http://schemas.openxmlformats.org/officeDocument/2006/relationships" xmlns:p="http://schemas.openxmlformats.org/presentationml/2006/main">
+  <p:cSld>
+    <p:spTree>
+      <p:nvGrpSpPr>
+        <p:cNvPr id="1" name=""/>
+        <p:cNvGrpSpPr/>
+        <p:nvPr/>
+      </p:nvGrpSpPr>
+      <p:grpSpPr>
+        <a:xfrm>
+          <a:off x="0" y="0"/>
+          <a:ext cx="0" cy="0"/>
+          <a:chOff x="0" y="0"/>
+          <a:chExt cx="0" cy="0"/>
+        </a:xfrm>
+      </p:grpSpPr>
+      <p:sp>
+        <p:nvSpPr>
+          <p:cNvPr id="2" name="幻灯片图像占位符 1"/>
+          <p:cNvSpPr>
+            <a:spLocks noGrp="1" noRot="1" noChangeAspect="1"/>
+          </p:cNvSpPr>
+          <p:nvPr>
+            <p:ph type="sldImg"/>
+          </p:nvPr>
+        </p:nvSpPr>
+        <p:spPr/>
+      </p:sp>
+      <p:sp>
+        <p:nvSpPr>
+          <p:cNvPr id="3" name="备注占位符 2"/>
+          <p:cNvSpPr>
+            <a:spLocks noGrp="1"/>
+          </p:cNvSpPr>
+          <p:nvPr>
+            <p:ph type="body" idx="1"/>
+          </p:nvPr>
+        </p:nvSpPr>
+        <p:spPr/>
+        <p:txBody>
+          <a:bodyPr/>
+          <a:lstStyle/>
+          <a:p>
+            <a:endParaRPr lang="zh-CN" altLang="en-US" dirty="0"/>
+          </a:p>
+        </p:txBody>
+      </p:sp>
+      <p:sp>
+        <p:nvSpPr>
+          <p:cNvPr id="4" name="灯片编号占位符 3"/>
+          <p:cNvSpPr>
+            <a:spLocks noGrp="1"/>
+          </p:cNvSpPr>
+          <p:nvPr>
+            <p:ph type="sldNum" sz="quarter" idx="5"/>
+          </p:nvPr>
+        </p:nvSpPr>
+        <p:spPr/>
+        <p:txBody>
+          <a:bodyPr/>
+          <a:lstStyle/>
+          <a:p>
+            <a:fld id="{B6C087DE-5C1C-4328-899D-3A2B3AEC1468}" type="slidenum">
+              <a:rPr lang="zh-CN" altLang="en-US" smtClean="0"/>
+              <a:t>25</a:t>
+            </a:fld>
+            <a:endParaRPr lang="zh-CN" altLang="en-US"/>
+          </a:p>
+        </p:txBody>
+      </p:sp>
+    </p:spTree>
+    <p:extLst>
+      <p:ext uri="{BB962C8B-B14F-4D97-AF65-F5344CB8AC3E}">
+        <p14:creationId xmlns:p14="http://schemas.microsoft.com/office/powerpoint/2010/main" val="294026040"/>
+      </p:ext>
+    </p:extLst>
+  </p:cSld>
+  <p:clrMapOvr>
+    <a:masterClrMapping/>
+  </p:clrMapOvr>
+</p:notes>
+</file>
+
+<file path=ppt/notesSlides/notesSlide22.xml><?xml version="1.0" encoding="utf-8"?>
+<p:notes xmlns:a="http://schemas.openxmlformats.org/drawingml/2006/main" xmlns:r="http://schemas.openxmlformats.org/officeDocument/2006/relationships" xmlns:p="http://schemas.openxmlformats.org/presentationml/2006/main">
+  <p:cSld>
+    <p:spTree>
+      <p:nvGrpSpPr>
+        <p:cNvPr id="1" name=""/>
+        <p:cNvGrpSpPr/>
+        <p:nvPr/>
+      </p:nvGrpSpPr>
+      <p:grpSpPr>
+        <a:xfrm>
+          <a:off x="0" y="0"/>
+          <a:ext cx="0" cy="0"/>
+          <a:chOff x="0" y="0"/>
+          <a:chExt cx="0" cy="0"/>
+        </a:xfrm>
+      </p:grpSpPr>
+      <p:sp>
+        <p:nvSpPr>
+          <p:cNvPr id="2" name="幻灯片图像占位符 1"/>
+          <p:cNvSpPr>
+            <a:spLocks noGrp="1" noRot="1" noChangeAspect="1"/>
+          </p:cNvSpPr>
+          <p:nvPr>
+            <p:ph type="sldImg"/>
+          </p:nvPr>
+        </p:nvSpPr>
+        <p:spPr/>
+      </p:sp>
+      <p:sp>
+        <p:nvSpPr>
+          <p:cNvPr id="3" name="备注占位符 2"/>
+          <p:cNvSpPr>
+            <a:spLocks noGrp="1"/>
+          </p:cNvSpPr>
+          <p:nvPr>
+            <p:ph type="body" idx="1"/>
+          </p:nvPr>
+        </p:nvSpPr>
+        <p:spPr/>
+        <p:txBody>
+          <a:bodyPr/>
+          <a:lstStyle/>
+          <a:p>
+            <a:endParaRPr lang="zh-CN" altLang="en-US" dirty="0"/>
+          </a:p>
+        </p:txBody>
+      </p:sp>
+      <p:sp>
+        <p:nvSpPr>
+          <p:cNvPr id="4" name="灯片编号占位符 3"/>
+          <p:cNvSpPr>
+            <a:spLocks noGrp="1"/>
+          </p:cNvSpPr>
+          <p:nvPr>
+            <p:ph type="sldNum" sz="quarter" idx="5"/>
+          </p:nvPr>
+        </p:nvSpPr>
+        <p:spPr/>
+        <p:txBody>
+          <a:bodyPr/>
+          <a:lstStyle/>
+          <a:p>
+            <a:fld id="{B6C087DE-5C1C-4328-899D-3A2B3AEC1468}" type="slidenum">
+              <a:rPr lang="zh-CN" altLang="en-US" smtClean="0"/>
+              <a:t>26</a:t>
+            </a:fld>
+            <a:endParaRPr lang="zh-CN" altLang="en-US"/>
+          </a:p>
+        </p:txBody>
+      </p:sp>
+    </p:spTree>
+    <p:extLst>
+      <p:ext uri="{BB962C8B-B14F-4D97-AF65-F5344CB8AC3E}">
+        <p14:creationId xmlns:p14="http://schemas.microsoft.com/office/powerpoint/2010/main" val="2973324346"/>
+      </p:ext>
+    </p:extLst>
+  </p:cSld>
+  <p:clrMapOvr>
+    <a:masterClrMapping/>
+  </p:clrMapOvr>
+</p:notes>
+</file>
+
+<file path=ppt/notesSlides/notesSlide23.xml><?xml version="1.0" encoding="utf-8"?>
+<p:notes xmlns:a="http://schemas.openxmlformats.org/drawingml/2006/main" xmlns:r="http://schemas.openxmlformats.org/officeDocument/2006/relationships" xmlns:p="http://schemas.openxmlformats.org/presentationml/2006/main">
+  <p:cSld>
+    <p:spTree>
+      <p:nvGrpSpPr>
+        <p:cNvPr id="1" name=""/>
+        <p:cNvGrpSpPr/>
+        <p:nvPr/>
+      </p:nvGrpSpPr>
+      <p:grpSpPr>
+        <a:xfrm>
+          <a:off x="0" y="0"/>
+          <a:ext cx="0" cy="0"/>
+          <a:chOff x="0" y="0"/>
+          <a:chExt cx="0" cy="0"/>
+        </a:xfrm>
+      </p:grpSpPr>
+      <p:sp>
+        <p:nvSpPr>
+          <p:cNvPr id="2" name="幻灯片图像占位符 1"/>
+          <p:cNvSpPr>
+            <a:spLocks noGrp="1" noRot="1" noChangeAspect="1"/>
+          </p:cNvSpPr>
+          <p:nvPr>
+            <p:ph type="sldImg"/>
+          </p:nvPr>
+        </p:nvSpPr>
+        <p:spPr/>
+      </p:sp>
+      <p:sp>
+        <p:nvSpPr>
+          <p:cNvPr id="3" name="备注占位符 2"/>
+          <p:cNvSpPr>
+            <a:spLocks noGrp="1"/>
+          </p:cNvSpPr>
+          <p:nvPr>
+            <p:ph type="body" idx="1"/>
+          </p:nvPr>
+        </p:nvSpPr>
+        <p:spPr/>
+        <p:txBody>
+          <a:bodyPr/>
+          <a:lstStyle/>
+          <a:p>
+            <a:endParaRPr lang="zh-CN" altLang="en-US" dirty="0"/>
+          </a:p>
+        </p:txBody>
+      </p:sp>
+      <p:sp>
+        <p:nvSpPr>
+          <p:cNvPr id="4" name="灯片编号占位符 3"/>
+          <p:cNvSpPr>
+            <a:spLocks noGrp="1"/>
+          </p:cNvSpPr>
+          <p:nvPr>
+            <p:ph type="sldNum" sz="quarter" idx="5"/>
+          </p:nvPr>
+        </p:nvSpPr>
+        <p:spPr/>
+        <p:txBody>
+          <a:bodyPr/>
+          <a:lstStyle/>
+          <a:p>
+            <a:fld id="{B6C087DE-5C1C-4328-899D-3A2B3AEC1468}" type="slidenum">
+              <a:rPr lang="zh-CN" altLang="en-US" smtClean="0"/>
+              <a:t>27</a:t>
+            </a:fld>
+            <a:endParaRPr lang="zh-CN" altLang="en-US"/>
+          </a:p>
+        </p:txBody>
+      </p:sp>
+    </p:spTree>
+    <p:extLst>
+      <p:ext uri="{BB962C8B-B14F-4D97-AF65-F5344CB8AC3E}">
+        <p14:creationId xmlns:p14="http://schemas.microsoft.com/office/powerpoint/2010/main" val="3742072667"/>
+      </p:ext>
+    </p:extLst>
+  </p:cSld>
+  <p:clrMapOvr>
+    <a:masterClrMapping/>
+  </p:clrMapOvr>
+</p:notes>
+</file>
+
+<file path=ppt/notesSlides/notesSlide24.xml><?xml version="1.0" encoding="utf-8"?>
+<p:notes xmlns:a="http://schemas.openxmlformats.org/drawingml/2006/main" xmlns:r="http://schemas.openxmlformats.org/officeDocument/2006/relationships" xmlns:p="http://schemas.openxmlformats.org/presentationml/2006/main">
+  <p:cSld>
+    <p:spTree>
+      <p:nvGrpSpPr>
+        <p:cNvPr id="1" name=""/>
+        <p:cNvGrpSpPr/>
+        <p:nvPr/>
+      </p:nvGrpSpPr>
+      <p:grpSpPr>
+        <a:xfrm>
+          <a:off x="0" y="0"/>
+          <a:ext cx="0" cy="0"/>
+          <a:chOff x="0" y="0"/>
+          <a:chExt cx="0" cy="0"/>
+        </a:xfrm>
+      </p:grpSpPr>
+      <p:sp>
+        <p:nvSpPr>
+          <p:cNvPr id="2" name="幻灯片图像占位符 1"/>
+          <p:cNvSpPr>
+            <a:spLocks noGrp="1" noRot="1" noChangeAspect="1"/>
+          </p:cNvSpPr>
+          <p:nvPr>
+            <p:ph type="sldImg"/>
+          </p:nvPr>
+        </p:nvSpPr>
+        <p:spPr/>
+      </p:sp>
+      <p:sp>
+        <p:nvSpPr>
+          <p:cNvPr id="3" name="备注占位符 2"/>
+          <p:cNvSpPr>
+            <a:spLocks noGrp="1"/>
+          </p:cNvSpPr>
+          <p:nvPr>
+            <p:ph type="body" idx="1"/>
+          </p:nvPr>
+        </p:nvSpPr>
+        <p:spPr/>
+        <p:txBody>
+          <a:bodyPr/>
+          <a:lstStyle/>
+          <a:p>
+            <a:endParaRPr lang="zh-CN" altLang="en-US" dirty="0"/>
+          </a:p>
+        </p:txBody>
+      </p:sp>
+      <p:sp>
+        <p:nvSpPr>
+          <p:cNvPr id="4" name="灯片编号占位符 3"/>
+          <p:cNvSpPr>
+            <a:spLocks noGrp="1"/>
+          </p:cNvSpPr>
+          <p:nvPr>
+            <p:ph type="sldNum" sz="quarter" idx="5"/>
+          </p:nvPr>
+        </p:nvSpPr>
+        <p:spPr/>
+        <p:txBody>
+          <a:bodyPr/>
+          <a:lstStyle/>
+          <a:p>
+            <a:fld id="{B6C087DE-5C1C-4328-899D-3A2B3AEC1468}" type="slidenum">
+              <a:rPr lang="zh-CN" altLang="en-US" smtClean="0"/>
+              <a:t>28</a:t>
+            </a:fld>
+            <a:endParaRPr lang="zh-CN" altLang="en-US"/>
+          </a:p>
+        </p:txBody>
+      </p:sp>
+    </p:spTree>
+    <p:extLst>
+      <p:ext uri="{BB962C8B-B14F-4D97-AF65-F5344CB8AC3E}">
+        <p14:creationId xmlns:p14="http://schemas.microsoft.com/office/powerpoint/2010/main" val="2462113114"/>
+      </p:ext>
+    </p:extLst>
+  </p:cSld>
+  <p:clrMapOvr>
+    <a:masterClrMapping/>
+  </p:clrMapOvr>
+</p:notes>
+</file>
+
+<file path=ppt/notesSlides/notesSlide25.xml><?xml version="1.0" encoding="utf-8"?>
+<p:notes xmlns:a="http://schemas.openxmlformats.org/drawingml/2006/main" xmlns:r="http://schemas.openxmlformats.org/officeDocument/2006/relationships" xmlns:p="http://schemas.openxmlformats.org/presentationml/2006/main">
+  <p:cSld>
+    <p:spTree>
+      <p:nvGrpSpPr>
+        <p:cNvPr id="1" name=""/>
+        <p:cNvGrpSpPr/>
+        <p:nvPr/>
+      </p:nvGrpSpPr>
+      <p:grpSpPr>
+        <a:xfrm>
+          <a:off x="0" y="0"/>
+          <a:ext cx="0" cy="0"/>
+          <a:chOff x="0" y="0"/>
+          <a:chExt cx="0" cy="0"/>
+        </a:xfrm>
+      </p:grpSpPr>
+      <p:sp>
+        <p:nvSpPr>
+          <p:cNvPr id="2" name="幻灯片图像占位符 1"/>
+          <p:cNvSpPr>
+            <a:spLocks noGrp="1" noRot="1" noChangeAspect="1"/>
+          </p:cNvSpPr>
+          <p:nvPr>
+            <p:ph type="sldImg"/>
+          </p:nvPr>
+        </p:nvSpPr>
+        <p:spPr/>
+      </p:sp>
+      <p:sp>
+        <p:nvSpPr>
+          <p:cNvPr id="3" name="备注占位符 2"/>
+          <p:cNvSpPr>
+            <a:spLocks noGrp="1"/>
+          </p:cNvSpPr>
+          <p:nvPr>
+            <p:ph type="body" idx="1"/>
+          </p:nvPr>
+        </p:nvSpPr>
+        <p:spPr/>
+        <p:txBody>
+          <a:bodyPr/>
+          <a:lstStyle/>
+          <a:p>
+            <a:endParaRPr lang="zh-CN" altLang="en-US" dirty="0"/>
+          </a:p>
+        </p:txBody>
+      </p:sp>
+      <p:sp>
+        <p:nvSpPr>
+          <p:cNvPr id="4" name="灯片编号占位符 3"/>
+          <p:cNvSpPr>
+            <a:spLocks noGrp="1"/>
+          </p:cNvSpPr>
+          <p:nvPr>
+            <p:ph type="sldNum" sz="quarter" idx="5"/>
+          </p:nvPr>
+        </p:nvSpPr>
+        <p:spPr/>
+        <p:txBody>
+          <a:bodyPr/>
+          <a:lstStyle/>
+          <a:p>
+            <a:fld id="{B6C087DE-5C1C-4328-899D-3A2B3AEC1468}" type="slidenum">
+              <a:rPr lang="zh-CN" altLang="en-US" smtClean="0"/>
+              <a:t>29</a:t>
+            </a:fld>
+            <a:endParaRPr lang="zh-CN" altLang="en-US"/>
+          </a:p>
+        </p:txBody>
+      </p:sp>
+    </p:spTree>
+    <p:extLst>
+      <p:ext uri="{BB962C8B-B14F-4D97-AF65-F5344CB8AC3E}">
+        <p14:creationId xmlns:p14="http://schemas.microsoft.com/office/powerpoint/2010/main" val="3264627487"/>
       </p:ext>
     </p:extLst>
   </p:cSld>
@@ -6119,13 +8558,13 @@
   <p:clrMapOvr>
     <a:masterClrMapping/>
   </p:clrMapOvr>
-  <mc:AlternateContent xmlns:mc="http://schemas.openxmlformats.org/markup-compatibility/2006">
-    <mc:Choice xmlns:p14="http://schemas.microsoft.com/office/powerpoint/2010/main" Requires="p14">
+  <mc:AlternateContent xmlns:mc="http://schemas.openxmlformats.org/markup-compatibility/2006" xmlns:p14="http://schemas.microsoft.com/office/powerpoint/2010/main">
+    <mc:Choice Requires="p14">
       <p:transition spd="med" p14:dur="700">
         <p:fade/>
       </p:transition>
     </mc:Choice>
-    <mc:Fallback>
+    <mc:Fallback xmlns="">
       <p:transition spd="med">
         <p:fade/>
       </p:transition>
@@ -6184,62 +8623,6 @@
           </a:p>
         </p:txBody>
       </p:sp>
-      <p:sp>
-        <p:nvSpPr>
-          <p:cNvPr id="2" name="文本框 1">
-            <a:extLst>
-              <a:ext uri="{FF2B5EF4-FFF2-40B4-BE49-F238E27FC236}">
-                <a16:creationId xmlns:a16="http://schemas.microsoft.com/office/drawing/2014/main" id="{1B855CAE-30EF-FCF1-5C64-EEB3B2EC713E}"/>
-              </a:ext>
-            </a:extLst>
-          </p:cNvPr>
-          <p:cNvSpPr txBox="1"/>
-          <p:nvPr/>
-        </p:nvSpPr>
-        <p:spPr>
-          <a:xfrm>
-            <a:off x="954088" y="1404635"/>
-            <a:ext cx="9654727" cy="369332"/>
-          </a:xfrm>
-          <a:prstGeom prst="rect">
-            <a:avLst/>
-          </a:prstGeom>
-          <a:noFill/>
-        </p:spPr>
-        <p:txBody>
-          <a:bodyPr wrap="square">
-            <a:spAutoFit/>
-          </a:bodyPr>
-          <a:lstStyle/>
-          <a:p>
-            <a:pPr marL="0" marR="0" lvl="0" indent="0" algn="l" defTabSz="914400" rtl="0" eaLnBrk="1" fontAlgn="auto" latinLnBrk="0" hangingPunct="1">
-              <a:lnSpc>
-                <a:spcPct val="100000"/>
-              </a:lnSpc>
-              <a:spcBef>
-                <a:spcPts val="0"/>
-              </a:spcBef>
-              <a:spcAft>
-                <a:spcPts val="0"/>
-              </a:spcAft>
-              <a:buClrTx/>
-              <a:buSzTx/>
-              <a:buFontTx/>
-              <a:buNone/>
-              <a:tabLst/>
-              <a:defRPr/>
-            </a:pPr>
-            <a:r>
-              <a:rPr lang="en-US" altLang="zh-CN" sz="1800" i="1" dirty="0">
-                <a:effectLst/>
-                <a:latin typeface="Times New Roman" panose="02020603050405020304" pitchFamily="18" charset="0"/>
-                <a:cs typeface="Times New Roman" panose="02020603050405020304" pitchFamily="18" charset="0"/>
-              </a:rPr>
-              <a:t>Continuous Heart Rate Measurement from Face: A Robust rPPG Approach with Distribution Learning</a:t>
-            </a:r>
-          </a:p>
-        </p:txBody>
-      </p:sp>
       <p:pic>
         <p:nvPicPr>
           <p:cNvPr id="8" name="图片 7">
@@ -7030,6 +9413,69 @@
           </a:prstGeom>
         </p:spPr>
       </p:pic>
+      <p:sp>
+        <p:nvSpPr>
+          <p:cNvPr id="4" name="文本框 3">
+            <a:extLst>
+              <a:ext uri="{FF2B5EF4-FFF2-40B4-BE49-F238E27FC236}">
+                <a16:creationId xmlns:a16="http://schemas.microsoft.com/office/drawing/2014/main" id="{B3CFB871-F74F-D974-54E8-E4A9A11BFF83}"/>
+              </a:ext>
+            </a:extLst>
+          </p:cNvPr>
+          <p:cNvSpPr txBox="1"/>
+          <p:nvPr/>
+        </p:nvSpPr>
+        <p:spPr>
+          <a:xfrm>
+            <a:off x="954088" y="1404635"/>
+            <a:ext cx="9973888" cy="369332"/>
+          </a:xfrm>
+          <a:prstGeom prst="rect">
+            <a:avLst/>
+          </a:prstGeom>
+          <a:noFill/>
+        </p:spPr>
+        <p:txBody>
+          <a:bodyPr wrap="square">
+            <a:spAutoFit/>
+          </a:bodyPr>
+          <a:lstStyle/>
+          <a:p>
+            <a:pPr marL="0" marR="0" lvl="0" indent="0" algn="l" defTabSz="914400" rtl="0" eaLnBrk="1" fontAlgn="auto" latinLnBrk="0" hangingPunct="1">
+              <a:lnSpc>
+                <a:spcPct val="100000"/>
+              </a:lnSpc>
+              <a:spcBef>
+                <a:spcPts val="0"/>
+              </a:spcBef>
+              <a:spcAft>
+                <a:spcPts val="0"/>
+              </a:spcAft>
+              <a:buClrTx/>
+              <a:buSzTx/>
+              <a:buFontTx/>
+              <a:buNone/>
+              <a:tabLst/>
+              <a:defRPr/>
+            </a:pPr>
+            <a:r>
+              <a:rPr lang="en-US" altLang="zh-CN" b="1" dirty="0">
+                <a:latin typeface="Times New Roman" panose="02020603050405020304" pitchFamily="18" charset="0"/>
+                <a:cs typeface="Times New Roman" panose="02020603050405020304" pitchFamily="18" charset="0"/>
+              </a:rPr>
+              <a:t>I. </a:t>
+            </a:r>
+            <a:r>
+              <a:rPr lang="en-US" altLang="zh-CN" sz="1800" i="1" dirty="0">
+                <a:effectLst/>
+                <a:latin typeface="Times New Roman" panose="02020603050405020304" pitchFamily="18" charset="0"/>
+                <a:cs typeface="Times New Roman" panose="02020603050405020304" pitchFamily="18" charset="0"/>
+              </a:rPr>
+              <a:t>Continuous Heart Rate Measurement from Face: A Robust rPPG Approach with Distribution Learning</a:t>
+            </a:r>
+          </a:p>
+        </p:txBody>
+      </p:sp>
     </p:spTree>
     <p:extLst>
       <p:ext uri="{BB962C8B-B14F-4D97-AF65-F5344CB8AC3E}">
@@ -7040,13 +9486,13 @@
   <p:clrMapOvr>
     <a:masterClrMapping/>
   </p:clrMapOvr>
-  <mc:AlternateContent xmlns:mc="http://schemas.openxmlformats.org/markup-compatibility/2006">
-    <mc:Choice xmlns:p14="http://schemas.microsoft.com/office/powerpoint/2010/main" Requires="p14">
+  <mc:AlternateContent xmlns:mc="http://schemas.openxmlformats.org/markup-compatibility/2006" xmlns:p14="http://schemas.microsoft.com/office/powerpoint/2010/main">
+    <mc:Choice Requires="p14">
       <p:transition spd="med" p14:dur="700">
         <p:fade/>
       </p:transition>
     </mc:Choice>
-    <mc:Fallback>
+    <mc:Fallback xmlns="">
       <p:transition spd="med">
         <p:fade/>
       </p:transition>
@@ -7105,62 +9551,6 @@
           </a:p>
         </p:txBody>
       </p:sp>
-      <p:sp>
-        <p:nvSpPr>
-          <p:cNvPr id="2" name="文本框 1">
-            <a:extLst>
-              <a:ext uri="{FF2B5EF4-FFF2-40B4-BE49-F238E27FC236}">
-                <a16:creationId xmlns:a16="http://schemas.microsoft.com/office/drawing/2014/main" id="{1B855CAE-30EF-FCF1-5C64-EEB3B2EC713E}"/>
-              </a:ext>
-            </a:extLst>
-          </p:cNvPr>
-          <p:cNvSpPr txBox="1"/>
-          <p:nvPr/>
-        </p:nvSpPr>
-        <p:spPr>
-          <a:xfrm>
-            <a:off x="954088" y="1404635"/>
-            <a:ext cx="9654727" cy="369332"/>
-          </a:xfrm>
-          <a:prstGeom prst="rect">
-            <a:avLst/>
-          </a:prstGeom>
-          <a:noFill/>
-        </p:spPr>
-        <p:txBody>
-          <a:bodyPr wrap="square">
-            <a:spAutoFit/>
-          </a:bodyPr>
-          <a:lstStyle/>
-          <a:p>
-            <a:pPr marL="0" marR="0" lvl="0" indent="0" algn="l" defTabSz="914400" rtl="0" eaLnBrk="1" fontAlgn="auto" latinLnBrk="0" hangingPunct="1">
-              <a:lnSpc>
-                <a:spcPct val="100000"/>
-              </a:lnSpc>
-              <a:spcBef>
-                <a:spcPts val="0"/>
-              </a:spcBef>
-              <a:spcAft>
-                <a:spcPts val="0"/>
-              </a:spcAft>
-              <a:buClrTx/>
-              <a:buSzTx/>
-              <a:buFontTx/>
-              <a:buNone/>
-              <a:tabLst/>
-              <a:defRPr/>
-            </a:pPr>
-            <a:r>
-              <a:rPr lang="en-US" altLang="zh-CN" sz="1800" i="1" dirty="0">
-                <a:effectLst/>
-                <a:latin typeface="Times New Roman" panose="02020603050405020304" pitchFamily="18" charset="0"/>
-                <a:cs typeface="Times New Roman" panose="02020603050405020304" pitchFamily="18" charset="0"/>
-              </a:rPr>
-              <a:t>Continuous Heart Rate Measurement from Face: A Robust rPPG Approach with Distribution Learning</a:t>
-            </a:r>
-          </a:p>
-        </p:txBody>
-      </p:sp>
       <p:pic>
         <p:nvPicPr>
           <p:cNvPr id="8" name="图片 7">
@@ -8469,6 +10859,69 @@
           </a:p>
         </p:txBody>
       </p:sp>
+      <p:sp>
+        <p:nvSpPr>
+          <p:cNvPr id="3" name="文本框 2">
+            <a:extLst>
+              <a:ext uri="{FF2B5EF4-FFF2-40B4-BE49-F238E27FC236}">
+                <a16:creationId xmlns:a16="http://schemas.microsoft.com/office/drawing/2014/main" id="{65E34A14-59F5-759B-ACA9-0299FE5C5DFC}"/>
+              </a:ext>
+            </a:extLst>
+          </p:cNvPr>
+          <p:cNvSpPr txBox="1"/>
+          <p:nvPr/>
+        </p:nvSpPr>
+        <p:spPr>
+          <a:xfrm>
+            <a:off x="954088" y="1404635"/>
+            <a:ext cx="9973888" cy="369332"/>
+          </a:xfrm>
+          <a:prstGeom prst="rect">
+            <a:avLst/>
+          </a:prstGeom>
+          <a:noFill/>
+        </p:spPr>
+        <p:txBody>
+          <a:bodyPr wrap="square">
+            <a:spAutoFit/>
+          </a:bodyPr>
+          <a:lstStyle/>
+          <a:p>
+            <a:pPr marL="0" marR="0" lvl="0" indent="0" algn="l" defTabSz="914400" rtl="0" eaLnBrk="1" fontAlgn="auto" latinLnBrk="0" hangingPunct="1">
+              <a:lnSpc>
+                <a:spcPct val="100000"/>
+              </a:lnSpc>
+              <a:spcBef>
+                <a:spcPts val="0"/>
+              </a:spcBef>
+              <a:spcAft>
+                <a:spcPts val="0"/>
+              </a:spcAft>
+              <a:buClrTx/>
+              <a:buSzTx/>
+              <a:buFontTx/>
+              <a:buNone/>
+              <a:tabLst/>
+              <a:defRPr/>
+            </a:pPr>
+            <a:r>
+              <a:rPr lang="en-US" altLang="zh-CN" b="1" dirty="0">
+                <a:latin typeface="Times New Roman" panose="02020603050405020304" pitchFamily="18" charset="0"/>
+                <a:cs typeface="Times New Roman" panose="02020603050405020304" pitchFamily="18" charset="0"/>
+              </a:rPr>
+              <a:t>I. </a:t>
+            </a:r>
+            <a:r>
+              <a:rPr lang="en-US" altLang="zh-CN" sz="1800" i="1" dirty="0">
+                <a:effectLst/>
+                <a:latin typeface="Times New Roman" panose="02020603050405020304" pitchFamily="18" charset="0"/>
+                <a:cs typeface="Times New Roman" panose="02020603050405020304" pitchFamily="18" charset="0"/>
+              </a:rPr>
+              <a:t>Continuous Heart Rate Measurement from Face: A Robust rPPG Approach with Distribution Learning</a:t>
+            </a:r>
+          </a:p>
+        </p:txBody>
+      </p:sp>
     </p:spTree>
     <p:extLst>
       <p:ext uri="{BB962C8B-B14F-4D97-AF65-F5344CB8AC3E}">
@@ -8479,13 +10932,13 @@
   <p:clrMapOvr>
     <a:masterClrMapping/>
   </p:clrMapOvr>
-  <mc:AlternateContent xmlns:mc="http://schemas.openxmlformats.org/markup-compatibility/2006">
-    <mc:Choice xmlns:p14="http://schemas.microsoft.com/office/powerpoint/2010/main" Requires="p14">
+  <mc:AlternateContent xmlns:mc="http://schemas.openxmlformats.org/markup-compatibility/2006" xmlns:p14="http://schemas.microsoft.com/office/powerpoint/2010/main">
+    <mc:Choice Requires="p14">
       <p:transition spd="med" p14:dur="700">
         <p:fade/>
       </p:transition>
     </mc:Choice>
-    <mc:Fallback>
+    <mc:Fallback xmlns="">
       <p:transition spd="med">
         <p:fade/>
       </p:transition>
@@ -8540,62 +10993,6 @@
             <a:r>
               <a:rPr lang="zh-CN" altLang="en-US" dirty="0"/>
               <a:t>文献概要</a:t>
-            </a:r>
-          </a:p>
-        </p:txBody>
-      </p:sp>
-      <p:sp>
-        <p:nvSpPr>
-          <p:cNvPr id="2" name="文本框 1">
-            <a:extLst>
-              <a:ext uri="{FF2B5EF4-FFF2-40B4-BE49-F238E27FC236}">
-                <a16:creationId xmlns:a16="http://schemas.microsoft.com/office/drawing/2014/main" id="{1B855CAE-30EF-FCF1-5C64-EEB3B2EC713E}"/>
-              </a:ext>
-            </a:extLst>
-          </p:cNvPr>
-          <p:cNvSpPr txBox="1"/>
-          <p:nvPr/>
-        </p:nvSpPr>
-        <p:spPr>
-          <a:xfrm>
-            <a:off x="954088" y="1404635"/>
-            <a:ext cx="9654727" cy="369332"/>
-          </a:xfrm>
-          <a:prstGeom prst="rect">
-            <a:avLst/>
-          </a:prstGeom>
-          <a:noFill/>
-        </p:spPr>
-        <p:txBody>
-          <a:bodyPr wrap="square">
-            <a:spAutoFit/>
-          </a:bodyPr>
-          <a:lstStyle/>
-          <a:p>
-            <a:pPr marL="0" marR="0" lvl="0" indent="0" algn="l" defTabSz="914400" rtl="0" eaLnBrk="1" fontAlgn="auto" latinLnBrk="0" hangingPunct="1">
-              <a:lnSpc>
-                <a:spcPct val="100000"/>
-              </a:lnSpc>
-              <a:spcBef>
-                <a:spcPts val="0"/>
-              </a:spcBef>
-              <a:spcAft>
-                <a:spcPts val="0"/>
-              </a:spcAft>
-              <a:buClrTx/>
-              <a:buSzTx/>
-              <a:buFontTx/>
-              <a:buNone/>
-              <a:tabLst/>
-              <a:defRPr/>
-            </a:pPr>
-            <a:r>
-              <a:rPr lang="en-US" altLang="zh-CN" sz="1800" i="1" dirty="0">
-                <a:effectLst/>
-                <a:latin typeface="Times New Roman" panose="02020603050405020304" pitchFamily="18" charset="0"/>
-                <a:cs typeface="Times New Roman" panose="02020603050405020304" pitchFamily="18" charset="0"/>
-              </a:rPr>
-              <a:t>Continuous Heart Rate Measurement from Face: A Robust rPPG Approach with Distribution Learning</a:t>
             </a:r>
           </a:p>
         </p:txBody>
@@ -8968,6 +11365,69 @@
           </p:spPr>
         </p:pic>
       </p:grpSp>
+      <p:sp>
+        <p:nvSpPr>
+          <p:cNvPr id="3" name="文本框 2">
+            <a:extLst>
+              <a:ext uri="{FF2B5EF4-FFF2-40B4-BE49-F238E27FC236}">
+                <a16:creationId xmlns:a16="http://schemas.microsoft.com/office/drawing/2014/main" id="{7D8A411A-6996-AF73-D5E8-DB8C36A6EB30}"/>
+              </a:ext>
+            </a:extLst>
+          </p:cNvPr>
+          <p:cNvSpPr txBox="1"/>
+          <p:nvPr/>
+        </p:nvSpPr>
+        <p:spPr>
+          <a:xfrm>
+            <a:off x="954088" y="1404635"/>
+            <a:ext cx="9973888" cy="369332"/>
+          </a:xfrm>
+          <a:prstGeom prst="rect">
+            <a:avLst/>
+          </a:prstGeom>
+          <a:noFill/>
+        </p:spPr>
+        <p:txBody>
+          <a:bodyPr wrap="square">
+            <a:spAutoFit/>
+          </a:bodyPr>
+          <a:lstStyle/>
+          <a:p>
+            <a:pPr marL="0" marR="0" lvl="0" indent="0" algn="l" defTabSz="914400" rtl="0" eaLnBrk="1" fontAlgn="auto" latinLnBrk="0" hangingPunct="1">
+              <a:lnSpc>
+                <a:spcPct val="100000"/>
+              </a:lnSpc>
+              <a:spcBef>
+                <a:spcPts val="0"/>
+              </a:spcBef>
+              <a:spcAft>
+                <a:spcPts val="0"/>
+              </a:spcAft>
+              <a:buClrTx/>
+              <a:buSzTx/>
+              <a:buFontTx/>
+              <a:buNone/>
+              <a:tabLst/>
+              <a:defRPr/>
+            </a:pPr>
+            <a:r>
+              <a:rPr lang="en-US" altLang="zh-CN" b="1" dirty="0">
+                <a:latin typeface="Times New Roman" panose="02020603050405020304" pitchFamily="18" charset="0"/>
+                <a:cs typeface="Times New Roman" panose="02020603050405020304" pitchFamily="18" charset="0"/>
+              </a:rPr>
+              <a:t>I. </a:t>
+            </a:r>
+            <a:r>
+              <a:rPr lang="en-US" altLang="zh-CN" sz="1800" i="1" dirty="0">
+                <a:effectLst/>
+                <a:latin typeface="Times New Roman" panose="02020603050405020304" pitchFamily="18" charset="0"/>
+                <a:cs typeface="Times New Roman" panose="02020603050405020304" pitchFamily="18" charset="0"/>
+              </a:rPr>
+              <a:t>Continuous Heart Rate Measurement from Face: A Robust rPPG Approach with Distribution Learning</a:t>
+            </a:r>
+          </a:p>
+        </p:txBody>
+      </p:sp>
     </p:spTree>
     <p:extLst>
       <p:ext uri="{BB962C8B-B14F-4D97-AF65-F5344CB8AC3E}">
@@ -8978,13 +11438,13 @@
   <p:clrMapOvr>
     <a:masterClrMapping/>
   </p:clrMapOvr>
-  <mc:AlternateContent xmlns:mc="http://schemas.openxmlformats.org/markup-compatibility/2006">
-    <mc:Choice xmlns:p14="http://schemas.microsoft.com/office/powerpoint/2010/main" Requires="p14">
+  <mc:AlternateContent xmlns:mc="http://schemas.openxmlformats.org/markup-compatibility/2006" xmlns:p14="http://schemas.microsoft.com/office/powerpoint/2010/main">
+    <mc:Choice Requires="p14">
       <p:transition spd="med" p14:dur="700">
         <p:fade/>
       </p:transition>
     </mc:Choice>
-    <mc:Fallback>
+    <mc:Fallback xmlns="">
       <p:transition spd="med">
         <p:fade/>
       </p:transition>
@@ -9045,10 +11505,10 @@
       </p:sp>
       <p:sp>
         <p:nvSpPr>
-          <p:cNvPr id="2" name="文本框 1">
-            <a:extLst>
-              <a:ext uri="{FF2B5EF4-FFF2-40B4-BE49-F238E27FC236}">
-                <a16:creationId xmlns:a16="http://schemas.microsoft.com/office/drawing/2014/main" id="{1B855CAE-30EF-FCF1-5C64-EEB3B2EC713E}"/>
+          <p:cNvPr id="9" name="文本框 8">
+            <a:extLst>
+              <a:ext uri="{FF2B5EF4-FFF2-40B4-BE49-F238E27FC236}">
+                <a16:creationId xmlns:a16="http://schemas.microsoft.com/office/drawing/2014/main" id="{1E4F7143-F0C7-9D5E-9F38-65038D8ACF55}"/>
               </a:ext>
             </a:extLst>
           </p:cNvPr>
@@ -9057,8 +11517,321 @@
         </p:nvSpPr>
         <p:spPr>
           <a:xfrm>
+            <a:off x="4905586" y="2294045"/>
+            <a:ext cx="6476789" cy="2971967"/>
+          </a:xfrm>
+          <a:prstGeom prst="rect">
+            <a:avLst/>
+          </a:prstGeom>
+          <a:noFill/>
+        </p:spPr>
+        <p:txBody>
+          <a:bodyPr wrap="square" rtlCol="0">
+            <a:spAutoFit/>
+          </a:bodyPr>
+          <a:lstStyle/>
+          <a:p>
+            <a:pPr>
+              <a:lnSpc>
+                <a:spcPct val="200000"/>
+              </a:lnSpc>
+            </a:pPr>
+            <a:r>
+              <a:rPr lang="en-US" altLang="zh-CN" sz="1600" b="1" dirty="0"/>
+              <a:t>3. </a:t>
+            </a:r>
+            <a:r>
+              <a:rPr lang="zh-CN" altLang="en-US" sz="1600" b="1" dirty="0"/>
+              <a:t>心率提取</a:t>
+            </a:r>
+            <a:endParaRPr lang="en-US" altLang="zh-CN" sz="1600" b="1" dirty="0"/>
+          </a:p>
+          <a:p>
+            <a:pPr marL="342900" indent="-342900">
+              <a:lnSpc>
+                <a:spcPct val="200000"/>
+              </a:lnSpc>
+              <a:buAutoNum type="arabicParenBoth"/>
+            </a:pPr>
+            <a:r>
+              <a:rPr lang="zh-CN" altLang="en-US" sz="1600" dirty="0"/>
+              <a:t>将提取的信号的 其中某 </a:t>
+            </a:r>
+            <a:r>
+              <a:rPr lang="en-US" altLang="zh-CN" sz="1600" i="1" dirty="0">
+                <a:latin typeface="Times New Roman" panose="02020603050405020304" pitchFamily="18" charset="0"/>
+                <a:cs typeface="Times New Roman" panose="02020603050405020304" pitchFamily="18" charset="0"/>
+              </a:rPr>
+              <a:t>l </a:t>
+            </a:r>
+            <a:r>
+              <a:rPr lang="zh-CN" altLang="en-US" sz="1600" dirty="0">
+                <a:latin typeface="Times New Roman" panose="02020603050405020304" pitchFamily="18" charset="0"/>
+                <a:cs typeface="Times New Roman" panose="02020603050405020304" pitchFamily="18" charset="0"/>
+              </a:rPr>
+              <a:t>帧</a:t>
+            </a:r>
+            <a:r>
+              <a:rPr lang="zh-CN" altLang="en-US" sz="1600" dirty="0"/>
+              <a:t>做</a:t>
+            </a:r>
+            <a:r>
+              <a:rPr lang="en-US" altLang="zh-CN" sz="1600" dirty="0"/>
+              <a:t>FFT</a:t>
+            </a:r>
+            <a:r>
+              <a:rPr lang="zh-CN" altLang="en-US" sz="1600" dirty="0"/>
+              <a:t>，频谱峰值对应的频率为心率</a:t>
+            </a:r>
+            <a:r>
+              <a:rPr lang="en-US" altLang="zh-CN" sz="1600" dirty="0"/>
+              <a:t>(Hz)</a:t>
+            </a:r>
+            <a:r>
+              <a:rPr lang="zh-CN" altLang="en-US" sz="1600" dirty="0"/>
+              <a:t>，再乘</a:t>
+            </a:r>
+            <a:r>
+              <a:rPr lang="en-US" altLang="zh-CN" sz="1600" dirty="0"/>
+              <a:t>60</a:t>
+            </a:r>
+            <a:r>
+              <a:rPr lang="zh-CN" altLang="en-US" sz="1600" dirty="0"/>
+              <a:t>就是</a:t>
+            </a:r>
+            <a:r>
+              <a:rPr lang="en-US" altLang="zh-CN" sz="1600" dirty="0"/>
+              <a:t>bpm</a:t>
+            </a:r>
+          </a:p>
+          <a:p>
+            <a:pPr marL="342900" indent="-342900">
+              <a:lnSpc>
+                <a:spcPct val="200000"/>
+              </a:lnSpc>
+              <a:buAutoNum type="arabicParenBoth" startAt="2"/>
+            </a:pPr>
+            <a:r>
+              <a:rPr lang="zh-CN" altLang="en-US" sz="1600" dirty="0"/>
+              <a:t>每计算一次心率，就将长为 </a:t>
+            </a:r>
+            <a:r>
+              <a:rPr lang="en-US" altLang="zh-CN" sz="1600" i="1" dirty="0">
+                <a:latin typeface="Times New Roman" panose="02020603050405020304" pitchFamily="18" charset="0"/>
+                <a:cs typeface="Times New Roman" panose="02020603050405020304" pitchFamily="18" charset="0"/>
+              </a:rPr>
+              <a:t>l </a:t>
+            </a:r>
+            <a:r>
+              <a:rPr lang="zh-CN" altLang="en-US" sz="1600" dirty="0">
+                <a:latin typeface="Times New Roman" panose="02020603050405020304" pitchFamily="18" charset="0"/>
+                <a:cs typeface="Times New Roman" panose="02020603050405020304" pitchFamily="18" charset="0"/>
+              </a:rPr>
+              <a:t>的窗口向右移动一秒，再进行（</a:t>
+            </a:r>
+            <a:r>
+              <a:rPr lang="en-US" altLang="zh-CN" sz="1600" dirty="0">
+                <a:latin typeface="Times New Roman" panose="02020603050405020304" pitchFamily="18" charset="0"/>
+                <a:cs typeface="Times New Roman" panose="02020603050405020304" pitchFamily="18" charset="0"/>
+              </a:rPr>
+              <a:t>1</a:t>
+            </a:r>
+            <a:r>
+              <a:rPr lang="zh-CN" altLang="en-US" sz="1600" dirty="0">
+                <a:latin typeface="Times New Roman" panose="02020603050405020304" pitchFamily="18" charset="0"/>
+                <a:cs typeface="Times New Roman" panose="02020603050405020304" pitchFamily="18" charset="0"/>
+              </a:rPr>
+              <a:t>）操作，</a:t>
+            </a:r>
+            <a:r>
+              <a:rPr lang="en-US" altLang="zh-CN" sz="1600" dirty="0">
+                <a:latin typeface="Times New Roman" panose="02020603050405020304" pitchFamily="18" charset="0"/>
+                <a:cs typeface="Times New Roman" panose="02020603050405020304" pitchFamily="18" charset="0"/>
+              </a:rPr>
+              <a:t> </a:t>
+            </a:r>
+            <a:r>
+              <a:rPr lang="zh-CN" altLang="en-US" sz="1600" dirty="0">
+                <a:latin typeface="Times New Roman" panose="02020603050405020304" pitchFamily="18" charset="0"/>
+                <a:cs typeface="Times New Roman" panose="02020603050405020304" pitchFamily="18" charset="0"/>
+              </a:rPr>
+              <a:t>得到下一时刻的心率，以此实现</a:t>
+            </a:r>
+            <a:r>
+              <a:rPr lang="zh-CN" altLang="en-US" sz="1600" b="1" dirty="0">
+                <a:latin typeface="Times New Roman" panose="02020603050405020304" pitchFamily="18" charset="0"/>
+                <a:cs typeface="Times New Roman" panose="02020603050405020304" pitchFamily="18" charset="0"/>
+              </a:rPr>
+              <a:t>连续的心率测试。</a:t>
+            </a:r>
+            <a:endParaRPr lang="en-US" altLang="zh-CN" sz="1600" dirty="0">
+              <a:latin typeface="Times New Roman" panose="02020603050405020304" pitchFamily="18" charset="0"/>
+              <a:cs typeface="Times New Roman" panose="02020603050405020304" pitchFamily="18" charset="0"/>
+            </a:endParaRPr>
+          </a:p>
+          <a:p>
+            <a:pPr>
+              <a:lnSpc>
+                <a:spcPct val="200000"/>
+              </a:lnSpc>
+            </a:pPr>
+            <a:r>
+              <a:rPr lang="zh-CN" altLang="en-US" sz="1600" dirty="0">
+                <a:latin typeface="Times New Roman" panose="02020603050405020304" pitchFamily="18" charset="0"/>
+                <a:cs typeface="Times New Roman" panose="02020603050405020304" pitchFamily="18" charset="0"/>
+              </a:rPr>
+              <a:t>（因此得先录制 </a:t>
+            </a:r>
+            <a:r>
+              <a:rPr lang="en-US" altLang="zh-CN" sz="1600" i="1" dirty="0">
+                <a:latin typeface="Times New Roman" panose="02020603050405020304" pitchFamily="18" charset="0"/>
+                <a:cs typeface="Times New Roman" panose="02020603050405020304" pitchFamily="18" charset="0"/>
+              </a:rPr>
+              <a:t>l  </a:t>
+            </a:r>
+            <a:r>
+              <a:rPr lang="zh-CN" altLang="en-US" sz="1600" dirty="0">
+                <a:latin typeface="Times New Roman" panose="02020603050405020304" pitchFamily="18" charset="0"/>
+                <a:cs typeface="Times New Roman" panose="02020603050405020304" pitchFamily="18" charset="0"/>
+              </a:rPr>
+              <a:t>帧后才能开始显示心率）</a:t>
+            </a:r>
+            <a:endParaRPr lang="en-US" altLang="zh-CN" sz="1600" dirty="0">
+              <a:latin typeface="Times New Roman" panose="02020603050405020304" pitchFamily="18" charset="0"/>
+              <a:cs typeface="Times New Roman" panose="02020603050405020304" pitchFamily="18" charset="0"/>
+            </a:endParaRPr>
+          </a:p>
+        </p:txBody>
+      </p:sp>
+      <p:pic>
+        <p:nvPicPr>
+          <p:cNvPr id="7" name="图片 6">
+            <a:extLst>
+              <a:ext uri="{FF2B5EF4-FFF2-40B4-BE49-F238E27FC236}">
+                <a16:creationId xmlns:a16="http://schemas.microsoft.com/office/drawing/2014/main" id="{33EF3AAE-ECE8-B8EB-70A9-478FE185CC56}"/>
+              </a:ext>
+            </a:extLst>
+          </p:cNvPr>
+          <p:cNvPicPr>
+            <a:picLocks noChangeAspect="1"/>
+          </p:cNvPicPr>
+          <p:nvPr/>
+        </p:nvPicPr>
+        <p:blipFill>
+          <a:blip r:embed="rId3"/>
+          <a:stretch>
+            <a:fillRect/>
+          </a:stretch>
+        </p:blipFill>
+        <p:spPr>
+          <a:xfrm>
+            <a:off x="1483203" y="3567033"/>
+            <a:ext cx="1695687" cy="285790"/>
+          </a:xfrm>
+          <a:prstGeom prst="rect">
+            <a:avLst/>
+          </a:prstGeom>
+        </p:spPr>
+      </p:pic>
+      <p:sp>
+        <p:nvSpPr>
+          <p:cNvPr id="11" name="右大括号 10">
+            <a:extLst>
+              <a:ext uri="{FF2B5EF4-FFF2-40B4-BE49-F238E27FC236}">
+                <a16:creationId xmlns:a16="http://schemas.microsoft.com/office/drawing/2014/main" id="{CB4B8CCA-03A2-4B01-E5A6-CA706A2D89AF}"/>
+              </a:ext>
+            </a:extLst>
+          </p:cNvPr>
+          <p:cNvSpPr/>
+          <p:nvPr/>
+        </p:nvSpPr>
+        <p:spPr>
+          <a:xfrm rot="5400000">
+            <a:off x="1777704" y="3558321"/>
+            <a:ext cx="144315" cy="733320"/>
+          </a:xfrm>
+          <a:prstGeom prst="rightBrace">
+            <a:avLst/>
+          </a:prstGeom>
+        </p:spPr>
+        <p:style>
+          <a:lnRef idx="1">
+            <a:schemeClr val="accent1"/>
+          </a:lnRef>
+          <a:fillRef idx="0">
+            <a:schemeClr val="accent1"/>
+          </a:fillRef>
+          <a:effectRef idx="0">
+            <a:schemeClr val="accent1"/>
+          </a:effectRef>
+          <a:fontRef idx="minor">
+            <a:schemeClr val="tx1"/>
+          </a:fontRef>
+        </p:style>
+        <p:txBody>
+          <a:bodyPr rtlCol="0" anchor="ctr"/>
+          <a:lstStyle/>
+          <a:p>
+            <a:pPr algn="ctr"/>
+            <a:endParaRPr lang="zh-CN" altLang="en-US"/>
+          </a:p>
+        </p:txBody>
+      </p:sp>
+      <p:sp>
+        <p:nvSpPr>
+          <p:cNvPr id="13" name="文本框 12">
+            <a:extLst>
+              <a:ext uri="{FF2B5EF4-FFF2-40B4-BE49-F238E27FC236}">
+                <a16:creationId xmlns:a16="http://schemas.microsoft.com/office/drawing/2014/main" id="{AF9EAE40-B857-4B5A-BE0A-2C84176EFFDE}"/>
+              </a:ext>
+            </a:extLst>
+          </p:cNvPr>
+          <p:cNvSpPr txBox="1"/>
+          <p:nvPr/>
+        </p:nvSpPr>
+        <p:spPr>
+          <a:xfrm>
+            <a:off x="1730798" y="3974545"/>
+            <a:ext cx="352425" cy="276999"/>
+          </a:xfrm>
+          <a:prstGeom prst="rect">
+            <a:avLst/>
+          </a:prstGeom>
+          <a:noFill/>
+        </p:spPr>
+        <p:txBody>
+          <a:bodyPr wrap="square">
+            <a:spAutoFit/>
+          </a:bodyPr>
+          <a:lstStyle/>
+          <a:p>
+            <a:r>
+              <a:rPr lang="en-US" altLang="zh-CN" sz="1200" i="1" dirty="0">
+                <a:latin typeface="Times New Roman" panose="02020603050405020304" pitchFamily="18" charset="0"/>
+                <a:cs typeface="Times New Roman" panose="02020603050405020304" pitchFamily="18" charset="0"/>
+              </a:rPr>
+              <a:t>l</a:t>
+            </a:r>
+            <a:endParaRPr lang="zh-CN" altLang="en-US" sz="1200" dirty="0"/>
+          </a:p>
+        </p:txBody>
+      </p:sp>
+      <p:sp>
+        <p:nvSpPr>
+          <p:cNvPr id="3" name="文本框 2">
+            <a:extLst>
+              <a:ext uri="{FF2B5EF4-FFF2-40B4-BE49-F238E27FC236}">
+                <a16:creationId xmlns:a16="http://schemas.microsoft.com/office/drawing/2014/main" id="{5137F5A3-1F52-4751-A5AF-5A6EF48B27A4}"/>
+              </a:ext>
+            </a:extLst>
+          </p:cNvPr>
+          <p:cNvSpPr txBox="1"/>
+          <p:nvPr/>
+        </p:nvSpPr>
+        <p:spPr>
+          <a:xfrm>
             <a:off x="954088" y="1404635"/>
-            <a:ext cx="9654727" cy="369332"/>
+            <a:ext cx="9973888" cy="369332"/>
           </a:xfrm>
           <a:prstGeom prst="rect">
             <a:avLst/>
@@ -9089,6 +11862,13 @@
               <a:defRPr/>
             </a:pPr>
             <a:r>
+              <a:rPr lang="en-US" altLang="zh-CN" b="1" dirty="0">
+                <a:latin typeface="Times New Roman" panose="02020603050405020304" pitchFamily="18" charset="0"/>
+                <a:cs typeface="Times New Roman" panose="02020603050405020304" pitchFamily="18" charset="0"/>
+              </a:rPr>
+              <a:t>I. </a:t>
+            </a:r>
+            <a:r>
               <a:rPr lang="en-US" altLang="zh-CN" sz="1800" i="1" dirty="0">
                 <a:effectLst/>
                 <a:latin typeface="Times New Roman" panose="02020603050405020304" pitchFamily="18" charset="0"/>
@@ -9096,319 +11876,6 @@
               </a:rPr>
               <a:t>Continuous Heart Rate Measurement from Face: A Robust rPPG Approach with Distribution Learning</a:t>
             </a:r>
-          </a:p>
-        </p:txBody>
-      </p:sp>
-      <p:sp>
-        <p:nvSpPr>
-          <p:cNvPr id="9" name="文本框 8">
-            <a:extLst>
-              <a:ext uri="{FF2B5EF4-FFF2-40B4-BE49-F238E27FC236}">
-                <a16:creationId xmlns:a16="http://schemas.microsoft.com/office/drawing/2014/main" id="{1E4F7143-F0C7-9D5E-9F38-65038D8ACF55}"/>
-              </a:ext>
-            </a:extLst>
-          </p:cNvPr>
-          <p:cNvSpPr txBox="1"/>
-          <p:nvPr/>
-        </p:nvSpPr>
-        <p:spPr>
-          <a:xfrm>
-            <a:off x="4905586" y="2294045"/>
-            <a:ext cx="6476789" cy="2971967"/>
-          </a:xfrm>
-          <a:prstGeom prst="rect">
-            <a:avLst/>
-          </a:prstGeom>
-          <a:noFill/>
-        </p:spPr>
-        <p:txBody>
-          <a:bodyPr wrap="square" rtlCol="0">
-            <a:spAutoFit/>
-          </a:bodyPr>
-          <a:lstStyle/>
-          <a:p>
-            <a:pPr>
-              <a:lnSpc>
-                <a:spcPct val="200000"/>
-              </a:lnSpc>
-            </a:pPr>
-            <a:r>
-              <a:rPr lang="en-US" altLang="zh-CN" sz="1600" b="1" dirty="0"/>
-              <a:t>3. </a:t>
-            </a:r>
-            <a:r>
-              <a:rPr lang="zh-CN" altLang="en-US" sz="1600" b="1" dirty="0"/>
-              <a:t>心率提取</a:t>
-            </a:r>
-            <a:endParaRPr lang="en-US" altLang="zh-CN" sz="1600" b="1" dirty="0"/>
-          </a:p>
-          <a:p>
-            <a:pPr marL="342900" indent="-342900">
-              <a:lnSpc>
-                <a:spcPct val="200000"/>
-              </a:lnSpc>
-              <a:buAutoNum type="arabicParenBoth"/>
-            </a:pPr>
-            <a:r>
-              <a:rPr lang="zh-CN" altLang="en-US" sz="1600" dirty="0"/>
-              <a:t>将提取的信号的 其中某 </a:t>
-            </a:r>
-            <a:r>
-              <a:rPr lang="en-US" altLang="zh-CN" sz="1600" i="1" dirty="0">
-                <a:latin typeface="Times New Roman" panose="02020603050405020304" pitchFamily="18" charset="0"/>
-                <a:cs typeface="Times New Roman" panose="02020603050405020304" pitchFamily="18" charset="0"/>
-              </a:rPr>
-              <a:t>l </a:t>
-            </a:r>
-            <a:r>
-              <a:rPr lang="zh-CN" altLang="en-US" sz="1600" dirty="0">
-                <a:latin typeface="Times New Roman" panose="02020603050405020304" pitchFamily="18" charset="0"/>
-                <a:cs typeface="Times New Roman" panose="02020603050405020304" pitchFamily="18" charset="0"/>
-              </a:rPr>
-              <a:t>帧</a:t>
-            </a:r>
-            <a:r>
-              <a:rPr lang="zh-CN" altLang="en-US" sz="1600" dirty="0"/>
-              <a:t>做</a:t>
-            </a:r>
-            <a:r>
-              <a:rPr lang="en-US" altLang="zh-CN" sz="1600" dirty="0"/>
-              <a:t>FFT</a:t>
-            </a:r>
-            <a:r>
-              <a:rPr lang="zh-CN" altLang="en-US" sz="1600" dirty="0"/>
-              <a:t>，频谱峰值对应的频率为心率</a:t>
-            </a:r>
-            <a:r>
-              <a:rPr lang="en-US" altLang="zh-CN" sz="1600" dirty="0"/>
-              <a:t>(Hz)</a:t>
-            </a:r>
-            <a:r>
-              <a:rPr lang="zh-CN" altLang="en-US" sz="1600" dirty="0"/>
-              <a:t>，再乘</a:t>
-            </a:r>
-            <a:r>
-              <a:rPr lang="en-US" altLang="zh-CN" sz="1600" dirty="0"/>
-              <a:t>60</a:t>
-            </a:r>
-            <a:r>
-              <a:rPr lang="zh-CN" altLang="en-US" sz="1600" dirty="0"/>
-              <a:t>就是</a:t>
-            </a:r>
-            <a:r>
-              <a:rPr lang="en-US" altLang="zh-CN" sz="1600" dirty="0"/>
-              <a:t>bpm</a:t>
-            </a:r>
-          </a:p>
-          <a:p>
-            <a:pPr marL="342900" indent="-342900">
-              <a:lnSpc>
-                <a:spcPct val="200000"/>
-              </a:lnSpc>
-              <a:buAutoNum type="arabicParenBoth" startAt="2"/>
-            </a:pPr>
-            <a:r>
-              <a:rPr lang="zh-CN" altLang="en-US" sz="1600" dirty="0"/>
-              <a:t>每计算一次心率，就将长为 </a:t>
-            </a:r>
-            <a:r>
-              <a:rPr lang="en-US" altLang="zh-CN" sz="1600" i="1" dirty="0">
-                <a:latin typeface="Times New Roman" panose="02020603050405020304" pitchFamily="18" charset="0"/>
-                <a:cs typeface="Times New Roman" panose="02020603050405020304" pitchFamily="18" charset="0"/>
-              </a:rPr>
-              <a:t>l </a:t>
-            </a:r>
-            <a:r>
-              <a:rPr lang="zh-CN" altLang="en-US" sz="1600" dirty="0">
-                <a:latin typeface="Times New Roman" panose="02020603050405020304" pitchFamily="18" charset="0"/>
-                <a:cs typeface="Times New Roman" panose="02020603050405020304" pitchFamily="18" charset="0"/>
-              </a:rPr>
-              <a:t>的窗口向右移动一秒，再进行（</a:t>
-            </a:r>
-            <a:r>
-              <a:rPr lang="en-US" altLang="zh-CN" sz="1600" dirty="0">
-                <a:latin typeface="Times New Roman" panose="02020603050405020304" pitchFamily="18" charset="0"/>
-                <a:cs typeface="Times New Roman" panose="02020603050405020304" pitchFamily="18" charset="0"/>
-              </a:rPr>
-              <a:t>1</a:t>
-            </a:r>
-            <a:r>
-              <a:rPr lang="zh-CN" altLang="en-US" sz="1600" dirty="0">
-                <a:latin typeface="Times New Roman" panose="02020603050405020304" pitchFamily="18" charset="0"/>
-                <a:cs typeface="Times New Roman" panose="02020603050405020304" pitchFamily="18" charset="0"/>
-              </a:rPr>
-              <a:t>）操作，</a:t>
-            </a:r>
-            <a:r>
-              <a:rPr lang="en-US" altLang="zh-CN" sz="1600" dirty="0">
-                <a:latin typeface="Times New Roman" panose="02020603050405020304" pitchFamily="18" charset="0"/>
-                <a:cs typeface="Times New Roman" panose="02020603050405020304" pitchFamily="18" charset="0"/>
-              </a:rPr>
-              <a:t> </a:t>
-            </a:r>
-            <a:r>
-              <a:rPr lang="zh-CN" altLang="en-US" sz="1600" dirty="0">
-                <a:latin typeface="Times New Roman" panose="02020603050405020304" pitchFamily="18" charset="0"/>
-                <a:cs typeface="Times New Roman" panose="02020603050405020304" pitchFamily="18" charset="0"/>
-              </a:rPr>
-              <a:t>得到下一时刻的心率，以此实现</a:t>
-            </a:r>
-            <a:r>
-              <a:rPr lang="zh-CN" altLang="en-US" sz="1600" b="1" dirty="0">
-                <a:latin typeface="Times New Roman" panose="02020603050405020304" pitchFamily="18" charset="0"/>
-                <a:cs typeface="Times New Roman" panose="02020603050405020304" pitchFamily="18" charset="0"/>
-              </a:rPr>
-              <a:t>连续的心率测试。</a:t>
-            </a:r>
-            <a:endParaRPr lang="en-US" altLang="zh-CN" sz="1600" dirty="0">
-              <a:latin typeface="Times New Roman" panose="02020603050405020304" pitchFamily="18" charset="0"/>
-              <a:cs typeface="Times New Roman" panose="02020603050405020304" pitchFamily="18" charset="0"/>
-            </a:endParaRPr>
-          </a:p>
-          <a:p>
-            <a:pPr>
-              <a:lnSpc>
-                <a:spcPct val="200000"/>
-              </a:lnSpc>
-            </a:pPr>
-            <a:r>
-              <a:rPr lang="zh-CN" altLang="en-US" sz="1600" dirty="0">
-                <a:latin typeface="Times New Roman" panose="02020603050405020304" pitchFamily="18" charset="0"/>
-                <a:cs typeface="Times New Roman" panose="02020603050405020304" pitchFamily="18" charset="0"/>
-              </a:rPr>
-              <a:t>（因此得先录制 </a:t>
-            </a:r>
-            <a:r>
-              <a:rPr lang="en-US" altLang="zh-CN" sz="1600" i="1" dirty="0">
-                <a:latin typeface="Times New Roman" panose="02020603050405020304" pitchFamily="18" charset="0"/>
-                <a:cs typeface="Times New Roman" panose="02020603050405020304" pitchFamily="18" charset="0"/>
-              </a:rPr>
-              <a:t>l  </a:t>
-            </a:r>
-            <a:r>
-              <a:rPr lang="zh-CN" altLang="en-US" sz="1600" dirty="0">
-                <a:latin typeface="Times New Roman" panose="02020603050405020304" pitchFamily="18" charset="0"/>
-                <a:cs typeface="Times New Roman" panose="02020603050405020304" pitchFamily="18" charset="0"/>
-              </a:rPr>
-              <a:t>帧后才能开始显示心率）</a:t>
-            </a:r>
-            <a:endParaRPr lang="en-US" altLang="zh-CN" sz="1600" dirty="0">
-              <a:latin typeface="Times New Roman" panose="02020603050405020304" pitchFamily="18" charset="0"/>
-              <a:cs typeface="Times New Roman" panose="02020603050405020304" pitchFamily="18" charset="0"/>
-            </a:endParaRPr>
-          </a:p>
-        </p:txBody>
-      </p:sp>
-      <p:pic>
-        <p:nvPicPr>
-          <p:cNvPr id="7" name="图片 6">
-            <a:extLst>
-              <a:ext uri="{FF2B5EF4-FFF2-40B4-BE49-F238E27FC236}">
-                <a16:creationId xmlns:a16="http://schemas.microsoft.com/office/drawing/2014/main" id="{33EF3AAE-ECE8-B8EB-70A9-478FE185CC56}"/>
-              </a:ext>
-            </a:extLst>
-          </p:cNvPr>
-          <p:cNvPicPr>
-            <a:picLocks noChangeAspect="1"/>
-          </p:cNvPicPr>
-          <p:nvPr/>
-        </p:nvPicPr>
-        <p:blipFill>
-          <a:blip r:embed="rId3"/>
-          <a:stretch>
-            <a:fillRect/>
-          </a:stretch>
-        </p:blipFill>
-        <p:spPr>
-          <a:xfrm>
-            <a:off x="8143980" y="2294045"/>
-            <a:ext cx="1695687" cy="285790"/>
-          </a:xfrm>
-          <a:prstGeom prst="rect">
-            <a:avLst/>
-          </a:prstGeom>
-        </p:spPr>
-      </p:pic>
-      <p:sp>
-        <p:nvSpPr>
-          <p:cNvPr id="11" name="右大括号 10">
-            <a:extLst>
-              <a:ext uri="{FF2B5EF4-FFF2-40B4-BE49-F238E27FC236}">
-                <a16:creationId xmlns:a16="http://schemas.microsoft.com/office/drawing/2014/main" id="{CB4B8CCA-03A2-4B01-E5A6-CA706A2D89AF}"/>
-              </a:ext>
-            </a:extLst>
-          </p:cNvPr>
-          <p:cNvSpPr/>
-          <p:nvPr/>
-        </p:nvSpPr>
-        <p:spPr>
-          <a:xfrm rot="5400000">
-            <a:off x="8438481" y="2285333"/>
-            <a:ext cx="144315" cy="733320"/>
-          </a:xfrm>
-          <a:prstGeom prst="rightBrace">
-            <a:avLst/>
-          </a:prstGeom>
-        </p:spPr>
-        <p:style>
-          <a:lnRef idx="1">
-            <a:schemeClr val="accent1"/>
-          </a:lnRef>
-          <a:fillRef idx="0">
-            <a:schemeClr val="accent1"/>
-          </a:fillRef>
-          <a:effectRef idx="0">
-            <a:schemeClr val="accent1"/>
-          </a:effectRef>
-          <a:fontRef idx="minor">
-            <a:schemeClr val="tx1"/>
-          </a:fontRef>
-        </p:style>
-        <p:txBody>
-          <a:bodyPr rtlCol="0" anchor="ctr"/>
-          <a:lstStyle/>
-          <a:p>
-            <a:pPr algn="ctr"/>
-            <a:endParaRPr lang="zh-CN" altLang="en-US"/>
-          </a:p>
-        </p:txBody>
-      </p:sp>
-      <p:sp>
-        <p:nvSpPr>
-          <p:cNvPr id="13" name="文本框 12">
-            <a:extLst>
-              <a:ext uri="{FF2B5EF4-FFF2-40B4-BE49-F238E27FC236}">
-                <a16:creationId xmlns:a16="http://schemas.microsoft.com/office/drawing/2014/main" id="{AF9EAE40-B857-4B5A-BE0A-2C84176EFFDE}"/>
-              </a:ext>
-            </a:extLst>
-          </p:cNvPr>
-          <p:cNvSpPr txBox="1"/>
-          <p:nvPr/>
-        </p:nvSpPr>
-        <p:spPr>
-          <a:xfrm>
-            <a:off x="8391575" y="2701557"/>
-            <a:ext cx="352425" cy="276999"/>
-          </a:xfrm>
-          <a:prstGeom prst="rect">
-            <a:avLst/>
-          </a:prstGeom>
-          <a:noFill/>
-        </p:spPr>
-        <p:txBody>
-          <a:bodyPr wrap="square">
-            <a:spAutoFit/>
-          </a:bodyPr>
-          <a:lstStyle/>
-          <a:p>
-            <a:r>
-              <a:rPr lang="en-US" altLang="zh-CN" sz="1200" i="1" dirty="0">
-                <a:latin typeface="Times New Roman" panose="02020603050405020304" pitchFamily="18" charset="0"/>
-                <a:cs typeface="Times New Roman" panose="02020603050405020304" pitchFamily="18" charset="0"/>
-              </a:rPr>
-              <a:t>l</a:t>
-            </a:r>
-            <a:endParaRPr lang="zh-CN" altLang="en-US" sz="1200" dirty="0"/>
           </a:p>
         </p:txBody>
       </p:sp>
@@ -9422,13 +11889,2112 @@
   <p:clrMapOvr>
     <a:masterClrMapping/>
   </p:clrMapOvr>
-  <mc:AlternateContent xmlns:mc="http://schemas.openxmlformats.org/markup-compatibility/2006">
-    <mc:Choice xmlns:p14="http://schemas.microsoft.com/office/powerpoint/2010/main" Requires="p14">
+  <mc:AlternateContent xmlns:mc="http://schemas.openxmlformats.org/markup-compatibility/2006" xmlns:p14="http://schemas.microsoft.com/office/powerpoint/2010/main">
+    <mc:Choice Requires="p14">
       <p:transition spd="med" p14:dur="700">
         <p:fade/>
       </p:transition>
     </mc:Choice>
-    <mc:Fallback>
+    <mc:Fallback xmlns="">
+      <p:transition spd="med">
+        <p:fade/>
+      </p:transition>
+    </mc:Fallback>
+  </mc:AlternateContent>
+</p:sld>
+</file>
+
+<file path=ppt/slides/slide14.xml><?xml version="1.0" encoding="utf-8"?>
+<p:sld xmlns:a="http://schemas.openxmlformats.org/drawingml/2006/main" xmlns:r="http://schemas.openxmlformats.org/officeDocument/2006/relationships" xmlns:p="http://schemas.openxmlformats.org/presentationml/2006/main">
+  <p:cSld>
+    <p:spTree>
+      <p:nvGrpSpPr>
+        <p:cNvPr id="1" name=""/>
+        <p:cNvGrpSpPr/>
+        <p:nvPr/>
+      </p:nvGrpSpPr>
+      <p:grpSpPr>
+        <a:xfrm>
+          <a:off x="0" y="0"/>
+          <a:ext cx="0" cy="0"/>
+          <a:chOff x="0" y="0"/>
+          <a:chExt cx="0" cy="0"/>
+        </a:xfrm>
+      </p:grpSpPr>
+      <p:sp>
+        <p:nvSpPr>
+          <p:cNvPr id="29" name="标题 1">
+            <a:extLst>
+              <a:ext uri="{FF2B5EF4-FFF2-40B4-BE49-F238E27FC236}">
+                <a16:creationId xmlns:a16="http://schemas.microsoft.com/office/drawing/2014/main" id="{8CA9A024-4989-D42F-FF88-03F324E9309A}"/>
+              </a:ext>
+            </a:extLst>
+          </p:cNvPr>
+          <p:cNvSpPr>
+            <a:spLocks noGrp="1"/>
+          </p:cNvSpPr>
+          <p:nvPr>
+            <p:ph type="title"/>
+          </p:nvPr>
+        </p:nvSpPr>
+        <p:spPr>
+          <a:xfrm>
+            <a:off x="954088" y="549275"/>
+            <a:ext cx="4846637" cy="436563"/>
+          </a:xfrm>
+        </p:spPr>
+        <p:txBody>
+          <a:bodyPr/>
+          <a:lstStyle/>
+          <a:p>
+            <a:r>
+              <a:rPr lang="zh-CN" altLang="en-US" dirty="0"/>
+              <a:t>文献概要</a:t>
+            </a:r>
+          </a:p>
+        </p:txBody>
+      </p:sp>
+      <p:sp>
+        <p:nvSpPr>
+          <p:cNvPr id="9" name="文本框 8">
+            <a:extLst>
+              <a:ext uri="{FF2B5EF4-FFF2-40B4-BE49-F238E27FC236}">
+                <a16:creationId xmlns:a16="http://schemas.microsoft.com/office/drawing/2014/main" id="{1E4F7143-F0C7-9D5E-9F38-65038D8ACF55}"/>
+              </a:ext>
+            </a:extLst>
+          </p:cNvPr>
+          <p:cNvSpPr txBox="1"/>
+          <p:nvPr/>
+        </p:nvSpPr>
+        <p:spPr>
+          <a:xfrm>
+            <a:off x="4905586" y="2294045"/>
+            <a:ext cx="6476789" cy="2977225"/>
+          </a:xfrm>
+          <a:prstGeom prst="rect">
+            <a:avLst/>
+          </a:prstGeom>
+          <a:noFill/>
+        </p:spPr>
+        <p:txBody>
+          <a:bodyPr wrap="square" rtlCol="0">
+            <a:spAutoFit/>
+          </a:bodyPr>
+          <a:lstStyle/>
+          <a:p>
+            <a:pPr>
+              <a:lnSpc>
+                <a:spcPct val="200000"/>
+              </a:lnSpc>
+            </a:pPr>
+            <a:r>
+              <a:rPr lang="en-US" altLang="zh-CN" sz="1600" b="1" dirty="0"/>
+              <a:t>4. </a:t>
+            </a:r>
+            <a:r>
+              <a:rPr lang="zh-CN" altLang="en-US" sz="1600" b="1" dirty="0"/>
+              <a:t>心率分布</a:t>
+            </a:r>
+            <a:endParaRPr lang="en-US" altLang="zh-CN" sz="1600" b="1" dirty="0"/>
+          </a:p>
+          <a:p>
+            <a:pPr>
+              <a:lnSpc>
+                <a:spcPct val="200000"/>
+              </a:lnSpc>
+            </a:pPr>
+            <a:r>
+              <a:rPr lang="zh-CN" altLang="en-US" sz="1600" b="1" dirty="0"/>
+              <a:t>原因：</a:t>
+            </a:r>
+            <a:r>
+              <a:rPr lang="zh-CN" altLang="en-US" sz="1600" dirty="0"/>
+              <a:t>静态的测量效果已经足够好，但由于</a:t>
+            </a:r>
+            <a:r>
+              <a:rPr lang="zh-CN" altLang="en-US" sz="1600" b="1" dirty="0"/>
+              <a:t>头部运动</a:t>
+            </a:r>
+            <a:r>
+              <a:rPr lang="zh-CN" altLang="en-US" sz="1600" dirty="0"/>
+              <a:t>等问题带来的测量心率</a:t>
+            </a:r>
+            <a:r>
+              <a:rPr lang="zh-CN" altLang="en-US" sz="1600" b="1" dirty="0"/>
+              <a:t>跳变不稳定</a:t>
+            </a:r>
+            <a:r>
+              <a:rPr lang="zh-CN" altLang="en-US" sz="1600" dirty="0"/>
+              <a:t>的问题仍存在。</a:t>
+            </a:r>
+            <a:endParaRPr lang="en-US" altLang="zh-CN" sz="1600" dirty="0"/>
+          </a:p>
+          <a:p>
+            <a:pPr>
+              <a:lnSpc>
+                <a:spcPct val="200000"/>
+              </a:lnSpc>
+            </a:pPr>
+            <a:r>
+              <a:rPr lang="zh-CN" altLang="en-US" sz="1600" b="1" dirty="0">
+                <a:latin typeface="Times New Roman" panose="02020603050405020304" pitchFamily="18" charset="0"/>
+                <a:cs typeface="Times New Roman" panose="02020603050405020304" pitchFamily="18" charset="0"/>
+              </a:rPr>
+              <a:t>方法：</a:t>
+            </a:r>
+            <a:r>
+              <a:rPr lang="zh-CN" altLang="en-US" sz="1600" dirty="0">
+                <a:latin typeface="Times New Roman" panose="02020603050405020304" pitchFamily="18" charset="0"/>
+                <a:cs typeface="Times New Roman" panose="02020603050405020304" pitchFamily="18" charset="0"/>
+              </a:rPr>
+              <a:t>先测量 </a:t>
+            </a:r>
+            <a:r>
+              <a:rPr lang="en-US" altLang="zh-CN" sz="1600" i="1" dirty="0">
+                <a:latin typeface="Times New Roman" panose="02020603050405020304" pitchFamily="18" charset="0"/>
+                <a:cs typeface="Times New Roman" panose="02020603050405020304" pitchFamily="18" charset="0"/>
+              </a:rPr>
+              <a:t>T</a:t>
+            </a:r>
+            <a:r>
+              <a:rPr lang="en-US" altLang="zh-CN" sz="1600" dirty="0">
+                <a:latin typeface="Times New Roman" panose="02020603050405020304" pitchFamily="18" charset="0"/>
+                <a:cs typeface="Times New Roman" panose="02020603050405020304" pitchFamily="18" charset="0"/>
+              </a:rPr>
+              <a:t> s </a:t>
+            </a:r>
+            <a:r>
+              <a:rPr lang="zh-CN" altLang="en-US" sz="1600" dirty="0">
+                <a:latin typeface="Times New Roman" panose="02020603050405020304" pitchFamily="18" charset="0"/>
+                <a:cs typeface="Times New Roman" panose="02020603050405020304" pitchFamily="18" charset="0"/>
+              </a:rPr>
+              <a:t>的心率作为先验知识，得到 </a:t>
+            </a:r>
+            <a:r>
+              <a:rPr lang="en-US" altLang="zh-CN" sz="1600" dirty="0">
+                <a:latin typeface="Times New Roman" panose="02020603050405020304" pitchFamily="18" charset="0"/>
+                <a:cs typeface="Times New Roman" panose="02020603050405020304" pitchFamily="18" charset="0"/>
+              </a:rPr>
+              <a:t>μ, σ</a:t>
+            </a:r>
+            <a:r>
+              <a:rPr lang="zh-CN" altLang="en-US" sz="1600" dirty="0">
+                <a:latin typeface="Times New Roman" panose="02020603050405020304" pitchFamily="18" charset="0"/>
+                <a:cs typeface="Times New Roman" panose="02020603050405020304" pitchFamily="18" charset="0"/>
+              </a:rPr>
+              <a:t>，以该 </a:t>
+            </a:r>
+            <a:r>
+              <a:rPr lang="en-US" altLang="zh-CN" sz="1600" dirty="0">
+                <a:latin typeface="Times New Roman" panose="02020603050405020304" pitchFamily="18" charset="0"/>
+                <a:cs typeface="Times New Roman" panose="02020603050405020304" pitchFamily="18" charset="0"/>
+              </a:rPr>
+              <a:t>μ, σ </a:t>
+            </a:r>
+            <a:r>
+              <a:rPr lang="zh-CN" altLang="en-US" sz="1600" dirty="0">
+                <a:latin typeface="Times New Roman" panose="02020603050405020304" pitchFamily="18" charset="0"/>
+                <a:cs typeface="Times New Roman" panose="02020603050405020304" pitchFamily="18" charset="0"/>
+              </a:rPr>
+              <a:t>基于高斯分布生成 </a:t>
+            </a:r>
+            <a:r>
+              <a:rPr lang="en-US" altLang="zh-CN" sz="1600" dirty="0">
+                <a:latin typeface="Times New Roman" panose="02020603050405020304" pitchFamily="18" charset="0"/>
+                <a:cs typeface="Times New Roman" panose="02020603050405020304" pitchFamily="18" charset="0"/>
+              </a:rPr>
+              <a:t>HR </a:t>
+            </a:r>
+            <a:r>
+              <a:rPr lang="zh-CN" altLang="en-US" sz="1600" dirty="0">
+                <a:latin typeface="Times New Roman" panose="02020603050405020304" pitchFamily="18" charset="0"/>
+                <a:cs typeface="Times New Roman" panose="02020603050405020304" pitchFamily="18" charset="0"/>
+              </a:rPr>
+              <a:t>分布。之后每次测量时将其频谱与 </a:t>
+            </a:r>
+            <a:r>
+              <a:rPr lang="en-US" altLang="zh-CN" sz="1600" dirty="0">
+                <a:latin typeface="Times New Roman" panose="02020603050405020304" pitchFamily="18" charset="0"/>
+                <a:cs typeface="Times New Roman" panose="02020603050405020304" pitchFamily="18" charset="0"/>
+              </a:rPr>
+              <a:t>HR </a:t>
+            </a:r>
+            <a:r>
+              <a:rPr lang="zh-CN" altLang="en-US" sz="1600" dirty="0">
+                <a:latin typeface="Times New Roman" panose="02020603050405020304" pitchFamily="18" charset="0"/>
+                <a:cs typeface="Times New Roman" panose="02020603050405020304" pitchFamily="18" charset="0"/>
+              </a:rPr>
+              <a:t>分布相乘，取相乘后频谱峰值处频率作为心率。同时用新测量的心率更新 </a:t>
+            </a:r>
+            <a:r>
+              <a:rPr lang="en-US" altLang="zh-CN" sz="1600" dirty="0">
+                <a:latin typeface="Times New Roman" panose="02020603050405020304" pitchFamily="18" charset="0"/>
+                <a:cs typeface="Times New Roman" panose="02020603050405020304" pitchFamily="18" charset="0"/>
+              </a:rPr>
+              <a:t>HR </a:t>
+            </a:r>
+            <a:r>
+              <a:rPr lang="zh-CN" altLang="en-US" sz="1600" dirty="0">
+                <a:latin typeface="Times New Roman" panose="02020603050405020304" pitchFamily="18" charset="0"/>
+                <a:cs typeface="Times New Roman" panose="02020603050405020304" pitchFamily="18" charset="0"/>
+              </a:rPr>
+              <a:t>分布的 </a:t>
+            </a:r>
+            <a:r>
+              <a:rPr lang="en-US" altLang="zh-CN" sz="1600" dirty="0">
+                <a:latin typeface="Times New Roman" panose="02020603050405020304" pitchFamily="18" charset="0"/>
+                <a:cs typeface="Times New Roman" panose="02020603050405020304" pitchFamily="18" charset="0"/>
+              </a:rPr>
+              <a:t>μ, σ </a:t>
+            </a:r>
+            <a:r>
+              <a:rPr lang="zh-CN" altLang="en-US" sz="1600" dirty="0">
+                <a:latin typeface="Times New Roman" panose="02020603050405020304" pitchFamily="18" charset="0"/>
+                <a:cs typeface="Times New Roman" panose="02020603050405020304" pitchFamily="18" charset="0"/>
+              </a:rPr>
+              <a:t>。</a:t>
+            </a:r>
+            <a:endParaRPr lang="en-US" altLang="zh-CN" sz="1600" dirty="0">
+              <a:latin typeface="Times New Roman" panose="02020603050405020304" pitchFamily="18" charset="0"/>
+              <a:cs typeface="Times New Roman" panose="02020603050405020304" pitchFamily="18" charset="0"/>
+            </a:endParaRPr>
+          </a:p>
+        </p:txBody>
+      </p:sp>
+      <p:pic>
+        <p:nvPicPr>
+          <p:cNvPr id="39" name="图片 38">
+            <a:extLst>
+              <a:ext uri="{FF2B5EF4-FFF2-40B4-BE49-F238E27FC236}">
+                <a16:creationId xmlns:a16="http://schemas.microsoft.com/office/drawing/2014/main" id="{4C59657E-541B-DA88-75CB-AE79A1A409C4}"/>
+              </a:ext>
+            </a:extLst>
+          </p:cNvPr>
+          <p:cNvPicPr>
+            <a:picLocks noChangeAspect="1"/>
+          </p:cNvPicPr>
+          <p:nvPr/>
+        </p:nvPicPr>
+        <p:blipFill rotWithShape="1">
+          <a:blip r:embed="rId3"/>
+          <a:srcRect l="1310" t="2150" r="1522"/>
+          <a:stretch/>
+        </p:blipFill>
+        <p:spPr>
+          <a:xfrm>
+            <a:off x="498764" y="2422953"/>
+            <a:ext cx="4267200" cy="3206593"/>
+          </a:xfrm>
+          <a:prstGeom prst="rect">
+            <a:avLst/>
+          </a:prstGeom>
+        </p:spPr>
+      </p:pic>
+      <p:sp>
+        <p:nvSpPr>
+          <p:cNvPr id="40" name="文本框 39">
+            <a:extLst>
+              <a:ext uri="{FF2B5EF4-FFF2-40B4-BE49-F238E27FC236}">
+                <a16:creationId xmlns:a16="http://schemas.microsoft.com/office/drawing/2014/main" id="{2FCCD17B-E4CF-0D84-9A78-542F5E6EB500}"/>
+              </a:ext>
+            </a:extLst>
+          </p:cNvPr>
+          <p:cNvSpPr txBox="1"/>
+          <p:nvPr/>
+        </p:nvSpPr>
+        <p:spPr>
+          <a:xfrm>
+            <a:off x="954088" y="1404635"/>
+            <a:ext cx="9973888" cy="369332"/>
+          </a:xfrm>
+          <a:prstGeom prst="rect">
+            <a:avLst/>
+          </a:prstGeom>
+          <a:noFill/>
+        </p:spPr>
+        <p:txBody>
+          <a:bodyPr wrap="square">
+            <a:spAutoFit/>
+          </a:bodyPr>
+          <a:lstStyle/>
+          <a:p>
+            <a:pPr marL="0" marR="0" lvl="0" indent="0" algn="l" defTabSz="914400" rtl="0" eaLnBrk="1" fontAlgn="auto" latinLnBrk="0" hangingPunct="1">
+              <a:lnSpc>
+                <a:spcPct val="100000"/>
+              </a:lnSpc>
+              <a:spcBef>
+                <a:spcPts val="0"/>
+              </a:spcBef>
+              <a:spcAft>
+                <a:spcPts val="0"/>
+              </a:spcAft>
+              <a:buClrTx/>
+              <a:buSzTx/>
+              <a:buFontTx/>
+              <a:buNone/>
+              <a:tabLst/>
+              <a:defRPr/>
+            </a:pPr>
+            <a:r>
+              <a:rPr lang="en-US" altLang="zh-CN" b="1" dirty="0">
+                <a:latin typeface="Times New Roman" panose="02020603050405020304" pitchFamily="18" charset="0"/>
+                <a:cs typeface="Times New Roman" panose="02020603050405020304" pitchFamily="18" charset="0"/>
+              </a:rPr>
+              <a:t>I. </a:t>
+            </a:r>
+            <a:r>
+              <a:rPr lang="en-US" altLang="zh-CN" sz="1800" i="1" dirty="0">
+                <a:effectLst/>
+                <a:latin typeface="Times New Roman" panose="02020603050405020304" pitchFamily="18" charset="0"/>
+                <a:cs typeface="Times New Roman" panose="02020603050405020304" pitchFamily="18" charset="0"/>
+              </a:rPr>
+              <a:t>Continuous Heart Rate Measurement from Face: A Robust rPPG Approach with Distribution Learning</a:t>
+            </a:r>
+          </a:p>
+        </p:txBody>
+      </p:sp>
+    </p:spTree>
+    <p:extLst>
+      <p:ext uri="{BB962C8B-B14F-4D97-AF65-F5344CB8AC3E}">
+        <p14:creationId xmlns:p14="http://schemas.microsoft.com/office/powerpoint/2010/main" val="495465657"/>
+      </p:ext>
+    </p:extLst>
+  </p:cSld>
+  <p:clrMapOvr>
+    <a:masterClrMapping/>
+  </p:clrMapOvr>
+  <mc:AlternateContent xmlns:mc="http://schemas.openxmlformats.org/markup-compatibility/2006" xmlns:p14="http://schemas.microsoft.com/office/powerpoint/2010/main">
+    <mc:Choice Requires="p14">
+      <p:transition spd="med" p14:dur="700">
+        <p:fade/>
+      </p:transition>
+    </mc:Choice>
+    <mc:Fallback xmlns="">
+      <p:transition spd="med">
+        <p:fade/>
+      </p:transition>
+    </mc:Fallback>
+  </mc:AlternateContent>
+</p:sld>
+</file>
+
+<file path=ppt/slides/slide15.xml><?xml version="1.0" encoding="utf-8"?>
+<p:sld xmlns:a="http://schemas.openxmlformats.org/drawingml/2006/main" xmlns:r="http://schemas.openxmlformats.org/officeDocument/2006/relationships" xmlns:p="http://schemas.openxmlformats.org/presentationml/2006/main">
+  <p:cSld>
+    <p:spTree>
+      <p:nvGrpSpPr>
+        <p:cNvPr id="1" name=""/>
+        <p:cNvGrpSpPr/>
+        <p:nvPr/>
+      </p:nvGrpSpPr>
+      <p:grpSpPr>
+        <a:xfrm>
+          <a:off x="0" y="0"/>
+          <a:ext cx="0" cy="0"/>
+          <a:chOff x="0" y="0"/>
+          <a:chExt cx="0" cy="0"/>
+        </a:xfrm>
+      </p:grpSpPr>
+      <p:sp>
+        <p:nvSpPr>
+          <p:cNvPr id="29" name="标题 1">
+            <a:extLst>
+              <a:ext uri="{FF2B5EF4-FFF2-40B4-BE49-F238E27FC236}">
+                <a16:creationId xmlns:a16="http://schemas.microsoft.com/office/drawing/2014/main" id="{8CA9A024-4989-D42F-FF88-03F324E9309A}"/>
+              </a:ext>
+            </a:extLst>
+          </p:cNvPr>
+          <p:cNvSpPr>
+            <a:spLocks noGrp="1"/>
+          </p:cNvSpPr>
+          <p:nvPr>
+            <p:ph type="title"/>
+          </p:nvPr>
+        </p:nvSpPr>
+        <p:spPr>
+          <a:xfrm>
+            <a:off x="954088" y="549275"/>
+            <a:ext cx="4846637" cy="436563"/>
+          </a:xfrm>
+        </p:spPr>
+        <p:txBody>
+          <a:bodyPr/>
+          <a:lstStyle/>
+          <a:p>
+            <a:r>
+              <a:rPr lang="zh-CN" altLang="en-US" dirty="0"/>
+              <a:t>文献概要</a:t>
+            </a:r>
+          </a:p>
+        </p:txBody>
+      </p:sp>
+      <p:sp>
+        <p:nvSpPr>
+          <p:cNvPr id="9" name="文本框 8">
+            <a:extLst>
+              <a:ext uri="{FF2B5EF4-FFF2-40B4-BE49-F238E27FC236}">
+                <a16:creationId xmlns:a16="http://schemas.microsoft.com/office/drawing/2014/main" id="{1E4F7143-F0C7-9D5E-9F38-65038D8ACF55}"/>
+              </a:ext>
+            </a:extLst>
+          </p:cNvPr>
+          <p:cNvSpPr txBox="1"/>
+          <p:nvPr/>
+        </p:nvSpPr>
+        <p:spPr>
+          <a:xfrm>
+            <a:off x="4905586" y="2294045"/>
+            <a:ext cx="6476789" cy="2977225"/>
+          </a:xfrm>
+          <a:prstGeom prst="rect">
+            <a:avLst/>
+          </a:prstGeom>
+          <a:noFill/>
+        </p:spPr>
+        <p:txBody>
+          <a:bodyPr wrap="square" rtlCol="0">
+            <a:spAutoFit/>
+          </a:bodyPr>
+          <a:lstStyle/>
+          <a:p>
+            <a:pPr>
+              <a:lnSpc>
+                <a:spcPct val="200000"/>
+              </a:lnSpc>
+            </a:pPr>
+            <a:r>
+              <a:rPr lang="en-US" altLang="zh-CN" sz="1600" b="1" dirty="0"/>
+              <a:t>4. </a:t>
+            </a:r>
+            <a:r>
+              <a:rPr lang="zh-CN" altLang="en-US" sz="1600" b="1" dirty="0"/>
+              <a:t>心率分布</a:t>
+            </a:r>
+            <a:endParaRPr lang="en-US" altLang="zh-CN" sz="1600" b="1" dirty="0"/>
+          </a:p>
+          <a:p>
+            <a:pPr>
+              <a:lnSpc>
+                <a:spcPct val="200000"/>
+              </a:lnSpc>
+            </a:pPr>
+            <a:r>
+              <a:rPr lang="zh-CN" altLang="en-US" sz="1600" b="1" dirty="0"/>
+              <a:t>原因：</a:t>
+            </a:r>
+            <a:r>
+              <a:rPr lang="zh-CN" altLang="en-US" sz="1600" dirty="0"/>
+              <a:t>静态的测量效果已经足够好，但由于</a:t>
+            </a:r>
+            <a:r>
+              <a:rPr lang="zh-CN" altLang="en-US" sz="1600" b="1" dirty="0"/>
+              <a:t>头部运动</a:t>
+            </a:r>
+            <a:r>
+              <a:rPr lang="zh-CN" altLang="en-US" sz="1600" dirty="0"/>
+              <a:t>等问题带来的测量心率</a:t>
+            </a:r>
+            <a:r>
+              <a:rPr lang="zh-CN" altLang="en-US" sz="1600" b="1" dirty="0"/>
+              <a:t>跳变不稳定</a:t>
+            </a:r>
+            <a:r>
+              <a:rPr lang="zh-CN" altLang="en-US" sz="1600" dirty="0"/>
+              <a:t>的问题仍存在。</a:t>
+            </a:r>
+            <a:endParaRPr lang="en-US" altLang="zh-CN" sz="1600" dirty="0"/>
+          </a:p>
+          <a:p>
+            <a:pPr>
+              <a:lnSpc>
+                <a:spcPct val="200000"/>
+              </a:lnSpc>
+            </a:pPr>
+            <a:r>
+              <a:rPr lang="zh-CN" altLang="en-US" sz="1600" b="1" dirty="0">
+                <a:latin typeface="Times New Roman" panose="02020603050405020304" pitchFamily="18" charset="0"/>
+                <a:cs typeface="Times New Roman" panose="02020603050405020304" pitchFamily="18" charset="0"/>
+              </a:rPr>
+              <a:t>方法：</a:t>
+            </a:r>
+            <a:r>
+              <a:rPr lang="zh-CN" altLang="en-US" sz="1600" dirty="0">
+                <a:latin typeface="Times New Roman" panose="02020603050405020304" pitchFamily="18" charset="0"/>
+                <a:cs typeface="Times New Roman" panose="02020603050405020304" pitchFamily="18" charset="0"/>
+              </a:rPr>
+              <a:t>先测量 </a:t>
+            </a:r>
+            <a:r>
+              <a:rPr lang="en-US" altLang="zh-CN" sz="1600" i="1" dirty="0">
+                <a:latin typeface="Times New Roman" panose="02020603050405020304" pitchFamily="18" charset="0"/>
+                <a:cs typeface="Times New Roman" panose="02020603050405020304" pitchFamily="18" charset="0"/>
+              </a:rPr>
+              <a:t>T</a:t>
+            </a:r>
+            <a:r>
+              <a:rPr lang="en-US" altLang="zh-CN" sz="1600" dirty="0">
+                <a:latin typeface="Times New Roman" panose="02020603050405020304" pitchFamily="18" charset="0"/>
+                <a:cs typeface="Times New Roman" panose="02020603050405020304" pitchFamily="18" charset="0"/>
+              </a:rPr>
+              <a:t> s </a:t>
+            </a:r>
+            <a:r>
+              <a:rPr lang="zh-CN" altLang="en-US" sz="1600" dirty="0">
+                <a:latin typeface="Times New Roman" panose="02020603050405020304" pitchFamily="18" charset="0"/>
+                <a:cs typeface="Times New Roman" panose="02020603050405020304" pitchFamily="18" charset="0"/>
+              </a:rPr>
+              <a:t>的心率作为先验知识，得到 </a:t>
+            </a:r>
+            <a:r>
+              <a:rPr lang="en-US" altLang="zh-CN" sz="1600" dirty="0">
+                <a:latin typeface="Times New Roman" panose="02020603050405020304" pitchFamily="18" charset="0"/>
+                <a:cs typeface="Times New Roman" panose="02020603050405020304" pitchFamily="18" charset="0"/>
+              </a:rPr>
+              <a:t>μ, σ</a:t>
+            </a:r>
+            <a:r>
+              <a:rPr lang="zh-CN" altLang="en-US" sz="1600" dirty="0">
+                <a:latin typeface="Times New Roman" panose="02020603050405020304" pitchFamily="18" charset="0"/>
+                <a:cs typeface="Times New Roman" panose="02020603050405020304" pitchFamily="18" charset="0"/>
+              </a:rPr>
+              <a:t>，以该 </a:t>
+            </a:r>
+            <a:r>
+              <a:rPr lang="en-US" altLang="zh-CN" sz="1600" dirty="0">
+                <a:latin typeface="Times New Roman" panose="02020603050405020304" pitchFamily="18" charset="0"/>
+                <a:cs typeface="Times New Roman" panose="02020603050405020304" pitchFamily="18" charset="0"/>
+              </a:rPr>
+              <a:t>μ, σ </a:t>
+            </a:r>
+            <a:r>
+              <a:rPr lang="zh-CN" altLang="en-US" sz="1600" dirty="0">
+                <a:latin typeface="Times New Roman" panose="02020603050405020304" pitchFamily="18" charset="0"/>
+                <a:cs typeface="Times New Roman" panose="02020603050405020304" pitchFamily="18" charset="0"/>
+              </a:rPr>
+              <a:t>基于高斯分布生成 </a:t>
+            </a:r>
+            <a:r>
+              <a:rPr lang="en-US" altLang="zh-CN" sz="1600" dirty="0">
+                <a:latin typeface="Times New Roman" panose="02020603050405020304" pitchFamily="18" charset="0"/>
+                <a:cs typeface="Times New Roman" panose="02020603050405020304" pitchFamily="18" charset="0"/>
+              </a:rPr>
+              <a:t>HR </a:t>
+            </a:r>
+            <a:r>
+              <a:rPr lang="zh-CN" altLang="en-US" sz="1600" dirty="0">
+                <a:latin typeface="Times New Roman" panose="02020603050405020304" pitchFamily="18" charset="0"/>
+                <a:cs typeface="Times New Roman" panose="02020603050405020304" pitchFamily="18" charset="0"/>
+              </a:rPr>
+              <a:t>分布。之后每次测量时将其频谱与 </a:t>
+            </a:r>
+            <a:r>
+              <a:rPr lang="en-US" altLang="zh-CN" sz="1600" dirty="0">
+                <a:latin typeface="Times New Roman" panose="02020603050405020304" pitchFamily="18" charset="0"/>
+                <a:cs typeface="Times New Roman" panose="02020603050405020304" pitchFamily="18" charset="0"/>
+              </a:rPr>
+              <a:t>HR </a:t>
+            </a:r>
+            <a:r>
+              <a:rPr lang="zh-CN" altLang="en-US" sz="1600" dirty="0">
+                <a:latin typeface="Times New Roman" panose="02020603050405020304" pitchFamily="18" charset="0"/>
+                <a:cs typeface="Times New Roman" panose="02020603050405020304" pitchFamily="18" charset="0"/>
+              </a:rPr>
+              <a:t>分布相乘，取相乘后频谱峰值处频率作为心率。同时用新测量的心率更新 </a:t>
+            </a:r>
+            <a:r>
+              <a:rPr lang="en-US" altLang="zh-CN" sz="1600" dirty="0">
+                <a:latin typeface="Times New Roman" panose="02020603050405020304" pitchFamily="18" charset="0"/>
+                <a:cs typeface="Times New Roman" panose="02020603050405020304" pitchFamily="18" charset="0"/>
+              </a:rPr>
+              <a:t>HR </a:t>
+            </a:r>
+            <a:r>
+              <a:rPr lang="zh-CN" altLang="en-US" sz="1600" dirty="0">
+                <a:latin typeface="Times New Roman" panose="02020603050405020304" pitchFamily="18" charset="0"/>
+                <a:cs typeface="Times New Roman" panose="02020603050405020304" pitchFamily="18" charset="0"/>
+              </a:rPr>
+              <a:t>分布的 </a:t>
+            </a:r>
+            <a:r>
+              <a:rPr lang="en-US" altLang="zh-CN" sz="1600" dirty="0">
+                <a:latin typeface="Times New Roman" panose="02020603050405020304" pitchFamily="18" charset="0"/>
+                <a:cs typeface="Times New Roman" panose="02020603050405020304" pitchFamily="18" charset="0"/>
+              </a:rPr>
+              <a:t>μ, σ </a:t>
+            </a:r>
+            <a:r>
+              <a:rPr lang="zh-CN" altLang="en-US" sz="1600" dirty="0">
+                <a:latin typeface="Times New Roman" panose="02020603050405020304" pitchFamily="18" charset="0"/>
+                <a:cs typeface="Times New Roman" panose="02020603050405020304" pitchFamily="18" charset="0"/>
+              </a:rPr>
+              <a:t>。</a:t>
+            </a:r>
+            <a:endParaRPr lang="en-US" altLang="zh-CN" sz="1600" dirty="0">
+              <a:latin typeface="Times New Roman" panose="02020603050405020304" pitchFamily="18" charset="0"/>
+              <a:cs typeface="Times New Roman" panose="02020603050405020304" pitchFamily="18" charset="0"/>
+            </a:endParaRPr>
+          </a:p>
+        </p:txBody>
+      </p:sp>
+      <p:pic>
+        <p:nvPicPr>
+          <p:cNvPr id="6" name="图片 5">
+            <a:extLst>
+              <a:ext uri="{FF2B5EF4-FFF2-40B4-BE49-F238E27FC236}">
+                <a16:creationId xmlns:a16="http://schemas.microsoft.com/office/drawing/2014/main" id="{D67BB892-14B2-486F-A041-670B87230FBE}"/>
+              </a:ext>
+            </a:extLst>
+          </p:cNvPr>
+          <p:cNvPicPr>
+            <a:picLocks noChangeAspect="1"/>
+          </p:cNvPicPr>
+          <p:nvPr/>
+        </p:nvPicPr>
+        <p:blipFill rotWithShape="1">
+          <a:blip r:embed="rId3"/>
+          <a:srcRect l="1310" t="2150" r="1522"/>
+          <a:stretch/>
+        </p:blipFill>
+        <p:spPr>
+          <a:xfrm>
+            <a:off x="498764" y="2422953"/>
+            <a:ext cx="4267200" cy="3206593"/>
+          </a:xfrm>
+          <a:prstGeom prst="rect">
+            <a:avLst/>
+          </a:prstGeom>
+        </p:spPr>
+      </p:pic>
+      <p:sp>
+        <p:nvSpPr>
+          <p:cNvPr id="7" name="矩形 6">
+            <a:extLst>
+              <a:ext uri="{FF2B5EF4-FFF2-40B4-BE49-F238E27FC236}">
+                <a16:creationId xmlns:a16="http://schemas.microsoft.com/office/drawing/2014/main" id="{0A8B19FD-FD83-DB30-C2C7-2D8700FD03EF}"/>
+              </a:ext>
+            </a:extLst>
+          </p:cNvPr>
+          <p:cNvSpPr/>
+          <p:nvPr/>
+        </p:nvSpPr>
+        <p:spPr>
+          <a:xfrm>
+            <a:off x="1099127" y="3429000"/>
+            <a:ext cx="166255" cy="173182"/>
+          </a:xfrm>
+          <a:prstGeom prst="rect">
+            <a:avLst/>
+          </a:prstGeom>
+          <a:noFill/>
+          <a:ln>
+            <a:solidFill>
+              <a:srgbClr val="C00000"/>
+            </a:solidFill>
+          </a:ln>
+        </p:spPr>
+        <p:style>
+          <a:lnRef idx="2">
+            <a:schemeClr val="accent1">
+              <a:shade val="50000"/>
+            </a:schemeClr>
+          </a:lnRef>
+          <a:fillRef idx="1">
+            <a:schemeClr val="accent1"/>
+          </a:fillRef>
+          <a:effectRef idx="0">
+            <a:schemeClr val="accent1"/>
+          </a:effectRef>
+          <a:fontRef idx="minor">
+            <a:schemeClr val="lt1"/>
+          </a:fontRef>
+        </p:style>
+        <p:txBody>
+          <a:bodyPr rtlCol="0" anchor="ctr"/>
+          <a:lstStyle/>
+          <a:p>
+            <a:pPr algn="ctr"/>
+            <a:endParaRPr lang="zh-CN" altLang="en-US"/>
+          </a:p>
+        </p:txBody>
+      </p:sp>
+      <p:sp>
+        <p:nvSpPr>
+          <p:cNvPr id="11" name="矩形 10">
+            <a:extLst>
+              <a:ext uri="{FF2B5EF4-FFF2-40B4-BE49-F238E27FC236}">
+                <a16:creationId xmlns:a16="http://schemas.microsoft.com/office/drawing/2014/main" id="{79B13161-F9F0-6485-F2B2-CBE08CA17DB8}"/>
+              </a:ext>
+            </a:extLst>
+          </p:cNvPr>
+          <p:cNvSpPr/>
+          <p:nvPr/>
+        </p:nvSpPr>
+        <p:spPr>
+          <a:xfrm>
+            <a:off x="2147998" y="4648200"/>
+            <a:ext cx="166255" cy="173182"/>
+          </a:xfrm>
+          <a:prstGeom prst="rect">
+            <a:avLst/>
+          </a:prstGeom>
+          <a:noFill/>
+          <a:ln>
+            <a:solidFill>
+              <a:srgbClr val="C00000"/>
+            </a:solidFill>
+          </a:ln>
+        </p:spPr>
+        <p:style>
+          <a:lnRef idx="2">
+            <a:schemeClr val="accent1">
+              <a:shade val="50000"/>
+            </a:schemeClr>
+          </a:lnRef>
+          <a:fillRef idx="1">
+            <a:schemeClr val="accent1"/>
+          </a:fillRef>
+          <a:effectRef idx="0">
+            <a:schemeClr val="accent1"/>
+          </a:effectRef>
+          <a:fontRef idx="minor">
+            <a:schemeClr val="lt1"/>
+          </a:fontRef>
+        </p:style>
+        <p:txBody>
+          <a:bodyPr rtlCol="0" anchor="ctr"/>
+          <a:lstStyle/>
+          <a:p>
+            <a:pPr algn="ctr"/>
+            <a:endParaRPr lang="zh-CN" altLang="en-US"/>
+          </a:p>
+        </p:txBody>
+      </p:sp>
+      <p:sp>
+        <p:nvSpPr>
+          <p:cNvPr id="15" name="椭圆 14">
+            <a:extLst>
+              <a:ext uri="{FF2B5EF4-FFF2-40B4-BE49-F238E27FC236}">
+                <a16:creationId xmlns:a16="http://schemas.microsoft.com/office/drawing/2014/main" id="{4C3E41F1-B358-6C8D-E1FE-260DD04F6C3D}"/>
+              </a:ext>
+            </a:extLst>
+          </p:cNvPr>
+          <p:cNvSpPr/>
+          <p:nvPr/>
+        </p:nvSpPr>
+        <p:spPr>
+          <a:xfrm>
+            <a:off x="903101" y="3342409"/>
+            <a:ext cx="166255" cy="173182"/>
+          </a:xfrm>
+          <a:prstGeom prst="ellipse">
+            <a:avLst/>
+          </a:prstGeom>
+          <a:noFill/>
+        </p:spPr>
+        <p:style>
+          <a:lnRef idx="2">
+            <a:schemeClr val="accent1">
+              <a:shade val="50000"/>
+            </a:schemeClr>
+          </a:lnRef>
+          <a:fillRef idx="1">
+            <a:schemeClr val="accent1"/>
+          </a:fillRef>
+          <a:effectRef idx="0">
+            <a:schemeClr val="accent1"/>
+          </a:effectRef>
+          <a:fontRef idx="minor">
+            <a:schemeClr val="lt1"/>
+          </a:fontRef>
+        </p:style>
+        <p:txBody>
+          <a:bodyPr rtlCol="0" anchor="ctr"/>
+          <a:lstStyle/>
+          <a:p>
+            <a:pPr algn="ctr"/>
+            <a:endParaRPr lang="zh-CN" altLang="en-US"/>
+          </a:p>
+        </p:txBody>
+      </p:sp>
+      <p:sp>
+        <p:nvSpPr>
+          <p:cNvPr id="16" name="椭圆 15">
+            <a:extLst>
+              <a:ext uri="{FF2B5EF4-FFF2-40B4-BE49-F238E27FC236}">
+                <a16:creationId xmlns:a16="http://schemas.microsoft.com/office/drawing/2014/main" id="{431D1B23-F8BB-1FFB-1647-825B20B8A9BF}"/>
+              </a:ext>
+            </a:extLst>
+          </p:cNvPr>
+          <p:cNvSpPr/>
+          <p:nvPr/>
+        </p:nvSpPr>
+        <p:spPr>
+          <a:xfrm>
+            <a:off x="1954848" y="4515156"/>
+            <a:ext cx="166255" cy="173182"/>
+          </a:xfrm>
+          <a:prstGeom prst="ellipse">
+            <a:avLst/>
+          </a:prstGeom>
+          <a:noFill/>
+        </p:spPr>
+        <p:style>
+          <a:lnRef idx="2">
+            <a:schemeClr val="accent1">
+              <a:shade val="50000"/>
+            </a:schemeClr>
+          </a:lnRef>
+          <a:fillRef idx="1">
+            <a:schemeClr val="accent1"/>
+          </a:fillRef>
+          <a:effectRef idx="0">
+            <a:schemeClr val="accent1"/>
+          </a:effectRef>
+          <a:fontRef idx="minor">
+            <a:schemeClr val="lt1"/>
+          </a:fontRef>
+        </p:style>
+        <p:txBody>
+          <a:bodyPr rtlCol="0" anchor="ctr"/>
+          <a:lstStyle/>
+          <a:p>
+            <a:pPr algn="ctr"/>
+            <a:endParaRPr lang="zh-CN" altLang="en-US"/>
+          </a:p>
+        </p:txBody>
+      </p:sp>
+      <p:sp>
+        <p:nvSpPr>
+          <p:cNvPr id="3" name="文本框 2">
+            <a:extLst>
+              <a:ext uri="{FF2B5EF4-FFF2-40B4-BE49-F238E27FC236}">
+                <a16:creationId xmlns:a16="http://schemas.microsoft.com/office/drawing/2014/main" id="{9D06340A-E226-5CE6-E868-E4CA6E9A74F0}"/>
+              </a:ext>
+            </a:extLst>
+          </p:cNvPr>
+          <p:cNvSpPr txBox="1"/>
+          <p:nvPr/>
+        </p:nvSpPr>
+        <p:spPr>
+          <a:xfrm>
+            <a:off x="954088" y="1404635"/>
+            <a:ext cx="9973888" cy="369332"/>
+          </a:xfrm>
+          <a:prstGeom prst="rect">
+            <a:avLst/>
+          </a:prstGeom>
+          <a:noFill/>
+        </p:spPr>
+        <p:txBody>
+          <a:bodyPr wrap="square">
+            <a:spAutoFit/>
+          </a:bodyPr>
+          <a:lstStyle/>
+          <a:p>
+            <a:pPr marL="0" marR="0" lvl="0" indent="0" algn="l" defTabSz="914400" rtl="0" eaLnBrk="1" fontAlgn="auto" latinLnBrk="0" hangingPunct="1">
+              <a:lnSpc>
+                <a:spcPct val="100000"/>
+              </a:lnSpc>
+              <a:spcBef>
+                <a:spcPts val="0"/>
+              </a:spcBef>
+              <a:spcAft>
+                <a:spcPts val="0"/>
+              </a:spcAft>
+              <a:buClrTx/>
+              <a:buSzTx/>
+              <a:buFontTx/>
+              <a:buNone/>
+              <a:tabLst/>
+              <a:defRPr/>
+            </a:pPr>
+            <a:r>
+              <a:rPr lang="en-US" altLang="zh-CN" b="1" dirty="0">
+                <a:latin typeface="Times New Roman" panose="02020603050405020304" pitchFamily="18" charset="0"/>
+                <a:cs typeface="Times New Roman" panose="02020603050405020304" pitchFamily="18" charset="0"/>
+              </a:rPr>
+              <a:t>I. </a:t>
+            </a:r>
+            <a:r>
+              <a:rPr lang="en-US" altLang="zh-CN" sz="1800" i="1" dirty="0">
+                <a:effectLst/>
+                <a:latin typeface="Times New Roman" panose="02020603050405020304" pitchFamily="18" charset="0"/>
+                <a:cs typeface="Times New Roman" panose="02020603050405020304" pitchFamily="18" charset="0"/>
+              </a:rPr>
+              <a:t>Continuous Heart Rate Measurement from Face: A Robust rPPG Approach with Distribution Learning</a:t>
+            </a:r>
+          </a:p>
+        </p:txBody>
+      </p:sp>
+    </p:spTree>
+    <p:extLst>
+      <p:ext uri="{BB962C8B-B14F-4D97-AF65-F5344CB8AC3E}">
+        <p14:creationId xmlns:p14="http://schemas.microsoft.com/office/powerpoint/2010/main" val="3605759045"/>
+      </p:ext>
+    </p:extLst>
+  </p:cSld>
+  <p:clrMapOvr>
+    <a:masterClrMapping/>
+  </p:clrMapOvr>
+  <mc:AlternateContent xmlns:mc="http://schemas.openxmlformats.org/markup-compatibility/2006" xmlns:p14="http://schemas.microsoft.com/office/powerpoint/2010/main">
+    <mc:Choice Requires="p14">
+      <p:transition spd="med" p14:dur="700">
+        <p:fade/>
+      </p:transition>
+    </mc:Choice>
+    <mc:Fallback xmlns="">
+      <p:transition spd="med">
+        <p:fade/>
+      </p:transition>
+    </mc:Fallback>
+  </mc:AlternateContent>
+</p:sld>
+</file>
+
+<file path=ppt/slides/slide16.xml><?xml version="1.0" encoding="utf-8"?>
+<p:sld xmlns:a="http://schemas.openxmlformats.org/drawingml/2006/main" xmlns:r="http://schemas.openxmlformats.org/officeDocument/2006/relationships" xmlns:p="http://schemas.openxmlformats.org/presentationml/2006/main">
+  <p:cSld>
+    <p:spTree>
+      <p:nvGrpSpPr>
+        <p:cNvPr id="1" name=""/>
+        <p:cNvGrpSpPr/>
+        <p:nvPr/>
+      </p:nvGrpSpPr>
+      <p:grpSpPr>
+        <a:xfrm>
+          <a:off x="0" y="0"/>
+          <a:ext cx="0" cy="0"/>
+          <a:chOff x="0" y="0"/>
+          <a:chExt cx="0" cy="0"/>
+        </a:xfrm>
+      </p:grpSpPr>
+      <p:sp>
+        <p:nvSpPr>
+          <p:cNvPr id="29" name="标题 1">
+            <a:extLst>
+              <a:ext uri="{FF2B5EF4-FFF2-40B4-BE49-F238E27FC236}">
+                <a16:creationId xmlns:a16="http://schemas.microsoft.com/office/drawing/2014/main" id="{8CA9A024-4989-D42F-FF88-03F324E9309A}"/>
+              </a:ext>
+            </a:extLst>
+          </p:cNvPr>
+          <p:cNvSpPr>
+            <a:spLocks noGrp="1"/>
+          </p:cNvSpPr>
+          <p:nvPr>
+            <p:ph type="title"/>
+          </p:nvPr>
+        </p:nvSpPr>
+        <p:spPr>
+          <a:xfrm>
+            <a:off x="954088" y="549275"/>
+            <a:ext cx="4846637" cy="436563"/>
+          </a:xfrm>
+        </p:spPr>
+        <p:txBody>
+          <a:bodyPr/>
+          <a:lstStyle/>
+          <a:p>
+            <a:r>
+              <a:rPr lang="zh-CN" altLang="en-US" dirty="0"/>
+              <a:t>文献概要</a:t>
+            </a:r>
+          </a:p>
+        </p:txBody>
+      </p:sp>
+      <p:sp>
+        <p:nvSpPr>
+          <p:cNvPr id="9" name="文本框 8">
+            <a:extLst>
+              <a:ext uri="{FF2B5EF4-FFF2-40B4-BE49-F238E27FC236}">
+                <a16:creationId xmlns:a16="http://schemas.microsoft.com/office/drawing/2014/main" id="{1E4F7143-F0C7-9D5E-9F38-65038D8ACF55}"/>
+              </a:ext>
+            </a:extLst>
+          </p:cNvPr>
+          <p:cNvSpPr txBox="1"/>
+          <p:nvPr/>
+        </p:nvSpPr>
+        <p:spPr>
+          <a:xfrm>
+            <a:off x="4815940" y="2349134"/>
+            <a:ext cx="6476789" cy="1499898"/>
+          </a:xfrm>
+          <a:prstGeom prst="rect">
+            <a:avLst/>
+          </a:prstGeom>
+          <a:noFill/>
+        </p:spPr>
+        <p:txBody>
+          <a:bodyPr wrap="square" rtlCol="0">
+            <a:spAutoFit/>
+          </a:bodyPr>
+          <a:lstStyle/>
+          <a:p>
+            <a:pPr>
+              <a:lnSpc>
+                <a:spcPct val="200000"/>
+              </a:lnSpc>
+            </a:pPr>
+            <a:r>
+              <a:rPr lang="en-US" altLang="zh-CN" sz="1600" b="1" dirty="0"/>
+              <a:t>5. </a:t>
+            </a:r>
+            <a:r>
+              <a:rPr lang="zh-CN" altLang="en-US" sz="1600" b="1" dirty="0"/>
+              <a:t>多 </a:t>
+            </a:r>
+            <a:r>
+              <a:rPr lang="en-US" altLang="zh-CN" sz="1600" b="1" dirty="0"/>
+              <a:t>ROI </a:t>
+            </a:r>
+            <a:r>
+              <a:rPr lang="zh-CN" altLang="en-US" sz="1600" b="1" dirty="0"/>
+              <a:t>测量结果的融合</a:t>
+            </a:r>
+            <a:endParaRPr lang="en-US" altLang="zh-CN" sz="1600" b="1" dirty="0"/>
+          </a:p>
+          <a:p>
+            <a:pPr>
+              <a:lnSpc>
+                <a:spcPct val="200000"/>
+              </a:lnSpc>
+            </a:pPr>
+            <a:r>
+              <a:rPr lang="zh-CN" altLang="en-US" sz="1600" dirty="0">
+                <a:latin typeface="Times New Roman" panose="02020603050405020304" pitchFamily="18" charset="0"/>
+                <a:cs typeface="Times New Roman" panose="02020603050405020304" pitchFamily="18" charset="0"/>
+              </a:rPr>
+              <a:t>每个 </a:t>
+            </a:r>
+            <a:r>
+              <a:rPr lang="en-US" altLang="zh-CN" sz="1600" dirty="0">
+                <a:latin typeface="Times New Roman" panose="02020603050405020304" pitchFamily="18" charset="0"/>
+                <a:cs typeface="Times New Roman" panose="02020603050405020304" pitchFamily="18" charset="0"/>
+              </a:rPr>
+              <a:t>ROI </a:t>
+            </a:r>
+            <a:r>
+              <a:rPr lang="zh-CN" altLang="en-US" sz="1600" dirty="0">
+                <a:latin typeface="Times New Roman" panose="02020603050405020304" pitchFamily="18" charset="0"/>
+                <a:cs typeface="Times New Roman" panose="02020603050405020304" pitchFamily="18" charset="0"/>
+              </a:rPr>
+              <a:t>出一个心率。</a:t>
+            </a:r>
+            <a:endParaRPr lang="en-US" altLang="zh-CN" sz="1600" dirty="0">
+              <a:latin typeface="Times New Roman" panose="02020603050405020304" pitchFamily="18" charset="0"/>
+              <a:cs typeface="Times New Roman" panose="02020603050405020304" pitchFamily="18" charset="0"/>
+            </a:endParaRPr>
+          </a:p>
+          <a:p>
+            <a:pPr>
+              <a:lnSpc>
+                <a:spcPct val="200000"/>
+              </a:lnSpc>
+            </a:pPr>
+            <a:r>
+              <a:rPr lang="zh-CN" altLang="en-US" sz="1600" dirty="0">
+                <a:latin typeface="Times New Roman" panose="02020603050405020304" pitchFamily="18" charset="0"/>
+                <a:cs typeface="Times New Roman" panose="02020603050405020304" pitchFamily="18" charset="0"/>
+              </a:rPr>
+              <a:t>将</a:t>
+            </a:r>
+            <a:r>
+              <a:rPr lang="en-US" altLang="zh-CN" sz="1600" dirty="0">
+                <a:latin typeface="Times New Roman" panose="02020603050405020304" pitchFamily="18" charset="0"/>
+                <a:cs typeface="Times New Roman" panose="02020603050405020304" pitchFamily="18" charset="0"/>
+              </a:rPr>
+              <a:t> k </a:t>
+            </a:r>
+            <a:r>
+              <a:rPr lang="zh-CN" altLang="en-US" sz="1600" dirty="0">
+                <a:latin typeface="Times New Roman" panose="02020603050405020304" pitchFamily="18" charset="0"/>
+                <a:cs typeface="Times New Roman" panose="02020603050405020304" pitchFamily="18" charset="0"/>
+              </a:rPr>
+              <a:t>个心率值从小到大排序，掐头去尾后取平均，作为最终测量值。</a:t>
+            </a:r>
+            <a:endParaRPr lang="en-US" altLang="zh-CN" sz="1600" dirty="0">
+              <a:latin typeface="Times New Roman" panose="02020603050405020304" pitchFamily="18" charset="0"/>
+              <a:cs typeface="Times New Roman" panose="02020603050405020304" pitchFamily="18" charset="0"/>
+            </a:endParaRPr>
+          </a:p>
+        </p:txBody>
+      </p:sp>
+      <p:pic>
+        <p:nvPicPr>
+          <p:cNvPr id="20" name="图片 19">
+            <a:extLst>
+              <a:ext uri="{FF2B5EF4-FFF2-40B4-BE49-F238E27FC236}">
+                <a16:creationId xmlns:a16="http://schemas.microsoft.com/office/drawing/2014/main" id="{34679488-7D18-7307-1E72-B9502DA70FAE}"/>
+              </a:ext>
+            </a:extLst>
+          </p:cNvPr>
+          <p:cNvPicPr>
+            <a:picLocks noChangeAspect="1"/>
+          </p:cNvPicPr>
+          <p:nvPr/>
+        </p:nvPicPr>
+        <p:blipFill rotWithShape="1">
+          <a:blip r:embed="rId3"/>
+          <a:srcRect l="1843" r="1843"/>
+          <a:stretch/>
+        </p:blipFill>
+        <p:spPr>
+          <a:xfrm>
+            <a:off x="654422" y="2555132"/>
+            <a:ext cx="3908613" cy="2295845"/>
+          </a:xfrm>
+          <a:prstGeom prst="rect">
+            <a:avLst/>
+          </a:prstGeom>
+        </p:spPr>
+      </p:pic>
+      <p:sp>
+        <p:nvSpPr>
+          <p:cNvPr id="21" name="矩形 20">
+            <a:extLst>
+              <a:ext uri="{FF2B5EF4-FFF2-40B4-BE49-F238E27FC236}">
+                <a16:creationId xmlns:a16="http://schemas.microsoft.com/office/drawing/2014/main" id="{6F498448-5A4A-CEA1-F6E1-C796E17E4B9A}"/>
+              </a:ext>
+            </a:extLst>
+          </p:cNvPr>
+          <p:cNvSpPr/>
+          <p:nvPr/>
+        </p:nvSpPr>
+        <p:spPr>
+          <a:xfrm>
+            <a:off x="2456328" y="4528223"/>
+            <a:ext cx="80682" cy="185310"/>
+          </a:xfrm>
+          <a:prstGeom prst="rect">
+            <a:avLst/>
+          </a:prstGeom>
+          <a:solidFill>
+            <a:schemeClr val="bg1"/>
+          </a:solidFill>
+          <a:ln>
+            <a:solidFill>
+              <a:schemeClr val="bg1"/>
+            </a:solidFill>
+          </a:ln>
+        </p:spPr>
+        <p:style>
+          <a:lnRef idx="2">
+            <a:schemeClr val="accent1">
+              <a:shade val="50000"/>
+            </a:schemeClr>
+          </a:lnRef>
+          <a:fillRef idx="1">
+            <a:schemeClr val="accent1"/>
+          </a:fillRef>
+          <a:effectRef idx="0">
+            <a:schemeClr val="accent1"/>
+          </a:effectRef>
+          <a:fontRef idx="minor">
+            <a:schemeClr val="lt1"/>
+          </a:fontRef>
+        </p:style>
+        <p:txBody>
+          <a:bodyPr rtlCol="0" anchor="ctr"/>
+          <a:lstStyle/>
+          <a:p>
+            <a:pPr algn="ctr"/>
+            <a:r>
+              <a:rPr lang="en-US" altLang="zh-CN" sz="1100" i="1" dirty="0">
+                <a:solidFill>
+                  <a:schemeClr val="tx1"/>
+                </a:solidFill>
+                <a:latin typeface="Times New Roman" panose="02020603050405020304" pitchFamily="18" charset="0"/>
+                <a:cs typeface="Times New Roman" panose="02020603050405020304" pitchFamily="18" charset="0"/>
+              </a:rPr>
+              <a:t>k</a:t>
+            </a:r>
+            <a:endParaRPr lang="zh-CN" altLang="en-US" sz="1100" i="1" dirty="0">
+              <a:solidFill>
+                <a:schemeClr val="tx1"/>
+              </a:solidFill>
+              <a:latin typeface="Times New Roman" panose="02020603050405020304" pitchFamily="18" charset="0"/>
+              <a:cs typeface="Times New Roman" panose="02020603050405020304" pitchFamily="18" charset="0"/>
+            </a:endParaRPr>
+          </a:p>
+        </p:txBody>
+      </p:sp>
+      <p:sp>
+        <p:nvSpPr>
+          <p:cNvPr id="22" name="文本框 21">
+            <a:extLst>
+              <a:ext uri="{FF2B5EF4-FFF2-40B4-BE49-F238E27FC236}">
+                <a16:creationId xmlns:a16="http://schemas.microsoft.com/office/drawing/2014/main" id="{B280A8EA-6180-9F37-D64C-D44E83D38619}"/>
+              </a:ext>
+            </a:extLst>
+          </p:cNvPr>
+          <p:cNvSpPr txBox="1"/>
+          <p:nvPr/>
+        </p:nvSpPr>
+        <p:spPr>
+          <a:xfrm>
+            <a:off x="954088" y="1404635"/>
+            <a:ext cx="9973888" cy="369332"/>
+          </a:xfrm>
+          <a:prstGeom prst="rect">
+            <a:avLst/>
+          </a:prstGeom>
+          <a:noFill/>
+        </p:spPr>
+        <p:txBody>
+          <a:bodyPr wrap="square">
+            <a:spAutoFit/>
+          </a:bodyPr>
+          <a:lstStyle/>
+          <a:p>
+            <a:pPr marL="0" marR="0" lvl="0" indent="0" algn="l" defTabSz="914400" rtl="0" eaLnBrk="1" fontAlgn="auto" latinLnBrk="0" hangingPunct="1">
+              <a:lnSpc>
+                <a:spcPct val="100000"/>
+              </a:lnSpc>
+              <a:spcBef>
+                <a:spcPts val="0"/>
+              </a:spcBef>
+              <a:spcAft>
+                <a:spcPts val="0"/>
+              </a:spcAft>
+              <a:buClrTx/>
+              <a:buSzTx/>
+              <a:buFontTx/>
+              <a:buNone/>
+              <a:tabLst/>
+              <a:defRPr/>
+            </a:pPr>
+            <a:r>
+              <a:rPr lang="en-US" altLang="zh-CN" b="1" dirty="0">
+                <a:latin typeface="Times New Roman" panose="02020603050405020304" pitchFamily="18" charset="0"/>
+                <a:cs typeface="Times New Roman" panose="02020603050405020304" pitchFamily="18" charset="0"/>
+              </a:rPr>
+              <a:t>I. </a:t>
+            </a:r>
+            <a:r>
+              <a:rPr lang="en-US" altLang="zh-CN" sz="1800" i="1" dirty="0">
+                <a:effectLst/>
+                <a:latin typeface="Times New Roman" panose="02020603050405020304" pitchFamily="18" charset="0"/>
+                <a:cs typeface="Times New Roman" panose="02020603050405020304" pitchFamily="18" charset="0"/>
+              </a:rPr>
+              <a:t>Continuous Heart Rate Measurement from Face: A Robust rPPG Approach with Distribution Learning</a:t>
+            </a:r>
+          </a:p>
+        </p:txBody>
+      </p:sp>
+    </p:spTree>
+    <p:extLst>
+      <p:ext uri="{BB962C8B-B14F-4D97-AF65-F5344CB8AC3E}">
+        <p14:creationId xmlns:p14="http://schemas.microsoft.com/office/powerpoint/2010/main" val="3210591949"/>
+      </p:ext>
+    </p:extLst>
+  </p:cSld>
+  <p:clrMapOvr>
+    <a:masterClrMapping/>
+  </p:clrMapOvr>
+  <mc:AlternateContent xmlns:mc="http://schemas.openxmlformats.org/markup-compatibility/2006" xmlns:p14="http://schemas.microsoft.com/office/powerpoint/2010/main">
+    <mc:Choice Requires="p14">
+      <p:transition spd="med" p14:dur="700">
+        <p:fade/>
+      </p:transition>
+    </mc:Choice>
+    <mc:Fallback xmlns="">
+      <p:transition spd="med">
+        <p:fade/>
+      </p:transition>
+    </mc:Fallback>
+  </mc:AlternateContent>
+</p:sld>
+</file>
+
+<file path=ppt/slides/slide17.xml><?xml version="1.0" encoding="utf-8"?>
+<p:sld xmlns:a="http://schemas.openxmlformats.org/drawingml/2006/main" xmlns:r="http://schemas.openxmlformats.org/officeDocument/2006/relationships" xmlns:p="http://schemas.openxmlformats.org/presentationml/2006/main">
+  <p:cSld>
+    <p:spTree>
+      <p:nvGrpSpPr>
+        <p:cNvPr id="1" name=""/>
+        <p:cNvGrpSpPr/>
+        <p:nvPr/>
+      </p:nvGrpSpPr>
+      <p:grpSpPr>
+        <a:xfrm>
+          <a:off x="0" y="0"/>
+          <a:ext cx="0" cy="0"/>
+          <a:chOff x="0" y="0"/>
+          <a:chExt cx="0" cy="0"/>
+        </a:xfrm>
+      </p:grpSpPr>
+      <p:sp>
+        <p:nvSpPr>
+          <p:cNvPr id="29" name="标题 1">
+            <a:extLst>
+              <a:ext uri="{FF2B5EF4-FFF2-40B4-BE49-F238E27FC236}">
+                <a16:creationId xmlns:a16="http://schemas.microsoft.com/office/drawing/2014/main" id="{8CA9A024-4989-D42F-FF88-03F324E9309A}"/>
+              </a:ext>
+            </a:extLst>
+          </p:cNvPr>
+          <p:cNvSpPr>
+            <a:spLocks noGrp="1"/>
+          </p:cNvSpPr>
+          <p:nvPr>
+            <p:ph type="title"/>
+          </p:nvPr>
+        </p:nvSpPr>
+        <p:spPr>
+          <a:xfrm>
+            <a:off x="954088" y="549275"/>
+            <a:ext cx="4846637" cy="436563"/>
+          </a:xfrm>
+        </p:spPr>
+        <p:txBody>
+          <a:bodyPr/>
+          <a:lstStyle/>
+          <a:p>
+            <a:r>
+              <a:rPr lang="zh-CN" altLang="en-US" dirty="0"/>
+              <a:t>文献概要</a:t>
+            </a:r>
+          </a:p>
+        </p:txBody>
+      </p:sp>
+      <p:sp>
+        <p:nvSpPr>
+          <p:cNvPr id="22" name="文本框 21">
+            <a:extLst>
+              <a:ext uri="{FF2B5EF4-FFF2-40B4-BE49-F238E27FC236}">
+                <a16:creationId xmlns:a16="http://schemas.microsoft.com/office/drawing/2014/main" id="{B280A8EA-6180-9F37-D64C-D44E83D38619}"/>
+              </a:ext>
+            </a:extLst>
+          </p:cNvPr>
+          <p:cNvSpPr txBox="1"/>
+          <p:nvPr/>
+        </p:nvSpPr>
+        <p:spPr>
+          <a:xfrm>
+            <a:off x="954088" y="1404635"/>
+            <a:ext cx="9973888" cy="369332"/>
+          </a:xfrm>
+          <a:prstGeom prst="rect">
+            <a:avLst/>
+          </a:prstGeom>
+          <a:noFill/>
+        </p:spPr>
+        <p:txBody>
+          <a:bodyPr wrap="square">
+            <a:spAutoFit/>
+          </a:bodyPr>
+          <a:lstStyle/>
+          <a:p>
+            <a:pPr marL="0" marR="0" lvl="0" indent="0" algn="l" defTabSz="914400" rtl="0" eaLnBrk="1" fontAlgn="auto" latinLnBrk="0" hangingPunct="1">
+              <a:lnSpc>
+                <a:spcPct val="100000"/>
+              </a:lnSpc>
+              <a:spcBef>
+                <a:spcPts val="0"/>
+              </a:spcBef>
+              <a:spcAft>
+                <a:spcPts val="0"/>
+              </a:spcAft>
+              <a:buClrTx/>
+              <a:buSzTx/>
+              <a:buFontTx/>
+              <a:buNone/>
+              <a:tabLst/>
+              <a:defRPr/>
+            </a:pPr>
+            <a:r>
+              <a:rPr lang="en-US" altLang="zh-CN" b="1" dirty="0">
+                <a:latin typeface="Times New Roman" panose="02020603050405020304" pitchFamily="18" charset="0"/>
+                <a:cs typeface="Times New Roman" panose="02020603050405020304" pitchFamily="18" charset="0"/>
+              </a:rPr>
+              <a:t>I. </a:t>
+            </a:r>
+            <a:r>
+              <a:rPr lang="en-US" altLang="zh-CN" sz="1800" i="1" dirty="0">
+                <a:effectLst/>
+                <a:latin typeface="Times New Roman" panose="02020603050405020304" pitchFamily="18" charset="0"/>
+                <a:cs typeface="Times New Roman" panose="02020603050405020304" pitchFamily="18" charset="0"/>
+              </a:rPr>
+              <a:t>Continuous Heart Rate Measurement from Face: A Robust rPPG Approach with Distribution Learning</a:t>
+            </a:r>
+          </a:p>
+        </p:txBody>
+      </p:sp>
+      <p:pic>
+        <p:nvPicPr>
+          <p:cNvPr id="3" name="图片 2">
+            <a:extLst>
+              <a:ext uri="{FF2B5EF4-FFF2-40B4-BE49-F238E27FC236}">
+                <a16:creationId xmlns:a16="http://schemas.microsoft.com/office/drawing/2014/main" id="{0F808113-F818-25CC-445A-C86DC35D45EE}"/>
+              </a:ext>
+            </a:extLst>
+          </p:cNvPr>
+          <p:cNvPicPr>
+            <a:picLocks noChangeAspect="1"/>
+          </p:cNvPicPr>
+          <p:nvPr/>
+        </p:nvPicPr>
+        <p:blipFill>
+          <a:blip r:embed="rId3"/>
+          <a:stretch>
+            <a:fillRect/>
+          </a:stretch>
+        </p:blipFill>
+        <p:spPr>
+          <a:xfrm>
+            <a:off x="3426503" y="2877671"/>
+            <a:ext cx="4748443" cy="2575694"/>
+          </a:xfrm>
+          <a:prstGeom prst="rect">
+            <a:avLst/>
+          </a:prstGeom>
+        </p:spPr>
+      </p:pic>
+      <p:sp>
+        <p:nvSpPr>
+          <p:cNvPr id="2" name="文本框 1">
+            <a:extLst>
+              <a:ext uri="{FF2B5EF4-FFF2-40B4-BE49-F238E27FC236}">
+                <a16:creationId xmlns:a16="http://schemas.microsoft.com/office/drawing/2014/main" id="{A85029AB-3D7F-5E0B-C244-2B564EBC6BD7}"/>
+              </a:ext>
+            </a:extLst>
+          </p:cNvPr>
+          <p:cNvSpPr txBox="1"/>
+          <p:nvPr/>
+        </p:nvSpPr>
+        <p:spPr>
+          <a:xfrm>
+            <a:off x="1465076" y="2112806"/>
+            <a:ext cx="6476789" cy="515013"/>
+          </a:xfrm>
+          <a:prstGeom prst="rect">
+            <a:avLst/>
+          </a:prstGeom>
+          <a:noFill/>
+        </p:spPr>
+        <p:txBody>
+          <a:bodyPr wrap="square" rtlCol="0">
+            <a:spAutoFit/>
+          </a:bodyPr>
+          <a:lstStyle/>
+          <a:p>
+            <a:pPr>
+              <a:lnSpc>
+                <a:spcPct val="200000"/>
+              </a:lnSpc>
+            </a:pPr>
+            <a:r>
+              <a:rPr lang="en-US" altLang="zh-CN" sz="1600" b="1" dirty="0"/>
+              <a:t>6. </a:t>
+            </a:r>
+            <a:r>
+              <a:rPr lang="en-US" altLang="zh-CN" sz="1600" b="0" i="0" dirty="0">
+                <a:effectLst/>
+                <a:latin typeface="Times New Roman" panose="02020603050405020304" pitchFamily="18" charset="0"/>
+                <a:cs typeface="Times New Roman" panose="02020603050405020304" pitchFamily="18" charset="0"/>
+              </a:rPr>
+              <a:t>MAHNOB-HCI</a:t>
+            </a:r>
+            <a:r>
+              <a:rPr lang="en-US" altLang="zh-CN" sz="1600" b="0" i="0" dirty="0">
+                <a:effectLst/>
+                <a:latin typeface="Arial" panose="020B0604020202020204" pitchFamily="34" charset="0"/>
+              </a:rPr>
+              <a:t> </a:t>
+            </a:r>
+            <a:r>
+              <a:rPr lang="zh-CN" altLang="en-US" sz="1600" dirty="0">
+                <a:latin typeface="Arial" panose="020B0604020202020204" pitchFamily="34" charset="0"/>
+              </a:rPr>
+              <a:t>数据集测试结果</a:t>
+            </a:r>
+            <a:endParaRPr lang="en-US" altLang="zh-CN" sz="1600" dirty="0">
+              <a:latin typeface="Times New Roman" panose="02020603050405020304" pitchFamily="18" charset="0"/>
+              <a:cs typeface="Times New Roman" panose="02020603050405020304" pitchFamily="18" charset="0"/>
+            </a:endParaRPr>
+          </a:p>
+        </p:txBody>
+      </p:sp>
+    </p:spTree>
+    <p:extLst>
+      <p:ext uri="{BB962C8B-B14F-4D97-AF65-F5344CB8AC3E}">
+        <p14:creationId xmlns:p14="http://schemas.microsoft.com/office/powerpoint/2010/main" val="2799020351"/>
+      </p:ext>
+    </p:extLst>
+  </p:cSld>
+  <p:clrMapOvr>
+    <a:masterClrMapping/>
+  </p:clrMapOvr>
+  <mc:AlternateContent xmlns:mc="http://schemas.openxmlformats.org/markup-compatibility/2006" xmlns:p14="http://schemas.microsoft.com/office/powerpoint/2010/main">
+    <mc:Choice Requires="p14">
+      <p:transition spd="med" p14:dur="700">
+        <p:fade/>
+      </p:transition>
+    </mc:Choice>
+    <mc:Fallback xmlns="">
+      <p:transition spd="med">
+        <p:fade/>
+      </p:transition>
+    </mc:Fallback>
+  </mc:AlternateContent>
+</p:sld>
+</file>
+
+<file path=ppt/slides/slide18.xml><?xml version="1.0" encoding="utf-8"?>
+<p:sld xmlns:a="http://schemas.openxmlformats.org/drawingml/2006/main" xmlns:r="http://schemas.openxmlformats.org/officeDocument/2006/relationships" xmlns:p="http://schemas.openxmlformats.org/presentationml/2006/main">
+  <p:cSld>
+    <p:spTree>
+      <p:nvGrpSpPr>
+        <p:cNvPr id="1" name=""/>
+        <p:cNvGrpSpPr/>
+        <p:nvPr/>
+      </p:nvGrpSpPr>
+      <p:grpSpPr>
+        <a:xfrm>
+          <a:off x="0" y="0"/>
+          <a:ext cx="0" cy="0"/>
+          <a:chOff x="0" y="0"/>
+          <a:chExt cx="0" cy="0"/>
+        </a:xfrm>
+      </p:grpSpPr>
+      <p:sp>
+        <p:nvSpPr>
+          <p:cNvPr id="29" name="标题 1">
+            <a:extLst>
+              <a:ext uri="{FF2B5EF4-FFF2-40B4-BE49-F238E27FC236}">
+                <a16:creationId xmlns:a16="http://schemas.microsoft.com/office/drawing/2014/main" id="{8CA9A024-4989-D42F-FF88-03F324E9309A}"/>
+              </a:ext>
+            </a:extLst>
+          </p:cNvPr>
+          <p:cNvSpPr>
+            <a:spLocks noGrp="1"/>
+          </p:cNvSpPr>
+          <p:nvPr>
+            <p:ph type="title"/>
+          </p:nvPr>
+        </p:nvSpPr>
+        <p:spPr>
+          <a:xfrm>
+            <a:off x="954088" y="549275"/>
+            <a:ext cx="4846637" cy="436563"/>
+          </a:xfrm>
+        </p:spPr>
+        <p:txBody>
+          <a:bodyPr/>
+          <a:lstStyle/>
+          <a:p>
+            <a:r>
+              <a:rPr lang="zh-CN" altLang="en-US" dirty="0"/>
+              <a:t>文献概要</a:t>
+            </a:r>
+          </a:p>
+        </p:txBody>
+      </p:sp>
+      <p:sp>
+        <p:nvSpPr>
+          <p:cNvPr id="22" name="文本框 21">
+            <a:extLst>
+              <a:ext uri="{FF2B5EF4-FFF2-40B4-BE49-F238E27FC236}">
+                <a16:creationId xmlns:a16="http://schemas.microsoft.com/office/drawing/2014/main" id="{B280A8EA-6180-9F37-D64C-D44E83D38619}"/>
+              </a:ext>
+            </a:extLst>
+          </p:cNvPr>
+          <p:cNvSpPr txBox="1"/>
+          <p:nvPr/>
+        </p:nvSpPr>
+        <p:spPr>
+          <a:xfrm>
+            <a:off x="954088" y="1404635"/>
+            <a:ext cx="9973888" cy="369332"/>
+          </a:xfrm>
+          <a:prstGeom prst="rect">
+            <a:avLst/>
+          </a:prstGeom>
+          <a:noFill/>
+        </p:spPr>
+        <p:txBody>
+          <a:bodyPr wrap="square">
+            <a:spAutoFit/>
+          </a:bodyPr>
+          <a:lstStyle/>
+          <a:p>
+            <a:pPr marL="0" marR="0" lvl="0" indent="0" algn="l" defTabSz="914400" rtl="0" eaLnBrk="1" fontAlgn="auto" latinLnBrk="0" hangingPunct="1">
+              <a:lnSpc>
+                <a:spcPct val="100000"/>
+              </a:lnSpc>
+              <a:spcBef>
+                <a:spcPts val="0"/>
+              </a:spcBef>
+              <a:spcAft>
+                <a:spcPts val="0"/>
+              </a:spcAft>
+              <a:buClrTx/>
+              <a:buSzTx/>
+              <a:buFontTx/>
+              <a:buNone/>
+              <a:tabLst/>
+              <a:defRPr/>
+            </a:pPr>
+            <a:r>
+              <a:rPr lang="en-US" altLang="zh-CN" b="1" dirty="0">
+                <a:latin typeface="Times New Roman" panose="02020603050405020304" pitchFamily="18" charset="0"/>
+                <a:cs typeface="Times New Roman" panose="02020603050405020304" pitchFamily="18" charset="0"/>
+              </a:rPr>
+              <a:t>Ⅱ. </a:t>
+            </a:r>
+            <a:r>
+              <a:rPr lang="en-US" altLang="zh-CN" sz="1800" i="1" dirty="0">
+                <a:effectLst/>
+                <a:latin typeface="Times New Roman" panose="02020603050405020304" pitchFamily="18" charset="0"/>
+                <a:cs typeface="Times New Roman" panose="02020603050405020304" pitchFamily="18" charset="0"/>
+              </a:rPr>
+              <a:t>SynRhythm: Learning a Deep Heart Rate Estimator from General to Specific</a:t>
+            </a:r>
+          </a:p>
+        </p:txBody>
+      </p:sp>
+      <p:sp>
+        <p:nvSpPr>
+          <p:cNvPr id="2" name="文本框 1">
+            <a:extLst>
+              <a:ext uri="{FF2B5EF4-FFF2-40B4-BE49-F238E27FC236}">
+                <a16:creationId xmlns:a16="http://schemas.microsoft.com/office/drawing/2014/main" id="{7DD7EA74-0273-07ED-7B99-90939F0C1120}"/>
+              </a:ext>
+            </a:extLst>
+          </p:cNvPr>
+          <p:cNvSpPr txBox="1"/>
+          <p:nvPr/>
+        </p:nvSpPr>
+        <p:spPr>
+          <a:xfrm>
+            <a:off x="954088" y="2054074"/>
+            <a:ext cx="9037077" cy="1296637"/>
+          </a:xfrm>
+          <a:prstGeom prst="rect">
+            <a:avLst/>
+          </a:prstGeom>
+          <a:noFill/>
+        </p:spPr>
+        <p:txBody>
+          <a:bodyPr wrap="square" rtlCol="0">
+            <a:spAutoFit/>
+          </a:bodyPr>
+          <a:lstStyle/>
+          <a:p>
+            <a:pPr>
+              <a:lnSpc>
+                <a:spcPct val="150000"/>
+              </a:lnSpc>
+            </a:pPr>
+            <a:r>
+              <a:rPr lang="zh-CN" altLang="en-US" b="1" dirty="0"/>
+              <a:t>研究现状：</a:t>
+            </a:r>
+            <a:endParaRPr lang="en-US" altLang="zh-CN" b="1" dirty="0"/>
+          </a:p>
+          <a:p>
+            <a:pPr marL="342900" indent="-342900">
+              <a:lnSpc>
+                <a:spcPct val="150000"/>
+              </a:lnSpc>
+              <a:buAutoNum type="arabicPeriod"/>
+            </a:pPr>
+            <a:r>
+              <a:rPr lang="zh-CN" altLang="en-US" dirty="0"/>
+              <a:t>转换为色度特征，滤波等操作是都是基于某种当前场景的假设，场景变化将不适用。</a:t>
+            </a:r>
+            <a:endParaRPr lang="en-US" altLang="zh-CN" dirty="0"/>
+          </a:p>
+          <a:p>
+            <a:pPr marL="342900" indent="-342900">
+              <a:lnSpc>
+                <a:spcPct val="150000"/>
+              </a:lnSpc>
+              <a:buAutoNum type="arabicPeriod"/>
+            </a:pPr>
+            <a:r>
+              <a:rPr lang="zh-CN" altLang="en-US" dirty="0"/>
+              <a:t>数据集太小，深度学习方法没有发挥其长处。</a:t>
+            </a:r>
+            <a:endParaRPr lang="en-US" altLang="zh-CN" dirty="0"/>
+          </a:p>
+        </p:txBody>
+      </p:sp>
+      <p:sp>
+        <p:nvSpPr>
+          <p:cNvPr id="3" name="文本框 2">
+            <a:extLst>
+              <a:ext uri="{FF2B5EF4-FFF2-40B4-BE49-F238E27FC236}">
+                <a16:creationId xmlns:a16="http://schemas.microsoft.com/office/drawing/2014/main" id="{8B09A32D-BB1C-866A-AAB3-EAF456780A38}"/>
+              </a:ext>
+            </a:extLst>
+          </p:cNvPr>
+          <p:cNvSpPr txBox="1"/>
+          <p:nvPr/>
+        </p:nvSpPr>
+        <p:spPr>
+          <a:xfrm>
+            <a:off x="954088" y="3631711"/>
+            <a:ext cx="9606336" cy="1712135"/>
+          </a:xfrm>
+          <a:prstGeom prst="rect">
+            <a:avLst/>
+          </a:prstGeom>
+          <a:noFill/>
+        </p:spPr>
+        <p:txBody>
+          <a:bodyPr wrap="square" rtlCol="0">
+            <a:spAutoFit/>
+          </a:bodyPr>
+          <a:lstStyle/>
+          <a:p>
+            <a:pPr>
+              <a:lnSpc>
+                <a:spcPct val="150000"/>
+              </a:lnSpc>
+            </a:pPr>
+            <a:r>
+              <a:rPr lang="zh-CN" altLang="en-US" b="1" dirty="0"/>
+              <a:t>主要创新：</a:t>
+            </a:r>
+            <a:endParaRPr lang="en-US" altLang="zh-CN" b="1" dirty="0"/>
+          </a:p>
+          <a:p>
+            <a:pPr marL="342900" indent="-342900">
+              <a:lnSpc>
+                <a:spcPct val="150000"/>
+              </a:lnSpc>
+              <a:buAutoNum type="arabicPeriod"/>
+            </a:pPr>
+            <a:r>
+              <a:rPr lang="zh-CN" altLang="en-US" dirty="0"/>
+              <a:t>提出了</a:t>
+            </a:r>
+            <a:r>
+              <a:rPr lang="zh-CN" altLang="en-US" b="1" dirty="0"/>
+              <a:t>时空图</a:t>
+            </a:r>
+            <a:r>
+              <a:rPr lang="en-US" altLang="zh-CN" b="1" dirty="0"/>
+              <a:t>(STmap, </a:t>
+            </a:r>
+            <a:r>
+              <a:rPr lang="en-US" altLang="zh-CN" b="1" dirty="0" err="1"/>
+              <a:t>spartial</a:t>
+            </a:r>
+            <a:r>
+              <a:rPr lang="en-US" altLang="zh-CN" b="1" dirty="0"/>
+              <a:t>-temporal map)</a:t>
+            </a:r>
+            <a:r>
+              <a:rPr lang="zh-CN" altLang="en-US" dirty="0"/>
+              <a:t>的概念。</a:t>
+            </a:r>
+            <a:endParaRPr lang="en-US" altLang="zh-CN" dirty="0"/>
+          </a:p>
+          <a:p>
+            <a:pPr marL="342900" indent="-342900">
+              <a:lnSpc>
+                <a:spcPct val="150000"/>
+              </a:lnSpc>
+              <a:buAutoNum type="arabicPeriod"/>
+            </a:pPr>
+            <a:r>
+              <a:rPr lang="zh-CN" altLang="en-US" dirty="0"/>
+              <a:t>由大量生成的虚假 </a:t>
+            </a:r>
+            <a:r>
+              <a:rPr lang="en-US" altLang="zh-CN" dirty="0"/>
+              <a:t>HR </a:t>
+            </a:r>
+            <a:r>
+              <a:rPr lang="zh-CN" altLang="en-US" dirty="0"/>
+              <a:t>信号生成</a:t>
+            </a:r>
+            <a:r>
+              <a:rPr lang="en-US" altLang="zh-CN" dirty="0"/>
+              <a:t>STmap</a:t>
+            </a:r>
+            <a:r>
+              <a:rPr lang="zh-CN" altLang="en-US" dirty="0"/>
+              <a:t>，用深度模型在大量生成的</a:t>
+            </a:r>
+            <a:r>
+              <a:rPr lang="en-US" altLang="zh-CN" dirty="0"/>
+              <a:t>(STmap</a:t>
+            </a:r>
+            <a:r>
+              <a:rPr lang="zh-CN" altLang="en-US" dirty="0"/>
+              <a:t>，</a:t>
+            </a:r>
+            <a:r>
+              <a:rPr lang="en-US" altLang="zh-CN" dirty="0"/>
+              <a:t>HR</a:t>
+            </a:r>
+            <a:r>
+              <a:rPr lang="zh-CN" altLang="en-US" dirty="0"/>
+              <a:t>信号</a:t>
+            </a:r>
+            <a:r>
+              <a:rPr lang="en-US" altLang="zh-CN" dirty="0"/>
+              <a:t>)</a:t>
+            </a:r>
+            <a:r>
+              <a:rPr lang="zh-CN" altLang="en-US" dirty="0"/>
+              <a:t>数据对 上做</a:t>
+            </a:r>
+            <a:r>
+              <a:rPr lang="zh-CN" altLang="en-US" b="1" dirty="0"/>
+              <a:t>预训练</a:t>
+            </a:r>
+            <a:r>
+              <a:rPr lang="zh-CN" altLang="en-US" dirty="0"/>
+              <a:t>，训练其将</a:t>
+            </a:r>
+            <a:r>
+              <a:rPr lang="en-US" altLang="zh-CN" dirty="0"/>
+              <a:t>STmap</a:t>
+            </a:r>
+            <a:r>
+              <a:rPr lang="zh-CN" altLang="en-US" dirty="0"/>
+              <a:t>映射为</a:t>
+            </a:r>
+            <a:r>
+              <a:rPr lang="en-US" altLang="zh-CN" dirty="0"/>
+              <a:t>HR</a:t>
+            </a:r>
+            <a:r>
+              <a:rPr lang="zh-CN" altLang="en-US" dirty="0"/>
+              <a:t>信号的能力，最后再在小的真实数据集上做微调。</a:t>
+            </a:r>
+            <a:endParaRPr lang="en-US" altLang="zh-CN" dirty="0"/>
+          </a:p>
+        </p:txBody>
+      </p:sp>
+    </p:spTree>
+    <p:extLst>
+      <p:ext uri="{BB962C8B-B14F-4D97-AF65-F5344CB8AC3E}">
+        <p14:creationId xmlns:p14="http://schemas.microsoft.com/office/powerpoint/2010/main" val="1702862228"/>
+      </p:ext>
+    </p:extLst>
+  </p:cSld>
+  <p:clrMapOvr>
+    <a:masterClrMapping/>
+  </p:clrMapOvr>
+  <mc:AlternateContent xmlns:mc="http://schemas.openxmlformats.org/markup-compatibility/2006" xmlns:p14="http://schemas.microsoft.com/office/powerpoint/2010/main">
+    <mc:Choice Requires="p14">
+      <p:transition spd="med" p14:dur="700">
+        <p:fade/>
+      </p:transition>
+    </mc:Choice>
+    <mc:Fallback xmlns="">
+      <p:transition spd="med">
+        <p:fade/>
+      </p:transition>
+    </mc:Fallback>
+  </mc:AlternateContent>
+</p:sld>
+</file>
+
+<file path=ppt/slides/slide19.xml><?xml version="1.0" encoding="utf-8"?>
+<p:sld xmlns:a="http://schemas.openxmlformats.org/drawingml/2006/main" xmlns:r="http://schemas.openxmlformats.org/officeDocument/2006/relationships" xmlns:p="http://schemas.openxmlformats.org/presentationml/2006/main">
+  <p:cSld>
+    <p:spTree>
+      <p:nvGrpSpPr>
+        <p:cNvPr id="1" name=""/>
+        <p:cNvGrpSpPr/>
+        <p:nvPr/>
+      </p:nvGrpSpPr>
+      <p:grpSpPr>
+        <a:xfrm>
+          <a:off x="0" y="0"/>
+          <a:ext cx="0" cy="0"/>
+          <a:chOff x="0" y="0"/>
+          <a:chExt cx="0" cy="0"/>
+        </a:xfrm>
+      </p:grpSpPr>
+      <p:sp>
+        <p:nvSpPr>
+          <p:cNvPr id="29" name="标题 1">
+            <a:extLst>
+              <a:ext uri="{FF2B5EF4-FFF2-40B4-BE49-F238E27FC236}">
+                <a16:creationId xmlns:a16="http://schemas.microsoft.com/office/drawing/2014/main" id="{8CA9A024-4989-D42F-FF88-03F324E9309A}"/>
+              </a:ext>
+            </a:extLst>
+          </p:cNvPr>
+          <p:cNvSpPr>
+            <a:spLocks noGrp="1"/>
+          </p:cNvSpPr>
+          <p:nvPr>
+            <p:ph type="title"/>
+          </p:nvPr>
+        </p:nvSpPr>
+        <p:spPr>
+          <a:xfrm>
+            <a:off x="954088" y="549275"/>
+            <a:ext cx="4846637" cy="436563"/>
+          </a:xfrm>
+        </p:spPr>
+        <p:txBody>
+          <a:bodyPr/>
+          <a:lstStyle/>
+          <a:p>
+            <a:r>
+              <a:rPr lang="zh-CN" altLang="en-US" dirty="0"/>
+              <a:t>文献概要</a:t>
+            </a:r>
+          </a:p>
+        </p:txBody>
+      </p:sp>
+      <p:sp>
+        <p:nvSpPr>
+          <p:cNvPr id="22" name="文本框 21">
+            <a:extLst>
+              <a:ext uri="{FF2B5EF4-FFF2-40B4-BE49-F238E27FC236}">
+                <a16:creationId xmlns:a16="http://schemas.microsoft.com/office/drawing/2014/main" id="{B280A8EA-6180-9F37-D64C-D44E83D38619}"/>
+              </a:ext>
+            </a:extLst>
+          </p:cNvPr>
+          <p:cNvSpPr txBox="1"/>
+          <p:nvPr/>
+        </p:nvSpPr>
+        <p:spPr>
+          <a:xfrm>
+            <a:off x="954088" y="1404635"/>
+            <a:ext cx="9973888" cy="369332"/>
+          </a:xfrm>
+          <a:prstGeom prst="rect">
+            <a:avLst/>
+          </a:prstGeom>
+          <a:noFill/>
+        </p:spPr>
+        <p:txBody>
+          <a:bodyPr wrap="square">
+            <a:spAutoFit/>
+          </a:bodyPr>
+          <a:lstStyle/>
+          <a:p>
+            <a:pPr marL="0" marR="0" lvl="0" indent="0" algn="l" defTabSz="914400" rtl="0" eaLnBrk="1" fontAlgn="auto" latinLnBrk="0" hangingPunct="1">
+              <a:lnSpc>
+                <a:spcPct val="100000"/>
+              </a:lnSpc>
+              <a:spcBef>
+                <a:spcPts val="0"/>
+              </a:spcBef>
+              <a:spcAft>
+                <a:spcPts val="0"/>
+              </a:spcAft>
+              <a:buClrTx/>
+              <a:buSzTx/>
+              <a:buFontTx/>
+              <a:buNone/>
+              <a:tabLst/>
+              <a:defRPr/>
+            </a:pPr>
+            <a:r>
+              <a:rPr lang="en-US" altLang="zh-CN" b="1" dirty="0">
+                <a:latin typeface="Times New Roman" panose="02020603050405020304" pitchFamily="18" charset="0"/>
+                <a:cs typeface="Times New Roman" panose="02020603050405020304" pitchFamily="18" charset="0"/>
+              </a:rPr>
+              <a:t>Ⅱ. </a:t>
+            </a:r>
+            <a:r>
+              <a:rPr lang="en-US" altLang="zh-CN" sz="1800" i="1" dirty="0">
+                <a:effectLst/>
+                <a:latin typeface="Times New Roman" panose="02020603050405020304" pitchFamily="18" charset="0"/>
+                <a:cs typeface="Times New Roman" panose="02020603050405020304" pitchFamily="18" charset="0"/>
+              </a:rPr>
+              <a:t>SynRhythm: Learning a Deep Heart Rate Estimator from General to Specific</a:t>
+            </a:r>
+          </a:p>
+        </p:txBody>
+      </p:sp>
+      <p:pic>
+        <p:nvPicPr>
+          <p:cNvPr id="5" name="图片 4">
+            <a:extLst>
+              <a:ext uri="{FF2B5EF4-FFF2-40B4-BE49-F238E27FC236}">
+                <a16:creationId xmlns:a16="http://schemas.microsoft.com/office/drawing/2014/main" id="{81CC0281-DABE-3E43-B660-1D5A39DDED58}"/>
+              </a:ext>
+            </a:extLst>
+          </p:cNvPr>
+          <p:cNvPicPr>
+            <a:picLocks noChangeAspect="1"/>
+          </p:cNvPicPr>
+          <p:nvPr/>
+        </p:nvPicPr>
+        <p:blipFill>
+          <a:blip r:embed="rId3"/>
+          <a:stretch>
+            <a:fillRect/>
+          </a:stretch>
+        </p:blipFill>
+        <p:spPr>
+          <a:xfrm>
+            <a:off x="1868526" y="2737725"/>
+            <a:ext cx="8145012" cy="2162477"/>
+          </a:xfrm>
+          <a:prstGeom prst="rect">
+            <a:avLst/>
+          </a:prstGeom>
+        </p:spPr>
+      </p:pic>
+      <p:sp>
+        <p:nvSpPr>
+          <p:cNvPr id="6" name="文本框 5">
+            <a:extLst>
+              <a:ext uri="{FF2B5EF4-FFF2-40B4-BE49-F238E27FC236}">
+                <a16:creationId xmlns:a16="http://schemas.microsoft.com/office/drawing/2014/main" id="{26A1510D-38AF-A373-D32A-ABB053959AC8}"/>
+              </a:ext>
+            </a:extLst>
+          </p:cNvPr>
+          <p:cNvSpPr txBox="1"/>
+          <p:nvPr/>
+        </p:nvSpPr>
+        <p:spPr>
+          <a:xfrm>
+            <a:off x="1057835" y="2133600"/>
+            <a:ext cx="2725271" cy="369332"/>
+          </a:xfrm>
+          <a:prstGeom prst="rect">
+            <a:avLst/>
+          </a:prstGeom>
+          <a:noFill/>
+        </p:spPr>
+        <p:txBody>
+          <a:bodyPr wrap="square" rtlCol="0">
+            <a:spAutoFit/>
+          </a:bodyPr>
+          <a:lstStyle/>
+          <a:p>
+            <a:r>
+              <a:rPr lang="en-US" altLang="zh-CN" b="1" dirty="0">
+                <a:latin typeface="Times New Roman" panose="02020603050405020304" pitchFamily="18" charset="0"/>
+                <a:cs typeface="Times New Roman" panose="02020603050405020304" pitchFamily="18" charset="0"/>
+              </a:rPr>
+              <a:t>1. STmap</a:t>
+            </a:r>
+            <a:endParaRPr lang="zh-CN" altLang="en-US" b="1" dirty="0">
+              <a:latin typeface="Times New Roman" panose="02020603050405020304" pitchFamily="18" charset="0"/>
+              <a:cs typeface="Times New Roman" panose="02020603050405020304" pitchFamily="18" charset="0"/>
+            </a:endParaRPr>
+          </a:p>
+        </p:txBody>
+      </p:sp>
+    </p:spTree>
+    <p:extLst>
+      <p:ext uri="{BB962C8B-B14F-4D97-AF65-F5344CB8AC3E}">
+        <p14:creationId xmlns:p14="http://schemas.microsoft.com/office/powerpoint/2010/main" val="672703815"/>
+      </p:ext>
+    </p:extLst>
+  </p:cSld>
+  <p:clrMapOvr>
+    <a:masterClrMapping/>
+  </p:clrMapOvr>
+  <mc:AlternateContent xmlns:mc="http://schemas.openxmlformats.org/markup-compatibility/2006" xmlns:p14="http://schemas.microsoft.com/office/powerpoint/2010/main">
+    <mc:Choice Requires="p14">
+      <p:transition spd="med" p14:dur="700">
+        <p:fade/>
+      </p:transition>
+    </mc:Choice>
+    <mc:Fallback xmlns="">
       <p:transition spd="med">
         <p:fade/>
       </p:transition>
@@ -9634,13 +14200,2288 @@
   <p:clrMapOvr>
     <a:masterClrMapping/>
   </p:clrMapOvr>
-  <mc:AlternateContent xmlns:mc="http://schemas.openxmlformats.org/markup-compatibility/2006">
-    <mc:Choice xmlns:p14="http://schemas.microsoft.com/office/powerpoint/2010/main" Requires="p14">
+  <mc:AlternateContent xmlns:mc="http://schemas.openxmlformats.org/markup-compatibility/2006" xmlns:p14="http://schemas.microsoft.com/office/powerpoint/2010/main">
+    <mc:Choice Requires="p14">
       <p:transition spd="med" p14:dur="700">
         <p:fade/>
       </p:transition>
     </mc:Choice>
-    <mc:Fallback>
+    <mc:Fallback xmlns="">
+      <p:transition spd="med">
+        <p:fade/>
+      </p:transition>
+    </mc:Fallback>
+  </mc:AlternateContent>
+</p:sld>
+</file>
+
+<file path=ppt/slides/slide20.xml><?xml version="1.0" encoding="utf-8"?>
+<p:sld xmlns:a="http://schemas.openxmlformats.org/drawingml/2006/main" xmlns:r="http://schemas.openxmlformats.org/officeDocument/2006/relationships" xmlns:p="http://schemas.openxmlformats.org/presentationml/2006/main">
+  <p:cSld>
+    <p:spTree>
+      <p:nvGrpSpPr>
+        <p:cNvPr id="1" name=""/>
+        <p:cNvGrpSpPr/>
+        <p:nvPr/>
+      </p:nvGrpSpPr>
+      <p:grpSpPr>
+        <a:xfrm>
+          <a:off x="0" y="0"/>
+          <a:ext cx="0" cy="0"/>
+          <a:chOff x="0" y="0"/>
+          <a:chExt cx="0" cy="0"/>
+        </a:xfrm>
+      </p:grpSpPr>
+      <p:sp>
+        <p:nvSpPr>
+          <p:cNvPr id="29" name="标题 1">
+            <a:extLst>
+              <a:ext uri="{FF2B5EF4-FFF2-40B4-BE49-F238E27FC236}">
+                <a16:creationId xmlns:a16="http://schemas.microsoft.com/office/drawing/2014/main" id="{8CA9A024-4989-D42F-FF88-03F324E9309A}"/>
+              </a:ext>
+            </a:extLst>
+          </p:cNvPr>
+          <p:cNvSpPr>
+            <a:spLocks noGrp="1"/>
+          </p:cNvSpPr>
+          <p:nvPr>
+            <p:ph type="title"/>
+          </p:nvPr>
+        </p:nvSpPr>
+        <p:spPr>
+          <a:xfrm>
+            <a:off x="954088" y="549275"/>
+            <a:ext cx="4846637" cy="436563"/>
+          </a:xfrm>
+        </p:spPr>
+        <p:txBody>
+          <a:bodyPr/>
+          <a:lstStyle/>
+          <a:p>
+            <a:r>
+              <a:rPr lang="zh-CN" altLang="en-US" dirty="0"/>
+              <a:t>文献概要</a:t>
+            </a:r>
+          </a:p>
+        </p:txBody>
+      </p:sp>
+      <p:sp>
+        <p:nvSpPr>
+          <p:cNvPr id="22" name="文本框 21">
+            <a:extLst>
+              <a:ext uri="{FF2B5EF4-FFF2-40B4-BE49-F238E27FC236}">
+                <a16:creationId xmlns:a16="http://schemas.microsoft.com/office/drawing/2014/main" id="{B280A8EA-6180-9F37-D64C-D44E83D38619}"/>
+              </a:ext>
+            </a:extLst>
+          </p:cNvPr>
+          <p:cNvSpPr txBox="1"/>
+          <p:nvPr/>
+        </p:nvSpPr>
+        <p:spPr>
+          <a:xfrm>
+            <a:off x="954088" y="1404635"/>
+            <a:ext cx="9973888" cy="369332"/>
+          </a:xfrm>
+          <a:prstGeom prst="rect">
+            <a:avLst/>
+          </a:prstGeom>
+          <a:noFill/>
+        </p:spPr>
+        <p:txBody>
+          <a:bodyPr wrap="square">
+            <a:spAutoFit/>
+          </a:bodyPr>
+          <a:lstStyle/>
+          <a:p>
+            <a:pPr marL="0" marR="0" lvl="0" indent="0" algn="l" defTabSz="914400" rtl="0" eaLnBrk="1" fontAlgn="auto" latinLnBrk="0" hangingPunct="1">
+              <a:lnSpc>
+                <a:spcPct val="100000"/>
+              </a:lnSpc>
+              <a:spcBef>
+                <a:spcPts val="0"/>
+              </a:spcBef>
+              <a:spcAft>
+                <a:spcPts val="0"/>
+              </a:spcAft>
+              <a:buClrTx/>
+              <a:buSzTx/>
+              <a:buFontTx/>
+              <a:buNone/>
+              <a:tabLst/>
+              <a:defRPr/>
+            </a:pPr>
+            <a:r>
+              <a:rPr lang="en-US" altLang="zh-CN" b="1" dirty="0">
+                <a:latin typeface="Times New Roman" panose="02020603050405020304" pitchFamily="18" charset="0"/>
+                <a:cs typeface="Times New Roman" panose="02020603050405020304" pitchFamily="18" charset="0"/>
+              </a:rPr>
+              <a:t>Ⅱ. </a:t>
+            </a:r>
+            <a:r>
+              <a:rPr lang="en-US" altLang="zh-CN" sz="1800" i="1" dirty="0">
+                <a:effectLst/>
+                <a:latin typeface="Times New Roman" panose="02020603050405020304" pitchFamily="18" charset="0"/>
+                <a:cs typeface="Times New Roman" panose="02020603050405020304" pitchFamily="18" charset="0"/>
+              </a:rPr>
+              <a:t>SynRhythm: Learning a Deep Heart Rate Estimator from General to Specific</a:t>
+            </a:r>
+          </a:p>
+        </p:txBody>
+      </p:sp>
+      <p:pic>
+        <p:nvPicPr>
+          <p:cNvPr id="6" name="图片 5">
+            <a:extLst>
+              <a:ext uri="{FF2B5EF4-FFF2-40B4-BE49-F238E27FC236}">
+                <a16:creationId xmlns:a16="http://schemas.microsoft.com/office/drawing/2014/main" id="{3BDB4C9C-341D-CBAD-E53A-596B9DC21D59}"/>
+              </a:ext>
+            </a:extLst>
+          </p:cNvPr>
+          <p:cNvPicPr>
+            <a:picLocks noChangeAspect="1"/>
+          </p:cNvPicPr>
+          <p:nvPr/>
+        </p:nvPicPr>
+        <p:blipFill>
+          <a:blip r:embed="rId3"/>
+          <a:stretch>
+            <a:fillRect/>
+          </a:stretch>
+        </p:blipFill>
+        <p:spPr>
+          <a:xfrm>
+            <a:off x="2076153" y="2192764"/>
+            <a:ext cx="6714037" cy="3816162"/>
+          </a:xfrm>
+          <a:prstGeom prst="rect">
+            <a:avLst/>
+          </a:prstGeom>
+        </p:spPr>
+      </p:pic>
+      <p:sp>
+        <p:nvSpPr>
+          <p:cNvPr id="8" name="文本框 7">
+            <a:extLst>
+              <a:ext uri="{FF2B5EF4-FFF2-40B4-BE49-F238E27FC236}">
+                <a16:creationId xmlns:a16="http://schemas.microsoft.com/office/drawing/2014/main" id="{920C2CA2-A109-BFE2-E407-C804E219B322}"/>
+              </a:ext>
+            </a:extLst>
+          </p:cNvPr>
+          <p:cNvSpPr txBox="1"/>
+          <p:nvPr/>
+        </p:nvSpPr>
+        <p:spPr>
+          <a:xfrm>
+            <a:off x="1057835" y="2133600"/>
+            <a:ext cx="2725271" cy="369332"/>
+          </a:xfrm>
+          <a:prstGeom prst="rect">
+            <a:avLst/>
+          </a:prstGeom>
+          <a:noFill/>
+        </p:spPr>
+        <p:txBody>
+          <a:bodyPr wrap="square" rtlCol="0">
+            <a:spAutoFit/>
+          </a:bodyPr>
+          <a:lstStyle/>
+          <a:p>
+            <a:r>
+              <a:rPr lang="en-US" altLang="zh-CN" dirty="0">
+                <a:latin typeface="Times New Roman" panose="02020603050405020304" pitchFamily="18" charset="0"/>
+                <a:cs typeface="Times New Roman" panose="02020603050405020304" pitchFamily="18" charset="0"/>
+              </a:rPr>
+              <a:t>2. </a:t>
+            </a:r>
+            <a:r>
+              <a:rPr lang="zh-CN" altLang="en-US" dirty="0"/>
+              <a:t>预训练及微调</a:t>
+            </a:r>
+          </a:p>
+        </p:txBody>
+      </p:sp>
+    </p:spTree>
+    <p:extLst>
+      <p:ext uri="{BB962C8B-B14F-4D97-AF65-F5344CB8AC3E}">
+        <p14:creationId xmlns:p14="http://schemas.microsoft.com/office/powerpoint/2010/main" val="3694176921"/>
+      </p:ext>
+    </p:extLst>
+  </p:cSld>
+  <p:clrMapOvr>
+    <a:masterClrMapping/>
+  </p:clrMapOvr>
+  <mc:AlternateContent xmlns:mc="http://schemas.openxmlformats.org/markup-compatibility/2006" xmlns:p14="http://schemas.microsoft.com/office/powerpoint/2010/main">
+    <mc:Choice Requires="p14">
+      <p:transition spd="med" p14:dur="700">
+        <p:fade/>
+      </p:transition>
+    </mc:Choice>
+    <mc:Fallback xmlns="">
+      <p:transition spd="med">
+        <p:fade/>
+      </p:transition>
+    </mc:Fallback>
+  </mc:AlternateContent>
+</p:sld>
+</file>
+
+<file path=ppt/slides/slide21.xml><?xml version="1.0" encoding="utf-8"?>
+<p:sld xmlns:a="http://schemas.openxmlformats.org/drawingml/2006/main" xmlns:r="http://schemas.openxmlformats.org/officeDocument/2006/relationships" xmlns:p="http://schemas.openxmlformats.org/presentationml/2006/main">
+  <p:cSld>
+    <p:spTree>
+      <p:nvGrpSpPr>
+        <p:cNvPr id="1" name=""/>
+        <p:cNvGrpSpPr/>
+        <p:nvPr/>
+      </p:nvGrpSpPr>
+      <p:grpSpPr>
+        <a:xfrm>
+          <a:off x="0" y="0"/>
+          <a:ext cx="0" cy="0"/>
+          <a:chOff x="0" y="0"/>
+          <a:chExt cx="0" cy="0"/>
+        </a:xfrm>
+      </p:grpSpPr>
+      <p:sp>
+        <p:nvSpPr>
+          <p:cNvPr id="29" name="标题 1">
+            <a:extLst>
+              <a:ext uri="{FF2B5EF4-FFF2-40B4-BE49-F238E27FC236}">
+                <a16:creationId xmlns:a16="http://schemas.microsoft.com/office/drawing/2014/main" id="{8CA9A024-4989-D42F-FF88-03F324E9309A}"/>
+              </a:ext>
+            </a:extLst>
+          </p:cNvPr>
+          <p:cNvSpPr>
+            <a:spLocks noGrp="1"/>
+          </p:cNvSpPr>
+          <p:nvPr>
+            <p:ph type="title"/>
+          </p:nvPr>
+        </p:nvSpPr>
+        <p:spPr>
+          <a:xfrm>
+            <a:off x="954088" y="549275"/>
+            <a:ext cx="4846637" cy="436563"/>
+          </a:xfrm>
+        </p:spPr>
+        <p:txBody>
+          <a:bodyPr/>
+          <a:lstStyle/>
+          <a:p>
+            <a:r>
+              <a:rPr lang="zh-CN" altLang="en-US" dirty="0"/>
+              <a:t>文献概要</a:t>
+            </a:r>
+          </a:p>
+        </p:txBody>
+      </p:sp>
+      <p:sp>
+        <p:nvSpPr>
+          <p:cNvPr id="22" name="文本框 21">
+            <a:extLst>
+              <a:ext uri="{FF2B5EF4-FFF2-40B4-BE49-F238E27FC236}">
+                <a16:creationId xmlns:a16="http://schemas.microsoft.com/office/drawing/2014/main" id="{B280A8EA-6180-9F37-D64C-D44E83D38619}"/>
+              </a:ext>
+            </a:extLst>
+          </p:cNvPr>
+          <p:cNvSpPr txBox="1"/>
+          <p:nvPr/>
+        </p:nvSpPr>
+        <p:spPr>
+          <a:xfrm>
+            <a:off x="954088" y="1404635"/>
+            <a:ext cx="9973888" cy="369332"/>
+          </a:xfrm>
+          <a:prstGeom prst="rect">
+            <a:avLst/>
+          </a:prstGeom>
+          <a:noFill/>
+        </p:spPr>
+        <p:txBody>
+          <a:bodyPr wrap="square">
+            <a:spAutoFit/>
+          </a:bodyPr>
+          <a:lstStyle/>
+          <a:p>
+            <a:pPr marL="0" marR="0" lvl="0" indent="0" algn="l" defTabSz="914400" rtl="0" eaLnBrk="1" fontAlgn="auto" latinLnBrk="0" hangingPunct="1">
+              <a:lnSpc>
+                <a:spcPct val="100000"/>
+              </a:lnSpc>
+              <a:spcBef>
+                <a:spcPts val="0"/>
+              </a:spcBef>
+              <a:spcAft>
+                <a:spcPts val="0"/>
+              </a:spcAft>
+              <a:buClrTx/>
+              <a:buSzTx/>
+              <a:buFontTx/>
+              <a:buNone/>
+              <a:tabLst/>
+              <a:defRPr/>
+            </a:pPr>
+            <a:r>
+              <a:rPr lang="en-US" altLang="zh-CN" b="1" dirty="0">
+                <a:latin typeface="Times New Roman" panose="02020603050405020304" pitchFamily="18" charset="0"/>
+                <a:cs typeface="Times New Roman" panose="02020603050405020304" pitchFamily="18" charset="0"/>
+              </a:rPr>
+              <a:t>Ⅱ. </a:t>
+            </a:r>
+            <a:r>
+              <a:rPr lang="en-US" altLang="zh-CN" sz="1800" i="1" dirty="0">
+                <a:effectLst/>
+                <a:latin typeface="Times New Roman" panose="02020603050405020304" pitchFamily="18" charset="0"/>
+                <a:cs typeface="Times New Roman" panose="02020603050405020304" pitchFamily="18" charset="0"/>
+              </a:rPr>
+              <a:t>SynRhythm: Learning a Deep Heart Rate Estimator from General to Specific</a:t>
+            </a:r>
+          </a:p>
+        </p:txBody>
+      </p:sp>
+      <p:pic>
+        <p:nvPicPr>
+          <p:cNvPr id="7" name="图片 6">
+            <a:extLst>
+              <a:ext uri="{FF2B5EF4-FFF2-40B4-BE49-F238E27FC236}">
+                <a16:creationId xmlns:a16="http://schemas.microsoft.com/office/drawing/2014/main" id="{6B335686-C48F-11E9-A7BA-A74D97060EAD}"/>
+              </a:ext>
+            </a:extLst>
+          </p:cNvPr>
+          <p:cNvPicPr>
+            <a:picLocks noChangeAspect="1"/>
+          </p:cNvPicPr>
+          <p:nvPr/>
+        </p:nvPicPr>
+        <p:blipFill>
+          <a:blip r:embed="rId3"/>
+          <a:stretch>
+            <a:fillRect/>
+          </a:stretch>
+        </p:blipFill>
+        <p:spPr>
+          <a:xfrm>
+            <a:off x="1090838" y="2551349"/>
+            <a:ext cx="4124901" cy="2791215"/>
+          </a:xfrm>
+          <a:prstGeom prst="rect">
+            <a:avLst/>
+          </a:prstGeom>
+        </p:spPr>
+      </p:pic>
+      <p:pic>
+        <p:nvPicPr>
+          <p:cNvPr id="3" name="图片 2">
+            <a:extLst>
+              <a:ext uri="{FF2B5EF4-FFF2-40B4-BE49-F238E27FC236}">
+                <a16:creationId xmlns:a16="http://schemas.microsoft.com/office/drawing/2014/main" id="{10AD15A4-DA94-9973-1B78-6C2D43E240C4}"/>
+              </a:ext>
+            </a:extLst>
+          </p:cNvPr>
+          <p:cNvPicPr>
+            <a:picLocks noChangeAspect="1"/>
+          </p:cNvPicPr>
+          <p:nvPr/>
+        </p:nvPicPr>
+        <p:blipFill>
+          <a:blip r:embed="rId4"/>
+          <a:stretch>
+            <a:fillRect/>
+          </a:stretch>
+        </p:blipFill>
+        <p:spPr>
+          <a:xfrm>
+            <a:off x="5687305" y="2658926"/>
+            <a:ext cx="5079306" cy="2343380"/>
+          </a:xfrm>
+          <a:prstGeom prst="rect">
+            <a:avLst/>
+          </a:prstGeom>
+        </p:spPr>
+      </p:pic>
+    </p:spTree>
+    <p:extLst>
+      <p:ext uri="{BB962C8B-B14F-4D97-AF65-F5344CB8AC3E}">
+        <p14:creationId xmlns:p14="http://schemas.microsoft.com/office/powerpoint/2010/main" val="1085886403"/>
+      </p:ext>
+    </p:extLst>
+  </p:cSld>
+  <p:clrMapOvr>
+    <a:masterClrMapping/>
+  </p:clrMapOvr>
+  <mc:AlternateContent xmlns:mc="http://schemas.openxmlformats.org/markup-compatibility/2006" xmlns:p14="http://schemas.microsoft.com/office/powerpoint/2010/main">
+    <mc:Choice Requires="p14">
+      <p:transition spd="med" p14:dur="700">
+        <p:fade/>
+      </p:transition>
+    </mc:Choice>
+    <mc:Fallback xmlns="">
+      <p:transition spd="med">
+        <p:fade/>
+      </p:transition>
+    </mc:Fallback>
+  </mc:AlternateContent>
+</p:sld>
+</file>
+
+<file path=ppt/slides/slide22.xml><?xml version="1.0" encoding="utf-8"?>
+<p:sld xmlns:a="http://schemas.openxmlformats.org/drawingml/2006/main" xmlns:r="http://schemas.openxmlformats.org/officeDocument/2006/relationships" xmlns:p="http://schemas.openxmlformats.org/presentationml/2006/main">
+  <p:cSld>
+    <p:spTree>
+      <p:nvGrpSpPr>
+        <p:cNvPr id="1" name=""/>
+        <p:cNvGrpSpPr/>
+        <p:nvPr/>
+      </p:nvGrpSpPr>
+      <p:grpSpPr>
+        <a:xfrm>
+          <a:off x="0" y="0"/>
+          <a:ext cx="0" cy="0"/>
+          <a:chOff x="0" y="0"/>
+          <a:chExt cx="0" cy="0"/>
+        </a:xfrm>
+      </p:grpSpPr>
+      <p:sp>
+        <p:nvSpPr>
+          <p:cNvPr id="29" name="标题 1">
+            <a:extLst>
+              <a:ext uri="{FF2B5EF4-FFF2-40B4-BE49-F238E27FC236}">
+                <a16:creationId xmlns:a16="http://schemas.microsoft.com/office/drawing/2014/main" id="{8CA9A024-4989-D42F-FF88-03F324E9309A}"/>
+              </a:ext>
+            </a:extLst>
+          </p:cNvPr>
+          <p:cNvSpPr>
+            <a:spLocks noGrp="1"/>
+          </p:cNvSpPr>
+          <p:nvPr>
+            <p:ph type="title"/>
+          </p:nvPr>
+        </p:nvSpPr>
+        <p:spPr>
+          <a:xfrm>
+            <a:off x="954088" y="549275"/>
+            <a:ext cx="4846637" cy="436563"/>
+          </a:xfrm>
+        </p:spPr>
+        <p:txBody>
+          <a:bodyPr/>
+          <a:lstStyle/>
+          <a:p>
+            <a:r>
+              <a:rPr lang="zh-CN" altLang="en-US" dirty="0"/>
+              <a:t>文献概要</a:t>
+            </a:r>
+          </a:p>
+        </p:txBody>
+      </p:sp>
+      <p:sp>
+        <p:nvSpPr>
+          <p:cNvPr id="22" name="文本框 21">
+            <a:extLst>
+              <a:ext uri="{FF2B5EF4-FFF2-40B4-BE49-F238E27FC236}">
+                <a16:creationId xmlns:a16="http://schemas.microsoft.com/office/drawing/2014/main" id="{B280A8EA-6180-9F37-D64C-D44E83D38619}"/>
+              </a:ext>
+            </a:extLst>
+          </p:cNvPr>
+          <p:cNvSpPr txBox="1"/>
+          <p:nvPr/>
+        </p:nvSpPr>
+        <p:spPr>
+          <a:xfrm>
+            <a:off x="954088" y="1404635"/>
+            <a:ext cx="9973888" cy="369332"/>
+          </a:xfrm>
+          <a:prstGeom prst="rect">
+            <a:avLst/>
+          </a:prstGeom>
+          <a:noFill/>
+        </p:spPr>
+        <p:txBody>
+          <a:bodyPr wrap="square">
+            <a:spAutoFit/>
+          </a:bodyPr>
+          <a:lstStyle/>
+          <a:p>
+            <a:pPr marL="0" marR="0" lvl="0" indent="0" algn="l" defTabSz="914400" rtl="0" eaLnBrk="1" fontAlgn="auto" latinLnBrk="0" hangingPunct="1">
+              <a:lnSpc>
+                <a:spcPct val="100000"/>
+              </a:lnSpc>
+              <a:spcBef>
+                <a:spcPts val="0"/>
+              </a:spcBef>
+              <a:spcAft>
+                <a:spcPts val="0"/>
+              </a:spcAft>
+              <a:buClrTx/>
+              <a:buSzTx/>
+              <a:buFontTx/>
+              <a:buNone/>
+              <a:tabLst/>
+              <a:defRPr/>
+            </a:pPr>
+            <a:r>
+              <a:rPr lang="en-US" altLang="zh-CN" b="1" dirty="0">
+                <a:latin typeface="Times New Roman" panose="02020603050405020304" pitchFamily="18" charset="0"/>
+                <a:cs typeface="Times New Roman" panose="02020603050405020304" pitchFamily="18" charset="0"/>
+              </a:rPr>
+              <a:t>Ⅲ. </a:t>
+            </a:r>
+            <a:r>
+              <a:rPr lang="en-US" altLang="zh-CN" sz="1800" i="1" dirty="0">
+                <a:effectLst/>
+                <a:latin typeface="Times New Roman" panose="02020603050405020304" pitchFamily="18" charset="0"/>
+                <a:cs typeface="Times New Roman" panose="02020603050405020304" pitchFamily="18" charset="0"/>
+              </a:rPr>
+              <a:t>Robust Remote Heart Rate Estimation from Face Utilizing Spatial-temporal Attention</a:t>
+            </a:r>
+          </a:p>
+        </p:txBody>
+      </p:sp>
+      <p:sp>
+        <p:nvSpPr>
+          <p:cNvPr id="2" name="文本框 1">
+            <a:extLst>
+              <a:ext uri="{FF2B5EF4-FFF2-40B4-BE49-F238E27FC236}">
+                <a16:creationId xmlns:a16="http://schemas.microsoft.com/office/drawing/2014/main" id="{7DD7EA74-0273-07ED-7B99-90939F0C1120}"/>
+              </a:ext>
+            </a:extLst>
+          </p:cNvPr>
+          <p:cNvSpPr txBox="1"/>
+          <p:nvPr/>
+        </p:nvSpPr>
+        <p:spPr>
+          <a:xfrm>
+            <a:off x="954088" y="2054074"/>
+            <a:ext cx="9037077" cy="881139"/>
+          </a:xfrm>
+          <a:prstGeom prst="rect">
+            <a:avLst/>
+          </a:prstGeom>
+          <a:noFill/>
+        </p:spPr>
+        <p:txBody>
+          <a:bodyPr wrap="square" rtlCol="0">
+            <a:spAutoFit/>
+          </a:bodyPr>
+          <a:lstStyle/>
+          <a:p>
+            <a:pPr>
+              <a:lnSpc>
+                <a:spcPct val="150000"/>
+              </a:lnSpc>
+            </a:pPr>
+            <a:r>
+              <a:rPr lang="zh-CN" altLang="en-US" b="1" dirty="0"/>
+              <a:t>研究现状：</a:t>
+            </a:r>
+            <a:endParaRPr lang="en-US" altLang="zh-CN" b="1" dirty="0"/>
+          </a:p>
+          <a:p>
+            <a:pPr>
+              <a:lnSpc>
+                <a:spcPct val="150000"/>
+              </a:lnSpc>
+            </a:pPr>
+            <a:r>
+              <a:rPr lang="zh-CN" altLang="en-US" dirty="0"/>
+              <a:t>由于面部移动和照明变化，</a:t>
+            </a:r>
+            <a:r>
+              <a:rPr lang="en-US" altLang="zh-CN" dirty="0" err="1"/>
+              <a:t>rPPG</a:t>
+            </a:r>
+            <a:r>
+              <a:rPr lang="zh-CN" altLang="en-US" dirty="0"/>
+              <a:t>信号可能产生偏差结果。</a:t>
+            </a:r>
+            <a:endParaRPr lang="en-US" altLang="zh-CN" dirty="0"/>
+          </a:p>
+        </p:txBody>
+      </p:sp>
+      <p:sp>
+        <p:nvSpPr>
+          <p:cNvPr id="3" name="文本框 2">
+            <a:extLst>
+              <a:ext uri="{FF2B5EF4-FFF2-40B4-BE49-F238E27FC236}">
+                <a16:creationId xmlns:a16="http://schemas.microsoft.com/office/drawing/2014/main" id="{8B09A32D-BB1C-866A-AAB3-EAF456780A38}"/>
+              </a:ext>
+            </a:extLst>
+          </p:cNvPr>
+          <p:cNvSpPr txBox="1"/>
+          <p:nvPr/>
+        </p:nvSpPr>
+        <p:spPr>
+          <a:xfrm>
+            <a:off x="954088" y="3215320"/>
+            <a:ext cx="9037077" cy="2543132"/>
+          </a:xfrm>
+          <a:prstGeom prst="rect">
+            <a:avLst/>
+          </a:prstGeom>
+          <a:noFill/>
+        </p:spPr>
+        <p:txBody>
+          <a:bodyPr wrap="square" rtlCol="0">
+            <a:spAutoFit/>
+          </a:bodyPr>
+          <a:lstStyle/>
+          <a:p>
+            <a:pPr algn="just">
+              <a:lnSpc>
+                <a:spcPct val="150000"/>
+              </a:lnSpc>
+            </a:pPr>
+            <a:r>
+              <a:rPr lang="zh-CN" altLang="en-US" b="1" dirty="0"/>
+              <a:t>主要创新：</a:t>
+            </a:r>
+            <a:endParaRPr lang="en-US" altLang="zh-CN" b="1" dirty="0"/>
+          </a:p>
+          <a:p>
+            <a:pPr marL="342900" indent="-342900" algn="just">
+              <a:lnSpc>
+                <a:spcPct val="150000"/>
+              </a:lnSpc>
+              <a:buAutoNum type="arabicPeriod"/>
+            </a:pPr>
+            <a:r>
+              <a:rPr lang="zh-CN" altLang="en-US" dirty="0"/>
+              <a:t>提出一种</a:t>
+            </a:r>
+            <a:r>
+              <a:rPr lang="zh-CN" altLang="en-US" b="1" dirty="0"/>
+              <a:t>自动机制</a:t>
+            </a:r>
+            <a:r>
+              <a:rPr lang="zh-CN" altLang="en-US" dirty="0"/>
+              <a:t>来帮助去除这些被污染的</a:t>
+            </a:r>
+            <a:r>
+              <a:rPr lang="en-US" altLang="zh-CN" dirty="0"/>
+              <a:t>HR</a:t>
+            </a:r>
+            <a:r>
+              <a:rPr lang="zh-CN" altLang="en-US" dirty="0"/>
+              <a:t>信号的思路。不再分割出感兴趣区后划分输入，而是将整张人脸划分输入，并在深度模型中引入了</a:t>
+            </a:r>
+            <a:r>
+              <a:rPr lang="zh-CN" altLang="en-US" b="1" dirty="0"/>
+              <a:t>时空上和通道上的注意力机制</a:t>
+            </a:r>
+            <a:r>
+              <a:rPr lang="zh-CN" altLang="en-US" dirty="0"/>
+              <a:t>，让模型自行学习以过滤出显著特征。</a:t>
+            </a:r>
+            <a:endParaRPr lang="en-US" altLang="zh-CN" dirty="0"/>
+          </a:p>
+          <a:p>
+            <a:pPr marL="342900" indent="-342900" algn="just">
+              <a:lnSpc>
+                <a:spcPct val="150000"/>
+              </a:lnSpc>
+              <a:buAutoNum type="arabicPeriod"/>
+            </a:pPr>
+            <a:r>
+              <a:rPr lang="zh-CN" altLang="en-US" dirty="0"/>
+              <a:t>提出了一种高效的数据增强的方法：视频的变速也会导致心率改变，可以用来扩充数据集。</a:t>
+            </a:r>
+            <a:endParaRPr lang="en-US" altLang="zh-CN" dirty="0"/>
+          </a:p>
+        </p:txBody>
+      </p:sp>
+      <p:pic>
+        <p:nvPicPr>
+          <p:cNvPr id="4" name="图片 3">
+            <a:extLst>
+              <a:ext uri="{FF2B5EF4-FFF2-40B4-BE49-F238E27FC236}">
+                <a16:creationId xmlns:a16="http://schemas.microsoft.com/office/drawing/2014/main" id="{B52396A2-2137-3AC1-03AC-E7DA9E3F48F3}"/>
+              </a:ext>
+            </a:extLst>
+          </p:cNvPr>
+          <p:cNvPicPr>
+            <a:picLocks noChangeAspect="1"/>
+          </p:cNvPicPr>
+          <p:nvPr/>
+        </p:nvPicPr>
+        <p:blipFill>
+          <a:blip r:embed="rId3"/>
+          <a:stretch>
+            <a:fillRect/>
+          </a:stretch>
+        </p:blipFill>
+        <p:spPr>
+          <a:xfrm>
+            <a:off x="7270006" y="2037057"/>
+            <a:ext cx="2582768" cy="1391943"/>
+          </a:xfrm>
+          <a:prstGeom prst="rect">
+            <a:avLst/>
+          </a:prstGeom>
+        </p:spPr>
+      </p:pic>
+    </p:spTree>
+    <p:extLst>
+      <p:ext uri="{BB962C8B-B14F-4D97-AF65-F5344CB8AC3E}">
+        <p14:creationId xmlns:p14="http://schemas.microsoft.com/office/powerpoint/2010/main" val="2004204550"/>
+      </p:ext>
+    </p:extLst>
+  </p:cSld>
+  <p:clrMapOvr>
+    <a:masterClrMapping/>
+  </p:clrMapOvr>
+  <mc:AlternateContent xmlns:mc="http://schemas.openxmlformats.org/markup-compatibility/2006" xmlns:p14="http://schemas.microsoft.com/office/powerpoint/2010/main">
+    <mc:Choice Requires="p14">
+      <p:transition spd="med" p14:dur="700">
+        <p:fade/>
+      </p:transition>
+    </mc:Choice>
+    <mc:Fallback xmlns="">
+      <p:transition spd="med">
+        <p:fade/>
+      </p:transition>
+    </mc:Fallback>
+  </mc:AlternateContent>
+</p:sld>
+</file>
+
+<file path=ppt/slides/slide23.xml><?xml version="1.0" encoding="utf-8"?>
+<p:sld xmlns:a="http://schemas.openxmlformats.org/drawingml/2006/main" xmlns:r="http://schemas.openxmlformats.org/officeDocument/2006/relationships" xmlns:p="http://schemas.openxmlformats.org/presentationml/2006/main">
+  <p:cSld>
+    <p:spTree>
+      <p:nvGrpSpPr>
+        <p:cNvPr id="1" name=""/>
+        <p:cNvGrpSpPr/>
+        <p:nvPr/>
+      </p:nvGrpSpPr>
+      <p:grpSpPr>
+        <a:xfrm>
+          <a:off x="0" y="0"/>
+          <a:ext cx="0" cy="0"/>
+          <a:chOff x="0" y="0"/>
+          <a:chExt cx="0" cy="0"/>
+        </a:xfrm>
+      </p:grpSpPr>
+      <p:sp>
+        <p:nvSpPr>
+          <p:cNvPr id="29" name="标题 1">
+            <a:extLst>
+              <a:ext uri="{FF2B5EF4-FFF2-40B4-BE49-F238E27FC236}">
+                <a16:creationId xmlns:a16="http://schemas.microsoft.com/office/drawing/2014/main" id="{8CA9A024-4989-D42F-FF88-03F324E9309A}"/>
+              </a:ext>
+            </a:extLst>
+          </p:cNvPr>
+          <p:cNvSpPr>
+            <a:spLocks noGrp="1"/>
+          </p:cNvSpPr>
+          <p:nvPr>
+            <p:ph type="title"/>
+          </p:nvPr>
+        </p:nvSpPr>
+        <p:spPr>
+          <a:xfrm>
+            <a:off x="954088" y="549275"/>
+            <a:ext cx="4846637" cy="436563"/>
+          </a:xfrm>
+        </p:spPr>
+        <p:txBody>
+          <a:bodyPr/>
+          <a:lstStyle/>
+          <a:p>
+            <a:r>
+              <a:rPr lang="zh-CN" altLang="en-US" dirty="0"/>
+              <a:t>文献概要</a:t>
+            </a:r>
+          </a:p>
+        </p:txBody>
+      </p:sp>
+      <p:sp>
+        <p:nvSpPr>
+          <p:cNvPr id="22" name="文本框 21">
+            <a:extLst>
+              <a:ext uri="{FF2B5EF4-FFF2-40B4-BE49-F238E27FC236}">
+                <a16:creationId xmlns:a16="http://schemas.microsoft.com/office/drawing/2014/main" id="{B280A8EA-6180-9F37-D64C-D44E83D38619}"/>
+              </a:ext>
+            </a:extLst>
+          </p:cNvPr>
+          <p:cNvSpPr txBox="1"/>
+          <p:nvPr/>
+        </p:nvSpPr>
+        <p:spPr>
+          <a:xfrm>
+            <a:off x="954088" y="1404635"/>
+            <a:ext cx="9973888" cy="369332"/>
+          </a:xfrm>
+          <a:prstGeom prst="rect">
+            <a:avLst/>
+          </a:prstGeom>
+          <a:noFill/>
+        </p:spPr>
+        <p:txBody>
+          <a:bodyPr wrap="square">
+            <a:spAutoFit/>
+          </a:bodyPr>
+          <a:lstStyle/>
+          <a:p>
+            <a:pPr marL="0" marR="0" lvl="0" indent="0" algn="l" defTabSz="914400" rtl="0" eaLnBrk="1" fontAlgn="auto" latinLnBrk="0" hangingPunct="1">
+              <a:lnSpc>
+                <a:spcPct val="100000"/>
+              </a:lnSpc>
+              <a:spcBef>
+                <a:spcPts val="0"/>
+              </a:spcBef>
+              <a:spcAft>
+                <a:spcPts val="0"/>
+              </a:spcAft>
+              <a:buClrTx/>
+              <a:buSzTx/>
+              <a:buFontTx/>
+              <a:buNone/>
+              <a:tabLst/>
+              <a:defRPr/>
+            </a:pPr>
+            <a:r>
+              <a:rPr lang="en-US" altLang="zh-CN" b="1" dirty="0">
+                <a:latin typeface="Times New Roman" panose="02020603050405020304" pitchFamily="18" charset="0"/>
+                <a:cs typeface="Times New Roman" panose="02020603050405020304" pitchFamily="18" charset="0"/>
+              </a:rPr>
+              <a:t>Ⅲ. </a:t>
+            </a:r>
+            <a:r>
+              <a:rPr lang="en-US" altLang="zh-CN" sz="1800" i="1" dirty="0">
+                <a:effectLst/>
+                <a:latin typeface="Times New Roman" panose="02020603050405020304" pitchFamily="18" charset="0"/>
+                <a:cs typeface="Times New Roman" panose="02020603050405020304" pitchFamily="18" charset="0"/>
+              </a:rPr>
+              <a:t>Robust Remote Heart Rate Estimation from Face Utilizing Spatial-temporal Attention</a:t>
+            </a:r>
+          </a:p>
+        </p:txBody>
+      </p:sp>
+      <p:pic>
+        <p:nvPicPr>
+          <p:cNvPr id="9" name="图片 8">
+            <a:extLst>
+              <a:ext uri="{FF2B5EF4-FFF2-40B4-BE49-F238E27FC236}">
+                <a16:creationId xmlns:a16="http://schemas.microsoft.com/office/drawing/2014/main" id="{58769AE0-EF29-4EF9-1183-CCCB6E88F565}"/>
+              </a:ext>
+            </a:extLst>
+          </p:cNvPr>
+          <p:cNvPicPr>
+            <a:picLocks noChangeAspect="1"/>
+          </p:cNvPicPr>
+          <p:nvPr/>
+        </p:nvPicPr>
+        <p:blipFill>
+          <a:blip r:embed="rId3"/>
+          <a:stretch>
+            <a:fillRect/>
+          </a:stretch>
+        </p:blipFill>
+        <p:spPr>
+          <a:xfrm>
+            <a:off x="2436561" y="2192764"/>
+            <a:ext cx="6728327" cy="3437071"/>
+          </a:xfrm>
+          <a:prstGeom prst="rect">
+            <a:avLst/>
+          </a:prstGeom>
+        </p:spPr>
+      </p:pic>
+    </p:spTree>
+    <p:extLst>
+      <p:ext uri="{BB962C8B-B14F-4D97-AF65-F5344CB8AC3E}">
+        <p14:creationId xmlns:p14="http://schemas.microsoft.com/office/powerpoint/2010/main" val="3490828362"/>
+      </p:ext>
+    </p:extLst>
+  </p:cSld>
+  <p:clrMapOvr>
+    <a:masterClrMapping/>
+  </p:clrMapOvr>
+  <mc:AlternateContent xmlns:mc="http://schemas.openxmlformats.org/markup-compatibility/2006" xmlns:p14="http://schemas.microsoft.com/office/powerpoint/2010/main">
+    <mc:Choice Requires="p14">
+      <p:transition spd="med" p14:dur="700">
+        <p:fade/>
+      </p:transition>
+    </mc:Choice>
+    <mc:Fallback xmlns="">
+      <p:transition spd="med">
+        <p:fade/>
+      </p:transition>
+    </mc:Fallback>
+  </mc:AlternateContent>
+</p:sld>
+</file>
+
+<file path=ppt/slides/slide24.xml><?xml version="1.0" encoding="utf-8"?>
+<p:sld xmlns:a="http://schemas.openxmlformats.org/drawingml/2006/main" xmlns:r="http://schemas.openxmlformats.org/officeDocument/2006/relationships" xmlns:p="http://schemas.openxmlformats.org/presentationml/2006/main">
+  <p:cSld>
+    <p:spTree>
+      <p:nvGrpSpPr>
+        <p:cNvPr id="1" name=""/>
+        <p:cNvGrpSpPr/>
+        <p:nvPr/>
+      </p:nvGrpSpPr>
+      <p:grpSpPr>
+        <a:xfrm>
+          <a:off x="0" y="0"/>
+          <a:ext cx="0" cy="0"/>
+          <a:chOff x="0" y="0"/>
+          <a:chExt cx="0" cy="0"/>
+        </a:xfrm>
+      </p:grpSpPr>
+      <p:sp>
+        <p:nvSpPr>
+          <p:cNvPr id="29" name="标题 1">
+            <a:extLst>
+              <a:ext uri="{FF2B5EF4-FFF2-40B4-BE49-F238E27FC236}">
+                <a16:creationId xmlns:a16="http://schemas.microsoft.com/office/drawing/2014/main" id="{8CA9A024-4989-D42F-FF88-03F324E9309A}"/>
+              </a:ext>
+            </a:extLst>
+          </p:cNvPr>
+          <p:cNvSpPr>
+            <a:spLocks noGrp="1"/>
+          </p:cNvSpPr>
+          <p:nvPr>
+            <p:ph type="title"/>
+          </p:nvPr>
+        </p:nvSpPr>
+        <p:spPr>
+          <a:xfrm>
+            <a:off x="954088" y="549275"/>
+            <a:ext cx="4846637" cy="436563"/>
+          </a:xfrm>
+        </p:spPr>
+        <p:txBody>
+          <a:bodyPr/>
+          <a:lstStyle/>
+          <a:p>
+            <a:r>
+              <a:rPr lang="zh-CN" altLang="en-US" dirty="0"/>
+              <a:t>文献概要</a:t>
+            </a:r>
+          </a:p>
+        </p:txBody>
+      </p:sp>
+      <p:sp>
+        <p:nvSpPr>
+          <p:cNvPr id="22" name="文本框 21">
+            <a:extLst>
+              <a:ext uri="{FF2B5EF4-FFF2-40B4-BE49-F238E27FC236}">
+                <a16:creationId xmlns:a16="http://schemas.microsoft.com/office/drawing/2014/main" id="{B280A8EA-6180-9F37-D64C-D44E83D38619}"/>
+              </a:ext>
+            </a:extLst>
+          </p:cNvPr>
+          <p:cNvSpPr txBox="1"/>
+          <p:nvPr/>
+        </p:nvSpPr>
+        <p:spPr>
+          <a:xfrm>
+            <a:off x="954088" y="1404635"/>
+            <a:ext cx="9973888" cy="369332"/>
+          </a:xfrm>
+          <a:prstGeom prst="rect">
+            <a:avLst/>
+          </a:prstGeom>
+          <a:noFill/>
+        </p:spPr>
+        <p:txBody>
+          <a:bodyPr wrap="square">
+            <a:spAutoFit/>
+          </a:bodyPr>
+          <a:lstStyle/>
+          <a:p>
+            <a:pPr marL="0" marR="0" lvl="0" indent="0" algn="l" defTabSz="914400" rtl="0" eaLnBrk="1" fontAlgn="auto" latinLnBrk="0" hangingPunct="1">
+              <a:lnSpc>
+                <a:spcPct val="100000"/>
+              </a:lnSpc>
+              <a:spcBef>
+                <a:spcPts val="0"/>
+              </a:spcBef>
+              <a:spcAft>
+                <a:spcPts val="0"/>
+              </a:spcAft>
+              <a:buClrTx/>
+              <a:buSzTx/>
+              <a:buFontTx/>
+              <a:buNone/>
+              <a:tabLst/>
+              <a:defRPr/>
+            </a:pPr>
+            <a:r>
+              <a:rPr lang="en-US" altLang="zh-CN" b="1" dirty="0">
+                <a:latin typeface="Times New Roman" panose="02020603050405020304" pitchFamily="18" charset="0"/>
+                <a:cs typeface="Times New Roman" panose="02020603050405020304" pitchFamily="18" charset="0"/>
+              </a:rPr>
+              <a:t>Ⅲ. </a:t>
+            </a:r>
+            <a:r>
+              <a:rPr lang="en-US" altLang="zh-CN" sz="1800" i="1" dirty="0">
+                <a:effectLst/>
+                <a:latin typeface="Times New Roman" panose="02020603050405020304" pitchFamily="18" charset="0"/>
+                <a:cs typeface="Times New Roman" panose="02020603050405020304" pitchFamily="18" charset="0"/>
+              </a:rPr>
+              <a:t>Robust Remote Heart Rate Estimation from Face Utilizing Spatial-temporal Attention</a:t>
+            </a:r>
+          </a:p>
+        </p:txBody>
+      </p:sp>
+      <p:sp>
+        <p:nvSpPr>
+          <p:cNvPr id="7" name="文本框 6">
+            <a:extLst>
+              <a:ext uri="{FF2B5EF4-FFF2-40B4-BE49-F238E27FC236}">
+                <a16:creationId xmlns:a16="http://schemas.microsoft.com/office/drawing/2014/main" id="{43681D22-52B5-9DE4-3F72-4CB4907D1886}"/>
+              </a:ext>
+            </a:extLst>
+          </p:cNvPr>
+          <p:cNvSpPr txBox="1"/>
+          <p:nvPr/>
+        </p:nvSpPr>
+        <p:spPr>
+          <a:xfrm>
+            <a:off x="954088" y="2540902"/>
+            <a:ext cx="4798686" cy="2316981"/>
+          </a:xfrm>
+          <a:prstGeom prst="rect">
+            <a:avLst/>
+          </a:prstGeom>
+          <a:noFill/>
+        </p:spPr>
+        <p:txBody>
+          <a:bodyPr wrap="square">
+            <a:spAutoFit/>
+          </a:bodyPr>
+          <a:lstStyle/>
+          <a:p>
+            <a:pPr marL="342900" indent="-342900" algn="just">
+              <a:lnSpc>
+                <a:spcPct val="150000"/>
+              </a:lnSpc>
+              <a:buAutoNum type="arabicPeriod"/>
+            </a:pPr>
+            <a:r>
+              <a:rPr lang="zh-CN" altLang="en-US" b="1" dirty="0"/>
+              <a:t>引入注意力机制</a:t>
+            </a:r>
+            <a:endParaRPr lang="en-US" altLang="zh-CN" b="1" dirty="0"/>
+          </a:p>
+          <a:p>
+            <a:pPr algn="just">
+              <a:lnSpc>
+                <a:spcPct val="150000"/>
+              </a:lnSpc>
+            </a:pPr>
+            <a:r>
+              <a:rPr lang="zh-CN" altLang="en-US" sz="1600" dirty="0"/>
+              <a:t>提出一种</a:t>
+            </a:r>
+            <a:r>
+              <a:rPr lang="zh-CN" altLang="en-US" sz="1600" b="1" dirty="0"/>
+              <a:t>自动机制</a:t>
+            </a:r>
+            <a:r>
+              <a:rPr lang="zh-CN" altLang="en-US" sz="1600" dirty="0"/>
+              <a:t>来帮助去除这些被污染的</a:t>
+            </a:r>
+            <a:r>
+              <a:rPr lang="en-US" altLang="zh-CN" sz="1600" dirty="0"/>
+              <a:t>HR</a:t>
+            </a:r>
+            <a:r>
+              <a:rPr lang="zh-CN" altLang="en-US" sz="1600" dirty="0"/>
+              <a:t>信号的思路。不再分割出感兴趣区后划分输入，而是将整张人脸划分输入，并在深度模型中引入了</a:t>
+            </a:r>
+            <a:r>
+              <a:rPr lang="zh-CN" altLang="en-US" sz="1600" b="1" dirty="0"/>
+              <a:t>时空上和通道上的注意力机制</a:t>
+            </a:r>
+            <a:r>
+              <a:rPr lang="zh-CN" altLang="en-US" sz="1600" dirty="0"/>
+              <a:t>，让模型自行学习以过滤出显著特征。</a:t>
+            </a:r>
+            <a:endParaRPr lang="en-US" altLang="zh-CN" sz="1600" dirty="0"/>
+          </a:p>
+        </p:txBody>
+      </p:sp>
+      <p:pic>
+        <p:nvPicPr>
+          <p:cNvPr id="11" name="图片 10">
+            <a:extLst>
+              <a:ext uri="{FF2B5EF4-FFF2-40B4-BE49-F238E27FC236}">
+                <a16:creationId xmlns:a16="http://schemas.microsoft.com/office/drawing/2014/main" id="{B340D020-9C80-1993-86C1-A5BE58744808}"/>
+              </a:ext>
+            </a:extLst>
+          </p:cNvPr>
+          <p:cNvPicPr>
+            <a:picLocks noChangeAspect="1"/>
+          </p:cNvPicPr>
+          <p:nvPr/>
+        </p:nvPicPr>
+        <p:blipFill>
+          <a:blip r:embed="rId3"/>
+          <a:stretch>
+            <a:fillRect/>
+          </a:stretch>
+        </p:blipFill>
+        <p:spPr>
+          <a:xfrm>
+            <a:off x="6096000" y="2407100"/>
+            <a:ext cx="5389010" cy="2965582"/>
+          </a:xfrm>
+          <a:prstGeom prst="rect">
+            <a:avLst/>
+          </a:prstGeom>
+        </p:spPr>
+      </p:pic>
+    </p:spTree>
+    <p:extLst>
+      <p:ext uri="{BB962C8B-B14F-4D97-AF65-F5344CB8AC3E}">
+        <p14:creationId xmlns:p14="http://schemas.microsoft.com/office/powerpoint/2010/main" val="3124074202"/>
+      </p:ext>
+    </p:extLst>
+  </p:cSld>
+  <p:clrMapOvr>
+    <a:masterClrMapping/>
+  </p:clrMapOvr>
+  <mc:AlternateContent xmlns:mc="http://schemas.openxmlformats.org/markup-compatibility/2006" xmlns:p14="http://schemas.microsoft.com/office/powerpoint/2010/main">
+    <mc:Choice Requires="p14">
+      <p:transition spd="med" p14:dur="700">
+        <p:fade/>
+      </p:transition>
+    </mc:Choice>
+    <mc:Fallback xmlns="">
+      <p:transition spd="med">
+        <p:fade/>
+      </p:transition>
+    </mc:Fallback>
+  </mc:AlternateContent>
+</p:sld>
+</file>
+
+<file path=ppt/slides/slide25.xml><?xml version="1.0" encoding="utf-8"?>
+<p:sld xmlns:a="http://schemas.openxmlformats.org/drawingml/2006/main" xmlns:r="http://schemas.openxmlformats.org/officeDocument/2006/relationships" xmlns:p="http://schemas.openxmlformats.org/presentationml/2006/main">
+  <p:cSld>
+    <p:spTree>
+      <p:nvGrpSpPr>
+        <p:cNvPr id="1" name=""/>
+        <p:cNvGrpSpPr/>
+        <p:nvPr/>
+      </p:nvGrpSpPr>
+      <p:grpSpPr>
+        <a:xfrm>
+          <a:off x="0" y="0"/>
+          <a:ext cx="0" cy="0"/>
+          <a:chOff x="0" y="0"/>
+          <a:chExt cx="0" cy="0"/>
+        </a:xfrm>
+      </p:grpSpPr>
+      <p:sp>
+        <p:nvSpPr>
+          <p:cNvPr id="29" name="标题 1">
+            <a:extLst>
+              <a:ext uri="{FF2B5EF4-FFF2-40B4-BE49-F238E27FC236}">
+                <a16:creationId xmlns:a16="http://schemas.microsoft.com/office/drawing/2014/main" id="{8CA9A024-4989-D42F-FF88-03F324E9309A}"/>
+              </a:ext>
+            </a:extLst>
+          </p:cNvPr>
+          <p:cNvSpPr>
+            <a:spLocks noGrp="1"/>
+          </p:cNvSpPr>
+          <p:nvPr>
+            <p:ph type="title"/>
+          </p:nvPr>
+        </p:nvSpPr>
+        <p:spPr>
+          <a:xfrm>
+            <a:off x="954088" y="549275"/>
+            <a:ext cx="4846637" cy="436563"/>
+          </a:xfrm>
+        </p:spPr>
+        <p:txBody>
+          <a:bodyPr/>
+          <a:lstStyle/>
+          <a:p>
+            <a:r>
+              <a:rPr lang="zh-CN" altLang="en-US" dirty="0"/>
+              <a:t>文献概要</a:t>
+            </a:r>
+          </a:p>
+        </p:txBody>
+      </p:sp>
+      <p:sp>
+        <p:nvSpPr>
+          <p:cNvPr id="22" name="文本框 21">
+            <a:extLst>
+              <a:ext uri="{FF2B5EF4-FFF2-40B4-BE49-F238E27FC236}">
+                <a16:creationId xmlns:a16="http://schemas.microsoft.com/office/drawing/2014/main" id="{B280A8EA-6180-9F37-D64C-D44E83D38619}"/>
+              </a:ext>
+            </a:extLst>
+          </p:cNvPr>
+          <p:cNvSpPr txBox="1"/>
+          <p:nvPr/>
+        </p:nvSpPr>
+        <p:spPr>
+          <a:xfrm>
+            <a:off x="954088" y="1404635"/>
+            <a:ext cx="9973888" cy="369332"/>
+          </a:xfrm>
+          <a:prstGeom prst="rect">
+            <a:avLst/>
+          </a:prstGeom>
+          <a:noFill/>
+        </p:spPr>
+        <p:txBody>
+          <a:bodyPr wrap="square">
+            <a:spAutoFit/>
+          </a:bodyPr>
+          <a:lstStyle/>
+          <a:p>
+            <a:pPr marL="0" marR="0" lvl="0" indent="0" algn="l" defTabSz="914400" rtl="0" eaLnBrk="1" fontAlgn="auto" latinLnBrk="0" hangingPunct="1">
+              <a:lnSpc>
+                <a:spcPct val="100000"/>
+              </a:lnSpc>
+              <a:spcBef>
+                <a:spcPts val="0"/>
+              </a:spcBef>
+              <a:spcAft>
+                <a:spcPts val="0"/>
+              </a:spcAft>
+              <a:buClrTx/>
+              <a:buSzTx/>
+              <a:buFontTx/>
+              <a:buNone/>
+              <a:tabLst/>
+              <a:defRPr/>
+            </a:pPr>
+            <a:r>
+              <a:rPr lang="en-US" altLang="zh-CN" b="1" dirty="0">
+                <a:latin typeface="Times New Roman" panose="02020603050405020304" pitchFamily="18" charset="0"/>
+                <a:cs typeface="Times New Roman" panose="02020603050405020304" pitchFamily="18" charset="0"/>
+              </a:rPr>
+              <a:t>Ⅲ. </a:t>
+            </a:r>
+            <a:r>
+              <a:rPr lang="en-US" altLang="zh-CN" sz="1800" i="1" dirty="0">
+                <a:effectLst/>
+                <a:latin typeface="Times New Roman" panose="02020603050405020304" pitchFamily="18" charset="0"/>
+                <a:cs typeface="Times New Roman" panose="02020603050405020304" pitchFamily="18" charset="0"/>
+              </a:rPr>
+              <a:t>Robust Remote Heart Rate Estimation from Face Utilizing Spatial-temporal Attention</a:t>
+            </a:r>
+          </a:p>
+        </p:txBody>
+      </p:sp>
+      <p:sp>
+        <p:nvSpPr>
+          <p:cNvPr id="7" name="文本框 6">
+            <a:extLst>
+              <a:ext uri="{FF2B5EF4-FFF2-40B4-BE49-F238E27FC236}">
+                <a16:creationId xmlns:a16="http://schemas.microsoft.com/office/drawing/2014/main" id="{43681D22-52B5-9DE4-3F72-4CB4907D1886}"/>
+              </a:ext>
+            </a:extLst>
+          </p:cNvPr>
+          <p:cNvSpPr txBox="1"/>
+          <p:nvPr/>
+        </p:nvSpPr>
+        <p:spPr>
+          <a:xfrm>
+            <a:off x="1108051" y="1921996"/>
+            <a:ext cx="9665961" cy="1243738"/>
+          </a:xfrm>
+          <a:prstGeom prst="rect">
+            <a:avLst/>
+          </a:prstGeom>
+          <a:noFill/>
+        </p:spPr>
+        <p:txBody>
+          <a:bodyPr wrap="square">
+            <a:spAutoFit/>
+          </a:bodyPr>
+          <a:lstStyle/>
+          <a:p>
+            <a:pPr algn="just">
+              <a:lnSpc>
+                <a:spcPct val="150000"/>
+              </a:lnSpc>
+            </a:pPr>
+            <a:r>
+              <a:rPr lang="en-US" altLang="zh-CN" sz="1600" b="1" dirty="0"/>
+              <a:t>2. </a:t>
+            </a:r>
+            <a:r>
+              <a:rPr lang="zh-CN" altLang="en-US" sz="1600" b="1" dirty="0"/>
+              <a:t>数据增强</a:t>
+            </a:r>
+            <a:endParaRPr lang="en-US" altLang="zh-CN" sz="1600" b="1" dirty="0"/>
+          </a:p>
+          <a:p>
+            <a:pPr algn="just">
+              <a:lnSpc>
+                <a:spcPct val="150000"/>
+              </a:lnSpc>
+            </a:pPr>
+            <a:r>
+              <a:rPr lang="en-US" altLang="zh-CN" sz="1100" dirty="0"/>
+              <a:t>The middle row is the original video sequence with a ground-truth HR of 89 bpm. </a:t>
+            </a:r>
+          </a:p>
+          <a:p>
+            <a:pPr algn="just">
+              <a:lnSpc>
+                <a:spcPct val="150000"/>
+              </a:lnSpc>
+            </a:pPr>
+            <a:r>
+              <a:rPr lang="en-US" altLang="zh-CN" sz="1100" dirty="0"/>
+              <a:t>The top row illustrates a temporally down-sampled video sequence with a sampling rate of 0.67 and thus with an increased HR of 133 bpm. </a:t>
+            </a:r>
+          </a:p>
+          <a:p>
+            <a:pPr algn="just">
+              <a:lnSpc>
+                <a:spcPct val="150000"/>
+              </a:lnSpc>
+            </a:pPr>
+            <a:r>
+              <a:rPr lang="en-US" altLang="zh-CN" sz="1100" dirty="0"/>
+              <a:t>The bottom row is a temporally up-sampled video sequence with a sampling rate of 1.5 and thus a decreased HR of 71.2 bpm.</a:t>
+            </a:r>
+          </a:p>
+        </p:txBody>
+      </p:sp>
+      <p:pic>
+        <p:nvPicPr>
+          <p:cNvPr id="3" name="图片 2">
+            <a:extLst>
+              <a:ext uri="{FF2B5EF4-FFF2-40B4-BE49-F238E27FC236}">
+                <a16:creationId xmlns:a16="http://schemas.microsoft.com/office/drawing/2014/main" id="{98F736AA-6863-B77F-111D-BF87DAA99D66}"/>
+              </a:ext>
+            </a:extLst>
+          </p:cNvPr>
+          <p:cNvPicPr>
+            <a:picLocks noChangeAspect="1"/>
+          </p:cNvPicPr>
+          <p:nvPr/>
+        </p:nvPicPr>
+        <p:blipFill>
+          <a:blip r:embed="rId3"/>
+          <a:stretch>
+            <a:fillRect/>
+          </a:stretch>
+        </p:blipFill>
+        <p:spPr>
+          <a:xfrm>
+            <a:off x="2280291" y="3313763"/>
+            <a:ext cx="7040867" cy="2627189"/>
+          </a:xfrm>
+          <a:prstGeom prst="rect">
+            <a:avLst/>
+          </a:prstGeom>
+        </p:spPr>
+      </p:pic>
+    </p:spTree>
+    <p:extLst>
+      <p:ext uri="{BB962C8B-B14F-4D97-AF65-F5344CB8AC3E}">
+        <p14:creationId xmlns:p14="http://schemas.microsoft.com/office/powerpoint/2010/main" val="1587581965"/>
+      </p:ext>
+    </p:extLst>
+  </p:cSld>
+  <p:clrMapOvr>
+    <a:masterClrMapping/>
+  </p:clrMapOvr>
+  <mc:AlternateContent xmlns:mc="http://schemas.openxmlformats.org/markup-compatibility/2006" xmlns:p14="http://schemas.microsoft.com/office/powerpoint/2010/main">
+    <mc:Choice Requires="p14">
+      <p:transition spd="med" p14:dur="700">
+        <p:fade/>
+      </p:transition>
+    </mc:Choice>
+    <mc:Fallback xmlns="">
+      <p:transition spd="med">
+        <p:fade/>
+      </p:transition>
+    </mc:Fallback>
+  </mc:AlternateContent>
+</p:sld>
+</file>
+
+<file path=ppt/slides/slide26.xml><?xml version="1.0" encoding="utf-8"?>
+<p:sld xmlns:a="http://schemas.openxmlformats.org/drawingml/2006/main" xmlns:r="http://schemas.openxmlformats.org/officeDocument/2006/relationships" xmlns:p="http://schemas.openxmlformats.org/presentationml/2006/main">
+  <p:cSld>
+    <p:spTree>
+      <p:nvGrpSpPr>
+        <p:cNvPr id="1" name=""/>
+        <p:cNvGrpSpPr/>
+        <p:nvPr/>
+      </p:nvGrpSpPr>
+      <p:grpSpPr>
+        <a:xfrm>
+          <a:off x="0" y="0"/>
+          <a:ext cx="0" cy="0"/>
+          <a:chOff x="0" y="0"/>
+          <a:chExt cx="0" cy="0"/>
+        </a:xfrm>
+      </p:grpSpPr>
+      <p:sp>
+        <p:nvSpPr>
+          <p:cNvPr id="29" name="标题 1">
+            <a:extLst>
+              <a:ext uri="{FF2B5EF4-FFF2-40B4-BE49-F238E27FC236}">
+                <a16:creationId xmlns:a16="http://schemas.microsoft.com/office/drawing/2014/main" id="{8CA9A024-4989-D42F-FF88-03F324E9309A}"/>
+              </a:ext>
+            </a:extLst>
+          </p:cNvPr>
+          <p:cNvSpPr>
+            <a:spLocks noGrp="1"/>
+          </p:cNvSpPr>
+          <p:nvPr>
+            <p:ph type="title"/>
+          </p:nvPr>
+        </p:nvSpPr>
+        <p:spPr>
+          <a:xfrm>
+            <a:off x="954088" y="549275"/>
+            <a:ext cx="4846637" cy="436563"/>
+          </a:xfrm>
+        </p:spPr>
+        <p:txBody>
+          <a:bodyPr/>
+          <a:lstStyle/>
+          <a:p>
+            <a:r>
+              <a:rPr lang="zh-CN" altLang="en-US" dirty="0"/>
+              <a:t>文献概要</a:t>
+            </a:r>
+          </a:p>
+        </p:txBody>
+      </p:sp>
+      <p:sp>
+        <p:nvSpPr>
+          <p:cNvPr id="22" name="文本框 21">
+            <a:extLst>
+              <a:ext uri="{FF2B5EF4-FFF2-40B4-BE49-F238E27FC236}">
+                <a16:creationId xmlns:a16="http://schemas.microsoft.com/office/drawing/2014/main" id="{B280A8EA-6180-9F37-D64C-D44E83D38619}"/>
+              </a:ext>
+            </a:extLst>
+          </p:cNvPr>
+          <p:cNvSpPr txBox="1"/>
+          <p:nvPr/>
+        </p:nvSpPr>
+        <p:spPr>
+          <a:xfrm>
+            <a:off x="954088" y="1404635"/>
+            <a:ext cx="9973888" cy="369332"/>
+          </a:xfrm>
+          <a:prstGeom prst="rect">
+            <a:avLst/>
+          </a:prstGeom>
+          <a:noFill/>
+        </p:spPr>
+        <p:txBody>
+          <a:bodyPr wrap="square">
+            <a:spAutoFit/>
+          </a:bodyPr>
+          <a:lstStyle/>
+          <a:p>
+            <a:pPr marL="0" marR="0" lvl="0" indent="0" algn="l" defTabSz="914400" rtl="0" eaLnBrk="1" fontAlgn="auto" latinLnBrk="0" hangingPunct="1">
+              <a:lnSpc>
+                <a:spcPct val="100000"/>
+              </a:lnSpc>
+              <a:spcBef>
+                <a:spcPts val="0"/>
+              </a:spcBef>
+              <a:spcAft>
+                <a:spcPts val="0"/>
+              </a:spcAft>
+              <a:buClrTx/>
+              <a:buSzTx/>
+              <a:buFontTx/>
+              <a:buNone/>
+              <a:tabLst/>
+              <a:defRPr/>
+            </a:pPr>
+            <a:r>
+              <a:rPr lang="en-US" altLang="zh-CN" b="1" dirty="0">
+                <a:latin typeface="Times New Roman" panose="02020603050405020304" pitchFamily="18" charset="0"/>
+                <a:cs typeface="Times New Roman" panose="02020603050405020304" pitchFamily="18" charset="0"/>
+              </a:rPr>
+              <a:t>Ⅲ. </a:t>
+            </a:r>
+            <a:r>
+              <a:rPr lang="en-US" altLang="zh-CN" sz="1800" i="1" dirty="0">
+                <a:effectLst/>
+                <a:latin typeface="Times New Roman" panose="02020603050405020304" pitchFamily="18" charset="0"/>
+                <a:cs typeface="Times New Roman" panose="02020603050405020304" pitchFamily="18" charset="0"/>
+              </a:rPr>
+              <a:t>Robust Remote Heart Rate Estimation from Face Utilizing Spatial-temporal Attention</a:t>
+            </a:r>
+          </a:p>
+        </p:txBody>
+      </p:sp>
+      <p:pic>
+        <p:nvPicPr>
+          <p:cNvPr id="6" name="图片 5">
+            <a:extLst>
+              <a:ext uri="{FF2B5EF4-FFF2-40B4-BE49-F238E27FC236}">
+                <a16:creationId xmlns:a16="http://schemas.microsoft.com/office/drawing/2014/main" id="{DF6374C1-CCA3-353B-10B8-359DD5245F32}"/>
+              </a:ext>
+            </a:extLst>
+          </p:cNvPr>
+          <p:cNvPicPr>
+            <a:picLocks noChangeAspect="1"/>
+          </p:cNvPicPr>
+          <p:nvPr/>
+        </p:nvPicPr>
+        <p:blipFill>
+          <a:blip r:embed="rId3"/>
+          <a:stretch>
+            <a:fillRect/>
+          </a:stretch>
+        </p:blipFill>
+        <p:spPr>
+          <a:xfrm>
+            <a:off x="2132447" y="2466646"/>
+            <a:ext cx="7336556" cy="2825354"/>
+          </a:xfrm>
+          <a:prstGeom prst="rect">
+            <a:avLst/>
+          </a:prstGeom>
+        </p:spPr>
+      </p:pic>
+    </p:spTree>
+    <p:extLst>
+      <p:ext uri="{BB962C8B-B14F-4D97-AF65-F5344CB8AC3E}">
+        <p14:creationId xmlns:p14="http://schemas.microsoft.com/office/powerpoint/2010/main" val="910193012"/>
+      </p:ext>
+    </p:extLst>
+  </p:cSld>
+  <p:clrMapOvr>
+    <a:masterClrMapping/>
+  </p:clrMapOvr>
+  <mc:AlternateContent xmlns:mc="http://schemas.openxmlformats.org/markup-compatibility/2006" xmlns:p14="http://schemas.microsoft.com/office/powerpoint/2010/main">
+    <mc:Choice Requires="p14">
+      <p:transition spd="med" p14:dur="700">
+        <p:fade/>
+      </p:transition>
+    </mc:Choice>
+    <mc:Fallback xmlns="">
+      <p:transition spd="med">
+        <p:fade/>
+      </p:transition>
+    </mc:Fallback>
+  </mc:AlternateContent>
+</p:sld>
+</file>
+
+<file path=ppt/slides/slide27.xml><?xml version="1.0" encoding="utf-8"?>
+<p:sld xmlns:a="http://schemas.openxmlformats.org/drawingml/2006/main" xmlns:r="http://schemas.openxmlformats.org/officeDocument/2006/relationships" xmlns:p="http://schemas.openxmlformats.org/presentationml/2006/main">
+  <p:cSld>
+    <p:spTree>
+      <p:nvGrpSpPr>
+        <p:cNvPr id="1" name=""/>
+        <p:cNvGrpSpPr/>
+        <p:nvPr/>
+      </p:nvGrpSpPr>
+      <p:grpSpPr>
+        <a:xfrm>
+          <a:off x="0" y="0"/>
+          <a:ext cx="0" cy="0"/>
+          <a:chOff x="0" y="0"/>
+          <a:chExt cx="0" cy="0"/>
+        </a:xfrm>
+      </p:grpSpPr>
+      <p:sp>
+        <p:nvSpPr>
+          <p:cNvPr id="29" name="标题 1">
+            <a:extLst>
+              <a:ext uri="{FF2B5EF4-FFF2-40B4-BE49-F238E27FC236}">
+                <a16:creationId xmlns:a16="http://schemas.microsoft.com/office/drawing/2014/main" id="{8CA9A024-4989-D42F-FF88-03F324E9309A}"/>
+              </a:ext>
+            </a:extLst>
+          </p:cNvPr>
+          <p:cNvSpPr>
+            <a:spLocks noGrp="1"/>
+          </p:cNvSpPr>
+          <p:nvPr>
+            <p:ph type="title"/>
+          </p:nvPr>
+        </p:nvSpPr>
+        <p:spPr>
+          <a:xfrm>
+            <a:off x="954088" y="549275"/>
+            <a:ext cx="4846637" cy="436563"/>
+          </a:xfrm>
+        </p:spPr>
+        <p:txBody>
+          <a:bodyPr/>
+          <a:lstStyle/>
+          <a:p>
+            <a:r>
+              <a:rPr lang="zh-CN" altLang="en-US" dirty="0"/>
+              <a:t>文献概要</a:t>
+            </a:r>
+          </a:p>
+        </p:txBody>
+      </p:sp>
+      <p:sp>
+        <p:nvSpPr>
+          <p:cNvPr id="22" name="文本框 21">
+            <a:extLst>
+              <a:ext uri="{FF2B5EF4-FFF2-40B4-BE49-F238E27FC236}">
+                <a16:creationId xmlns:a16="http://schemas.microsoft.com/office/drawing/2014/main" id="{B280A8EA-6180-9F37-D64C-D44E83D38619}"/>
+              </a:ext>
+            </a:extLst>
+          </p:cNvPr>
+          <p:cNvSpPr txBox="1"/>
+          <p:nvPr/>
+        </p:nvSpPr>
+        <p:spPr>
+          <a:xfrm>
+            <a:off x="954088" y="1404635"/>
+            <a:ext cx="9973888" cy="369332"/>
+          </a:xfrm>
+          <a:prstGeom prst="rect">
+            <a:avLst/>
+          </a:prstGeom>
+          <a:noFill/>
+        </p:spPr>
+        <p:txBody>
+          <a:bodyPr wrap="square">
+            <a:spAutoFit/>
+          </a:bodyPr>
+          <a:lstStyle/>
+          <a:p>
+            <a:pPr marL="0" marR="0" lvl="0" indent="0" algn="l" defTabSz="914400" rtl="0" eaLnBrk="1" fontAlgn="auto" latinLnBrk="0" hangingPunct="1">
+              <a:lnSpc>
+                <a:spcPct val="100000"/>
+              </a:lnSpc>
+              <a:spcBef>
+                <a:spcPts val="0"/>
+              </a:spcBef>
+              <a:spcAft>
+                <a:spcPts val="0"/>
+              </a:spcAft>
+              <a:buClrTx/>
+              <a:buSzTx/>
+              <a:buFontTx/>
+              <a:buNone/>
+              <a:tabLst/>
+              <a:defRPr/>
+            </a:pPr>
+            <a:r>
+              <a:rPr lang="en-US" altLang="zh-CN" b="1" dirty="0">
+                <a:latin typeface="Times New Roman" panose="02020603050405020304" pitchFamily="18" charset="0"/>
+                <a:cs typeface="Times New Roman" panose="02020603050405020304" pitchFamily="18" charset="0"/>
+              </a:rPr>
+              <a:t>Ⅲ. </a:t>
+            </a:r>
+            <a:r>
+              <a:rPr lang="en-US" altLang="zh-CN" sz="1800" i="1" dirty="0">
+                <a:effectLst/>
+                <a:latin typeface="Times New Roman" panose="02020603050405020304" pitchFamily="18" charset="0"/>
+                <a:cs typeface="Times New Roman" panose="02020603050405020304" pitchFamily="18" charset="0"/>
+              </a:rPr>
+              <a:t>Robust Remote Heart Rate Estimation from Face Utilizing Spatial-temporal Attention</a:t>
+            </a:r>
+          </a:p>
+        </p:txBody>
+      </p:sp>
+      <p:pic>
+        <p:nvPicPr>
+          <p:cNvPr id="3" name="图片 2">
+            <a:extLst>
+              <a:ext uri="{FF2B5EF4-FFF2-40B4-BE49-F238E27FC236}">
+                <a16:creationId xmlns:a16="http://schemas.microsoft.com/office/drawing/2014/main" id="{7637CB34-FF22-AE40-2DB1-E3DA2590D1EB}"/>
+              </a:ext>
+            </a:extLst>
+          </p:cNvPr>
+          <p:cNvPicPr>
+            <a:picLocks noChangeAspect="1"/>
+          </p:cNvPicPr>
+          <p:nvPr/>
+        </p:nvPicPr>
+        <p:blipFill>
+          <a:blip r:embed="rId3"/>
+          <a:stretch>
+            <a:fillRect/>
+          </a:stretch>
+        </p:blipFill>
+        <p:spPr>
+          <a:xfrm>
+            <a:off x="2790405" y="2166781"/>
+            <a:ext cx="6020640" cy="3286584"/>
+          </a:xfrm>
+          <a:prstGeom prst="rect">
+            <a:avLst/>
+          </a:prstGeom>
+        </p:spPr>
+      </p:pic>
+    </p:spTree>
+    <p:extLst>
+      <p:ext uri="{BB962C8B-B14F-4D97-AF65-F5344CB8AC3E}">
+        <p14:creationId xmlns:p14="http://schemas.microsoft.com/office/powerpoint/2010/main" val="1579332194"/>
+      </p:ext>
+    </p:extLst>
+  </p:cSld>
+  <p:clrMapOvr>
+    <a:masterClrMapping/>
+  </p:clrMapOvr>
+  <mc:AlternateContent xmlns:mc="http://schemas.openxmlformats.org/markup-compatibility/2006" xmlns:p14="http://schemas.microsoft.com/office/powerpoint/2010/main">
+    <mc:Choice Requires="p14">
+      <p:transition spd="med" p14:dur="700">
+        <p:fade/>
+      </p:transition>
+    </mc:Choice>
+    <mc:Fallback xmlns="">
+      <p:transition spd="med">
+        <p:fade/>
+      </p:transition>
+    </mc:Fallback>
+  </mc:AlternateContent>
+</p:sld>
+</file>
+
+<file path=ppt/slides/slide28.xml><?xml version="1.0" encoding="utf-8"?>
+<p:sld xmlns:a="http://schemas.openxmlformats.org/drawingml/2006/main" xmlns:r="http://schemas.openxmlformats.org/officeDocument/2006/relationships" xmlns:p="http://schemas.openxmlformats.org/presentationml/2006/main">
+  <p:cSld>
+    <p:spTree>
+      <p:nvGrpSpPr>
+        <p:cNvPr id="1" name=""/>
+        <p:cNvGrpSpPr/>
+        <p:nvPr/>
+      </p:nvGrpSpPr>
+      <p:grpSpPr>
+        <a:xfrm>
+          <a:off x="0" y="0"/>
+          <a:ext cx="0" cy="0"/>
+          <a:chOff x="0" y="0"/>
+          <a:chExt cx="0" cy="0"/>
+        </a:xfrm>
+      </p:grpSpPr>
+      <p:sp>
+        <p:nvSpPr>
+          <p:cNvPr id="29" name="标题 1">
+            <a:extLst>
+              <a:ext uri="{FF2B5EF4-FFF2-40B4-BE49-F238E27FC236}">
+                <a16:creationId xmlns:a16="http://schemas.microsoft.com/office/drawing/2014/main" id="{8CA9A024-4989-D42F-FF88-03F324E9309A}"/>
+              </a:ext>
+            </a:extLst>
+          </p:cNvPr>
+          <p:cNvSpPr>
+            <a:spLocks noGrp="1"/>
+          </p:cNvSpPr>
+          <p:nvPr>
+            <p:ph type="title"/>
+          </p:nvPr>
+        </p:nvSpPr>
+        <p:spPr>
+          <a:xfrm>
+            <a:off x="954088" y="549275"/>
+            <a:ext cx="4846637" cy="436563"/>
+          </a:xfrm>
+        </p:spPr>
+        <p:txBody>
+          <a:bodyPr/>
+          <a:lstStyle/>
+          <a:p>
+            <a:r>
+              <a:rPr lang="zh-CN" altLang="en-US" dirty="0"/>
+              <a:t>文献概要</a:t>
+            </a:r>
+          </a:p>
+        </p:txBody>
+      </p:sp>
+      <p:sp>
+        <p:nvSpPr>
+          <p:cNvPr id="22" name="文本框 21">
+            <a:extLst>
+              <a:ext uri="{FF2B5EF4-FFF2-40B4-BE49-F238E27FC236}">
+                <a16:creationId xmlns:a16="http://schemas.microsoft.com/office/drawing/2014/main" id="{B280A8EA-6180-9F37-D64C-D44E83D38619}"/>
+              </a:ext>
+            </a:extLst>
+          </p:cNvPr>
+          <p:cNvSpPr txBox="1"/>
+          <p:nvPr/>
+        </p:nvSpPr>
+        <p:spPr>
+          <a:xfrm>
+            <a:off x="954088" y="1404635"/>
+            <a:ext cx="9973888" cy="369332"/>
+          </a:xfrm>
+          <a:prstGeom prst="rect">
+            <a:avLst/>
+          </a:prstGeom>
+          <a:noFill/>
+        </p:spPr>
+        <p:txBody>
+          <a:bodyPr wrap="square">
+            <a:spAutoFit/>
+          </a:bodyPr>
+          <a:lstStyle/>
+          <a:p>
+            <a:pPr marL="0" marR="0" lvl="0" indent="0" algn="l" defTabSz="914400" rtl="0" eaLnBrk="1" fontAlgn="auto" latinLnBrk="0" hangingPunct="1">
+              <a:lnSpc>
+                <a:spcPct val="100000"/>
+              </a:lnSpc>
+              <a:spcBef>
+                <a:spcPts val="0"/>
+              </a:spcBef>
+              <a:spcAft>
+                <a:spcPts val="0"/>
+              </a:spcAft>
+              <a:buClrTx/>
+              <a:buSzTx/>
+              <a:buFontTx/>
+              <a:buNone/>
+              <a:tabLst/>
+              <a:defRPr/>
+            </a:pPr>
+            <a:r>
+              <a:rPr lang="en-US" altLang="zh-CN" b="1" dirty="0">
+                <a:latin typeface="Times New Roman" panose="02020603050405020304" pitchFamily="18" charset="0"/>
+                <a:cs typeface="Times New Roman" panose="02020603050405020304" pitchFamily="18" charset="0"/>
+              </a:rPr>
+              <a:t>Ⅳ. </a:t>
+            </a:r>
+            <a:r>
+              <a:rPr lang="en-US" altLang="zh-CN" sz="1800" i="1" dirty="0" err="1">
+                <a:effectLst/>
+                <a:latin typeface="Times New Roman" panose="02020603050405020304" pitchFamily="18" charset="0"/>
+                <a:cs typeface="Times New Roman" panose="02020603050405020304" pitchFamily="18" charset="0"/>
+              </a:rPr>
+              <a:t>RhythmNet</a:t>
+            </a:r>
+            <a:r>
+              <a:rPr lang="en-US" altLang="zh-CN" sz="1800" i="1" dirty="0">
+                <a:effectLst/>
+                <a:latin typeface="Times New Roman" panose="02020603050405020304" pitchFamily="18" charset="0"/>
+                <a:cs typeface="Times New Roman" panose="02020603050405020304" pitchFamily="18" charset="0"/>
+              </a:rPr>
+              <a:t>: End-to-End Heart Rate Estimation From Face via Spatial-Temporal Representation</a:t>
+            </a:r>
+          </a:p>
+        </p:txBody>
+      </p:sp>
+      <p:sp>
+        <p:nvSpPr>
+          <p:cNvPr id="2" name="文本框 1">
+            <a:extLst>
+              <a:ext uri="{FF2B5EF4-FFF2-40B4-BE49-F238E27FC236}">
+                <a16:creationId xmlns:a16="http://schemas.microsoft.com/office/drawing/2014/main" id="{7DD7EA74-0273-07ED-7B99-90939F0C1120}"/>
+              </a:ext>
+            </a:extLst>
+          </p:cNvPr>
+          <p:cNvSpPr txBox="1"/>
+          <p:nvPr/>
+        </p:nvSpPr>
+        <p:spPr>
+          <a:xfrm>
+            <a:off x="954088" y="2305084"/>
+            <a:ext cx="9037077" cy="881139"/>
+          </a:xfrm>
+          <a:prstGeom prst="rect">
+            <a:avLst/>
+          </a:prstGeom>
+          <a:noFill/>
+        </p:spPr>
+        <p:txBody>
+          <a:bodyPr wrap="square" rtlCol="0">
+            <a:spAutoFit/>
+          </a:bodyPr>
+          <a:lstStyle/>
+          <a:p>
+            <a:pPr>
+              <a:lnSpc>
+                <a:spcPct val="150000"/>
+              </a:lnSpc>
+            </a:pPr>
+            <a:r>
+              <a:rPr lang="zh-CN" altLang="en-US" b="1" dirty="0"/>
+              <a:t>研究现状：</a:t>
+            </a:r>
+            <a:endParaRPr lang="en-US" altLang="zh-CN" b="1" dirty="0"/>
+          </a:p>
+          <a:p>
+            <a:pPr>
+              <a:lnSpc>
+                <a:spcPct val="150000"/>
+              </a:lnSpc>
+            </a:pPr>
+            <a:r>
+              <a:rPr lang="zh-CN" altLang="en-US" dirty="0"/>
+              <a:t>由于面部移动和照明变化，</a:t>
+            </a:r>
+            <a:r>
+              <a:rPr lang="en-US" altLang="zh-CN" dirty="0" err="1"/>
+              <a:t>rPPG</a:t>
+            </a:r>
+            <a:r>
+              <a:rPr lang="zh-CN" altLang="en-US" dirty="0"/>
+              <a:t>信号可能产生偏差结果。（还是这个）</a:t>
+            </a:r>
+            <a:endParaRPr lang="en-US" altLang="zh-CN" dirty="0"/>
+          </a:p>
+        </p:txBody>
+      </p:sp>
+      <p:sp>
+        <p:nvSpPr>
+          <p:cNvPr id="3" name="文本框 2">
+            <a:extLst>
+              <a:ext uri="{FF2B5EF4-FFF2-40B4-BE49-F238E27FC236}">
+                <a16:creationId xmlns:a16="http://schemas.microsoft.com/office/drawing/2014/main" id="{8B09A32D-BB1C-866A-AAB3-EAF456780A38}"/>
+              </a:ext>
+            </a:extLst>
+          </p:cNvPr>
+          <p:cNvSpPr txBox="1"/>
+          <p:nvPr/>
+        </p:nvSpPr>
+        <p:spPr>
+          <a:xfrm>
+            <a:off x="954088" y="3466330"/>
+            <a:ext cx="9037077" cy="2127634"/>
+          </a:xfrm>
+          <a:prstGeom prst="rect">
+            <a:avLst/>
+          </a:prstGeom>
+          <a:noFill/>
+        </p:spPr>
+        <p:txBody>
+          <a:bodyPr wrap="square" rtlCol="0">
+            <a:spAutoFit/>
+          </a:bodyPr>
+          <a:lstStyle/>
+          <a:p>
+            <a:pPr algn="just">
+              <a:lnSpc>
+                <a:spcPct val="150000"/>
+              </a:lnSpc>
+            </a:pPr>
+            <a:r>
+              <a:rPr lang="zh-CN" altLang="en-US" b="1" dirty="0"/>
+              <a:t>主要创新：</a:t>
+            </a:r>
+            <a:endParaRPr lang="en-US" altLang="zh-CN" b="1" dirty="0"/>
+          </a:p>
+          <a:p>
+            <a:pPr marL="342900" indent="-342900" algn="just">
+              <a:lnSpc>
+                <a:spcPct val="150000"/>
+              </a:lnSpc>
+              <a:buAutoNum type="arabicPeriod"/>
+            </a:pPr>
+            <a:r>
+              <a:rPr lang="zh-CN" altLang="en-US" dirty="0"/>
+              <a:t>基本是对上次工作的进一步完善</a:t>
+            </a:r>
+            <a:endParaRPr lang="en-US" altLang="zh-CN" dirty="0"/>
+          </a:p>
+          <a:p>
+            <a:pPr marL="342900" indent="-342900" algn="just">
+              <a:lnSpc>
+                <a:spcPct val="150000"/>
+              </a:lnSpc>
+              <a:buAutoNum type="arabicPeriod"/>
+            </a:pPr>
+            <a:r>
+              <a:rPr lang="zh-CN" altLang="en-US" dirty="0"/>
+              <a:t>最后引入了 </a:t>
+            </a:r>
+            <a:r>
+              <a:rPr lang="en-US" altLang="zh-CN" dirty="0"/>
+              <a:t>GRU</a:t>
+            </a:r>
+            <a:r>
+              <a:rPr lang="zh-CN" altLang="en-US" dirty="0"/>
+              <a:t>（</a:t>
+            </a:r>
+            <a:r>
+              <a:rPr lang="en-US" altLang="zh-CN" dirty="0"/>
+              <a:t>LSTM</a:t>
+            </a:r>
+            <a:r>
+              <a:rPr lang="zh-CN" altLang="en-US" dirty="0"/>
+              <a:t>变体）</a:t>
+            </a:r>
+            <a:endParaRPr lang="en-US" altLang="zh-CN" dirty="0"/>
+          </a:p>
+          <a:p>
+            <a:pPr marL="342900" indent="-342900" algn="just">
+              <a:lnSpc>
+                <a:spcPct val="150000"/>
+              </a:lnSpc>
+              <a:buAutoNum type="arabicPeriod"/>
+            </a:pPr>
+            <a:r>
+              <a:rPr lang="zh-CN" altLang="en-US" dirty="0"/>
+              <a:t>建立了</a:t>
+            </a:r>
+            <a:r>
+              <a:rPr lang="en-US" altLang="zh-CN" dirty="0"/>
+              <a:t>VIPL-HR</a:t>
+            </a:r>
+            <a:r>
+              <a:rPr lang="zh-CN" altLang="en-US" b="0" i="0" dirty="0">
+                <a:effectLst/>
+                <a:latin typeface="Arial" panose="020B0604020202020204" pitchFamily="34" charset="0"/>
+              </a:rPr>
+              <a:t>数据集</a:t>
+            </a:r>
+            <a:endParaRPr lang="en-US" altLang="zh-CN" dirty="0"/>
+          </a:p>
+          <a:p>
+            <a:pPr marL="342900" indent="-342900" algn="just">
+              <a:lnSpc>
+                <a:spcPct val="150000"/>
+              </a:lnSpc>
+              <a:buAutoNum type="arabicPeriod"/>
+            </a:pPr>
+            <a:endParaRPr lang="en-US" altLang="zh-CN" dirty="0"/>
+          </a:p>
+        </p:txBody>
+      </p:sp>
+    </p:spTree>
+    <p:extLst>
+      <p:ext uri="{BB962C8B-B14F-4D97-AF65-F5344CB8AC3E}">
+        <p14:creationId xmlns:p14="http://schemas.microsoft.com/office/powerpoint/2010/main" val="3751550131"/>
+      </p:ext>
+    </p:extLst>
+  </p:cSld>
+  <p:clrMapOvr>
+    <a:masterClrMapping/>
+  </p:clrMapOvr>
+  <mc:AlternateContent xmlns:mc="http://schemas.openxmlformats.org/markup-compatibility/2006" xmlns:p14="http://schemas.microsoft.com/office/powerpoint/2010/main">
+    <mc:Choice Requires="p14">
+      <p:transition spd="med" p14:dur="700">
+        <p:fade/>
+      </p:transition>
+    </mc:Choice>
+    <mc:Fallback xmlns="">
+      <p:transition spd="med">
+        <p:fade/>
+      </p:transition>
+    </mc:Fallback>
+  </mc:AlternateContent>
+</p:sld>
+</file>
+
+<file path=ppt/slides/slide29.xml><?xml version="1.0" encoding="utf-8"?>
+<p:sld xmlns:a="http://schemas.openxmlformats.org/drawingml/2006/main" xmlns:r="http://schemas.openxmlformats.org/officeDocument/2006/relationships" xmlns:p="http://schemas.openxmlformats.org/presentationml/2006/main">
+  <p:cSld>
+    <p:spTree>
+      <p:nvGrpSpPr>
+        <p:cNvPr id="1" name=""/>
+        <p:cNvGrpSpPr/>
+        <p:nvPr/>
+      </p:nvGrpSpPr>
+      <p:grpSpPr>
+        <a:xfrm>
+          <a:off x="0" y="0"/>
+          <a:ext cx="0" cy="0"/>
+          <a:chOff x="0" y="0"/>
+          <a:chExt cx="0" cy="0"/>
+        </a:xfrm>
+      </p:grpSpPr>
+      <p:sp>
+        <p:nvSpPr>
+          <p:cNvPr id="29" name="标题 1">
+            <a:extLst>
+              <a:ext uri="{FF2B5EF4-FFF2-40B4-BE49-F238E27FC236}">
+                <a16:creationId xmlns:a16="http://schemas.microsoft.com/office/drawing/2014/main" id="{8CA9A024-4989-D42F-FF88-03F324E9309A}"/>
+              </a:ext>
+            </a:extLst>
+          </p:cNvPr>
+          <p:cNvSpPr>
+            <a:spLocks noGrp="1"/>
+          </p:cNvSpPr>
+          <p:nvPr>
+            <p:ph type="title"/>
+          </p:nvPr>
+        </p:nvSpPr>
+        <p:spPr>
+          <a:xfrm>
+            <a:off x="954088" y="549275"/>
+            <a:ext cx="4846637" cy="436563"/>
+          </a:xfrm>
+        </p:spPr>
+        <p:txBody>
+          <a:bodyPr/>
+          <a:lstStyle/>
+          <a:p>
+            <a:r>
+              <a:rPr lang="zh-CN" altLang="en-US" dirty="0"/>
+              <a:t>文献概要</a:t>
+            </a:r>
+          </a:p>
+        </p:txBody>
+      </p:sp>
+      <p:sp>
+        <p:nvSpPr>
+          <p:cNvPr id="22" name="文本框 21">
+            <a:extLst>
+              <a:ext uri="{FF2B5EF4-FFF2-40B4-BE49-F238E27FC236}">
+                <a16:creationId xmlns:a16="http://schemas.microsoft.com/office/drawing/2014/main" id="{B280A8EA-6180-9F37-D64C-D44E83D38619}"/>
+              </a:ext>
+            </a:extLst>
+          </p:cNvPr>
+          <p:cNvSpPr txBox="1"/>
+          <p:nvPr/>
+        </p:nvSpPr>
+        <p:spPr>
+          <a:xfrm>
+            <a:off x="954088" y="1404635"/>
+            <a:ext cx="9973888" cy="369332"/>
+          </a:xfrm>
+          <a:prstGeom prst="rect">
+            <a:avLst/>
+          </a:prstGeom>
+          <a:noFill/>
+        </p:spPr>
+        <p:txBody>
+          <a:bodyPr wrap="square">
+            <a:spAutoFit/>
+          </a:bodyPr>
+          <a:lstStyle/>
+          <a:p>
+            <a:pPr marL="0" marR="0" lvl="0" indent="0" algn="l" defTabSz="914400" rtl="0" eaLnBrk="1" fontAlgn="auto" latinLnBrk="0" hangingPunct="1">
+              <a:lnSpc>
+                <a:spcPct val="100000"/>
+              </a:lnSpc>
+              <a:spcBef>
+                <a:spcPts val="0"/>
+              </a:spcBef>
+              <a:spcAft>
+                <a:spcPts val="0"/>
+              </a:spcAft>
+              <a:buClrTx/>
+              <a:buSzTx/>
+              <a:buFontTx/>
+              <a:buNone/>
+              <a:tabLst/>
+              <a:defRPr/>
+            </a:pPr>
+            <a:r>
+              <a:rPr lang="en-US" altLang="zh-CN" b="1" dirty="0">
+                <a:latin typeface="Times New Roman" panose="02020603050405020304" pitchFamily="18" charset="0"/>
+                <a:cs typeface="Times New Roman" panose="02020603050405020304" pitchFamily="18" charset="0"/>
+              </a:rPr>
+              <a:t>Ⅳ. </a:t>
+            </a:r>
+            <a:r>
+              <a:rPr lang="en-US" altLang="zh-CN" sz="1800" i="1" dirty="0" err="1">
+                <a:effectLst/>
+                <a:latin typeface="Times New Roman" panose="02020603050405020304" pitchFamily="18" charset="0"/>
+                <a:cs typeface="Times New Roman" panose="02020603050405020304" pitchFamily="18" charset="0"/>
+              </a:rPr>
+              <a:t>RhythmNet</a:t>
+            </a:r>
+            <a:r>
+              <a:rPr lang="en-US" altLang="zh-CN" sz="1800" i="1" dirty="0">
+                <a:effectLst/>
+                <a:latin typeface="Times New Roman" panose="02020603050405020304" pitchFamily="18" charset="0"/>
+                <a:cs typeface="Times New Roman" panose="02020603050405020304" pitchFamily="18" charset="0"/>
+              </a:rPr>
+              <a:t>: End-to-End Heart Rate Estimation From Face via Spatial-Temporal Representation</a:t>
+            </a:r>
+          </a:p>
+        </p:txBody>
+      </p:sp>
+      <p:pic>
+        <p:nvPicPr>
+          <p:cNvPr id="5" name="图片 4">
+            <a:extLst>
+              <a:ext uri="{FF2B5EF4-FFF2-40B4-BE49-F238E27FC236}">
+                <a16:creationId xmlns:a16="http://schemas.microsoft.com/office/drawing/2014/main" id="{418BAD6A-E6B2-260B-DF8B-7BDA046D4E82}"/>
+              </a:ext>
+            </a:extLst>
+          </p:cNvPr>
+          <p:cNvPicPr>
+            <a:picLocks noChangeAspect="1"/>
+          </p:cNvPicPr>
+          <p:nvPr/>
+        </p:nvPicPr>
+        <p:blipFill>
+          <a:blip r:embed="rId3"/>
+          <a:stretch>
+            <a:fillRect/>
+          </a:stretch>
+        </p:blipFill>
+        <p:spPr>
+          <a:xfrm>
+            <a:off x="1466245" y="2192764"/>
+            <a:ext cx="8668960" cy="3572374"/>
+          </a:xfrm>
+          <a:prstGeom prst="rect">
+            <a:avLst/>
+          </a:prstGeom>
+        </p:spPr>
+      </p:pic>
+      <p:sp>
+        <p:nvSpPr>
+          <p:cNvPr id="6" name="矩形 5">
+            <a:extLst>
+              <a:ext uri="{FF2B5EF4-FFF2-40B4-BE49-F238E27FC236}">
+                <a16:creationId xmlns:a16="http://schemas.microsoft.com/office/drawing/2014/main" id="{2911D217-291C-CDB3-B282-BBF524F52312}"/>
+              </a:ext>
+            </a:extLst>
+          </p:cNvPr>
+          <p:cNvSpPr/>
+          <p:nvPr/>
+        </p:nvSpPr>
+        <p:spPr>
+          <a:xfrm>
+            <a:off x="7978588" y="2779059"/>
+            <a:ext cx="609600" cy="2348753"/>
+          </a:xfrm>
+          <a:prstGeom prst="rect">
+            <a:avLst/>
+          </a:prstGeom>
+          <a:noFill/>
+          <a:ln w="28575">
+            <a:solidFill>
+              <a:srgbClr val="FF0000"/>
+            </a:solidFill>
+          </a:ln>
+        </p:spPr>
+        <p:style>
+          <a:lnRef idx="2">
+            <a:schemeClr val="accent1">
+              <a:shade val="50000"/>
+            </a:schemeClr>
+          </a:lnRef>
+          <a:fillRef idx="1">
+            <a:schemeClr val="accent1"/>
+          </a:fillRef>
+          <a:effectRef idx="0">
+            <a:schemeClr val="accent1"/>
+          </a:effectRef>
+          <a:fontRef idx="minor">
+            <a:schemeClr val="lt1"/>
+          </a:fontRef>
+        </p:style>
+        <p:txBody>
+          <a:bodyPr rtlCol="0" anchor="ctr"/>
+          <a:lstStyle/>
+          <a:p>
+            <a:pPr algn="ctr"/>
+            <a:endParaRPr lang="zh-CN" altLang="en-US" dirty="0"/>
+          </a:p>
+        </p:txBody>
+      </p:sp>
+    </p:spTree>
+    <p:extLst>
+      <p:ext uri="{BB962C8B-B14F-4D97-AF65-F5344CB8AC3E}">
+        <p14:creationId xmlns:p14="http://schemas.microsoft.com/office/powerpoint/2010/main" val="1856499581"/>
+      </p:ext>
+    </p:extLst>
+  </p:cSld>
+  <p:clrMapOvr>
+    <a:masterClrMapping/>
+  </p:clrMapOvr>
+  <mc:AlternateContent xmlns:mc="http://schemas.openxmlformats.org/markup-compatibility/2006" xmlns:p14="http://schemas.microsoft.com/office/powerpoint/2010/main">
+    <mc:Choice Requires="p14">
+      <p:transition spd="med" p14:dur="700">
+        <p:fade/>
+      </p:transition>
+    </mc:Choice>
+    <mc:Fallback xmlns="">
       <p:transition spd="med">
         <p:fade/>
       </p:transition>
@@ -9860,13 +16701,13 @@
   <p:clrMapOvr>
     <a:masterClrMapping/>
   </p:clrMapOvr>
-  <mc:AlternateContent xmlns:mc="http://schemas.openxmlformats.org/markup-compatibility/2006">
-    <mc:Choice xmlns:p14="http://schemas.microsoft.com/office/powerpoint/2010/main" Requires="p14">
+  <mc:AlternateContent xmlns:mc="http://schemas.openxmlformats.org/markup-compatibility/2006" xmlns:p14="http://schemas.microsoft.com/office/powerpoint/2010/main">
+    <mc:Choice Requires="p14">
       <p:transition spd="med" p14:dur="700">
         <p:fade/>
       </p:transition>
     </mc:Choice>
-    <mc:Fallback>
+    <mc:Fallback xmlns="">
       <p:transition spd="med">
         <p:fade/>
       </p:transition>
@@ -10451,13 +17292,13 @@
   <p:clrMapOvr>
     <a:masterClrMapping/>
   </p:clrMapOvr>
-  <mc:AlternateContent xmlns:mc="http://schemas.openxmlformats.org/markup-compatibility/2006">
-    <mc:Choice xmlns:p14="http://schemas.microsoft.com/office/powerpoint/2010/main" Requires="p14">
+  <mc:AlternateContent xmlns:mc="http://schemas.openxmlformats.org/markup-compatibility/2006" xmlns:p14="http://schemas.microsoft.com/office/powerpoint/2010/main">
+    <mc:Choice Requires="p14">
       <p:transition spd="med" p14:dur="700">
         <p:fade/>
       </p:transition>
     </mc:Choice>
-    <mc:Fallback>
+    <mc:Fallback xmlns="">
       <p:transition spd="med">
         <p:fade/>
       </p:transition>
@@ -10551,7 +17392,7 @@
             </a:pPr>
             <a:r>
               <a:rPr lang="zh-CN" altLang="en-US" b="1" dirty="0"/>
-              <a:t>研究背景：</a:t>
+              <a:t>研究现状：</a:t>
             </a:r>
             <a:r>
               <a:rPr lang="zh-CN" altLang="en-US" dirty="0"/>
@@ -10594,10 +17435,10 @@
       </p:sp>
       <p:sp>
         <p:nvSpPr>
-          <p:cNvPr id="33" name="文本框 32">
-            <a:extLst>
-              <a:ext uri="{FF2B5EF4-FFF2-40B4-BE49-F238E27FC236}">
-                <a16:creationId xmlns:a16="http://schemas.microsoft.com/office/drawing/2014/main" id="{B9DF0BA6-0146-9DBA-4497-D1E6916C2534}"/>
+          <p:cNvPr id="2" name="文本框 1">
+            <a:extLst>
+              <a:ext uri="{FF2B5EF4-FFF2-40B4-BE49-F238E27FC236}">
+                <a16:creationId xmlns:a16="http://schemas.microsoft.com/office/drawing/2014/main" id="{E6A1A037-2699-DF72-1CC4-A775DFA05DEE}"/>
               </a:ext>
             </a:extLst>
           </p:cNvPr>
@@ -10607,7 +17448,7 @@
         <p:spPr>
           <a:xfrm>
             <a:off x="954088" y="1404635"/>
-            <a:ext cx="9654727" cy="369332"/>
+            <a:ext cx="9973888" cy="369332"/>
           </a:xfrm>
           <a:prstGeom prst="rect">
             <a:avLst/>
@@ -10638,6 +17479,13 @@
               <a:defRPr/>
             </a:pPr>
             <a:r>
+              <a:rPr lang="en-US" altLang="zh-CN" b="1" dirty="0">
+                <a:latin typeface="Times New Roman" panose="02020603050405020304" pitchFamily="18" charset="0"/>
+                <a:cs typeface="Times New Roman" panose="02020603050405020304" pitchFamily="18" charset="0"/>
+              </a:rPr>
+              <a:t>I. </a:t>
+            </a:r>
+            <a:r>
               <a:rPr lang="en-US" altLang="zh-CN" sz="1800" i="1" dirty="0">
                 <a:effectLst/>
                 <a:latin typeface="Times New Roman" panose="02020603050405020304" pitchFamily="18" charset="0"/>
@@ -10658,13 +17506,13 @@
   <p:clrMapOvr>
     <a:masterClrMapping/>
   </p:clrMapOvr>
-  <mc:AlternateContent xmlns:mc="http://schemas.openxmlformats.org/markup-compatibility/2006">
-    <mc:Choice xmlns:p14="http://schemas.microsoft.com/office/powerpoint/2010/main" Requires="p14">
+  <mc:AlternateContent xmlns:mc="http://schemas.openxmlformats.org/markup-compatibility/2006" xmlns:p14="http://schemas.microsoft.com/office/powerpoint/2010/main">
+    <mc:Choice Requires="p14">
       <p:transition spd="med" p14:dur="700">
         <p:fade/>
       </p:transition>
     </mc:Choice>
-    <mc:Fallback>
+    <mc:Fallback xmlns="">
       <p:transition spd="med">
         <p:fade/>
       </p:transition>
@@ -10978,10 +17826,10 @@
       </p:pic>
       <p:sp>
         <p:nvSpPr>
-          <p:cNvPr id="7" name="文本框 6">
-            <a:extLst>
-              <a:ext uri="{FF2B5EF4-FFF2-40B4-BE49-F238E27FC236}">
-                <a16:creationId xmlns:a16="http://schemas.microsoft.com/office/drawing/2014/main" id="{9382B874-9AAA-2E65-1EA2-5AEAD7513CAB}"/>
+          <p:cNvPr id="2" name="文本框 1">
+            <a:extLst>
+              <a:ext uri="{FF2B5EF4-FFF2-40B4-BE49-F238E27FC236}">
+                <a16:creationId xmlns:a16="http://schemas.microsoft.com/office/drawing/2014/main" id="{D886C546-AD8E-E806-72F9-9E2ED9DDE5CF}"/>
               </a:ext>
             </a:extLst>
           </p:cNvPr>
@@ -10991,7 +17839,7 @@
         <p:spPr>
           <a:xfrm>
             <a:off x="954088" y="1404635"/>
-            <a:ext cx="9654727" cy="369332"/>
+            <a:ext cx="9973888" cy="369332"/>
           </a:xfrm>
           <a:prstGeom prst="rect">
             <a:avLst/>
@@ -11022,6 +17870,13 @@
               <a:defRPr/>
             </a:pPr>
             <a:r>
+              <a:rPr lang="en-US" altLang="zh-CN" b="1" dirty="0">
+                <a:latin typeface="Times New Roman" panose="02020603050405020304" pitchFamily="18" charset="0"/>
+                <a:cs typeface="Times New Roman" panose="02020603050405020304" pitchFamily="18" charset="0"/>
+              </a:rPr>
+              <a:t>I. </a:t>
+            </a:r>
+            <a:r>
               <a:rPr lang="en-US" altLang="zh-CN" sz="1800" i="1" dirty="0">
                 <a:effectLst/>
                 <a:latin typeface="Times New Roman" panose="02020603050405020304" pitchFamily="18" charset="0"/>
@@ -11042,13 +17897,13 @@
   <p:clrMapOvr>
     <a:masterClrMapping/>
   </p:clrMapOvr>
-  <mc:AlternateContent xmlns:mc="http://schemas.openxmlformats.org/markup-compatibility/2006">
-    <mc:Choice xmlns:p14="http://schemas.microsoft.com/office/powerpoint/2010/main" Requires="p14">
+  <mc:AlternateContent xmlns:mc="http://schemas.openxmlformats.org/markup-compatibility/2006" xmlns:p14="http://schemas.microsoft.com/office/powerpoint/2010/main">
+    <mc:Choice Requires="p14">
       <p:transition spd="med" p14:dur="700">
         <p:fade/>
       </p:transition>
     </mc:Choice>
-    <mc:Fallback>
+    <mc:Fallback xmlns="">
       <p:transition spd="med">
         <p:fade/>
       </p:transition>
@@ -11107,62 +17962,6 @@
           </a:p>
         </p:txBody>
       </p:sp>
-      <p:sp>
-        <p:nvSpPr>
-          <p:cNvPr id="2" name="文本框 1">
-            <a:extLst>
-              <a:ext uri="{FF2B5EF4-FFF2-40B4-BE49-F238E27FC236}">
-                <a16:creationId xmlns:a16="http://schemas.microsoft.com/office/drawing/2014/main" id="{1B855CAE-30EF-FCF1-5C64-EEB3B2EC713E}"/>
-              </a:ext>
-            </a:extLst>
-          </p:cNvPr>
-          <p:cNvSpPr txBox="1"/>
-          <p:nvPr/>
-        </p:nvSpPr>
-        <p:spPr>
-          <a:xfrm>
-            <a:off x="954088" y="1404635"/>
-            <a:ext cx="9654727" cy="369332"/>
-          </a:xfrm>
-          <a:prstGeom prst="rect">
-            <a:avLst/>
-          </a:prstGeom>
-          <a:noFill/>
-        </p:spPr>
-        <p:txBody>
-          <a:bodyPr wrap="square">
-            <a:spAutoFit/>
-          </a:bodyPr>
-          <a:lstStyle/>
-          <a:p>
-            <a:pPr marL="0" marR="0" lvl="0" indent="0" algn="l" defTabSz="914400" rtl="0" eaLnBrk="1" fontAlgn="auto" latinLnBrk="0" hangingPunct="1">
-              <a:lnSpc>
-                <a:spcPct val="100000"/>
-              </a:lnSpc>
-              <a:spcBef>
-                <a:spcPts val="0"/>
-              </a:spcBef>
-              <a:spcAft>
-                <a:spcPts val="0"/>
-              </a:spcAft>
-              <a:buClrTx/>
-              <a:buSzTx/>
-              <a:buFontTx/>
-              <a:buNone/>
-              <a:tabLst/>
-              <a:defRPr/>
-            </a:pPr>
-            <a:r>
-              <a:rPr lang="en-US" altLang="zh-CN" sz="1800" i="1" dirty="0">
-                <a:effectLst/>
-                <a:latin typeface="Times New Roman" panose="02020603050405020304" pitchFamily="18" charset="0"/>
-                <a:cs typeface="Times New Roman" panose="02020603050405020304" pitchFamily="18" charset="0"/>
-              </a:rPr>
-              <a:t>Continuous Heart Rate Measurement from Face: A Robust rPPG Approach with Distribution Learning</a:t>
-            </a:r>
-          </a:p>
-        </p:txBody>
-      </p:sp>
       <p:pic>
         <p:nvPicPr>
           <p:cNvPr id="8" name="图片 7">
@@ -12084,6 +18883,69 @@
           </a:p>
         </p:txBody>
       </p:sp>
+      <p:sp>
+        <p:nvSpPr>
+          <p:cNvPr id="4" name="文本框 3">
+            <a:extLst>
+              <a:ext uri="{FF2B5EF4-FFF2-40B4-BE49-F238E27FC236}">
+                <a16:creationId xmlns:a16="http://schemas.microsoft.com/office/drawing/2014/main" id="{33C49EAF-EB09-33DF-EB3E-38575B31DEE4}"/>
+              </a:ext>
+            </a:extLst>
+          </p:cNvPr>
+          <p:cNvSpPr txBox="1"/>
+          <p:nvPr/>
+        </p:nvSpPr>
+        <p:spPr>
+          <a:xfrm>
+            <a:off x="954088" y="1404635"/>
+            <a:ext cx="9973888" cy="369332"/>
+          </a:xfrm>
+          <a:prstGeom prst="rect">
+            <a:avLst/>
+          </a:prstGeom>
+          <a:noFill/>
+        </p:spPr>
+        <p:txBody>
+          <a:bodyPr wrap="square">
+            <a:spAutoFit/>
+          </a:bodyPr>
+          <a:lstStyle/>
+          <a:p>
+            <a:pPr marL="0" marR="0" lvl="0" indent="0" algn="l" defTabSz="914400" rtl="0" eaLnBrk="1" fontAlgn="auto" latinLnBrk="0" hangingPunct="1">
+              <a:lnSpc>
+                <a:spcPct val="100000"/>
+              </a:lnSpc>
+              <a:spcBef>
+                <a:spcPts val="0"/>
+              </a:spcBef>
+              <a:spcAft>
+                <a:spcPts val="0"/>
+              </a:spcAft>
+              <a:buClrTx/>
+              <a:buSzTx/>
+              <a:buFontTx/>
+              <a:buNone/>
+              <a:tabLst/>
+              <a:defRPr/>
+            </a:pPr>
+            <a:r>
+              <a:rPr lang="en-US" altLang="zh-CN" b="1" dirty="0">
+                <a:latin typeface="Times New Roman" panose="02020603050405020304" pitchFamily="18" charset="0"/>
+                <a:cs typeface="Times New Roman" panose="02020603050405020304" pitchFamily="18" charset="0"/>
+              </a:rPr>
+              <a:t>I. </a:t>
+            </a:r>
+            <a:r>
+              <a:rPr lang="en-US" altLang="zh-CN" sz="1800" i="1" dirty="0">
+                <a:effectLst/>
+                <a:latin typeface="Times New Roman" panose="02020603050405020304" pitchFamily="18" charset="0"/>
+                <a:cs typeface="Times New Roman" panose="02020603050405020304" pitchFamily="18" charset="0"/>
+              </a:rPr>
+              <a:t>Continuous Heart Rate Measurement from Face: A Robust rPPG Approach with Distribution Learning</a:t>
+            </a:r>
+          </a:p>
+        </p:txBody>
+      </p:sp>
     </p:spTree>
     <p:extLst>
       <p:ext uri="{BB962C8B-B14F-4D97-AF65-F5344CB8AC3E}">
@@ -12094,13 +18956,13 @@
   <p:clrMapOvr>
     <a:masterClrMapping/>
   </p:clrMapOvr>
-  <mc:AlternateContent xmlns:mc="http://schemas.openxmlformats.org/markup-compatibility/2006">
-    <mc:Choice xmlns:p14="http://schemas.microsoft.com/office/powerpoint/2010/main" Requires="p14">
+  <mc:AlternateContent xmlns:mc="http://schemas.openxmlformats.org/markup-compatibility/2006" xmlns:p14="http://schemas.microsoft.com/office/powerpoint/2010/main">
+    <mc:Choice Requires="p14">
       <p:transition spd="med" p14:dur="700">
         <p:fade/>
       </p:transition>
     </mc:Choice>
-    <mc:Fallback>
+    <mc:Fallback xmlns="">
       <p:transition spd="med">
         <p:fade/>
       </p:transition>
@@ -12155,62 +19017,6 @@
             <a:r>
               <a:rPr lang="zh-CN" altLang="en-US" dirty="0"/>
               <a:t>文献概要</a:t>
-            </a:r>
-          </a:p>
-        </p:txBody>
-      </p:sp>
-      <p:sp>
-        <p:nvSpPr>
-          <p:cNvPr id="2" name="文本框 1">
-            <a:extLst>
-              <a:ext uri="{FF2B5EF4-FFF2-40B4-BE49-F238E27FC236}">
-                <a16:creationId xmlns:a16="http://schemas.microsoft.com/office/drawing/2014/main" id="{1B855CAE-30EF-FCF1-5C64-EEB3B2EC713E}"/>
-              </a:ext>
-            </a:extLst>
-          </p:cNvPr>
-          <p:cNvSpPr txBox="1"/>
-          <p:nvPr/>
-        </p:nvSpPr>
-        <p:spPr>
-          <a:xfrm>
-            <a:off x="954088" y="1404635"/>
-            <a:ext cx="9654727" cy="369332"/>
-          </a:xfrm>
-          <a:prstGeom prst="rect">
-            <a:avLst/>
-          </a:prstGeom>
-          <a:noFill/>
-        </p:spPr>
-        <p:txBody>
-          <a:bodyPr wrap="square">
-            <a:spAutoFit/>
-          </a:bodyPr>
-          <a:lstStyle/>
-          <a:p>
-            <a:pPr marL="0" marR="0" lvl="0" indent="0" algn="l" defTabSz="914400" rtl="0" eaLnBrk="1" fontAlgn="auto" latinLnBrk="0" hangingPunct="1">
-              <a:lnSpc>
-                <a:spcPct val="100000"/>
-              </a:lnSpc>
-              <a:spcBef>
-                <a:spcPts val="0"/>
-              </a:spcBef>
-              <a:spcAft>
-                <a:spcPts val="0"/>
-              </a:spcAft>
-              <a:buClrTx/>
-              <a:buSzTx/>
-              <a:buFontTx/>
-              <a:buNone/>
-              <a:tabLst/>
-              <a:defRPr/>
-            </a:pPr>
-            <a:r>
-              <a:rPr lang="en-US" altLang="zh-CN" sz="1800" i="1" dirty="0">
-                <a:effectLst/>
-                <a:latin typeface="Times New Roman" panose="02020603050405020304" pitchFamily="18" charset="0"/>
-                <a:cs typeface="Times New Roman" panose="02020603050405020304" pitchFamily="18" charset="0"/>
-              </a:rPr>
-              <a:t>Continuous Heart Rate Measurement from Face: A Robust rPPG Approach with Distribution Learning</a:t>
             </a:r>
           </a:p>
         </p:txBody>
@@ -13621,6 +20427,69 @@
           </a:p>
         </p:txBody>
       </p:sp>
+      <p:sp>
+        <p:nvSpPr>
+          <p:cNvPr id="10" name="文本框 9">
+            <a:extLst>
+              <a:ext uri="{FF2B5EF4-FFF2-40B4-BE49-F238E27FC236}">
+                <a16:creationId xmlns:a16="http://schemas.microsoft.com/office/drawing/2014/main" id="{478F5D68-D4A2-24EB-0238-E9AFCBD27454}"/>
+              </a:ext>
+            </a:extLst>
+          </p:cNvPr>
+          <p:cNvSpPr txBox="1"/>
+          <p:nvPr/>
+        </p:nvSpPr>
+        <p:spPr>
+          <a:xfrm>
+            <a:off x="954088" y="1404635"/>
+            <a:ext cx="9973888" cy="369332"/>
+          </a:xfrm>
+          <a:prstGeom prst="rect">
+            <a:avLst/>
+          </a:prstGeom>
+          <a:noFill/>
+        </p:spPr>
+        <p:txBody>
+          <a:bodyPr wrap="square">
+            <a:spAutoFit/>
+          </a:bodyPr>
+          <a:lstStyle/>
+          <a:p>
+            <a:pPr marL="0" marR="0" lvl="0" indent="0" algn="l" defTabSz="914400" rtl="0" eaLnBrk="1" fontAlgn="auto" latinLnBrk="0" hangingPunct="1">
+              <a:lnSpc>
+                <a:spcPct val="100000"/>
+              </a:lnSpc>
+              <a:spcBef>
+                <a:spcPts val="0"/>
+              </a:spcBef>
+              <a:spcAft>
+                <a:spcPts val="0"/>
+              </a:spcAft>
+              <a:buClrTx/>
+              <a:buSzTx/>
+              <a:buFontTx/>
+              <a:buNone/>
+              <a:tabLst/>
+              <a:defRPr/>
+            </a:pPr>
+            <a:r>
+              <a:rPr lang="en-US" altLang="zh-CN" b="1" dirty="0">
+                <a:latin typeface="Times New Roman" panose="02020603050405020304" pitchFamily="18" charset="0"/>
+                <a:cs typeface="Times New Roman" panose="02020603050405020304" pitchFamily="18" charset="0"/>
+              </a:rPr>
+              <a:t>I. </a:t>
+            </a:r>
+            <a:r>
+              <a:rPr lang="en-US" altLang="zh-CN" sz="1800" i="1" dirty="0">
+                <a:effectLst/>
+                <a:latin typeface="Times New Roman" panose="02020603050405020304" pitchFamily="18" charset="0"/>
+                <a:cs typeface="Times New Roman" panose="02020603050405020304" pitchFamily="18" charset="0"/>
+              </a:rPr>
+              <a:t>Continuous Heart Rate Measurement from Face: A Robust rPPG Approach with Distribution Learning</a:t>
+            </a:r>
+          </a:p>
+        </p:txBody>
+      </p:sp>
     </p:spTree>
     <p:extLst>
       <p:ext uri="{BB962C8B-B14F-4D97-AF65-F5344CB8AC3E}">
@@ -13631,13 +20500,13 @@
   <p:clrMapOvr>
     <a:masterClrMapping/>
   </p:clrMapOvr>
-  <mc:AlternateContent xmlns:mc="http://schemas.openxmlformats.org/markup-compatibility/2006">
-    <mc:Choice xmlns:p14="http://schemas.microsoft.com/office/powerpoint/2010/main" Requires="p14">
+  <mc:AlternateContent xmlns:mc="http://schemas.openxmlformats.org/markup-compatibility/2006" xmlns:p14="http://schemas.microsoft.com/office/powerpoint/2010/main">
+    <mc:Choice Requires="p14">
       <p:transition spd="med" p14:dur="700">
         <p:fade/>
       </p:transition>
     </mc:Choice>
-    <mc:Fallback>
+    <mc:Fallback xmlns="">
       <p:transition spd="med">
         <p:fade/>
       </p:transition>
@@ -13696,62 +20565,6 @@
           </a:p>
         </p:txBody>
       </p:sp>
-      <p:sp>
-        <p:nvSpPr>
-          <p:cNvPr id="2" name="文本框 1">
-            <a:extLst>
-              <a:ext uri="{FF2B5EF4-FFF2-40B4-BE49-F238E27FC236}">
-                <a16:creationId xmlns:a16="http://schemas.microsoft.com/office/drawing/2014/main" id="{1B855CAE-30EF-FCF1-5C64-EEB3B2EC713E}"/>
-              </a:ext>
-            </a:extLst>
-          </p:cNvPr>
-          <p:cNvSpPr txBox="1"/>
-          <p:nvPr/>
-        </p:nvSpPr>
-        <p:spPr>
-          <a:xfrm>
-            <a:off x="954088" y="1404635"/>
-            <a:ext cx="9654727" cy="369332"/>
-          </a:xfrm>
-          <a:prstGeom prst="rect">
-            <a:avLst/>
-          </a:prstGeom>
-          <a:noFill/>
-        </p:spPr>
-        <p:txBody>
-          <a:bodyPr wrap="square">
-            <a:spAutoFit/>
-          </a:bodyPr>
-          <a:lstStyle/>
-          <a:p>
-            <a:pPr marL="0" marR="0" lvl="0" indent="0" algn="l" defTabSz="914400" rtl="0" eaLnBrk="1" fontAlgn="auto" latinLnBrk="0" hangingPunct="1">
-              <a:lnSpc>
-                <a:spcPct val="100000"/>
-              </a:lnSpc>
-              <a:spcBef>
-                <a:spcPts val="0"/>
-              </a:spcBef>
-              <a:spcAft>
-                <a:spcPts val="0"/>
-              </a:spcAft>
-              <a:buClrTx/>
-              <a:buSzTx/>
-              <a:buFontTx/>
-              <a:buNone/>
-              <a:tabLst/>
-              <a:defRPr/>
-            </a:pPr>
-            <a:r>
-              <a:rPr lang="en-US" altLang="zh-CN" sz="1800" i="1" dirty="0">
-                <a:effectLst/>
-                <a:latin typeface="Times New Roman" panose="02020603050405020304" pitchFamily="18" charset="0"/>
-                <a:cs typeface="Times New Roman" panose="02020603050405020304" pitchFamily="18" charset="0"/>
-              </a:rPr>
-              <a:t>Continuous Heart Rate Measurement from Face: A Robust rPPG Approach with Distribution Learning</a:t>
-            </a:r>
-          </a:p>
-        </p:txBody>
-      </p:sp>
       <p:pic>
         <p:nvPicPr>
           <p:cNvPr id="8" name="图片 7">
@@ -14657,8 +21470,8 @@
           </a:fontRef>
         </p:style>
       </p:cxnSp>
-      <mc:AlternateContent xmlns:mc="http://schemas.openxmlformats.org/markup-compatibility/2006">
-        <mc:Choice xmlns:p14="http://schemas.microsoft.com/office/powerpoint/2010/main" Requires="p14">
+      <mc:AlternateContent xmlns:mc="http://schemas.openxmlformats.org/markup-compatibility/2006" xmlns:p14="http://schemas.microsoft.com/office/powerpoint/2010/main">
+        <mc:Choice Requires="p14">
           <p:contentPart p14:bwMode="auto" r:id="rId6">
             <p14:nvContentPartPr>
               <p14:cNvPr id="40" name="墨迹 39">
@@ -14677,7 +21490,7 @@
             </p14:xfrm>
           </p:contentPart>
         </mc:Choice>
-        <mc:Fallback>
+        <mc:Fallback xmlns="">
           <p:pic>
             <p:nvPicPr>
               <p:cNvPr id="40" name="墨迹 39">
@@ -14708,8 +21521,8 @@
           </p:pic>
         </mc:Fallback>
       </mc:AlternateContent>
-      <mc:AlternateContent xmlns:mc="http://schemas.openxmlformats.org/markup-compatibility/2006">
-        <mc:Choice xmlns:p14="http://schemas.microsoft.com/office/powerpoint/2010/main" Requires="p14">
+      <mc:AlternateContent xmlns:mc="http://schemas.openxmlformats.org/markup-compatibility/2006" xmlns:p14="http://schemas.microsoft.com/office/powerpoint/2010/main">
+        <mc:Choice Requires="p14">
           <p:contentPart p14:bwMode="auto" r:id="rId8">
             <p14:nvContentPartPr>
               <p14:cNvPr id="42" name="墨迹 41">
@@ -14728,7 +21541,7 @@
             </p14:xfrm>
           </p:contentPart>
         </mc:Choice>
-        <mc:Fallback>
+        <mc:Fallback xmlns="">
           <p:pic>
             <p:nvPicPr>
               <p:cNvPr id="42" name="墨迹 41">
@@ -14759,8 +21572,8 @@
           </p:pic>
         </mc:Fallback>
       </mc:AlternateContent>
-      <mc:AlternateContent xmlns:mc="http://schemas.openxmlformats.org/markup-compatibility/2006">
-        <mc:Choice xmlns:p14="http://schemas.microsoft.com/office/powerpoint/2010/main" Requires="p14">
+      <mc:AlternateContent xmlns:mc="http://schemas.openxmlformats.org/markup-compatibility/2006" xmlns:p14="http://schemas.microsoft.com/office/powerpoint/2010/main">
+        <mc:Choice Requires="p14">
           <p:contentPart p14:bwMode="auto" r:id="rId10">
             <p14:nvContentPartPr>
               <p14:cNvPr id="49" name="墨迹 48">
@@ -14779,7 +21592,7 @@
             </p14:xfrm>
           </p:contentPart>
         </mc:Choice>
-        <mc:Fallback>
+        <mc:Fallback xmlns="">
           <p:pic>
             <p:nvPicPr>
               <p:cNvPr id="49" name="墨迹 48">
@@ -15431,6 +22244,69 @@
           </a:p>
         </p:txBody>
       </p:sp>
+      <p:sp>
+        <p:nvSpPr>
+          <p:cNvPr id="3" name="文本框 2">
+            <a:extLst>
+              <a:ext uri="{FF2B5EF4-FFF2-40B4-BE49-F238E27FC236}">
+                <a16:creationId xmlns:a16="http://schemas.microsoft.com/office/drawing/2014/main" id="{6B8A38FD-DD9C-D562-23B4-76EB21C40E09}"/>
+              </a:ext>
+            </a:extLst>
+          </p:cNvPr>
+          <p:cNvSpPr txBox="1"/>
+          <p:nvPr/>
+        </p:nvSpPr>
+        <p:spPr>
+          <a:xfrm>
+            <a:off x="954088" y="1404635"/>
+            <a:ext cx="9973888" cy="369332"/>
+          </a:xfrm>
+          <a:prstGeom prst="rect">
+            <a:avLst/>
+          </a:prstGeom>
+          <a:noFill/>
+        </p:spPr>
+        <p:txBody>
+          <a:bodyPr wrap="square">
+            <a:spAutoFit/>
+          </a:bodyPr>
+          <a:lstStyle/>
+          <a:p>
+            <a:pPr marL="0" marR="0" lvl="0" indent="0" algn="l" defTabSz="914400" rtl="0" eaLnBrk="1" fontAlgn="auto" latinLnBrk="0" hangingPunct="1">
+              <a:lnSpc>
+                <a:spcPct val="100000"/>
+              </a:lnSpc>
+              <a:spcBef>
+                <a:spcPts val="0"/>
+              </a:spcBef>
+              <a:spcAft>
+                <a:spcPts val="0"/>
+              </a:spcAft>
+              <a:buClrTx/>
+              <a:buSzTx/>
+              <a:buFontTx/>
+              <a:buNone/>
+              <a:tabLst/>
+              <a:defRPr/>
+            </a:pPr>
+            <a:r>
+              <a:rPr lang="en-US" altLang="zh-CN" b="1" dirty="0">
+                <a:latin typeface="Times New Roman" panose="02020603050405020304" pitchFamily="18" charset="0"/>
+                <a:cs typeface="Times New Roman" panose="02020603050405020304" pitchFamily="18" charset="0"/>
+              </a:rPr>
+              <a:t>I. </a:t>
+            </a:r>
+            <a:r>
+              <a:rPr lang="en-US" altLang="zh-CN" sz="1800" i="1" dirty="0">
+                <a:effectLst/>
+                <a:latin typeface="Times New Roman" panose="02020603050405020304" pitchFamily="18" charset="0"/>
+                <a:cs typeface="Times New Roman" panose="02020603050405020304" pitchFamily="18" charset="0"/>
+              </a:rPr>
+              <a:t>Continuous Heart Rate Measurement from Face: A Robust rPPG Approach with Distribution Learning</a:t>
+            </a:r>
+          </a:p>
+        </p:txBody>
+      </p:sp>
     </p:spTree>
     <p:extLst>
       <p:ext uri="{BB962C8B-B14F-4D97-AF65-F5344CB8AC3E}">
@@ -15441,13 +22317,13 @@
   <p:clrMapOvr>
     <a:masterClrMapping/>
   </p:clrMapOvr>
-  <mc:AlternateContent xmlns:mc="http://schemas.openxmlformats.org/markup-compatibility/2006">
-    <mc:Choice xmlns:p14="http://schemas.microsoft.com/office/powerpoint/2010/main" Requires="p14">
+  <mc:AlternateContent xmlns:mc="http://schemas.openxmlformats.org/markup-compatibility/2006" xmlns:p14="http://schemas.microsoft.com/office/powerpoint/2010/main">
+    <mc:Choice Requires="p14">
       <p:transition spd="med" p14:dur="700">
         <p:fade/>
       </p:transition>
     </mc:Choice>
-    <mc:Fallback>
+    <mc:Fallback xmlns="">
       <p:transition spd="med">
         <p:fade/>
       </p:transition>
